--- a/Capstone_Project.pptx
+++ b/Capstone_Project.pptx
@@ -20,7 +20,6 @@
     <p:sldId id="267" r:id="rId15"/>
     <p:sldId id="268" r:id="rId16"/>
     <p:sldId id="269" r:id="rId17"/>
-    <p:sldId id="270" r:id="rId18"/>
   </p:sldIdLst>
   <p:sldSz cx="12192000" cy="6858000"/>
   <p:notesSz cx="7559675" cy="10691813"/>
@@ -78,7 +77,7 @@
         <p:txBody>
           <a:bodyPr/>
           <a:p>
-            <a:fld id="{130C4B72-38EA-4C4A-A9A8-BCDA249DB1AD}" type="slidenum">
+            <a:fld id="{064C016A-5A7F-4609-AAC9-D043E670033E}" type="slidenum">
               <a:t>&lt;#&gt;</a:t>
             </a:fld>
           </a:p>
@@ -293,7 +292,7 @@
         <p:txBody>
           <a:bodyPr/>
           <a:p>
-            <a:fld id="{0ED7065C-3295-4EA2-A380-E44E40B66DCF}" type="slidenum">
+            <a:fld id="{9A9D8397-6AFC-4BFD-A95D-279597DB85A7}" type="slidenum">
               <a:t>&lt;#&gt;</a:t>
             </a:fld>
           </a:p>
@@ -600,7 +599,7 @@
         <p:txBody>
           <a:bodyPr/>
           <a:p>
-            <a:fld id="{4BEF0CB1-5CE0-4EF2-8028-EA3171A78E7F}" type="slidenum">
+            <a:fld id="{F508F4EB-474E-407C-9128-ED9831E1C119}" type="slidenum">
               <a:t>&lt;#&gt;</a:t>
             </a:fld>
           </a:p>
@@ -999,7 +998,7 @@
         <p:txBody>
           <a:bodyPr/>
           <a:p>
-            <a:fld id="{699B2410-9677-455E-AC59-27AFDFF6BBF2}" type="slidenum">
+            <a:fld id="{382B7B7A-EF84-4DD3-BC66-C54AC1054439}" type="slidenum">
               <a:t>&lt;#&gt;</a:t>
             </a:fld>
           </a:p>
@@ -1082,7 +1081,7 @@
         <p:txBody>
           <a:bodyPr/>
           <a:p>
-            <a:fld id="{821C37FD-FD8C-4838-BD7F-2273CE1FE8A2}" type="slidenum">
+            <a:fld id="{82A28582-60DE-4B56-8F6D-CBD69FF78856}" type="slidenum">
               <a:t>&lt;#&gt;</a:t>
             </a:fld>
           </a:p>
@@ -1245,7 +1244,7 @@
         <p:txBody>
           <a:bodyPr/>
           <a:p>
-            <a:fld id="{4AE90D36-026A-4554-8E0F-4A2680E53F28}" type="slidenum">
+            <a:fld id="{6F7D5EB3-1871-4762-A813-0AEB848DF297}" type="slidenum">
               <a:t>&lt;#&gt;</a:t>
             </a:fld>
           </a:p>
@@ -1414,7 +1413,7 @@
         <p:txBody>
           <a:bodyPr/>
           <a:p>
-            <a:fld id="{2EF17566-B52A-4AC9-B824-0DF05E775BE9}" type="slidenum">
+            <a:fld id="{5D79453E-3FB3-4F3D-B272-DD74B4DA915E}" type="slidenum">
               <a:t>&lt;#&gt;</a:t>
             </a:fld>
           </a:p>
@@ -1629,7 +1628,7 @@
         <p:txBody>
           <a:bodyPr/>
           <a:p>
-            <a:fld id="{987CD930-D372-461D-BC3C-969348097BBF}" type="slidenum">
+            <a:fld id="{045E106A-8EED-4831-94D2-EA393BA3494C}" type="slidenum">
               <a:t>&lt;#&gt;</a:t>
             </a:fld>
           </a:p>
@@ -1752,7 +1751,7 @@
         <p:txBody>
           <a:bodyPr/>
           <a:p>
-            <a:fld id="{8DC49B64-147F-4980-9241-0398EBC3B69D}" type="slidenum">
+            <a:fld id="{0208E3B2-C11F-49AA-9E46-F89FC259D6C7}" type="slidenum">
               <a:t>&lt;#&gt;</a:t>
             </a:fld>
           </a:p>
@@ -1873,7 +1872,7 @@
         <p:txBody>
           <a:bodyPr/>
           <a:p>
-            <a:fld id="{D8F248DB-5BB2-4E5D-8F8B-A25BFDD3C951}" type="slidenum">
+            <a:fld id="{D3A7E5E9-151B-4D06-B535-80A1DC9B78BE}" type="slidenum">
               <a:t>&lt;#&gt;</a:t>
             </a:fld>
           </a:p>
@@ -2134,7 +2133,7 @@
         <p:txBody>
           <a:bodyPr/>
           <a:p>
-            <a:fld id="{B79D5094-4521-4ED2-8C37-97BDEC3F0A6B}" type="slidenum">
+            <a:fld id="{07828725-460A-429C-8244-0F6629D2B80F}" type="slidenum">
               <a:t>&lt;#&gt;</a:t>
             </a:fld>
           </a:p>
@@ -2297,7 +2296,7 @@
         <p:txBody>
           <a:bodyPr/>
           <a:p>
-            <a:fld id="{F17A0F0E-7408-45A9-A74B-E2C999572691}" type="slidenum">
+            <a:fld id="{6E865507-E791-4586-BD93-2689990FE6A7}" type="slidenum">
               <a:t>&lt;#&gt;</a:t>
             </a:fld>
           </a:p>
@@ -2558,7 +2557,7 @@
         <p:txBody>
           <a:bodyPr/>
           <a:p>
-            <a:fld id="{0FB9CDA3-8878-48D3-9AFE-B539A4B07465}" type="slidenum">
+            <a:fld id="{00C962E4-094B-471A-97DA-912467BCBD94}" type="slidenum">
               <a:t>&lt;#&gt;</a:t>
             </a:fld>
           </a:p>
@@ -2819,7 +2818,7 @@
         <p:txBody>
           <a:bodyPr/>
           <a:p>
-            <a:fld id="{C7FFC920-FE69-4037-A6D4-39CDD38C8D9B}" type="slidenum">
+            <a:fld id="{C55ED9A1-9587-440D-BDEF-A011A2558C63}" type="slidenum">
               <a:t>&lt;#&gt;</a:t>
             </a:fld>
           </a:p>
@@ -3034,7 +3033,7 @@
         <p:txBody>
           <a:bodyPr/>
           <a:p>
-            <a:fld id="{4D219481-7653-41DD-8B41-F704C2DBFF52}" type="slidenum">
+            <a:fld id="{BFD658DE-5161-4055-A0E6-A67F7E0EA995}" type="slidenum">
               <a:t>&lt;#&gt;</a:t>
             </a:fld>
           </a:p>
@@ -3341,7 +3340,7 @@
         <p:txBody>
           <a:bodyPr/>
           <a:p>
-            <a:fld id="{ACCE3164-8C42-4288-9DFA-0C122CA41C04}" type="slidenum">
+            <a:fld id="{DBE452EB-F82B-44EF-A2FD-88C274881AD7}" type="slidenum">
               <a:t>&lt;#&gt;</a:t>
             </a:fld>
           </a:p>
@@ -3740,7 +3739,7 @@
         <p:txBody>
           <a:bodyPr/>
           <a:p>
-            <a:fld id="{AE50B0D3-07F8-440E-9DCD-00FB645B6C8F}" type="slidenum">
+            <a:fld id="{2784DE0F-8D12-4EDA-8BEA-AD7BDCF3C070}" type="slidenum">
               <a:t>&lt;#&gt;</a:t>
             </a:fld>
           </a:p>
@@ -3909,7 +3908,7 @@
         <p:txBody>
           <a:bodyPr/>
           <a:p>
-            <a:fld id="{A73AB2FE-CC3C-49BE-BFD7-2403377DA873}" type="slidenum">
+            <a:fld id="{50C703F6-ACAF-457A-A916-E6FFE0079DEC}" type="slidenum">
               <a:t>&lt;#&gt;</a:t>
             </a:fld>
           </a:p>
@@ -4124,7 +4123,7 @@
         <p:txBody>
           <a:bodyPr/>
           <a:p>
-            <a:fld id="{74CA2074-7C4B-4438-A30F-C8EEC3A26325}" type="slidenum">
+            <a:fld id="{D87A48EB-0B41-40C7-B94D-FDE6604F73A2}" type="slidenum">
               <a:t>&lt;#&gt;</a:t>
             </a:fld>
           </a:p>
@@ -4247,7 +4246,7 @@
         <p:txBody>
           <a:bodyPr/>
           <a:p>
-            <a:fld id="{9300BC65-DA0F-4A62-971A-73B0C5835143}" type="slidenum">
+            <a:fld id="{5639E9A6-2D55-49B2-90FB-4E4C02E301D4}" type="slidenum">
               <a:t>&lt;#&gt;</a:t>
             </a:fld>
           </a:p>
@@ -4368,7 +4367,7 @@
         <p:txBody>
           <a:bodyPr/>
           <a:p>
-            <a:fld id="{6407F95D-CAA9-4F4B-B194-8C038B4DFCBB}" type="slidenum">
+            <a:fld id="{1D8D07E1-D656-471F-855A-0A1D5DC4468F}" type="slidenum">
               <a:t>&lt;#&gt;</a:t>
             </a:fld>
           </a:p>
@@ -4629,7 +4628,7 @@
         <p:txBody>
           <a:bodyPr/>
           <a:p>
-            <a:fld id="{88EB9750-A1BB-4925-9208-E840AD8FF3E5}" type="slidenum">
+            <a:fld id="{EEDEE66B-20BC-4C77-B734-C25F2CD117D9}" type="slidenum">
               <a:t>&lt;#&gt;</a:t>
             </a:fld>
           </a:p>
@@ -4890,7 +4889,7 @@
         <p:txBody>
           <a:bodyPr/>
           <a:p>
-            <a:fld id="{525606CC-88E2-4C30-ABAB-5183790EB579}" type="slidenum">
+            <a:fld id="{7E98F939-B49F-466B-8DB3-2D68870EC75C}" type="slidenum">
               <a:t>&lt;#&gt;</a:t>
             </a:fld>
           </a:p>
@@ -5151,7 +5150,7 @@
         <p:txBody>
           <a:bodyPr/>
           <a:p>
-            <a:fld id="{159DF38E-BA60-418D-A1A1-3B175D17870E}" type="slidenum">
+            <a:fld id="{6079DFC8-8038-4396-9A84-338775BD9E9D}" type="slidenum">
               <a:t>&lt;#&gt;</a:t>
             </a:fld>
           </a:p>
@@ -5433,7 +5432,7 @@
               </a:lnSpc>
               <a:buNone/>
             </a:pPr>
-            <a:fld id="{E70F0508-D07F-4E8A-8F14-F4AEF66520F2}" type="slidenum">
+            <a:fld id="{30614991-5D83-4ADD-AA81-35B4847759E1}" type="slidenum">
               <a:rPr b="0" lang="en-IN" sz="1200" spc="-1" strike="noStrike">
                 <a:solidFill>
                   <a:srgbClr val="8b8b8b"/>
@@ -6146,7 +6145,7 @@
               </a:lnSpc>
               <a:buNone/>
             </a:pPr>
-            <a:fld id="{BAAEE285-FD15-4293-BFF3-811E028F33D6}" type="slidenum">
+            <a:fld id="{65321CB7-D2BB-4D19-887E-2A93EDACBE8B}" type="slidenum">
               <a:rPr b="0" lang="en-IN" sz="1200" spc="-1" strike="noStrike">
                 <a:solidFill>
                   <a:srgbClr val="8b8b8b"/>
@@ -7544,7 +7543,7 @@
         </p:blipFill>
         <p:spPr>
           <a:xfrm flipH="1">
-            <a:off x="360" y="-36000"/>
+            <a:off x="360" y="-72000"/>
             <a:ext cx="12191760" cy="6857640"/>
           </a:xfrm>
           <a:prstGeom prst="rect">
@@ -7814,212 +7813,6 @@
           </a:ln>
         </p:spPr>
       </p:pic>
-    </p:spTree>
-  </p:cSld>
-  <mc:AlternateContent>
-    <mc:Choice Requires="p14">
-      <p:transition spd="slow" p14:dur="2000"/>
-    </mc:Choice>
-    <mc:Fallback>
-      <p:transition spd="slow"/>
-    </mc:Fallback>
-  </mc:AlternateContent>
-</p:sld>
-</file>
-
-<file path=ppt/slides/slide15.xml><?xml version="1.0" encoding="utf-8"?>
-<p:sld xmlns:a="http://schemas.openxmlformats.org/drawingml/2006/main" xmlns:p="http://schemas.openxmlformats.org/presentationml/2006/main" xmlns:r="http://schemas.openxmlformats.org/officeDocument/2006/relationships" xmlns:p14="http://schemas.microsoft.com/office/powerpoint/2010/main" xmlns:p15="http://schemas.microsoft.com/office/powerpoint/2012/main" xmlns:mc="http://schemas.openxmlformats.org/markup-compatibility/2006">
-  <p:cSld>
-    <p:spTree>
-      <p:nvGrpSpPr>
-        <p:cNvPr id="1" name=""/>
-        <p:cNvGrpSpPr/>
-        <p:nvPr/>
-      </p:nvGrpSpPr>
-      <p:grpSpPr>
-        <a:xfrm>
-          <a:off x="0" y="0"/>
-          <a:ext cx="0" cy="0"/>
-          <a:chOff x="0" y="0"/>
-          <a:chExt cx="0" cy="0"/>
-        </a:xfrm>
-      </p:grpSpPr>
-      <p:pic>
-        <p:nvPicPr>
-          <p:cNvPr id="179" name="Picture 3" descr=""/>
-          <p:cNvPicPr/>
-          <p:nvPr/>
-        </p:nvPicPr>
-        <p:blipFill>
-          <a:blip r:embed="rId1"/>
-          <a:stretch/>
-        </p:blipFill>
-        <p:spPr>
-          <a:xfrm flipH="1">
-            <a:off x="360" y="0"/>
-            <a:ext cx="12191760" cy="6857640"/>
-          </a:xfrm>
-          <a:prstGeom prst="rect">
-            <a:avLst/>
-          </a:prstGeom>
-          <a:ln w="0">
-            <a:noFill/>
-          </a:ln>
-        </p:spPr>
-      </p:pic>
-      <p:cxnSp>
-        <p:nvCxnSpPr>
-          <p:cNvPr id="180" name="Straight Connector 4"/>
-          <p:cNvCxnSpPr/>
-          <p:nvPr/>
-        </p:nvCxnSpPr>
-        <p:spPr>
-          <a:xfrm>
-            <a:off x="2404080" y="383760"/>
-            <a:ext cx="360" cy="430200"/>
-          </a:xfrm>
-          <a:prstGeom prst="straightConnector1">
-            <a:avLst/>
-          </a:prstGeom>
-          <a:ln w="12700">
-            <a:solidFill>
-              <a:srgbClr val="dd4f22"/>
-            </a:solidFill>
-          </a:ln>
-        </p:spPr>
-      </p:cxnSp>
-      <p:pic>
-        <p:nvPicPr>
-          <p:cNvPr id="181" name="Picture 5" descr=""/>
-          <p:cNvPicPr/>
-          <p:nvPr/>
-        </p:nvPicPr>
-        <p:blipFill>
-          <a:blip r:embed="rId2"/>
-          <a:stretch/>
-        </p:blipFill>
-        <p:spPr>
-          <a:xfrm>
-            <a:off x="217440" y="338040"/>
-            <a:ext cx="1963080" cy="521280"/>
-          </a:xfrm>
-          <a:prstGeom prst="rect">
-            <a:avLst/>
-          </a:prstGeom>
-          <a:ln w="0">
-            <a:noFill/>
-          </a:ln>
-        </p:spPr>
-      </p:pic>
-      <p:sp>
-        <p:nvSpPr>
-          <p:cNvPr id="182" name="TextBox 7"/>
-          <p:cNvSpPr/>
-          <p:nvPr/>
-        </p:nvSpPr>
-        <p:spPr>
-          <a:xfrm>
-            <a:off x="2499480" y="383760"/>
-            <a:ext cx="8818560" cy="510120"/>
-          </a:xfrm>
-          <a:prstGeom prst="rect">
-            <a:avLst/>
-          </a:prstGeom>
-          <a:solidFill>
-            <a:srgbClr val="ff6709"/>
-          </a:solidFill>
-          <a:ln w="0">
-            <a:noFill/>
-          </a:ln>
-        </p:spPr>
-        <p:style>
-          <a:lnRef idx="0"/>
-          <a:fillRef idx="0"/>
-          <a:effectRef idx="0"/>
-          <a:fontRef idx="minor"/>
-        </p:style>
-        <p:txBody>
-          <a:bodyPr lIns="90000" rIns="90000" tIns="45000" bIns="45000" anchor="t">
-            <a:spAutoFit/>
-          </a:bodyPr>
-          <a:p>
-            <a:pPr>
-              <a:lnSpc>
-                <a:spcPct val="115000"/>
-              </a:lnSpc>
-            </a:pPr>
-            <a:r>
-              <a:rPr b="1" lang="en-IN" sz="2400" spc="-1" strike="noStrike">
-                <a:solidFill>
-                  <a:srgbClr val="ffffff"/>
-                </a:solidFill>
-                <a:latin typeface="Times New Roman"/>
-              </a:rPr>
-              <a:t>Appendices</a:t>
-            </a:r>
-            <a:endParaRPr b="0" lang="en-IN" sz="2400" spc="-1" strike="noStrike">
-              <a:solidFill>
-                <a:srgbClr val="000000"/>
-              </a:solidFill>
-              <a:latin typeface="Arial"/>
-            </a:endParaRPr>
-          </a:p>
-        </p:txBody>
-      </p:sp>
-      <p:sp>
-        <p:nvSpPr>
-          <p:cNvPr id="183" name="TextBox 6"/>
-          <p:cNvSpPr/>
-          <p:nvPr/>
-        </p:nvSpPr>
-        <p:spPr>
-          <a:xfrm>
-            <a:off x="490320" y="1349640"/>
-            <a:ext cx="5026320" cy="1035720"/>
-          </a:xfrm>
-          <a:prstGeom prst="rect">
-            <a:avLst/>
-          </a:prstGeom>
-          <a:noFill/>
-          <a:ln w="0">
-            <a:noFill/>
-          </a:ln>
-        </p:spPr>
-        <p:style>
-          <a:lnRef idx="0"/>
-          <a:fillRef idx="0"/>
-          <a:effectRef idx="0"/>
-          <a:fontRef idx="minor"/>
-        </p:style>
-        <p:txBody>
-          <a:bodyPr lIns="90000" rIns="90000" tIns="45000" bIns="45000" anchor="t">
-            <a:spAutoFit/>
-          </a:bodyPr>
-          <a:p>
-            <a:pPr algn="just">
-              <a:lnSpc>
-                <a:spcPct val="115000"/>
-              </a:lnSpc>
-            </a:pPr>
-            <a:r>
-              <a:rPr b="0" lang="en-IN" sz="1800" spc="-1" strike="noStrike">
-                <a:solidFill>
-                  <a:srgbClr val="000000"/>
-                </a:solidFill>
-                <a:latin typeface="Times New Roman"/>
-                <a:ea typeface="Arial"/>
-              </a:rPr>
-              <a:t>This section includes any additional materials that support the project, such as screenshots, code snippets, or diagrams.</a:t>
-            </a:r>
-            <a:endParaRPr b="0" lang="en-IN" sz="1800" spc="-1" strike="noStrike">
-              <a:solidFill>
-                <a:srgbClr val="000000"/>
-              </a:solidFill>
-              <a:latin typeface="Arial"/>
-            </a:endParaRPr>
-          </a:p>
-        </p:txBody>
-      </p:sp>
     </p:spTree>
   </p:cSld>
   <mc:AlternateContent>
@@ -8126,7 +7919,7 @@
         <p:spPr>
           <a:xfrm>
             <a:off x="698040" y="1503720"/>
-            <a:ext cx="10061280" cy="4222440"/>
+            <a:ext cx="10061280" cy="3948840"/>
           </a:xfrm>
           <a:prstGeom prst="rect">
             <a:avLst/>
@@ -8239,7 +8032,7 @@
                 <a:latin typeface="Times New Roman"/>
                 <a:ea typeface="Arial"/>
               </a:rPr>
-              <a:t>Project Overview</a:t>
+              <a:t>Tech-Stack</a:t>
             </a:r>
             <a:endParaRPr b="0" lang="en-IN" sz="1800" spc="-1" strike="noStrike">
               <a:solidFill>
@@ -8267,7 +8060,7 @@
                 <a:latin typeface="Times New Roman"/>
                 <a:ea typeface="Arial"/>
               </a:rPr>
-              <a:t>Architecture Design </a:t>
+              <a:t>Overview</a:t>
             </a:r>
             <a:endParaRPr b="0" lang="en-IN" sz="1800" spc="-1" strike="noStrike">
               <a:solidFill>
@@ -8295,7 +8088,7 @@
                 <a:latin typeface="Times New Roman"/>
                 <a:ea typeface="Arial"/>
               </a:rPr>
-              <a:t>User Interface Design </a:t>
+              <a:t>Architecture</a:t>
             </a:r>
             <a:endParaRPr b="0" lang="en-IN" sz="1800" spc="-1" strike="noStrike">
               <a:solidFill>
@@ -8323,7 +8116,7 @@
                 <a:latin typeface="Times New Roman"/>
                 <a:ea typeface="Arial"/>
               </a:rPr>
-              <a:t>Back-end Development </a:t>
+              <a:t>Packages and Gradle Build</a:t>
             </a:r>
             <a:endParaRPr b="0" lang="en-IN" sz="1800" spc="-1" strike="noStrike">
               <a:solidFill>
@@ -8351,7 +8144,7 @@
                 <a:latin typeface="Times New Roman"/>
                 <a:ea typeface="Arial"/>
               </a:rPr>
-              <a:t>Front-end Development</a:t>
+              <a:t>Unit Testing</a:t>
             </a:r>
             <a:endParaRPr b="0" lang="en-IN" sz="1800" spc="-1" strike="noStrike">
               <a:solidFill>
@@ -8379,7 +8172,35 @@
                 <a:latin typeface="Times New Roman"/>
                 <a:ea typeface="Arial"/>
               </a:rPr>
-              <a:t>Testing</a:t>
+              <a:t>AES-256 Encryption and Decryption</a:t>
+            </a:r>
+            <a:endParaRPr b="0" lang="en-IN" sz="1800" spc="-1" strike="noStrike">
+              <a:solidFill>
+                <a:srgbClr val="000000"/>
+              </a:solidFill>
+              <a:latin typeface="Arial"/>
+            </a:endParaRPr>
+          </a:p>
+          <a:p>
+            <a:pPr marL="343080" indent="-343080">
+              <a:lnSpc>
+                <a:spcPct val="100000"/>
+              </a:lnSpc>
+              <a:buClr>
+                <a:srgbClr val="000000"/>
+              </a:buClr>
+              <a:buFont typeface="Calibri Light"/>
+              <a:buAutoNum type="arabicPeriod"/>
+            </a:pPr>
+            <a:r>
+              <a:rPr b="1" lang="en-IN" sz="1800" spc="-1" strike="noStrike">
+                <a:solidFill>
+                  <a:srgbClr val="000000"/>
+                </a:solidFill>
+                <a:latin typeface="Times New Roman"/>
+                <a:ea typeface="Arial"/>
+              </a:rPr>
+              <a:t>CICD</a:t>
             </a:r>
             <a:endParaRPr b="0" lang="en-IN" sz="1800" spc="-1" strike="noStrike">
               <a:solidFill>
@@ -8435,7 +8256,7 @@
                 <a:latin typeface="Times New Roman"/>
                 <a:ea typeface="Arial"/>
               </a:rPr>
-              <a:t>Conclusion</a:t>
+              <a:t>Remarks</a:t>
             </a:r>
             <a:endParaRPr b="0" lang="en-IN" sz="1800" spc="-1" strike="noStrike">
               <a:solidFill>
@@ -8463,63 +8284,7 @@
                 <a:latin typeface="Times New Roman"/>
                 <a:ea typeface="Arial"/>
               </a:rPr>
-              <a:t>Future Work</a:t>
-            </a:r>
-            <a:endParaRPr b="0" lang="en-IN" sz="1800" spc="-1" strike="noStrike">
-              <a:solidFill>
-                <a:srgbClr val="000000"/>
-              </a:solidFill>
-              <a:latin typeface="Arial"/>
-            </a:endParaRPr>
-          </a:p>
-          <a:p>
-            <a:pPr marL="343080" indent="-343080">
-              <a:lnSpc>
-                <a:spcPct val="100000"/>
-              </a:lnSpc>
-              <a:buClr>
-                <a:srgbClr val="000000"/>
-              </a:buClr>
-              <a:buFont typeface="Calibri Light"/>
-              <a:buAutoNum type="arabicPeriod"/>
-            </a:pPr>
-            <a:r>
-              <a:rPr b="1" lang="en-IN" sz="1800" spc="-1" strike="noStrike">
-                <a:solidFill>
-                  <a:srgbClr val="000000"/>
-                </a:solidFill>
-                <a:latin typeface="Times New Roman"/>
-                <a:ea typeface="Arial"/>
-              </a:rPr>
-              <a:t>References</a:t>
-            </a:r>
-            <a:endParaRPr b="0" lang="en-IN" sz="1800" spc="-1" strike="noStrike">
-              <a:solidFill>
-                <a:srgbClr val="000000"/>
-              </a:solidFill>
-              <a:latin typeface="Arial"/>
-            </a:endParaRPr>
-          </a:p>
-          <a:p>
-            <a:pPr marL="343080" indent="-343080">
-              <a:lnSpc>
-                <a:spcPct val="100000"/>
-              </a:lnSpc>
-              <a:buClr>
-                <a:srgbClr val="000000"/>
-              </a:buClr>
-              <a:buFont typeface="Calibri Light"/>
-              <a:buAutoNum type="arabicPeriod"/>
-            </a:pPr>
-            <a:r>
-              <a:rPr b="1" lang="en-IN" sz="1800" spc="-1" strike="noStrike">
-                <a:solidFill>
-                  <a:srgbClr val="000000"/>
-                </a:solidFill>
-                <a:latin typeface="Times New Roman"/>
-                <a:ea typeface="Arial"/>
-              </a:rPr>
-              <a:t>Appendices</a:t>
+              <a:t>Refrences</a:t>
             </a:r>
             <a:endParaRPr b="0" lang="en-IN" sz="1800" spc="-1" strike="noStrike">
               <a:solidFill>

--- a/Capstone_Project.pptx
+++ b/Capstone_Project.pptx
@@ -50,7 +50,7 @@
             <a:spLocks noGrp="1"/>
           </p:cNvSpPr>
           <p:nvPr>
-            <p:ph type="ftr" idx="2"/>
+            <p:ph type="ftr" idx="1"/>
           </p:nvPr>
         </p:nvSpPr>
         <p:spPr/>
@@ -70,14 +70,14 @@
             <a:spLocks noGrp="1"/>
           </p:cNvSpPr>
           <p:nvPr>
-            <p:ph type="sldNum" idx="3"/>
+            <p:ph type="sldNum" idx="2"/>
           </p:nvPr>
         </p:nvSpPr>
         <p:spPr/>
         <p:txBody>
           <a:bodyPr/>
           <a:p>
-            <a:fld id="{064C016A-5A7F-4609-AAC9-D043E670033E}" type="slidenum">
+            <a:fld id="{7D2F7E04-A1AA-4177-9AA6-1D4CE1B8507B}" type="slidenum">
               <a:t>&lt;#&gt;</a:t>
             </a:fld>
           </a:p>
@@ -90,7 +90,7 @@
             <a:spLocks noGrp="1"/>
           </p:cNvSpPr>
           <p:nvPr>
-            <p:ph type="dt" idx="1"/>
+            <p:ph type="dt" idx="3"/>
           </p:nvPr>
         </p:nvSpPr>
         <p:spPr/>
@@ -138,8 +138,8 @@
         </p:nvSpPr>
         <p:spPr>
           <a:xfrm>
-            <a:off x="838080" y="365040"/>
-            <a:ext cx="10515240" cy="1325160"/>
+            <a:off x="609480" y="273600"/>
+            <a:ext cx="10972440" cy="1144800"/>
           </a:xfrm>
           <a:prstGeom prst="rect">
             <a:avLst/>
@@ -154,14 +154,14 @@
             <a:noAutofit/>
           </a:bodyPr>
           <a:p>
-            <a:pPr indent="0">
+            <a:pPr indent="0" algn="ctr">
               <a:buNone/>
             </a:pPr>
-            <a:endParaRPr b="0" lang="en-US" sz="1800" spc="-1" strike="noStrike">
-              <a:solidFill>
-                <a:srgbClr val="000000"/>
-              </a:solidFill>
-              <a:latin typeface="Calibri"/>
+            <a:endParaRPr b="0" lang="en-IN" sz="4400" spc="-1" strike="noStrike">
+              <a:solidFill>
+                <a:srgbClr val="000000"/>
+              </a:solidFill>
+              <a:latin typeface="Arial"/>
             </a:endParaRPr>
           </a:p>
         </p:txBody>
@@ -178,8 +178,8 @@
         </p:nvSpPr>
         <p:spPr>
           <a:xfrm>
-            <a:off x="838080" y="1825560"/>
-            <a:ext cx="10515240" cy="2075040"/>
+            <a:off x="609480" y="1604520"/>
+            <a:ext cx="10972440" cy="1896840"/>
           </a:xfrm>
           <a:prstGeom prst="rect">
             <a:avLst/>
@@ -195,19 +195,16 @@
           </a:bodyPr>
           <a:p>
             <a:pPr indent="0">
-              <a:lnSpc>
-                <a:spcPct val="90000"/>
-              </a:lnSpc>
               <a:spcBef>
                 <a:spcPts val="1417"/>
               </a:spcBef>
               <a:buNone/>
             </a:pPr>
-            <a:endParaRPr b="0" lang="en-US" sz="2800" spc="-1" strike="noStrike">
-              <a:solidFill>
-                <a:srgbClr val="000000"/>
-              </a:solidFill>
-              <a:latin typeface="Calibri"/>
+            <a:endParaRPr b="0" lang="en-IN" sz="3200" spc="-1" strike="noStrike">
+              <a:solidFill>
+                <a:srgbClr val="000000"/>
+              </a:solidFill>
+              <a:latin typeface="Arial"/>
             </a:endParaRPr>
           </a:p>
         </p:txBody>
@@ -224,8 +221,8 @@
         </p:nvSpPr>
         <p:spPr>
           <a:xfrm>
-            <a:off x="838080" y="4098240"/>
-            <a:ext cx="10515240" cy="2075040"/>
+            <a:off x="609480" y="3682080"/>
+            <a:ext cx="10972440" cy="1896840"/>
           </a:xfrm>
           <a:prstGeom prst="rect">
             <a:avLst/>
@@ -241,19 +238,16 @@
           </a:bodyPr>
           <a:p>
             <a:pPr indent="0">
-              <a:lnSpc>
-                <a:spcPct val="90000"/>
-              </a:lnSpc>
               <a:spcBef>
                 <a:spcPts val="1417"/>
               </a:spcBef>
               <a:buNone/>
             </a:pPr>
-            <a:endParaRPr b="0" lang="en-US" sz="2800" spc="-1" strike="noStrike">
-              <a:solidFill>
-                <a:srgbClr val="000000"/>
-              </a:solidFill>
-              <a:latin typeface="Calibri"/>
+            <a:endParaRPr b="0" lang="en-IN" sz="3200" spc="-1" strike="noStrike">
+              <a:solidFill>
+                <a:srgbClr val="000000"/>
+              </a:solidFill>
+              <a:latin typeface="Arial"/>
             </a:endParaRPr>
           </a:p>
         </p:txBody>
@@ -265,7 +259,7 @@
             <a:spLocks noGrp="1"/>
           </p:cNvSpPr>
           <p:nvPr>
-            <p:ph type="ftr" idx="2"/>
+            <p:ph type="ftr" idx="1"/>
           </p:nvPr>
         </p:nvSpPr>
         <p:spPr/>
@@ -285,14 +279,14 @@
             <a:spLocks noGrp="1"/>
           </p:cNvSpPr>
           <p:nvPr>
-            <p:ph type="sldNum" idx="3"/>
+            <p:ph type="sldNum" idx="2"/>
           </p:nvPr>
         </p:nvSpPr>
         <p:spPr/>
         <p:txBody>
           <a:bodyPr/>
           <a:p>
-            <a:fld id="{9A9D8397-6AFC-4BFD-A95D-279597DB85A7}" type="slidenum">
+            <a:fld id="{848F2B85-FCDA-4421-993A-9603EDF7118A}" type="slidenum">
               <a:t>&lt;#&gt;</a:t>
             </a:fld>
           </a:p>
@@ -305,7 +299,7 @@
             <a:spLocks noGrp="1"/>
           </p:cNvSpPr>
           <p:nvPr>
-            <p:ph type="dt" idx="1"/>
+            <p:ph type="dt" idx="3"/>
           </p:nvPr>
         </p:nvSpPr>
         <p:spPr/>
@@ -353,8 +347,8 @@
         </p:nvSpPr>
         <p:spPr>
           <a:xfrm>
-            <a:off x="838080" y="365040"/>
-            <a:ext cx="10515240" cy="1325160"/>
+            <a:off x="609480" y="273600"/>
+            <a:ext cx="10972440" cy="1144800"/>
           </a:xfrm>
           <a:prstGeom prst="rect">
             <a:avLst/>
@@ -369,14 +363,14 @@
             <a:noAutofit/>
           </a:bodyPr>
           <a:p>
-            <a:pPr indent="0">
+            <a:pPr indent="0" algn="ctr">
               <a:buNone/>
             </a:pPr>
-            <a:endParaRPr b="0" lang="en-US" sz="1800" spc="-1" strike="noStrike">
-              <a:solidFill>
-                <a:srgbClr val="000000"/>
-              </a:solidFill>
-              <a:latin typeface="Calibri"/>
+            <a:endParaRPr b="0" lang="en-IN" sz="4400" spc="-1" strike="noStrike">
+              <a:solidFill>
+                <a:srgbClr val="000000"/>
+              </a:solidFill>
+              <a:latin typeface="Arial"/>
             </a:endParaRPr>
           </a:p>
         </p:txBody>
@@ -393,8 +387,8 @@
         </p:nvSpPr>
         <p:spPr>
           <a:xfrm>
-            <a:off x="838080" y="1825560"/>
-            <a:ext cx="5131080" cy="2075040"/>
+            <a:off x="609480" y="1604520"/>
+            <a:ext cx="5354280" cy="1896840"/>
           </a:xfrm>
           <a:prstGeom prst="rect">
             <a:avLst/>
@@ -410,19 +404,16 @@
           </a:bodyPr>
           <a:p>
             <a:pPr indent="0">
-              <a:lnSpc>
-                <a:spcPct val="90000"/>
-              </a:lnSpc>
               <a:spcBef>
                 <a:spcPts val="1417"/>
               </a:spcBef>
               <a:buNone/>
             </a:pPr>
-            <a:endParaRPr b="0" lang="en-US" sz="2800" spc="-1" strike="noStrike">
-              <a:solidFill>
-                <a:srgbClr val="000000"/>
-              </a:solidFill>
-              <a:latin typeface="Calibri"/>
+            <a:endParaRPr b="0" lang="en-IN" sz="3200" spc="-1" strike="noStrike">
+              <a:solidFill>
+                <a:srgbClr val="000000"/>
+              </a:solidFill>
+              <a:latin typeface="Arial"/>
             </a:endParaRPr>
           </a:p>
         </p:txBody>
@@ -439,8 +430,8 @@
         </p:nvSpPr>
         <p:spPr>
           <a:xfrm>
-            <a:off x="6226200" y="1825560"/>
-            <a:ext cx="5131080" cy="2075040"/>
+            <a:off x="6231960" y="1604520"/>
+            <a:ext cx="5354280" cy="1896840"/>
           </a:xfrm>
           <a:prstGeom prst="rect">
             <a:avLst/>
@@ -456,19 +447,16 @@
           </a:bodyPr>
           <a:p>
             <a:pPr indent="0">
-              <a:lnSpc>
-                <a:spcPct val="90000"/>
-              </a:lnSpc>
               <a:spcBef>
                 <a:spcPts val="1417"/>
               </a:spcBef>
               <a:buNone/>
             </a:pPr>
-            <a:endParaRPr b="0" lang="en-US" sz="2800" spc="-1" strike="noStrike">
-              <a:solidFill>
-                <a:srgbClr val="000000"/>
-              </a:solidFill>
-              <a:latin typeface="Calibri"/>
+            <a:endParaRPr b="0" lang="en-IN" sz="3200" spc="-1" strike="noStrike">
+              <a:solidFill>
+                <a:srgbClr val="000000"/>
+              </a:solidFill>
+              <a:latin typeface="Arial"/>
             </a:endParaRPr>
           </a:p>
         </p:txBody>
@@ -485,8 +473,8 @@
         </p:nvSpPr>
         <p:spPr>
           <a:xfrm>
-            <a:off x="838080" y="4098240"/>
-            <a:ext cx="5131080" cy="2075040"/>
+            <a:off x="609480" y="3682080"/>
+            <a:ext cx="5354280" cy="1896840"/>
           </a:xfrm>
           <a:prstGeom prst="rect">
             <a:avLst/>
@@ -502,19 +490,16 @@
           </a:bodyPr>
           <a:p>
             <a:pPr indent="0">
-              <a:lnSpc>
-                <a:spcPct val="90000"/>
-              </a:lnSpc>
               <a:spcBef>
                 <a:spcPts val="1417"/>
               </a:spcBef>
               <a:buNone/>
             </a:pPr>
-            <a:endParaRPr b="0" lang="en-US" sz="2800" spc="-1" strike="noStrike">
-              <a:solidFill>
-                <a:srgbClr val="000000"/>
-              </a:solidFill>
-              <a:latin typeface="Calibri"/>
+            <a:endParaRPr b="0" lang="en-IN" sz="3200" spc="-1" strike="noStrike">
+              <a:solidFill>
+                <a:srgbClr val="000000"/>
+              </a:solidFill>
+              <a:latin typeface="Arial"/>
             </a:endParaRPr>
           </a:p>
         </p:txBody>
@@ -531,8 +516,8 @@
         </p:nvSpPr>
         <p:spPr>
           <a:xfrm>
-            <a:off x="6226200" y="4098240"/>
-            <a:ext cx="5131080" cy="2075040"/>
+            <a:off x="6231960" y="3682080"/>
+            <a:ext cx="5354280" cy="1896840"/>
           </a:xfrm>
           <a:prstGeom prst="rect">
             <a:avLst/>
@@ -548,19 +533,16 @@
           </a:bodyPr>
           <a:p>
             <a:pPr indent="0">
-              <a:lnSpc>
-                <a:spcPct val="90000"/>
-              </a:lnSpc>
               <a:spcBef>
                 <a:spcPts val="1417"/>
               </a:spcBef>
               <a:buNone/>
             </a:pPr>
-            <a:endParaRPr b="0" lang="en-US" sz="2800" spc="-1" strike="noStrike">
-              <a:solidFill>
-                <a:srgbClr val="000000"/>
-              </a:solidFill>
-              <a:latin typeface="Calibri"/>
+            <a:endParaRPr b="0" lang="en-IN" sz="3200" spc="-1" strike="noStrike">
+              <a:solidFill>
+                <a:srgbClr val="000000"/>
+              </a:solidFill>
+              <a:latin typeface="Arial"/>
             </a:endParaRPr>
           </a:p>
         </p:txBody>
@@ -572,7 +554,7 @@
             <a:spLocks noGrp="1"/>
           </p:cNvSpPr>
           <p:nvPr>
-            <p:ph type="ftr" idx="2"/>
+            <p:ph type="ftr" idx="1"/>
           </p:nvPr>
         </p:nvSpPr>
         <p:spPr/>
@@ -592,14 +574,14 @@
             <a:spLocks noGrp="1"/>
           </p:cNvSpPr>
           <p:nvPr>
-            <p:ph type="sldNum" idx="3"/>
+            <p:ph type="sldNum" idx="2"/>
           </p:nvPr>
         </p:nvSpPr>
         <p:spPr/>
         <p:txBody>
           <a:bodyPr/>
           <a:p>
-            <a:fld id="{F508F4EB-474E-407C-9128-ED9831E1C119}" type="slidenum">
+            <a:fld id="{83B5A64D-1F15-4012-8D34-3CD05336294D}" type="slidenum">
               <a:t>&lt;#&gt;</a:t>
             </a:fld>
           </a:p>
@@ -612,7 +594,7 @@
             <a:spLocks noGrp="1"/>
           </p:cNvSpPr>
           <p:nvPr>
-            <p:ph type="dt" idx="1"/>
+            <p:ph type="dt" idx="3"/>
           </p:nvPr>
         </p:nvSpPr>
         <p:spPr/>
@@ -660,8 +642,8 @@
         </p:nvSpPr>
         <p:spPr>
           <a:xfrm>
-            <a:off x="838080" y="365040"/>
-            <a:ext cx="10515240" cy="1325160"/>
+            <a:off x="609480" y="273600"/>
+            <a:ext cx="10972440" cy="1144800"/>
           </a:xfrm>
           <a:prstGeom prst="rect">
             <a:avLst/>
@@ -676,14 +658,14 @@
             <a:noAutofit/>
           </a:bodyPr>
           <a:p>
-            <a:pPr indent="0">
+            <a:pPr indent="0" algn="ctr">
               <a:buNone/>
             </a:pPr>
-            <a:endParaRPr b="0" lang="en-US" sz="1800" spc="-1" strike="noStrike">
-              <a:solidFill>
-                <a:srgbClr val="000000"/>
-              </a:solidFill>
-              <a:latin typeface="Calibri"/>
+            <a:endParaRPr b="0" lang="en-IN" sz="4400" spc="-1" strike="noStrike">
+              <a:solidFill>
+                <a:srgbClr val="000000"/>
+              </a:solidFill>
+              <a:latin typeface="Arial"/>
             </a:endParaRPr>
           </a:p>
         </p:txBody>
@@ -700,8 +682,8 @@
         </p:nvSpPr>
         <p:spPr>
           <a:xfrm>
-            <a:off x="838080" y="1825560"/>
-            <a:ext cx="3385800" cy="2075040"/>
+            <a:off x="609480" y="1604520"/>
+            <a:ext cx="3533040" cy="1896840"/>
           </a:xfrm>
           <a:prstGeom prst="rect">
             <a:avLst/>
@@ -717,19 +699,16 @@
           </a:bodyPr>
           <a:p>
             <a:pPr indent="0">
-              <a:lnSpc>
-                <a:spcPct val="90000"/>
-              </a:lnSpc>
               <a:spcBef>
                 <a:spcPts val="1417"/>
               </a:spcBef>
               <a:buNone/>
             </a:pPr>
-            <a:endParaRPr b="0" lang="en-US" sz="2800" spc="-1" strike="noStrike">
-              <a:solidFill>
-                <a:srgbClr val="000000"/>
-              </a:solidFill>
-              <a:latin typeface="Calibri"/>
+            <a:endParaRPr b="0" lang="en-IN" sz="3200" spc="-1" strike="noStrike">
+              <a:solidFill>
+                <a:srgbClr val="000000"/>
+              </a:solidFill>
+              <a:latin typeface="Arial"/>
             </a:endParaRPr>
           </a:p>
         </p:txBody>
@@ -746,8 +725,8 @@
         </p:nvSpPr>
         <p:spPr>
           <a:xfrm>
-            <a:off x="4393440" y="1825560"/>
-            <a:ext cx="3385800" cy="2075040"/>
+            <a:off x="4319640" y="1604520"/>
+            <a:ext cx="3533040" cy="1896840"/>
           </a:xfrm>
           <a:prstGeom prst="rect">
             <a:avLst/>
@@ -763,19 +742,16 @@
           </a:bodyPr>
           <a:p>
             <a:pPr indent="0">
-              <a:lnSpc>
-                <a:spcPct val="90000"/>
-              </a:lnSpc>
               <a:spcBef>
                 <a:spcPts val="1417"/>
               </a:spcBef>
               <a:buNone/>
             </a:pPr>
-            <a:endParaRPr b="0" lang="en-US" sz="2800" spc="-1" strike="noStrike">
-              <a:solidFill>
-                <a:srgbClr val="000000"/>
-              </a:solidFill>
-              <a:latin typeface="Calibri"/>
+            <a:endParaRPr b="0" lang="en-IN" sz="3200" spc="-1" strike="noStrike">
+              <a:solidFill>
+                <a:srgbClr val="000000"/>
+              </a:solidFill>
+              <a:latin typeface="Arial"/>
             </a:endParaRPr>
           </a:p>
         </p:txBody>
@@ -792,8 +768,8 @@
         </p:nvSpPr>
         <p:spPr>
           <a:xfrm>
-            <a:off x="7949160" y="1825560"/>
-            <a:ext cx="3385800" cy="2075040"/>
+            <a:off x="8029800" y="1604520"/>
+            <a:ext cx="3533040" cy="1896840"/>
           </a:xfrm>
           <a:prstGeom prst="rect">
             <a:avLst/>
@@ -809,19 +785,16 @@
           </a:bodyPr>
           <a:p>
             <a:pPr indent="0">
-              <a:lnSpc>
-                <a:spcPct val="90000"/>
-              </a:lnSpc>
               <a:spcBef>
                 <a:spcPts val="1417"/>
               </a:spcBef>
               <a:buNone/>
             </a:pPr>
-            <a:endParaRPr b="0" lang="en-US" sz="2800" spc="-1" strike="noStrike">
-              <a:solidFill>
-                <a:srgbClr val="000000"/>
-              </a:solidFill>
-              <a:latin typeface="Calibri"/>
+            <a:endParaRPr b="0" lang="en-IN" sz="3200" spc="-1" strike="noStrike">
+              <a:solidFill>
+                <a:srgbClr val="000000"/>
+              </a:solidFill>
+              <a:latin typeface="Arial"/>
             </a:endParaRPr>
           </a:p>
         </p:txBody>
@@ -838,8 +811,8 @@
         </p:nvSpPr>
         <p:spPr>
           <a:xfrm>
-            <a:off x="838080" y="4098240"/>
-            <a:ext cx="3385800" cy="2075040"/>
+            <a:off x="609480" y="3682080"/>
+            <a:ext cx="3533040" cy="1896840"/>
           </a:xfrm>
           <a:prstGeom prst="rect">
             <a:avLst/>
@@ -855,19 +828,16 @@
           </a:bodyPr>
           <a:p>
             <a:pPr indent="0">
-              <a:lnSpc>
-                <a:spcPct val="90000"/>
-              </a:lnSpc>
               <a:spcBef>
                 <a:spcPts val="1417"/>
               </a:spcBef>
               <a:buNone/>
             </a:pPr>
-            <a:endParaRPr b="0" lang="en-US" sz="2800" spc="-1" strike="noStrike">
-              <a:solidFill>
-                <a:srgbClr val="000000"/>
-              </a:solidFill>
-              <a:latin typeface="Calibri"/>
+            <a:endParaRPr b="0" lang="en-IN" sz="3200" spc="-1" strike="noStrike">
+              <a:solidFill>
+                <a:srgbClr val="000000"/>
+              </a:solidFill>
+              <a:latin typeface="Arial"/>
             </a:endParaRPr>
           </a:p>
         </p:txBody>
@@ -884,8 +854,8 @@
         </p:nvSpPr>
         <p:spPr>
           <a:xfrm>
-            <a:off x="4393440" y="4098240"/>
-            <a:ext cx="3385800" cy="2075040"/>
+            <a:off x="4319640" y="3682080"/>
+            <a:ext cx="3533040" cy="1896840"/>
           </a:xfrm>
           <a:prstGeom prst="rect">
             <a:avLst/>
@@ -901,19 +871,16 @@
           </a:bodyPr>
           <a:p>
             <a:pPr indent="0">
-              <a:lnSpc>
-                <a:spcPct val="90000"/>
-              </a:lnSpc>
               <a:spcBef>
                 <a:spcPts val="1417"/>
               </a:spcBef>
               <a:buNone/>
             </a:pPr>
-            <a:endParaRPr b="0" lang="en-US" sz="2800" spc="-1" strike="noStrike">
-              <a:solidFill>
-                <a:srgbClr val="000000"/>
-              </a:solidFill>
-              <a:latin typeface="Calibri"/>
+            <a:endParaRPr b="0" lang="en-IN" sz="3200" spc="-1" strike="noStrike">
+              <a:solidFill>
+                <a:srgbClr val="000000"/>
+              </a:solidFill>
+              <a:latin typeface="Arial"/>
             </a:endParaRPr>
           </a:p>
         </p:txBody>
@@ -930,8 +897,8 @@
         </p:nvSpPr>
         <p:spPr>
           <a:xfrm>
-            <a:off x="7949160" y="4098240"/>
-            <a:ext cx="3385800" cy="2075040"/>
+            <a:off x="8029800" y="3682080"/>
+            <a:ext cx="3533040" cy="1896840"/>
           </a:xfrm>
           <a:prstGeom prst="rect">
             <a:avLst/>
@@ -947,19 +914,16 @@
           </a:bodyPr>
           <a:p>
             <a:pPr indent="0">
-              <a:lnSpc>
-                <a:spcPct val="90000"/>
-              </a:lnSpc>
               <a:spcBef>
                 <a:spcPts val="1417"/>
               </a:spcBef>
               <a:buNone/>
             </a:pPr>
-            <a:endParaRPr b="0" lang="en-US" sz="2800" spc="-1" strike="noStrike">
-              <a:solidFill>
-                <a:srgbClr val="000000"/>
-              </a:solidFill>
-              <a:latin typeface="Calibri"/>
+            <a:endParaRPr b="0" lang="en-IN" sz="3200" spc="-1" strike="noStrike">
+              <a:solidFill>
+                <a:srgbClr val="000000"/>
+              </a:solidFill>
+              <a:latin typeface="Arial"/>
             </a:endParaRPr>
           </a:p>
         </p:txBody>
@@ -971,7 +935,7 @@
             <a:spLocks noGrp="1"/>
           </p:cNvSpPr>
           <p:nvPr>
-            <p:ph type="ftr" idx="2"/>
+            <p:ph type="ftr" idx="1"/>
           </p:nvPr>
         </p:nvSpPr>
         <p:spPr/>
@@ -991,14 +955,14 @@
             <a:spLocks noGrp="1"/>
           </p:cNvSpPr>
           <p:nvPr>
-            <p:ph type="sldNum" idx="3"/>
+            <p:ph type="sldNum" idx="2"/>
           </p:nvPr>
         </p:nvSpPr>
         <p:spPr/>
         <p:txBody>
           <a:bodyPr/>
           <a:p>
-            <a:fld id="{382B7B7A-EF84-4DD3-BC66-C54AC1054439}" type="slidenum">
+            <a:fld id="{1A4550F2-F935-4421-8C7F-CF1F467E9986}" type="slidenum">
               <a:t>&lt;#&gt;</a:t>
             </a:fld>
           </a:p>
@@ -1011,7 +975,7 @@
             <a:spLocks noGrp="1"/>
           </p:cNvSpPr>
           <p:nvPr>
-            <p:ph type="dt" idx="1"/>
+            <p:ph type="dt" idx="3"/>
           </p:nvPr>
         </p:nvSpPr>
         <p:spPr/>
@@ -1054,7 +1018,7 @@
             <a:spLocks noGrp="1"/>
           </p:cNvSpPr>
           <p:nvPr>
-            <p:ph type="ftr" idx="5"/>
+            <p:ph type="ftr" idx="4"/>
           </p:nvPr>
         </p:nvSpPr>
         <p:spPr/>
@@ -1074,14 +1038,14 @@
             <a:spLocks noGrp="1"/>
           </p:cNvSpPr>
           <p:nvPr>
-            <p:ph type="sldNum" idx="6"/>
+            <p:ph type="sldNum" idx="5"/>
           </p:nvPr>
         </p:nvSpPr>
         <p:spPr/>
         <p:txBody>
           <a:bodyPr/>
           <a:p>
-            <a:fld id="{82A28582-60DE-4B56-8F6D-CBD69FF78856}" type="slidenum">
+            <a:fld id="{303FC112-B9F6-4E80-B7B4-9DF965F8073B}" type="slidenum">
               <a:t>&lt;#&gt;</a:t>
             </a:fld>
           </a:p>
@@ -1094,7 +1058,7 @@
             <a:spLocks noGrp="1"/>
           </p:cNvSpPr>
           <p:nvPr>
-            <p:ph type="dt" idx="4"/>
+            <p:ph type="dt" idx="6"/>
           </p:nvPr>
         </p:nvSpPr>
         <p:spPr/>
@@ -1142,8 +1106,8 @@
         </p:nvSpPr>
         <p:spPr>
           <a:xfrm>
-            <a:off x="838080" y="365040"/>
-            <a:ext cx="10515240" cy="1325160"/>
+            <a:off x="609480" y="273600"/>
+            <a:ext cx="10972440" cy="1144800"/>
           </a:xfrm>
           <a:prstGeom prst="rect">
             <a:avLst/>
@@ -1158,14 +1122,14 @@
             <a:noAutofit/>
           </a:bodyPr>
           <a:p>
-            <a:pPr indent="0">
+            <a:pPr indent="0" algn="ctr">
               <a:buNone/>
             </a:pPr>
-            <a:endParaRPr b="0" lang="en-US" sz="1800" spc="-1" strike="noStrike">
-              <a:solidFill>
-                <a:srgbClr val="000000"/>
-              </a:solidFill>
-              <a:latin typeface="Calibri"/>
+            <a:endParaRPr b="0" lang="en-IN" sz="4400" spc="-1" strike="noStrike">
+              <a:solidFill>
+                <a:srgbClr val="000000"/>
+              </a:solidFill>
+              <a:latin typeface="Arial"/>
             </a:endParaRPr>
           </a:p>
         </p:txBody>
@@ -1182,8 +1146,8 @@
         </p:nvSpPr>
         <p:spPr>
           <a:xfrm>
-            <a:off x="838080" y="1825560"/>
-            <a:ext cx="10515240" cy="4350960"/>
+            <a:off x="609480" y="1604520"/>
+            <a:ext cx="10972440" cy="3977280"/>
           </a:xfrm>
           <a:prstGeom prst="rect">
             <a:avLst/>
@@ -1217,7 +1181,7 @@
             <a:spLocks noGrp="1"/>
           </p:cNvSpPr>
           <p:nvPr>
-            <p:ph type="ftr" idx="5"/>
+            <p:ph type="ftr" idx="4"/>
           </p:nvPr>
         </p:nvSpPr>
         <p:spPr/>
@@ -1237,14 +1201,14 @@
             <a:spLocks noGrp="1"/>
           </p:cNvSpPr>
           <p:nvPr>
-            <p:ph type="sldNum" idx="6"/>
+            <p:ph type="sldNum" idx="5"/>
           </p:nvPr>
         </p:nvSpPr>
         <p:spPr/>
         <p:txBody>
           <a:bodyPr/>
           <a:p>
-            <a:fld id="{6F7D5EB3-1871-4762-A813-0AEB848DF297}" type="slidenum">
+            <a:fld id="{F3FF2499-A920-44A6-9A61-1B9A4EDC3304}" type="slidenum">
               <a:t>&lt;#&gt;</a:t>
             </a:fld>
           </a:p>
@@ -1257,7 +1221,7 @@
             <a:spLocks noGrp="1"/>
           </p:cNvSpPr>
           <p:nvPr>
-            <p:ph type="dt" idx="4"/>
+            <p:ph type="dt" idx="6"/>
           </p:nvPr>
         </p:nvSpPr>
         <p:spPr/>
@@ -1305,8 +1269,8 @@
         </p:nvSpPr>
         <p:spPr>
           <a:xfrm>
-            <a:off x="838080" y="365040"/>
-            <a:ext cx="10515240" cy="1325160"/>
+            <a:off x="609480" y="273600"/>
+            <a:ext cx="10972440" cy="1144800"/>
           </a:xfrm>
           <a:prstGeom prst="rect">
             <a:avLst/>
@@ -1321,14 +1285,14 @@
             <a:noAutofit/>
           </a:bodyPr>
           <a:p>
-            <a:pPr indent="0">
+            <a:pPr indent="0" algn="ctr">
               <a:buNone/>
             </a:pPr>
-            <a:endParaRPr b="0" lang="en-US" sz="1800" spc="-1" strike="noStrike">
-              <a:solidFill>
-                <a:srgbClr val="000000"/>
-              </a:solidFill>
-              <a:latin typeface="Calibri"/>
+            <a:endParaRPr b="0" lang="en-IN" sz="4400" spc="-1" strike="noStrike">
+              <a:solidFill>
+                <a:srgbClr val="000000"/>
+              </a:solidFill>
+              <a:latin typeface="Arial"/>
             </a:endParaRPr>
           </a:p>
         </p:txBody>
@@ -1345,8 +1309,8 @@
         </p:nvSpPr>
         <p:spPr>
           <a:xfrm>
-            <a:off x="838080" y="1825560"/>
-            <a:ext cx="10515240" cy="4350960"/>
+            <a:off x="609480" y="1604520"/>
+            <a:ext cx="10972440" cy="3977280"/>
           </a:xfrm>
           <a:prstGeom prst="rect">
             <a:avLst/>
@@ -1362,19 +1326,16 @@
           </a:bodyPr>
           <a:p>
             <a:pPr indent="0">
-              <a:lnSpc>
-                <a:spcPct val="90000"/>
-              </a:lnSpc>
               <a:spcBef>
                 <a:spcPts val="1417"/>
               </a:spcBef>
               <a:buNone/>
             </a:pPr>
-            <a:endParaRPr b="0" lang="en-US" sz="2800" spc="-1" strike="noStrike">
-              <a:solidFill>
-                <a:srgbClr val="000000"/>
-              </a:solidFill>
-              <a:latin typeface="Calibri"/>
+            <a:endParaRPr b="0" lang="en-IN" sz="3200" spc="-1" strike="noStrike">
+              <a:solidFill>
+                <a:srgbClr val="000000"/>
+              </a:solidFill>
+              <a:latin typeface="Arial"/>
             </a:endParaRPr>
           </a:p>
         </p:txBody>
@@ -1386,7 +1347,7 @@
             <a:spLocks noGrp="1"/>
           </p:cNvSpPr>
           <p:nvPr>
-            <p:ph type="ftr" idx="5"/>
+            <p:ph type="ftr" idx="4"/>
           </p:nvPr>
         </p:nvSpPr>
         <p:spPr/>
@@ -1406,14 +1367,14 @@
             <a:spLocks noGrp="1"/>
           </p:cNvSpPr>
           <p:nvPr>
-            <p:ph type="sldNum" idx="6"/>
+            <p:ph type="sldNum" idx="5"/>
           </p:nvPr>
         </p:nvSpPr>
         <p:spPr/>
         <p:txBody>
           <a:bodyPr/>
           <a:p>
-            <a:fld id="{5D79453E-3FB3-4F3D-B272-DD74B4DA915E}" type="slidenum">
+            <a:fld id="{AD6C5DE1-B3BF-43C7-9903-B6286ED373E2}" type="slidenum">
               <a:t>&lt;#&gt;</a:t>
             </a:fld>
           </a:p>
@@ -1426,7 +1387,7 @@
             <a:spLocks noGrp="1"/>
           </p:cNvSpPr>
           <p:nvPr>
-            <p:ph type="dt" idx="4"/>
+            <p:ph type="dt" idx="6"/>
           </p:nvPr>
         </p:nvSpPr>
         <p:spPr/>
@@ -1474,8 +1435,8 @@
         </p:nvSpPr>
         <p:spPr>
           <a:xfrm>
-            <a:off x="838080" y="365040"/>
-            <a:ext cx="10515240" cy="1325160"/>
+            <a:off x="609480" y="273600"/>
+            <a:ext cx="10972440" cy="1144800"/>
           </a:xfrm>
           <a:prstGeom prst="rect">
             <a:avLst/>
@@ -1490,14 +1451,14 @@
             <a:noAutofit/>
           </a:bodyPr>
           <a:p>
-            <a:pPr indent="0">
+            <a:pPr indent="0" algn="ctr">
               <a:buNone/>
             </a:pPr>
-            <a:endParaRPr b="0" lang="en-US" sz="1800" spc="-1" strike="noStrike">
-              <a:solidFill>
-                <a:srgbClr val="000000"/>
-              </a:solidFill>
-              <a:latin typeface="Calibri"/>
+            <a:endParaRPr b="0" lang="en-IN" sz="4400" spc="-1" strike="noStrike">
+              <a:solidFill>
+                <a:srgbClr val="000000"/>
+              </a:solidFill>
+              <a:latin typeface="Arial"/>
             </a:endParaRPr>
           </a:p>
         </p:txBody>
@@ -1514,8 +1475,8 @@
         </p:nvSpPr>
         <p:spPr>
           <a:xfrm>
-            <a:off x="838080" y="1825560"/>
-            <a:ext cx="5131080" cy="4350960"/>
+            <a:off x="609480" y="1604520"/>
+            <a:ext cx="5354280" cy="3977280"/>
           </a:xfrm>
           <a:prstGeom prst="rect">
             <a:avLst/>
@@ -1531,19 +1492,16 @@
           </a:bodyPr>
           <a:p>
             <a:pPr indent="0">
-              <a:lnSpc>
-                <a:spcPct val="90000"/>
-              </a:lnSpc>
               <a:spcBef>
                 <a:spcPts val="1417"/>
               </a:spcBef>
               <a:buNone/>
             </a:pPr>
-            <a:endParaRPr b="0" lang="en-US" sz="2800" spc="-1" strike="noStrike">
-              <a:solidFill>
-                <a:srgbClr val="000000"/>
-              </a:solidFill>
-              <a:latin typeface="Calibri"/>
+            <a:endParaRPr b="0" lang="en-IN" sz="3200" spc="-1" strike="noStrike">
+              <a:solidFill>
+                <a:srgbClr val="000000"/>
+              </a:solidFill>
+              <a:latin typeface="Arial"/>
             </a:endParaRPr>
           </a:p>
         </p:txBody>
@@ -1560,8 +1518,8 @@
         </p:nvSpPr>
         <p:spPr>
           <a:xfrm>
-            <a:off x="6226200" y="1825560"/>
-            <a:ext cx="5131080" cy="4350960"/>
+            <a:off x="6231960" y="1604520"/>
+            <a:ext cx="5354280" cy="3977280"/>
           </a:xfrm>
           <a:prstGeom prst="rect">
             <a:avLst/>
@@ -1577,19 +1535,16 @@
           </a:bodyPr>
           <a:p>
             <a:pPr indent="0">
-              <a:lnSpc>
-                <a:spcPct val="90000"/>
-              </a:lnSpc>
               <a:spcBef>
                 <a:spcPts val="1417"/>
               </a:spcBef>
               <a:buNone/>
             </a:pPr>
-            <a:endParaRPr b="0" lang="en-US" sz="2800" spc="-1" strike="noStrike">
-              <a:solidFill>
-                <a:srgbClr val="000000"/>
-              </a:solidFill>
-              <a:latin typeface="Calibri"/>
+            <a:endParaRPr b="0" lang="en-IN" sz="3200" spc="-1" strike="noStrike">
+              <a:solidFill>
+                <a:srgbClr val="000000"/>
+              </a:solidFill>
+              <a:latin typeface="Arial"/>
             </a:endParaRPr>
           </a:p>
         </p:txBody>
@@ -1601,7 +1556,7 @@
             <a:spLocks noGrp="1"/>
           </p:cNvSpPr>
           <p:nvPr>
-            <p:ph type="ftr" idx="5"/>
+            <p:ph type="ftr" idx="4"/>
           </p:nvPr>
         </p:nvSpPr>
         <p:spPr/>
@@ -1621,14 +1576,14 @@
             <a:spLocks noGrp="1"/>
           </p:cNvSpPr>
           <p:nvPr>
-            <p:ph type="sldNum" idx="6"/>
+            <p:ph type="sldNum" idx="5"/>
           </p:nvPr>
         </p:nvSpPr>
         <p:spPr/>
         <p:txBody>
           <a:bodyPr/>
           <a:p>
-            <a:fld id="{045E106A-8EED-4831-94D2-EA393BA3494C}" type="slidenum">
+            <a:fld id="{9D87A200-0399-4344-9596-EB8355BF6385}" type="slidenum">
               <a:t>&lt;#&gt;</a:t>
             </a:fld>
           </a:p>
@@ -1641,7 +1596,7 @@
             <a:spLocks noGrp="1"/>
           </p:cNvSpPr>
           <p:nvPr>
-            <p:ph type="dt" idx="4"/>
+            <p:ph type="dt" idx="6"/>
           </p:nvPr>
         </p:nvSpPr>
         <p:spPr/>
@@ -1689,8 +1644,8 @@
         </p:nvSpPr>
         <p:spPr>
           <a:xfrm>
-            <a:off x="838080" y="365040"/>
-            <a:ext cx="10515240" cy="1325160"/>
+            <a:off x="609480" y="273600"/>
+            <a:ext cx="10972440" cy="1144800"/>
           </a:xfrm>
           <a:prstGeom prst="rect">
             <a:avLst/>
@@ -1705,14 +1660,14 @@
             <a:noAutofit/>
           </a:bodyPr>
           <a:p>
-            <a:pPr indent="0">
+            <a:pPr indent="0" algn="ctr">
               <a:buNone/>
             </a:pPr>
-            <a:endParaRPr b="0" lang="en-US" sz="1800" spc="-1" strike="noStrike">
-              <a:solidFill>
-                <a:srgbClr val="000000"/>
-              </a:solidFill>
-              <a:latin typeface="Calibri"/>
+            <a:endParaRPr b="0" lang="en-IN" sz="4400" spc="-1" strike="noStrike">
+              <a:solidFill>
+                <a:srgbClr val="000000"/>
+              </a:solidFill>
+              <a:latin typeface="Arial"/>
             </a:endParaRPr>
           </a:p>
         </p:txBody>
@@ -1724,7 +1679,7 @@
             <a:spLocks noGrp="1"/>
           </p:cNvSpPr>
           <p:nvPr>
-            <p:ph type="ftr" idx="5"/>
+            <p:ph type="ftr" idx="4"/>
           </p:nvPr>
         </p:nvSpPr>
         <p:spPr/>
@@ -1744,14 +1699,14 @@
             <a:spLocks noGrp="1"/>
           </p:cNvSpPr>
           <p:nvPr>
-            <p:ph type="sldNum" idx="6"/>
+            <p:ph type="sldNum" idx="5"/>
           </p:nvPr>
         </p:nvSpPr>
         <p:spPr/>
         <p:txBody>
           <a:bodyPr/>
           <a:p>
-            <a:fld id="{0208E3B2-C11F-49AA-9E46-F89FC259D6C7}" type="slidenum">
+            <a:fld id="{6E6DCB25-9F3A-411A-895B-728B6467A625}" type="slidenum">
               <a:t>&lt;#&gt;</a:t>
             </a:fld>
           </a:p>
@@ -1764,7 +1719,7 @@
             <a:spLocks noGrp="1"/>
           </p:cNvSpPr>
           <p:nvPr>
-            <p:ph type="dt" idx="4"/>
+            <p:ph type="dt" idx="6"/>
           </p:nvPr>
         </p:nvSpPr>
         <p:spPr/>
@@ -1812,8 +1767,8 @@
         </p:nvSpPr>
         <p:spPr>
           <a:xfrm>
-            <a:off x="838080" y="365040"/>
-            <a:ext cx="10515240" cy="6144120"/>
+            <a:off x="609480" y="273600"/>
+            <a:ext cx="10972440" cy="5307840"/>
           </a:xfrm>
           <a:prstGeom prst="rect">
             <a:avLst/>
@@ -1845,7 +1800,7 @@
             <a:spLocks noGrp="1"/>
           </p:cNvSpPr>
           <p:nvPr>
-            <p:ph type="ftr" idx="5"/>
+            <p:ph type="ftr" idx="4"/>
           </p:nvPr>
         </p:nvSpPr>
         <p:spPr/>
@@ -1865,14 +1820,14 @@
             <a:spLocks noGrp="1"/>
           </p:cNvSpPr>
           <p:nvPr>
-            <p:ph type="sldNum" idx="6"/>
+            <p:ph type="sldNum" idx="5"/>
           </p:nvPr>
         </p:nvSpPr>
         <p:spPr/>
         <p:txBody>
           <a:bodyPr/>
           <a:p>
-            <a:fld id="{D3A7E5E9-151B-4D06-B535-80A1DC9B78BE}" type="slidenum">
+            <a:fld id="{B0699682-3D1C-439D-B508-C854DF8E2434}" type="slidenum">
               <a:t>&lt;#&gt;</a:t>
             </a:fld>
           </a:p>
@@ -1885,7 +1840,7 @@
             <a:spLocks noGrp="1"/>
           </p:cNvSpPr>
           <p:nvPr>
-            <p:ph type="dt" idx="4"/>
+            <p:ph type="dt" idx="6"/>
           </p:nvPr>
         </p:nvSpPr>
         <p:spPr/>
@@ -1933,8 +1888,8 @@
         </p:nvSpPr>
         <p:spPr>
           <a:xfrm>
-            <a:off x="838080" y="365040"/>
-            <a:ext cx="10515240" cy="1325160"/>
+            <a:off x="609480" y="273600"/>
+            <a:ext cx="10972440" cy="1144800"/>
           </a:xfrm>
           <a:prstGeom prst="rect">
             <a:avLst/>
@@ -1949,14 +1904,14 @@
             <a:noAutofit/>
           </a:bodyPr>
           <a:p>
-            <a:pPr indent="0">
+            <a:pPr indent="0" algn="ctr">
               <a:buNone/>
             </a:pPr>
-            <a:endParaRPr b="0" lang="en-US" sz="1800" spc="-1" strike="noStrike">
-              <a:solidFill>
-                <a:srgbClr val="000000"/>
-              </a:solidFill>
-              <a:latin typeface="Calibri"/>
+            <a:endParaRPr b="0" lang="en-IN" sz="4400" spc="-1" strike="noStrike">
+              <a:solidFill>
+                <a:srgbClr val="000000"/>
+              </a:solidFill>
+              <a:latin typeface="Arial"/>
             </a:endParaRPr>
           </a:p>
         </p:txBody>
@@ -1973,8 +1928,8 @@
         </p:nvSpPr>
         <p:spPr>
           <a:xfrm>
-            <a:off x="838080" y="1825560"/>
-            <a:ext cx="5131080" cy="2075040"/>
+            <a:off x="609480" y="1604520"/>
+            <a:ext cx="5354280" cy="1896840"/>
           </a:xfrm>
           <a:prstGeom prst="rect">
             <a:avLst/>
@@ -1990,19 +1945,16 @@
           </a:bodyPr>
           <a:p>
             <a:pPr indent="0">
-              <a:lnSpc>
-                <a:spcPct val="90000"/>
-              </a:lnSpc>
               <a:spcBef>
                 <a:spcPts val="1417"/>
               </a:spcBef>
               <a:buNone/>
             </a:pPr>
-            <a:endParaRPr b="0" lang="en-US" sz="2800" spc="-1" strike="noStrike">
-              <a:solidFill>
-                <a:srgbClr val="000000"/>
-              </a:solidFill>
-              <a:latin typeface="Calibri"/>
+            <a:endParaRPr b="0" lang="en-IN" sz="3200" spc="-1" strike="noStrike">
+              <a:solidFill>
+                <a:srgbClr val="000000"/>
+              </a:solidFill>
+              <a:latin typeface="Arial"/>
             </a:endParaRPr>
           </a:p>
         </p:txBody>
@@ -2019,8 +1971,8 @@
         </p:nvSpPr>
         <p:spPr>
           <a:xfrm>
-            <a:off x="6226200" y="1825560"/>
-            <a:ext cx="5131080" cy="4350960"/>
+            <a:off x="6231960" y="1604520"/>
+            <a:ext cx="5354280" cy="3977280"/>
           </a:xfrm>
           <a:prstGeom prst="rect">
             <a:avLst/>
@@ -2036,19 +1988,16 @@
           </a:bodyPr>
           <a:p>
             <a:pPr indent="0">
-              <a:lnSpc>
-                <a:spcPct val="90000"/>
-              </a:lnSpc>
               <a:spcBef>
                 <a:spcPts val="1417"/>
               </a:spcBef>
               <a:buNone/>
             </a:pPr>
-            <a:endParaRPr b="0" lang="en-US" sz="2800" spc="-1" strike="noStrike">
-              <a:solidFill>
-                <a:srgbClr val="000000"/>
-              </a:solidFill>
-              <a:latin typeface="Calibri"/>
+            <a:endParaRPr b="0" lang="en-IN" sz="3200" spc="-1" strike="noStrike">
+              <a:solidFill>
+                <a:srgbClr val="000000"/>
+              </a:solidFill>
+              <a:latin typeface="Arial"/>
             </a:endParaRPr>
           </a:p>
         </p:txBody>
@@ -2065,8 +2014,8 @@
         </p:nvSpPr>
         <p:spPr>
           <a:xfrm>
-            <a:off x="838080" y="4098240"/>
-            <a:ext cx="5131080" cy="2075040"/>
+            <a:off x="609480" y="3682080"/>
+            <a:ext cx="5354280" cy="1896840"/>
           </a:xfrm>
           <a:prstGeom prst="rect">
             <a:avLst/>
@@ -2082,19 +2031,16 @@
           </a:bodyPr>
           <a:p>
             <a:pPr indent="0">
-              <a:lnSpc>
-                <a:spcPct val="90000"/>
-              </a:lnSpc>
               <a:spcBef>
                 <a:spcPts val="1417"/>
               </a:spcBef>
               <a:buNone/>
             </a:pPr>
-            <a:endParaRPr b="0" lang="en-US" sz="2800" spc="-1" strike="noStrike">
-              <a:solidFill>
-                <a:srgbClr val="000000"/>
-              </a:solidFill>
-              <a:latin typeface="Calibri"/>
+            <a:endParaRPr b="0" lang="en-IN" sz="3200" spc="-1" strike="noStrike">
+              <a:solidFill>
+                <a:srgbClr val="000000"/>
+              </a:solidFill>
+              <a:latin typeface="Arial"/>
             </a:endParaRPr>
           </a:p>
         </p:txBody>
@@ -2106,7 +2052,7 @@
             <a:spLocks noGrp="1"/>
           </p:cNvSpPr>
           <p:nvPr>
-            <p:ph type="ftr" idx="5"/>
+            <p:ph type="ftr" idx="4"/>
           </p:nvPr>
         </p:nvSpPr>
         <p:spPr/>
@@ -2126,14 +2072,14 @@
             <a:spLocks noGrp="1"/>
           </p:cNvSpPr>
           <p:nvPr>
-            <p:ph type="sldNum" idx="6"/>
+            <p:ph type="sldNum" idx="5"/>
           </p:nvPr>
         </p:nvSpPr>
         <p:spPr/>
         <p:txBody>
           <a:bodyPr/>
           <a:p>
-            <a:fld id="{07828725-460A-429C-8244-0F6629D2B80F}" type="slidenum">
+            <a:fld id="{490926FA-5CE0-4A3F-8BBE-E037A253F488}" type="slidenum">
               <a:t>&lt;#&gt;</a:t>
             </a:fld>
           </a:p>
@@ -2146,7 +2092,7 @@
             <a:spLocks noGrp="1"/>
           </p:cNvSpPr>
           <p:nvPr>
-            <p:ph type="dt" idx="4"/>
+            <p:ph type="dt" idx="6"/>
           </p:nvPr>
         </p:nvSpPr>
         <p:spPr/>
@@ -2194,8 +2140,8 @@
         </p:nvSpPr>
         <p:spPr>
           <a:xfrm>
-            <a:off x="838080" y="365040"/>
-            <a:ext cx="10515240" cy="1325160"/>
+            <a:off x="609480" y="273600"/>
+            <a:ext cx="10972440" cy="1144800"/>
           </a:xfrm>
           <a:prstGeom prst="rect">
             <a:avLst/>
@@ -2210,14 +2156,14 @@
             <a:noAutofit/>
           </a:bodyPr>
           <a:p>
-            <a:pPr indent="0">
+            <a:pPr indent="0" algn="ctr">
               <a:buNone/>
             </a:pPr>
-            <a:endParaRPr b="0" lang="en-US" sz="1800" spc="-1" strike="noStrike">
-              <a:solidFill>
-                <a:srgbClr val="000000"/>
-              </a:solidFill>
-              <a:latin typeface="Calibri"/>
+            <a:endParaRPr b="0" lang="en-IN" sz="4400" spc="-1" strike="noStrike">
+              <a:solidFill>
+                <a:srgbClr val="000000"/>
+              </a:solidFill>
+              <a:latin typeface="Arial"/>
             </a:endParaRPr>
           </a:p>
         </p:txBody>
@@ -2234,8 +2180,8 @@
         </p:nvSpPr>
         <p:spPr>
           <a:xfrm>
-            <a:off x="838080" y="1825560"/>
-            <a:ext cx="10515240" cy="4350960"/>
+            <a:off x="609480" y="1604520"/>
+            <a:ext cx="10972440" cy="3977280"/>
           </a:xfrm>
           <a:prstGeom prst="rect">
             <a:avLst/>
@@ -2269,7 +2215,7 @@
             <a:spLocks noGrp="1"/>
           </p:cNvSpPr>
           <p:nvPr>
-            <p:ph type="ftr" idx="2"/>
+            <p:ph type="ftr" idx="1"/>
           </p:nvPr>
         </p:nvSpPr>
         <p:spPr/>
@@ -2289,14 +2235,14 @@
             <a:spLocks noGrp="1"/>
           </p:cNvSpPr>
           <p:nvPr>
-            <p:ph type="sldNum" idx="3"/>
+            <p:ph type="sldNum" idx="2"/>
           </p:nvPr>
         </p:nvSpPr>
         <p:spPr/>
         <p:txBody>
           <a:bodyPr/>
           <a:p>
-            <a:fld id="{6E865507-E791-4586-BD93-2689990FE6A7}" type="slidenum">
+            <a:fld id="{F51CB729-BAE3-4BF7-8A12-5615A2AF24B7}" type="slidenum">
               <a:t>&lt;#&gt;</a:t>
             </a:fld>
           </a:p>
@@ -2309,7 +2255,7 @@
             <a:spLocks noGrp="1"/>
           </p:cNvSpPr>
           <p:nvPr>
-            <p:ph type="dt" idx="1"/>
+            <p:ph type="dt" idx="3"/>
           </p:nvPr>
         </p:nvSpPr>
         <p:spPr/>
@@ -2357,8 +2303,8 @@
         </p:nvSpPr>
         <p:spPr>
           <a:xfrm>
-            <a:off x="838080" y="365040"/>
-            <a:ext cx="10515240" cy="1325160"/>
+            <a:off x="609480" y="273600"/>
+            <a:ext cx="10972440" cy="1144800"/>
           </a:xfrm>
           <a:prstGeom prst="rect">
             <a:avLst/>
@@ -2373,14 +2319,14 @@
             <a:noAutofit/>
           </a:bodyPr>
           <a:p>
-            <a:pPr indent="0">
+            <a:pPr indent="0" algn="ctr">
               <a:buNone/>
             </a:pPr>
-            <a:endParaRPr b="0" lang="en-US" sz="1800" spc="-1" strike="noStrike">
-              <a:solidFill>
-                <a:srgbClr val="000000"/>
-              </a:solidFill>
-              <a:latin typeface="Calibri"/>
+            <a:endParaRPr b="0" lang="en-IN" sz="4400" spc="-1" strike="noStrike">
+              <a:solidFill>
+                <a:srgbClr val="000000"/>
+              </a:solidFill>
+              <a:latin typeface="Arial"/>
             </a:endParaRPr>
           </a:p>
         </p:txBody>
@@ -2397,8 +2343,8 @@
         </p:nvSpPr>
         <p:spPr>
           <a:xfrm>
-            <a:off x="838080" y="1825560"/>
-            <a:ext cx="5131080" cy="4350960"/>
+            <a:off x="609480" y="1604520"/>
+            <a:ext cx="5354280" cy="3977280"/>
           </a:xfrm>
           <a:prstGeom prst="rect">
             <a:avLst/>
@@ -2414,19 +2360,16 @@
           </a:bodyPr>
           <a:p>
             <a:pPr indent="0">
-              <a:lnSpc>
-                <a:spcPct val="90000"/>
-              </a:lnSpc>
               <a:spcBef>
                 <a:spcPts val="1417"/>
               </a:spcBef>
               <a:buNone/>
             </a:pPr>
-            <a:endParaRPr b="0" lang="en-US" sz="2800" spc="-1" strike="noStrike">
-              <a:solidFill>
-                <a:srgbClr val="000000"/>
-              </a:solidFill>
-              <a:latin typeface="Calibri"/>
+            <a:endParaRPr b="0" lang="en-IN" sz="3200" spc="-1" strike="noStrike">
+              <a:solidFill>
+                <a:srgbClr val="000000"/>
+              </a:solidFill>
+              <a:latin typeface="Arial"/>
             </a:endParaRPr>
           </a:p>
         </p:txBody>
@@ -2443,8 +2386,8 @@
         </p:nvSpPr>
         <p:spPr>
           <a:xfrm>
-            <a:off x="6226200" y="1825560"/>
-            <a:ext cx="5131080" cy="2075040"/>
+            <a:off x="6231960" y="1604520"/>
+            <a:ext cx="5354280" cy="1896840"/>
           </a:xfrm>
           <a:prstGeom prst="rect">
             <a:avLst/>
@@ -2460,19 +2403,16 @@
           </a:bodyPr>
           <a:p>
             <a:pPr indent="0">
-              <a:lnSpc>
-                <a:spcPct val="90000"/>
-              </a:lnSpc>
               <a:spcBef>
                 <a:spcPts val="1417"/>
               </a:spcBef>
               <a:buNone/>
             </a:pPr>
-            <a:endParaRPr b="0" lang="en-US" sz="2800" spc="-1" strike="noStrike">
-              <a:solidFill>
-                <a:srgbClr val="000000"/>
-              </a:solidFill>
-              <a:latin typeface="Calibri"/>
+            <a:endParaRPr b="0" lang="en-IN" sz="3200" spc="-1" strike="noStrike">
+              <a:solidFill>
+                <a:srgbClr val="000000"/>
+              </a:solidFill>
+              <a:latin typeface="Arial"/>
             </a:endParaRPr>
           </a:p>
         </p:txBody>
@@ -2489,8 +2429,8 @@
         </p:nvSpPr>
         <p:spPr>
           <a:xfrm>
-            <a:off x="6226200" y="4098240"/>
-            <a:ext cx="5131080" cy="2075040"/>
+            <a:off x="6231960" y="3682080"/>
+            <a:ext cx="5354280" cy="1896840"/>
           </a:xfrm>
           <a:prstGeom prst="rect">
             <a:avLst/>
@@ -2506,19 +2446,16 @@
           </a:bodyPr>
           <a:p>
             <a:pPr indent="0">
-              <a:lnSpc>
-                <a:spcPct val="90000"/>
-              </a:lnSpc>
               <a:spcBef>
                 <a:spcPts val="1417"/>
               </a:spcBef>
               <a:buNone/>
             </a:pPr>
-            <a:endParaRPr b="0" lang="en-US" sz="2800" spc="-1" strike="noStrike">
-              <a:solidFill>
-                <a:srgbClr val="000000"/>
-              </a:solidFill>
-              <a:latin typeface="Calibri"/>
+            <a:endParaRPr b="0" lang="en-IN" sz="3200" spc="-1" strike="noStrike">
+              <a:solidFill>
+                <a:srgbClr val="000000"/>
+              </a:solidFill>
+              <a:latin typeface="Arial"/>
             </a:endParaRPr>
           </a:p>
         </p:txBody>
@@ -2530,7 +2467,7 @@
             <a:spLocks noGrp="1"/>
           </p:cNvSpPr>
           <p:nvPr>
-            <p:ph type="ftr" idx="5"/>
+            <p:ph type="ftr" idx="4"/>
           </p:nvPr>
         </p:nvSpPr>
         <p:spPr/>
@@ -2550,14 +2487,14 @@
             <a:spLocks noGrp="1"/>
           </p:cNvSpPr>
           <p:nvPr>
-            <p:ph type="sldNum" idx="6"/>
+            <p:ph type="sldNum" idx="5"/>
           </p:nvPr>
         </p:nvSpPr>
         <p:spPr/>
         <p:txBody>
           <a:bodyPr/>
           <a:p>
-            <a:fld id="{00C962E4-094B-471A-97DA-912467BCBD94}" type="slidenum">
+            <a:fld id="{33188F74-1B17-49F6-9500-B373A77FACA0}" type="slidenum">
               <a:t>&lt;#&gt;</a:t>
             </a:fld>
           </a:p>
@@ -2570,7 +2507,7 @@
             <a:spLocks noGrp="1"/>
           </p:cNvSpPr>
           <p:nvPr>
-            <p:ph type="dt" idx="4"/>
+            <p:ph type="dt" idx="6"/>
           </p:nvPr>
         </p:nvSpPr>
         <p:spPr/>
@@ -2618,8 +2555,8 @@
         </p:nvSpPr>
         <p:spPr>
           <a:xfrm>
-            <a:off x="838080" y="365040"/>
-            <a:ext cx="10515240" cy="1325160"/>
+            <a:off x="609480" y="273600"/>
+            <a:ext cx="10972440" cy="1144800"/>
           </a:xfrm>
           <a:prstGeom prst="rect">
             <a:avLst/>
@@ -2634,14 +2571,14 @@
             <a:noAutofit/>
           </a:bodyPr>
           <a:p>
-            <a:pPr indent="0">
+            <a:pPr indent="0" algn="ctr">
               <a:buNone/>
             </a:pPr>
-            <a:endParaRPr b="0" lang="en-US" sz="1800" spc="-1" strike="noStrike">
-              <a:solidFill>
-                <a:srgbClr val="000000"/>
-              </a:solidFill>
-              <a:latin typeface="Calibri"/>
+            <a:endParaRPr b="0" lang="en-IN" sz="4400" spc="-1" strike="noStrike">
+              <a:solidFill>
+                <a:srgbClr val="000000"/>
+              </a:solidFill>
+              <a:latin typeface="Arial"/>
             </a:endParaRPr>
           </a:p>
         </p:txBody>
@@ -2658,8 +2595,8 @@
         </p:nvSpPr>
         <p:spPr>
           <a:xfrm>
-            <a:off x="838080" y="1825560"/>
-            <a:ext cx="5131080" cy="2075040"/>
+            <a:off x="609480" y="1604520"/>
+            <a:ext cx="5354280" cy="1896840"/>
           </a:xfrm>
           <a:prstGeom prst="rect">
             <a:avLst/>
@@ -2675,19 +2612,16 @@
           </a:bodyPr>
           <a:p>
             <a:pPr indent="0">
-              <a:lnSpc>
-                <a:spcPct val="90000"/>
-              </a:lnSpc>
               <a:spcBef>
                 <a:spcPts val="1417"/>
               </a:spcBef>
               <a:buNone/>
             </a:pPr>
-            <a:endParaRPr b="0" lang="en-US" sz="2800" spc="-1" strike="noStrike">
-              <a:solidFill>
-                <a:srgbClr val="000000"/>
-              </a:solidFill>
-              <a:latin typeface="Calibri"/>
+            <a:endParaRPr b="0" lang="en-IN" sz="3200" spc="-1" strike="noStrike">
+              <a:solidFill>
+                <a:srgbClr val="000000"/>
+              </a:solidFill>
+              <a:latin typeface="Arial"/>
             </a:endParaRPr>
           </a:p>
         </p:txBody>
@@ -2704,8 +2638,8 @@
         </p:nvSpPr>
         <p:spPr>
           <a:xfrm>
-            <a:off x="6226200" y="1825560"/>
-            <a:ext cx="5131080" cy="2075040"/>
+            <a:off x="6231960" y="1604520"/>
+            <a:ext cx="5354280" cy="1896840"/>
           </a:xfrm>
           <a:prstGeom prst="rect">
             <a:avLst/>
@@ -2721,19 +2655,16 @@
           </a:bodyPr>
           <a:p>
             <a:pPr indent="0">
-              <a:lnSpc>
-                <a:spcPct val="90000"/>
-              </a:lnSpc>
               <a:spcBef>
                 <a:spcPts val="1417"/>
               </a:spcBef>
               <a:buNone/>
             </a:pPr>
-            <a:endParaRPr b="0" lang="en-US" sz="2800" spc="-1" strike="noStrike">
-              <a:solidFill>
-                <a:srgbClr val="000000"/>
-              </a:solidFill>
-              <a:latin typeface="Calibri"/>
+            <a:endParaRPr b="0" lang="en-IN" sz="3200" spc="-1" strike="noStrike">
+              <a:solidFill>
+                <a:srgbClr val="000000"/>
+              </a:solidFill>
+              <a:latin typeface="Arial"/>
             </a:endParaRPr>
           </a:p>
         </p:txBody>
@@ -2750,8 +2681,8 @@
         </p:nvSpPr>
         <p:spPr>
           <a:xfrm>
-            <a:off x="838080" y="4098240"/>
-            <a:ext cx="10515240" cy="2075040"/>
+            <a:off x="609480" y="3682080"/>
+            <a:ext cx="10972440" cy="1896840"/>
           </a:xfrm>
           <a:prstGeom prst="rect">
             <a:avLst/>
@@ -2767,19 +2698,16 @@
           </a:bodyPr>
           <a:p>
             <a:pPr indent="0">
-              <a:lnSpc>
-                <a:spcPct val="90000"/>
-              </a:lnSpc>
               <a:spcBef>
                 <a:spcPts val="1417"/>
               </a:spcBef>
               <a:buNone/>
             </a:pPr>
-            <a:endParaRPr b="0" lang="en-US" sz="2800" spc="-1" strike="noStrike">
-              <a:solidFill>
-                <a:srgbClr val="000000"/>
-              </a:solidFill>
-              <a:latin typeface="Calibri"/>
+            <a:endParaRPr b="0" lang="en-IN" sz="3200" spc="-1" strike="noStrike">
+              <a:solidFill>
+                <a:srgbClr val="000000"/>
+              </a:solidFill>
+              <a:latin typeface="Arial"/>
             </a:endParaRPr>
           </a:p>
         </p:txBody>
@@ -2791,7 +2719,7 @@
             <a:spLocks noGrp="1"/>
           </p:cNvSpPr>
           <p:nvPr>
-            <p:ph type="ftr" idx="5"/>
+            <p:ph type="ftr" idx="4"/>
           </p:nvPr>
         </p:nvSpPr>
         <p:spPr/>
@@ -2811,14 +2739,14 @@
             <a:spLocks noGrp="1"/>
           </p:cNvSpPr>
           <p:nvPr>
-            <p:ph type="sldNum" idx="6"/>
+            <p:ph type="sldNum" idx="5"/>
           </p:nvPr>
         </p:nvSpPr>
         <p:spPr/>
         <p:txBody>
           <a:bodyPr/>
           <a:p>
-            <a:fld id="{C55ED9A1-9587-440D-BDEF-A011A2558C63}" type="slidenum">
+            <a:fld id="{8AAA9AA5-87E9-4964-96B8-4132F2B9D6A8}" type="slidenum">
               <a:t>&lt;#&gt;</a:t>
             </a:fld>
           </a:p>
@@ -2831,7 +2759,7 @@
             <a:spLocks noGrp="1"/>
           </p:cNvSpPr>
           <p:nvPr>
-            <p:ph type="dt" idx="4"/>
+            <p:ph type="dt" idx="6"/>
           </p:nvPr>
         </p:nvSpPr>
         <p:spPr/>
@@ -2879,8 +2807,8 @@
         </p:nvSpPr>
         <p:spPr>
           <a:xfrm>
-            <a:off x="838080" y="365040"/>
-            <a:ext cx="10515240" cy="1325160"/>
+            <a:off x="609480" y="273600"/>
+            <a:ext cx="10972440" cy="1144800"/>
           </a:xfrm>
           <a:prstGeom prst="rect">
             <a:avLst/>
@@ -2895,14 +2823,14 @@
             <a:noAutofit/>
           </a:bodyPr>
           <a:p>
-            <a:pPr indent="0">
+            <a:pPr indent="0" algn="ctr">
               <a:buNone/>
             </a:pPr>
-            <a:endParaRPr b="0" lang="en-US" sz="1800" spc="-1" strike="noStrike">
-              <a:solidFill>
-                <a:srgbClr val="000000"/>
-              </a:solidFill>
-              <a:latin typeface="Calibri"/>
+            <a:endParaRPr b="0" lang="en-IN" sz="4400" spc="-1" strike="noStrike">
+              <a:solidFill>
+                <a:srgbClr val="000000"/>
+              </a:solidFill>
+              <a:latin typeface="Arial"/>
             </a:endParaRPr>
           </a:p>
         </p:txBody>
@@ -2919,8 +2847,8 @@
         </p:nvSpPr>
         <p:spPr>
           <a:xfrm>
-            <a:off x="838080" y="1825560"/>
-            <a:ext cx="10515240" cy="2075040"/>
+            <a:off x="609480" y="1604520"/>
+            <a:ext cx="10972440" cy="1896840"/>
           </a:xfrm>
           <a:prstGeom prst="rect">
             <a:avLst/>
@@ -2936,19 +2864,16 @@
           </a:bodyPr>
           <a:p>
             <a:pPr indent="0">
-              <a:lnSpc>
-                <a:spcPct val="90000"/>
-              </a:lnSpc>
               <a:spcBef>
                 <a:spcPts val="1417"/>
               </a:spcBef>
               <a:buNone/>
             </a:pPr>
-            <a:endParaRPr b="0" lang="en-US" sz="2800" spc="-1" strike="noStrike">
-              <a:solidFill>
-                <a:srgbClr val="000000"/>
-              </a:solidFill>
-              <a:latin typeface="Calibri"/>
+            <a:endParaRPr b="0" lang="en-IN" sz="3200" spc="-1" strike="noStrike">
+              <a:solidFill>
+                <a:srgbClr val="000000"/>
+              </a:solidFill>
+              <a:latin typeface="Arial"/>
             </a:endParaRPr>
           </a:p>
         </p:txBody>
@@ -2965,8 +2890,8 @@
         </p:nvSpPr>
         <p:spPr>
           <a:xfrm>
-            <a:off x="838080" y="4098240"/>
-            <a:ext cx="10515240" cy="2075040"/>
+            <a:off x="609480" y="3682080"/>
+            <a:ext cx="10972440" cy="1896840"/>
           </a:xfrm>
           <a:prstGeom prst="rect">
             <a:avLst/>
@@ -2982,19 +2907,16 @@
           </a:bodyPr>
           <a:p>
             <a:pPr indent="0">
-              <a:lnSpc>
-                <a:spcPct val="90000"/>
-              </a:lnSpc>
               <a:spcBef>
                 <a:spcPts val="1417"/>
               </a:spcBef>
               <a:buNone/>
             </a:pPr>
-            <a:endParaRPr b="0" lang="en-US" sz="2800" spc="-1" strike="noStrike">
-              <a:solidFill>
-                <a:srgbClr val="000000"/>
-              </a:solidFill>
-              <a:latin typeface="Calibri"/>
+            <a:endParaRPr b="0" lang="en-IN" sz="3200" spc="-1" strike="noStrike">
+              <a:solidFill>
+                <a:srgbClr val="000000"/>
+              </a:solidFill>
+              <a:latin typeface="Arial"/>
             </a:endParaRPr>
           </a:p>
         </p:txBody>
@@ -3006,7 +2928,7 @@
             <a:spLocks noGrp="1"/>
           </p:cNvSpPr>
           <p:nvPr>
-            <p:ph type="ftr" idx="5"/>
+            <p:ph type="ftr" idx="4"/>
           </p:nvPr>
         </p:nvSpPr>
         <p:spPr/>
@@ -3026,14 +2948,14 @@
             <a:spLocks noGrp="1"/>
           </p:cNvSpPr>
           <p:nvPr>
-            <p:ph type="sldNum" idx="6"/>
+            <p:ph type="sldNum" idx="5"/>
           </p:nvPr>
         </p:nvSpPr>
         <p:spPr/>
         <p:txBody>
           <a:bodyPr/>
           <a:p>
-            <a:fld id="{BFD658DE-5161-4055-A0E6-A67F7E0EA995}" type="slidenum">
+            <a:fld id="{347B350D-50F8-49A8-90DA-1BC94B0C0A1D}" type="slidenum">
               <a:t>&lt;#&gt;</a:t>
             </a:fld>
           </a:p>
@@ -3046,7 +2968,7 @@
             <a:spLocks noGrp="1"/>
           </p:cNvSpPr>
           <p:nvPr>
-            <p:ph type="dt" idx="4"/>
+            <p:ph type="dt" idx="6"/>
           </p:nvPr>
         </p:nvSpPr>
         <p:spPr/>
@@ -3094,8 +3016,8 @@
         </p:nvSpPr>
         <p:spPr>
           <a:xfrm>
-            <a:off x="838080" y="365040"/>
-            <a:ext cx="10515240" cy="1325160"/>
+            <a:off x="609480" y="273600"/>
+            <a:ext cx="10972440" cy="1144800"/>
           </a:xfrm>
           <a:prstGeom prst="rect">
             <a:avLst/>
@@ -3110,14 +3032,14 @@
             <a:noAutofit/>
           </a:bodyPr>
           <a:p>
-            <a:pPr indent="0">
+            <a:pPr indent="0" algn="ctr">
               <a:buNone/>
             </a:pPr>
-            <a:endParaRPr b="0" lang="en-US" sz="1800" spc="-1" strike="noStrike">
-              <a:solidFill>
-                <a:srgbClr val="000000"/>
-              </a:solidFill>
-              <a:latin typeface="Calibri"/>
+            <a:endParaRPr b="0" lang="en-IN" sz="4400" spc="-1" strike="noStrike">
+              <a:solidFill>
+                <a:srgbClr val="000000"/>
+              </a:solidFill>
+              <a:latin typeface="Arial"/>
             </a:endParaRPr>
           </a:p>
         </p:txBody>
@@ -3134,8 +3056,8 @@
         </p:nvSpPr>
         <p:spPr>
           <a:xfrm>
-            <a:off x="838080" y="1825560"/>
-            <a:ext cx="5131080" cy="2075040"/>
+            <a:off x="609480" y="1604520"/>
+            <a:ext cx="5354280" cy="1896840"/>
           </a:xfrm>
           <a:prstGeom prst="rect">
             <a:avLst/>
@@ -3151,19 +3073,16 @@
           </a:bodyPr>
           <a:p>
             <a:pPr indent="0">
-              <a:lnSpc>
-                <a:spcPct val="90000"/>
-              </a:lnSpc>
               <a:spcBef>
                 <a:spcPts val="1417"/>
               </a:spcBef>
               <a:buNone/>
             </a:pPr>
-            <a:endParaRPr b="0" lang="en-US" sz="2800" spc="-1" strike="noStrike">
-              <a:solidFill>
-                <a:srgbClr val="000000"/>
-              </a:solidFill>
-              <a:latin typeface="Calibri"/>
+            <a:endParaRPr b="0" lang="en-IN" sz="3200" spc="-1" strike="noStrike">
+              <a:solidFill>
+                <a:srgbClr val="000000"/>
+              </a:solidFill>
+              <a:latin typeface="Arial"/>
             </a:endParaRPr>
           </a:p>
         </p:txBody>
@@ -3180,8 +3099,8 @@
         </p:nvSpPr>
         <p:spPr>
           <a:xfrm>
-            <a:off x="6226200" y="1825560"/>
-            <a:ext cx="5131080" cy="2075040"/>
+            <a:off x="6231960" y="1604520"/>
+            <a:ext cx="5354280" cy="1896840"/>
           </a:xfrm>
           <a:prstGeom prst="rect">
             <a:avLst/>
@@ -3197,19 +3116,16 @@
           </a:bodyPr>
           <a:p>
             <a:pPr indent="0">
-              <a:lnSpc>
-                <a:spcPct val="90000"/>
-              </a:lnSpc>
               <a:spcBef>
                 <a:spcPts val="1417"/>
               </a:spcBef>
               <a:buNone/>
             </a:pPr>
-            <a:endParaRPr b="0" lang="en-US" sz="2800" spc="-1" strike="noStrike">
-              <a:solidFill>
-                <a:srgbClr val="000000"/>
-              </a:solidFill>
-              <a:latin typeface="Calibri"/>
+            <a:endParaRPr b="0" lang="en-IN" sz="3200" spc="-1" strike="noStrike">
+              <a:solidFill>
+                <a:srgbClr val="000000"/>
+              </a:solidFill>
+              <a:latin typeface="Arial"/>
             </a:endParaRPr>
           </a:p>
         </p:txBody>
@@ -3226,8 +3142,8 @@
         </p:nvSpPr>
         <p:spPr>
           <a:xfrm>
-            <a:off x="838080" y="4098240"/>
-            <a:ext cx="5131080" cy="2075040"/>
+            <a:off x="609480" y="3682080"/>
+            <a:ext cx="5354280" cy="1896840"/>
           </a:xfrm>
           <a:prstGeom prst="rect">
             <a:avLst/>
@@ -3243,19 +3159,16 @@
           </a:bodyPr>
           <a:p>
             <a:pPr indent="0">
-              <a:lnSpc>
-                <a:spcPct val="90000"/>
-              </a:lnSpc>
               <a:spcBef>
                 <a:spcPts val="1417"/>
               </a:spcBef>
               <a:buNone/>
             </a:pPr>
-            <a:endParaRPr b="0" lang="en-US" sz="2800" spc="-1" strike="noStrike">
-              <a:solidFill>
-                <a:srgbClr val="000000"/>
-              </a:solidFill>
-              <a:latin typeface="Calibri"/>
+            <a:endParaRPr b="0" lang="en-IN" sz="3200" spc="-1" strike="noStrike">
+              <a:solidFill>
+                <a:srgbClr val="000000"/>
+              </a:solidFill>
+              <a:latin typeface="Arial"/>
             </a:endParaRPr>
           </a:p>
         </p:txBody>
@@ -3272,8 +3185,8 @@
         </p:nvSpPr>
         <p:spPr>
           <a:xfrm>
-            <a:off x="6226200" y="4098240"/>
-            <a:ext cx="5131080" cy="2075040"/>
+            <a:off x="6231960" y="3682080"/>
+            <a:ext cx="5354280" cy="1896840"/>
           </a:xfrm>
           <a:prstGeom prst="rect">
             <a:avLst/>
@@ -3289,19 +3202,16 @@
           </a:bodyPr>
           <a:p>
             <a:pPr indent="0">
-              <a:lnSpc>
-                <a:spcPct val="90000"/>
-              </a:lnSpc>
               <a:spcBef>
                 <a:spcPts val="1417"/>
               </a:spcBef>
               <a:buNone/>
             </a:pPr>
-            <a:endParaRPr b="0" lang="en-US" sz="2800" spc="-1" strike="noStrike">
-              <a:solidFill>
-                <a:srgbClr val="000000"/>
-              </a:solidFill>
-              <a:latin typeface="Calibri"/>
+            <a:endParaRPr b="0" lang="en-IN" sz="3200" spc="-1" strike="noStrike">
+              <a:solidFill>
+                <a:srgbClr val="000000"/>
+              </a:solidFill>
+              <a:latin typeface="Arial"/>
             </a:endParaRPr>
           </a:p>
         </p:txBody>
@@ -3313,7 +3223,7 @@
             <a:spLocks noGrp="1"/>
           </p:cNvSpPr>
           <p:nvPr>
-            <p:ph type="ftr" idx="5"/>
+            <p:ph type="ftr" idx="4"/>
           </p:nvPr>
         </p:nvSpPr>
         <p:spPr/>
@@ -3333,14 +3243,14 @@
             <a:spLocks noGrp="1"/>
           </p:cNvSpPr>
           <p:nvPr>
-            <p:ph type="sldNum" idx="6"/>
+            <p:ph type="sldNum" idx="5"/>
           </p:nvPr>
         </p:nvSpPr>
         <p:spPr/>
         <p:txBody>
           <a:bodyPr/>
           <a:p>
-            <a:fld id="{DBE452EB-F82B-44EF-A2FD-88C274881AD7}" type="slidenum">
+            <a:fld id="{B2C92147-3E39-4437-B907-C1FE2B0DA49F}" type="slidenum">
               <a:t>&lt;#&gt;</a:t>
             </a:fld>
           </a:p>
@@ -3353,7 +3263,7 @@
             <a:spLocks noGrp="1"/>
           </p:cNvSpPr>
           <p:nvPr>
-            <p:ph type="dt" idx="4"/>
+            <p:ph type="dt" idx="6"/>
           </p:nvPr>
         </p:nvSpPr>
         <p:spPr/>
@@ -3401,8 +3311,8 @@
         </p:nvSpPr>
         <p:spPr>
           <a:xfrm>
-            <a:off x="838080" y="365040"/>
-            <a:ext cx="10515240" cy="1325160"/>
+            <a:off x="609480" y="273600"/>
+            <a:ext cx="10972440" cy="1144800"/>
           </a:xfrm>
           <a:prstGeom prst="rect">
             <a:avLst/>
@@ -3417,14 +3327,14 @@
             <a:noAutofit/>
           </a:bodyPr>
           <a:p>
-            <a:pPr indent="0">
+            <a:pPr indent="0" algn="ctr">
               <a:buNone/>
             </a:pPr>
-            <a:endParaRPr b="0" lang="en-US" sz="1800" spc="-1" strike="noStrike">
-              <a:solidFill>
-                <a:srgbClr val="000000"/>
-              </a:solidFill>
-              <a:latin typeface="Calibri"/>
+            <a:endParaRPr b="0" lang="en-IN" sz="4400" spc="-1" strike="noStrike">
+              <a:solidFill>
+                <a:srgbClr val="000000"/>
+              </a:solidFill>
+              <a:latin typeface="Arial"/>
             </a:endParaRPr>
           </a:p>
         </p:txBody>
@@ -3441,8 +3351,8 @@
         </p:nvSpPr>
         <p:spPr>
           <a:xfrm>
-            <a:off x="838080" y="1825560"/>
-            <a:ext cx="3385800" cy="2075040"/>
+            <a:off x="609480" y="1604520"/>
+            <a:ext cx="3533040" cy="1896840"/>
           </a:xfrm>
           <a:prstGeom prst="rect">
             <a:avLst/>
@@ -3458,19 +3368,16 @@
           </a:bodyPr>
           <a:p>
             <a:pPr indent="0">
-              <a:lnSpc>
-                <a:spcPct val="90000"/>
-              </a:lnSpc>
               <a:spcBef>
                 <a:spcPts val="1417"/>
               </a:spcBef>
               <a:buNone/>
             </a:pPr>
-            <a:endParaRPr b="0" lang="en-US" sz="2800" spc="-1" strike="noStrike">
-              <a:solidFill>
-                <a:srgbClr val="000000"/>
-              </a:solidFill>
-              <a:latin typeface="Calibri"/>
+            <a:endParaRPr b="0" lang="en-IN" sz="3200" spc="-1" strike="noStrike">
+              <a:solidFill>
+                <a:srgbClr val="000000"/>
+              </a:solidFill>
+              <a:latin typeface="Arial"/>
             </a:endParaRPr>
           </a:p>
         </p:txBody>
@@ -3487,8 +3394,8 @@
         </p:nvSpPr>
         <p:spPr>
           <a:xfrm>
-            <a:off x="4393440" y="1825560"/>
-            <a:ext cx="3385800" cy="2075040"/>
+            <a:off x="4319640" y="1604520"/>
+            <a:ext cx="3533040" cy="1896840"/>
           </a:xfrm>
           <a:prstGeom prst="rect">
             <a:avLst/>
@@ -3504,19 +3411,16 @@
           </a:bodyPr>
           <a:p>
             <a:pPr indent="0">
-              <a:lnSpc>
-                <a:spcPct val="90000"/>
-              </a:lnSpc>
               <a:spcBef>
                 <a:spcPts val="1417"/>
               </a:spcBef>
               <a:buNone/>
             </a:pPr>
-            <a:endParaRPr b="0" lang="en-US" sz="2800" spc="-1" strike="noStrike">
-              <a:solidFill>
-                <a:srgbClr val="000000"/>
-              </a:solidFill>
-              <a:latin typeface="Calibri"/>
+            <a:endParaRPr b="0" lang="en-IN" sz="3200" spc="-1" strike="noStrike">
+              <a:solidFill>
+                <a:srgbClr val="000000"/>
+              </a:solidFill>
+              <a:latin typeface="Arial"/>
             </a:endParaRPr>
           </a:p>
         </p:txBody>
@@ -3533,8 +3437,8 @@
         </p:nvSpPr>
         <p:spPr>
           <a:xfrm>
-            <a:off x="7949160" y="1825560"/>
-            <a:ext cx="3385800" cy="2075040"/>
+            <a:off x="8029800" y="1604520"/>
+            <a:ext cx="3533040" cy="1896840"/>
           </a:xfrm>
           <a:prstGeom prst="rect">
             <a:avLst/>
@@ -3550,19 +3454,16 @@
           </a:bodyPr>
           <a:p>
             <a:pPr indent="0">
-              <a:lnSpc>
-                <a:spcPct val="90000"/>
-              </a:lnSpc>
               <a:spcBef>
                 <a:spcPts val="1417"/>
               </a:spcBef>
               <a:buNone/>
             </a:pPr>
-            <a:endParaRPr b="0" lang="en-US" sz="2800" spc="-1" strike="noStrike">
-              <a:solidFill>
-                <a:srgbClr val="000000"/>
-              </a:solidFill>
-              <a:latin typeface="Calibri"/>
+            <a:endParaRPr b="0" lang="en-IN" sz="3200" spc="-1" strike="noStrike">
+              <a:solidFill>
+                <a:srgbClr val="000000"/>
+              </a:solidFill>
+              <a:latin typeface="Arial"/>
             </a:endParaRPr>
           </a:p>
         </p:txBody>
@@ -3579,8 +3480,8 @@
         </p:nvSpPr>
         <p:spPr>
           <a:xfrm>
-            <a:off x="838080" y="4098240"/>
-            <a:ext cx="3385800" cy="2075040"/>
+            <a:off x="609480" y="3682080"/>
+            <a:ext cx="3533040" cy="1896840"/>
           </a:xfrm>
           <a:prstGeom prst="rect">
             <a:avLst/>
@@ -3596,19 +3497,16 @@
           </a:bodyPr>
           <a:p>
             <a:pPr indent="0">
-              <a:lnSpc>
-                <a:spcPct val="90000"/>
-              </a:lnSpc>
               <a:spcBef>
                 <a:spcPts val="1417"/>
               </a:spcBef>
               <a:buNone/>
             </a:pPr>
-            <a:endParaRPr b="0" lang="en-US" sz="2800" spc="-1" strike="noStrike">
-              <a:solidFill>
-                <a:srgbClr val="000000"/>
-              </a:solidFill>
-              <a:latin typeface="Calibri"/>
+            <a:endParaRPr b="0" lang="en-IN" sz="3200" spc="-1" strike="noStrike">
+              <a:solidFill>
+                <a:srgbClr val="000000"/>
+              </a:solidFill>
+              <a:latin typeface="Arial"/>
             </a:endParaRPr>
           </a:p>
         </p:txBody>
@@ -3625,8 +3523,8 @@
         </p:nvSpPr>
         <p:spPr>
           <a:xfrm>
-            <a:off x="4393440" y="4098240"/>
-            <a:ext cx="3385800" cy="2075040"/>
+            <a:off x="4319640" y="3682080"/>
+            <a:ext cx="3533040" cy="1896840"/>
           </a:xfrm>
           <a:prstGeom prst="rect">
             <a:avLst/>
@@ -3642,19 +3540,16 @@
           </a:bodyPr>
           <a:p>
             <a:pPr indent="0">
-              <a:lnSpc>
-                <a:spcPct val="90000"/>
-              </a:lnSpc>
               <a:spcBef>
                 <a:spcPts val="1417"/>
               </a:spcBef>
               <a:buNone/>
             </a:pPr>
-            <a:endParaRPr b="0" lang="en-US" sz="2800" spc="-1" strike="noStrike">
-              <a:solidFill>
-                <a:srgbClr val="000000"/>
-              </a:solidFill>
-              <a:latin typeface="Calibri"/>
+            <a:endParaRPr b="0" lang="en-IN" sz="3200" spc="-1" strike="noStrike">
+              <a:solidFill>
+                <a:srgbClr val="000000"/>
+              </a:solidFill>
+              <a:latin typeface="Arial"/>
             </a:endParaRPr>
           </a:p>
         </p:txBody>
@@ -3671,8 +3566,8 @@
         </p:nvSpPr>
         <p:spPr>
           <a:xfrm>
-            <a:off x="7949160" y="4098240"/>
-            <a:ext cx="3385800" cy="2075040"/>
+            <a:off x="8029800" y="3682080"/>
+            <a:ext cx="3533040" cy="1896840"/>
           </a:xfrm>
           <a:prstGeom prst="rect">
             <a:avLst/>
@@ -3688,19 +3583,16 @@
           </a:bodyPr>
           <a:p>
             <a:pPr indent="0">
-              <a:lnSpc>
-                <a:spcPct val="90000"/>
-              </a:lnSpc>
               <a:spcBef>
                 <a:spcPts val="1417"/>
               </a:spcBef>
               <a:buNone/>
             </a:pPr>
-            <a:endParaRPr b="0" lang="en-US" sz="2800" spc="-1" strike="noStrike">
-              <a:solidFill>
-                <a:srgbClr val="000000"/>
-              </a:solidFill>
-              <a:latin typeface="Calibri"/>
+            <a:endParaRPr b="0" lang="en-IN" sz="3200" spc="-1" strike="noStrike">
+              <a:solidFill>
+                <a:srgbClr val="000000"/>
+              </a:solidFill>
+              <a:latin typeface="Arial"/>
             </a:endParaRPr>
           </a:p>
         </p:txBody>
@@ -3712,7 +3604,7 @@
             <a:spLocks noGrp="1"/>
           </p:cNvSpPr>
           <p:nvPr>
-            <p:ph type="ftr" idx="5"/>
+            <p:ph type="ftr" idx="4"/>
           </p:nvPr>
         </p:nvSpPr>
         <p:spPr/>
@@ -3732,14 +3624,14 @@
             <a:spLocks noGrp="1"/>
           </p:cNvSpPr>
           <p:nvPr>
-            <p:ph type="sldNum" idx="6"/>
+            <p:ph type="sldNum" idx="5"/>
           </p:nvPr>
         </p:nvSpPr>
         <p:spPr/>
         <p:txBody>
           <a:bodyPr/>
           <a:p>
-            <a:fld id="{2784DE0F-8D12-4EDA-8BEA-AD7BDCF3C070}" type="slidenum">
+            <a:fld id="{D0D401F8-48B6-4653-8276-EB60E0D0854F}" type="slidenum">
               <a:t>&lt;#&gt;</a:t>
             </a:fld>
           </a:p>
@@ -3752,7 +3644,7 @@
             <a:spLocks noGrp="1"/>
           </p:cNvSpPr>
           <p:nvPr>
-            <p:ph type="dt" idx="4"/>
+            <p:ph type="dt" idx="6"/>
           </p:nvPr>
         </p:nvSpPr>
         <p:spPr/>
@@ -3800,8 +3692,8 @@
         </p:nvSpPr>
         <p:spPr>
           <a:xfrm>
-            <a:off x="838080" y="365040"/>
-            <a:ext cx="10515240" cy="1325160"/>
+            <a:off x="609480" y="273600"/>
+            <a:ext cx="10972440" cy="1144800"/>
           </a:xfrm>
           <a:prstGeom prst="rect">
             <a:avLst/>
@@ -3816,14 +3708,14 @@
             <a:noAutofit/>
           </a:bodyPr>
           <a:p>
-            <a:pPr indent="0">
+            <a:pPr indent="0" algn="ctr">
               <a:buNone/>
             </a:pPr>
-            <a:endParaRPr b="0" lang="en-US" sz="1800" spc="-1" strike="noStrike">
-              <a:solidFill>
-                <a:srgbClr val="000000"/>
-              </a:solidFill>
-              <a:latin typeface="Calibri"/>
+            <a:endParaRPr b="0" lang="en-IN" sz="4400" spc="-1" strike="noStrike">
+              <a:solidFill>
+                <a:srgbClr val="000000"/>
+              </a:solidFill>
+              <a:latin typeface="Arial"/>
             </a:endParaRPr>
           </a:p>
         </p:txBody>
@@ -3840,8 +3732,8 @@
         </p:nvSpPr>
         <p:spPr>
           <a:xfrm>
-            <a:off x="838080" y="1825560"/>
-            <a:ext cx="10515240" cy="4350960"/>
+            <a:off x="609480" y="1604520"/>
+            <a:ext cx="10972440" cy="3977280"/>
           </a:xfrm>
           <a:prstGeom prst="rect">
             <a:avLst/>
@@ -3857,19 +3749,16 @@
           </a:bodyPr>
           <a:p>
             <a:pPr indent="0">
-              <a:lnSpc>
-                <a:spcPct val="90000"/>
-              </a:lnSpc>
               <a:spcBef>
                 <a:spcPts val="1417"/>
               </a:spcBef>
               <a:buNone/>
             </a:pPr>
-            <a:endParaRPr b="0" lang="en-US" sz="2800" spc="-1" strike="noStrike">
-              <a:solidFill>
-                <a:srgbClr val="000000"/>
-              </a:solidFill>
-              <a:latin typeface="Calibri"/>
+            <a:endParaRPr b="0" lang="en-IN" sz="3200" spc="-1" strike="noStrike">
+              <a:solidFill>
+                <a:srgbClr val="000000"/>
+              </a:solidFill>
+              <a:latin typeface="Arial"/>
             </a:endParaRPr>
           </a:p>
         </p:txBody>
@@ -3881,7 +3770,7 @@
             <a:spLocks noGrp="1"/>
           </p:cNvSpPr>
           <p:nvPr>
-            <p:ph type="ftr" idx="2"/>
+            <p:ph type="ftr" idx="1"/>
           </p:nvPr>
         </p:nvSpPr>
         <p:spPr/>
@@ -3901,14 +3790,14 @@
             <a:spLocks noGrp="1"/>
           </p:cNvSpPr>
           <p:nvPr>
-            <p:ph type="sldNum" idx="3"/>
+            <p:ph type="sldNum" idx="2"/>
           </p:nvPr>
         </p:nvSpPr>
         <p:spPr/>
         <p:txBody>
           <a:bodyPr/>
           <a:p>
-            <a:fld id="{50C703F6-ACAF-457A-A916-E6FFE0079DEC}" type="slidenum">
+            <a:fld id="{1CB53F39-A119-426D-8CB6-A47590BF573A}" type="slidenum">
               <a:t>&lt;#&gt;</a:t>
             </a:fld>
           </a:p>
@@ -3921,7 +3810,7 @@
             <a:spLocks noGrp="1"/>
           </p:cNvSpPr>
           <p:nvPr>
-            <p:ph type="dt" idx="1"/>
+            <p:ph type="dt" idx="3"/>
           </p:nvPr>
         </p:nvSpPr>
         <p:spPr/>
@@ -3969,8 +3858,8 @@
         </p:nvSpPr>
         <p:spPr>
           <a:xfrm>
-            <a:off x="838080" y="365040"/>
-            <a:ext cx="10515240" cy="1325160"/>
+            <a:off x="609480" y="273600"/>
+            <a:ext cx="10972440" cy="1144800"/>
           </a:xfrm>
           <a:prstGeom prst="rect">
             <a:avLst/>
@@ -3985,14 +3874,14 @@
             <a:noAutofit/>
           </a:bodyPr>
           <a:p>
-            <a:pPr indent="0">
+            <a:pPr indent="0" algn="ctr">
               <a:buNone/>
             </a:pPr>
-            <a:endParaRPr b="0" lang="en-US" sz="1800" spc="-1" strike="noStrike">
-              <a:solidFill>
-                <a:srgbClr val="000000"/>
-              </a:solidFill>
-              <a:latin typeface="Calibri"/>
+            <a:endParaRPr b="0" lang="en-IN" sz="4400" spc="-1" strike="noStrike">
+              <a:solidFill>
+                <a:srgbClr val="000000"/>
+              </a:solidFill>
+              <a:latin typeface="Arial"/>
             </a:endParaRPr>
           </a:p>
         </p:txBody>
@@ -4009,8 +3898,8 @@
         </p:nvSpPr>
         <p:spPr>
           <a:xfrm>
-            <a:off x="838080" y="1825560"/>
-            <a:ext cx="5131080" cy="4350960"/>
+            <a:off x="609480" y="1604520"/>
+            <a:ext cx="5354280" cy="3977280"/>
           </a:xfrm>
           <a:prstGeom prst="rect">
             <a:avLst/>
@@ -4026,19 +3915,16 @@
           </a:bodyPr>
           <a:p>
             <a:pPr indent="0">
-              <a:lnSpc>
-                <a:spcPct val="90000"/>
-              </a:lnSpc>
               <a:spcBef>
                 <a:spcPts val="1417"/>
               </a:spcBef>
               <a:buNone/>
             </a:pPr>
-            <a:endParaRPr b="0" lang="en-US" sz="2800" spc="-1" strike="noStrike">
-              <a:solidFill>
-                <a:srgbClr val="000000"/>
-              </a:solidFill>
-              <a:latin typeface="Calibri"/>
+            <a:endParaRPr b="0" lang="en-IN" sz="3200" spc="-1" strike="noStrike">
+              <a:solidFill>
+                <a:srgbClr val="000000"/>
+              </a:solidFill>
+              <a:latin typeface="Arial"/>
             </a:endParaRPr>
           </a:p>
         </p:txBody>
@@ -4055,8 +3941,8 @@
         </p:nvSpPr>
         <p:spPr>
           <a:xfrm>
-            <a:off x="6226200" y="1825560"/>
-            <a:ext cx="5131080" cy="4350960"/>
+            <a:off x="6231960" y="1604520"/>
+            <a:ext cx="5354280" cy="3977280"/>
           </a:xfrm>
           <a:prstGeom prst="rect">
             <a:avLst/>
@@ -4072,19 +3958,16 @@
           </a:bodyPr>
           <a:p>
             <a:pPr indent="0">
-              <a:lnSpc>
-                <a:spcPct val="90000"/>
-              </a:lnSpc>
               <a:spcBef>
                 <a:spcPts val="1417"/>
               </a:spcBef>
               <a:buNone/>
             </a:pPr>
-            <a:endParaRPr b="0" lang="en-US" sz="2800" spc="-1" strike="noStrike">
-              <a:solidFill>
-                <a:srgbClr val="000000"/>
-              </a:solidFill>
-              <a:latin typeface="Calibri"/>
+            <a:endParaRPr b="0" lang="en-IN" sz="3200" spc="-1" strike="noStrike">
+              <a:solidFill>
+                <a:srgbClr val="000000"/>
+              </a:solidFill>
+              <a:latin typeface="Arial"/>
             </a:endParaRPr>
           </a:p>
         </p:txBody>
@@ -4096,7 +3979,7 @@
             <a:spLocks noGrp="1"/>
           </p:cNvSpPr>
           <p:nvPr>
-            <p:ph type="ftr" idx="2"/>
+            <p:ph type="ftr" idx="1"/>
           </p:nvPr>
         </p:nvSpPr>
         <p:spPr/>
@@ -4116,14 +3999,14 @@
             <a:spLocks noGrp="1"/>
           </p:cNvSpPr>
           <p:nvPr>
-            <p:ph type="sldNum" idx="3"/>
+            <p:ph type="sldNum" idx="2"/>
           </p:nvPr>
         </p:nvSpPr>
         <p:spPr/>
         <p:txBody>
           <a:bodyPr/>
           <a:p>
-            <a:fld id="{D87A48EB-0B41-40C7-B94D-FDE6604F73A2}" type="slidenum">
+            <a:fld id="{5BD91C36-6654-4551-BBCF-6C700AE143EA}" type="slidenum">
               <a:t>&lt;#&gt;</a:t>
             </a:fld>
           </a:p>
@@ -4136,7 +4019,7 @@
             <a:spLocks noGrp="1"/>
           </p:cNvSpPr>
           <p:nvPr>
-            <p:ph type="dt" idx="1"/>
+            <p:ph type="dt" idx="3"/>
           </p:nvPr>
         </p:nvSpPr>
         <p:spPr/>
@@ -4184,8 +4067,8 @@
         </p:nvSpPr>
         <p:spPr>
           <a:xfrm>
-            <a:off x="838080" y="365040"/>
-            <a:ext cx="10515240" cy="1325160"/>
+            <a:off x="609480" y="273600"/>
+            <a:ext cx="10972440" cy="1144800"/>
           </a:xfrm>
           <a:prstGeom prst="rect">
             <a:avLst/>
@@ -4200,14 +4083,14 @@
             <a:noAutofit/>
           </a:bodyPr>
           <a:p>
-            <a:pPr indent="0">
+            <a:pPr indent="0" algn="ctr">
               <a:buNone/>
             </a:pPr>
-            <a:endParaRPr b="0" lang="en-US" sz="1800" spc="-1" strike="noStrike">
-              <a:solidFill>
-                <a:srgbClr val="000000"/>
-              </a:solidFill>
-              <a:latin typeface="Calibri"/>
+            <a:endParaRPr b="0" lang="en-IN" sz="4400" spc="-1" strike="noStrike">
+              <a:solidFill>
+                <a:srgbClr val="000000"/>
+              </a:solidFill>
+              <a:latin typeface="Arial"/>
             </a:endParaRPr>
           </a:p>
         </p:txBody>
@@ -4219,7 +4102,7 @@
             <a:spLocks noGrp="1"/>
           </p:cNvSpPr>
           <p:nvPr>
-            <p:ph type="ftr" idx="2"/>
+            <p:ph type="ftr" idx="1"/>
           </p:nvPr>
         </p:nvSpPr>
         <p:spPr/>
@@ -4239,14 +4122,14 @@
             <a:spLocks noGrp="1"/>
           </p:cNvSpPr>
           <p:nvPr>
-            <p:ph type="sldNum" idx="3"/>
+            <p:ph type="sldNum" idx="2"/>
           </p:nvPr>
         </p:nvSpPr>
         <p:spPr/>
         <p:txBody>
           <a:bodyPr/>
           <a:p>
-            <a:fld id="{5639E9A6-2D55-49B2-90FB-4E4C02E301D4}" type="slidenum">
+            <a:fld id="{39E66206-4CD9-4172-A8CA-E6B3C4DDEFFF}" type="slidenum">
               <a:t>&lt;#&gt;</a:t>
             </a:fld>
           </a:p>
@@ -4259,7 +4142,7 @@
             <a:spLocks noGrp="1"/>
           </p:cNvSpPr>
           <p:nvPr>
-            <p:ph type="dt" idx="1"/>
+            <p:ph type="dt" idx="3"/>
           </p:nvPr>
         </p:nvSpPr>
         <p:spPr/>
@@ -4307,8 +4190,8 @@
         </p:nvSpPr>
         <p:spPr>
           <a:xfrm>
-            <a:off x="838080" y="365040"/>
-            <a:ext cx="10515240" cy="6144120"/>
+            <a:off x="609480" y="273600"/>
+            <a:ext cx="10972440" cy="5307840"/>
           </a:xfrm>
           <a:prstGeom prst="rect">
             <a:avLst/>
@@ -4340,7 +4223,7 @@
             <a:spLocks noGrp="1"/>
           </p:cNvSpPr>
           <p:nvPr>
-            <p:ph type="ftr" idx="2"/>
+            <p:ph type="ftr" idx="1"/>
           </p:nvPr>
         </p:nvSpPr>
         <p:spPr/>
@@ -4360,14 +4243,14 @@
             <a:spLocks noGrp="1"/>
           </p:cNvSpPr>
           <p:nvPr>
-            <p:ph type="sldNum" idx="3"/>
+            <p:ph type="sldNum" idx="2"/>
           </p:nvPr>
         </p:nvSpPr>
         <p:spPr/>
         <p:txBody>
           <a:bodyPr/>
           <a:p>
-            <a:fld id="{1D8D07E1-D656-471F-855A-0A1D5DC4468F}" type="slidenum">
+            <a:fld id="{081FFB73-E59B-4182-85DA-0683BBF79C65}" type="slidenum">
               <a:t>&lt;#&gt;</a:t>
             </a:fld>
           </a:p>
@@ -4380,7 +4263,7 @@
             <a:spLocks noGrp="1"/>
           </p:cNvSpPr>
           <p:nvPr>
-            <p:ph type="dt" idx="1"/>
+            <p:ph type="dt" idx="3"/>
           </p:nvPr>
         </p:nvSpPr>
         <p:spPr/>
@@ -4428,8 +4311,8 @@
         </p:nvSpPr>
         <p:spPr>
           <a:xfrm>
-            <a:off x="838080" y="365040"/>
-            <a:ext cx="10515240" cy="1325160"/>
+            <a:off x="609480" y="273600"/>
+            <a:ext cx="10972440" cy="1144800"/>
           </a:xfrm>
           <a:prstGeom prst="rect">
             <a:avLst/>
@@ -4444,14 +4327,14 @@
             <a:noAutofit/>
           </a:bodyPr>
           <a:p>
-            <a:pPr indent="0">
+            <a:pPr indent="0" algn="ctr">
               <a:buNone/>
             </a:pPr>
-            <a:endParaRPr b="0" lang="en-US" sz="1800" spc="-1" strike="noStrike">
-              <a:solidFill>
-                <a:srgbClr val="000000"/>
-              </a:solidFill>
-              <a:latin typeface="Calibri"/>
+            <a:endParaRPr b="0" lang="en-IN" sz="4400" spc="-1" strike="noStrike">
+              <a:solidFill>
+                <a:srgbClr val="000000"/>
+              </a:solidFill>
+              <a:latin typeface="Arial"/>
             </a:endParaRPr>
           </a:p>
         </p:txBody>
@@ -4468,8 +4351,8 @@
         </p:nvSpPr>
         <p:spPr>
           <a:xfrm>
-            <a:off x="838080" y="1825560"/>
-            <a:ext cx="5131080" cy="2075040"/>
+            <a:off x="609480" y="1604520"/>
+            <a:ext cx="5354280" cy="1896840"/>
           </a:xfrm>
           <a:prstGeom prst="rect">
             <a:avLst/>
@@ -4485,19 +4368,16 @@
           </a:bodyPr>
           <a:p>
             <a:pPr indent="0">
-              <a:lnSpc>
-                <a:spcPct val="90000"/>
-              </a:lnSpc>
               <a:spcBef>
                 <a:spcPts val="1417"/>
               </a:spcBef>
               <a:buNone/>
             </a:pPr>
-            <a:endParaRPr b="0" lang="en-US" sz="2800" spc="-1" strike="noStrike">
-              <a:solidFill>
-                <a:srgbClr val="000000"/>
-              </a:solidFill>
-              <a:latin typeface="Calibri"/>
+            <a:endParaRPr b="0" lang="en-IN" sz="3200" spc="-1" strike="noStrike">
+              <a:solidFill>
+                <a:srgbClr val="000000"/>
+              </a:solidFill>
+              <a:latin typeface="Arial"/>
             </a:endParaRPr>
           </a:p>
         </p:txBody>
@@ -4514,8 +4394,8 @@
         </p:nvSpPr>
         <p:spPr>
           <a:xfrm>
-            <a:off x="6226200" y="1825560"/>
-            <a:ext cx="5131080" cy="4350960"/>
+            <a:off x="6231960" y="1604520"/>
+            <a:ext cx="5354280" cy="3977280"/>
           </a:xfrm>
           <a:prstGeom prst="rect">
             <a:avLst/>
@@ -4531,19 +4411,16 @@
           </a:bodyPr>
           <a:p>
             <a:pPr indent="0">
-              <a:lnSpc>
-                <a:spcPct val="90000"/>
-              </a:lnSpc>
               <a:spcBef>
                 <a:spcPts val="1417"/>
               </a:spcBef>
               <a:buNone/>
             </a:pPr>
-            <a:endParaRPr b="0" lang="en-US" sz="2800" spc="-1" strike="noStrike">
-              <a:solidFill>
-                <a:srgbClr val="000000"/>
-              </a:solidFill>
-              <a:latin typeface="Calibri"/>
+            <a:endParaRPr b="0" lang="en-IN" sz="3200" spc="-1" strike="noStrike">
+              <a:solidFill>
+                <a:srgbClr val="000000"/>
+              </a:solidFill>
+              <a:latin typeface="Arial"/>
             </a:endParaRPr>
           </a:p>
         </p:txBody>
@@ -4560,8 +4437,8 @@
         </p:nvSpPr>
         <p:spPr>
           <a:xfrm>
-            <a:off x="838080" y="4098240"/>
-            <a:ext cx="5131080" cy="2075040"/>
+            <a:off x="609480" y="3682080"/>
+            <a:ext cx="5354280" cy="1896840"/>
           </a:xfrm>
           <a:prstGeom prst="rect">
             <a:avLst/>
@@ -4577,19 +4454,16 @@
           </a:bodyPr>
           <a:p>
             <a:pPr indent="0">
-              <a:lnSpc>
-                <a:spcPct val="90000"/>
-              </a:lnSpc>
               <a:spcBef>
                 <a:spcPts val="1417"/>
               </a:spcBef>
               <a:buNone/>
             </a:pPr>
-            <a:endParaRPr b="0" lang="en-US" sz="2800" spc="-1" strike="noStrike">
-              <a:solidFill>
-                <a:srgbClr val="000000"/>
-              </a:solidFill>
-              <a:latin typeface="Calibri"/>
+            <a:endParaRPr b="0" lang="en-IN" sz="3200" spc="-1" strike="noStrike">
+              <a:solidFill>
+                <a:srgbClr val="000000"/>
+              </a:solidFill>
+              <a:latin typeface="Arial"/>
             </a:endParaRPr>
           </a:p>
         </p:txBody>
@@ -4601,7 +4475,7 @@
             <a:spLocks noGrp="1"/>
           </p:cNvSpPr>
           <p:nvPr>
-            <p:ph type="ftr" idx="2"/>
+            <p:ph type="ftr" idx="1"/>
           </p:nvPr>
         </p:nvSpPr>
         <p:spPr/>
@@ -4621,14 +4495,14 @@
             <a:spLocks noGrp="1"/>
           </p:cNvSpPr>
           <p:nvPr>
-            <p:ph type="sldNum" idx="3"/>
+            <p:ph type="sldNum" idx="2"/>
           </p:nvPr>
         </p:nvSpPr>
         <p:spPr/>
         <p:txBody>
           <a:bodyPr/>
           <a:p>
-            <a:fld id="{EEDEE66B-20BC-4C77-B734-C25F2CD117D9}" type="slidenum">
+            <a:fld id="{F0CDBA7C-B270-45AF-B4D8-A338C671BA8B}" type="slidenum">
               <a:t>&lt;#&gt;</a:t>
             </a:fld>
           </a:p>
@@ -4641,7 +4515,7 @@
             <a:spLocks noGrp="1"/>
           </p:cNvSpPr>
           <p:nvPr>
-            <p:ph type="dt" idx="1"/>
+            <p:ph type="dt" idx="3"/>
           </p:nvPr>
         </p:nvSpPr>
         <p:spPr/>
@@ -4689,8 +4563,8 @@
         </p:nvSpPr>
         <p:spPr>
           <a:xfrm>
-            <a:off x="838080" y="365040"/>
-            <a:ext cx="10515240" cy="1325160"/>
+            <a:off x="609480" y="273600"/>
+            <a:ext cx="10972440" cy="1144800"/>
           </a:xfrm>
           <a:prstGeom prst="rect">
             <a:avLst/>
@@ -4705,14 +4579,14 @@
             <a:noAutofit/>
           </a:bodyPr>
           <a:p>
-            <a:pPr indent="0">
+            <a:pPr indent="0" algn="ctr">
               <a:buNone/>
             </a:pPr>
-            <a:endParaRPr b="0" lang="en-US" sz="1800" spc="-1" strike="noStrike">
-              <a:solidFill>
-                <a:srgbClr val="000000"/>
-              </a:solidFill>
-              <a:latin typeface="Calibri"/>
+            <a:endParaRPr b="0" lang="en-IN" sz="4400" spc="-1" strike="noStrike">
+              <a:solidFill>
+                <a:srgbClr val="000000"/>
+              </a:solidFill>
+              <a:latin typeface="Arial"/>
             </a:endParaRPr>
           </a:p>
         </p:txBody>
@@ -4729,8 +4603,8 @@
         </p:nvSpPr>
         <p:spPr>
           <a:xfrm>
-            <a:off x="838080" y="1825560"/>
-            <a:ext cx="5131080" cy="4350960"/>
+            <a:off x="609480" y="1604520"/>
+            <a:ext cx="5354280" cy="3977280"/>
           </a:xfrm>
           <a:prstGeom prst="rect">
             <a:avLst/>
@@ -4746,19 +4620,16 @@
           </a:bodyPr>
           <a:p>
             <a:pPr indent="0">
-              <a:lnSpc>
-                <a:spcPct val="90000"/>
-              </a:lnSpc>
               <a:spcBef>
                 <a:spcPts val="1417"/>
               </a:spcBef>
               <a:buNone/>
             </a:pPr>
-            <a:endParaRPr b="0" lang="en-US" sz="2800" spc="-1" strike="noStrike">
-              <a:solidFill>
-                <a:srgbClr val="000000"/>
-              </a:solidFill>
-              <a:latin typeface="Calibri"/>
+            <a:endParaRPr b="0" lang="en-IN" sz="3200" spc="-1" strike="noStrike">
+              <a:solidFill>
+                <a:srgbClr val="000000"/>
+              </a:solidFill>
+              <a:latin typeface="Arial"/>
             </a:endParaRPr>
           </a:p>
         </p:txBody>
@@ -4775,8 +4646,8 @@
         </p:nvSpPr>
         <p:spPr>
           <a:xfrm>
-            <a:off x="6226200" y="1825560"/>
-            <a:ext cx="5131080" cy="2075040"/>
+            <a:off x="6231960" y="1604520"/>
+            <a:ext cx="5354280" cy="1896840"/>
           </a:xfrm>
           <a:prstGeom prst="rect">
             <a:avLst/>
@@ -4792,19 +4663,16 @@
           </a:bodyPr>
           <a:p>
             <a:pPr indent="0">
-              <a:lnSpc>
-                <a:spcPct val="90000"/>
-              </a:lnSpc>
               <a:spcBef>
                 <a:spcPts val="1417"/>
               </a:spcBef>
               <a:buNone/>
             </a:pPr>
-            <a:endParaRPr b="0" lang="en-US" sz="2800" spc="-1" strike="noStrike">
-              <a:solidFill>
-                <a:srgbClr val="000000"/>
-              </a:solidFill>
-              <a:latin typeface="Calibri"/>
+            <a:endParaRPr b="0" lang="en-IN" sz="3200" spc="-1" strike="noStrike">
+              <a:solidFill>
+                <a:srgbClr val="000000"/>
+              </a:solidFill>
+              <a:latin typeface="Arial"/>
             </a:endParaRPr>
           </a:p>
         </p:txBody>
@@ -4821,8 +4689,8 @@
         </p:nvSpPr>
         <p:spPr>
           <a:xfrm>
-            <a:off x="6226200" y="4098240"/>
-            <a:ext cx="5131080" cy="2075040"/>
+            <a:off x="6231960" y="3682080"/>
+            <a:ext cx="5354280" cy="1896840"/>
           </a:xfrm>
           <a:prstGeom prst="rect">
             <a:avLst/>
@@ -4838,19 +4706,16 @@
           </a:bodyPr>
           <a:p>
             <a:pPr indent="0">
-              <a:lnSpc>
-                <a:spcPct val="90000"/>
-              </a:lnSpc>
               <a:spcBef>
                 <a:spcPts val="1417"/>
               </a:spcBef>
               <a:buNone/>
             </a:pPr>
-            <a:endParaRPr b="0" lang="en-US" sz="2800" spc="-1" strike="noStrike">
-              <a:solidFill>
-                <a:srgbClr val="000000"/>
-              </a:solidFill>
-              <a:latin typeface="Calibri"/>
+            <a:endParaRPr b="0" lang="en-IN" sz="3200" spc="-1" strike="noStrike">
+              <a:solidFill>
+                <a:srgbClr val="000000"/>
+              </a:solidFill>
+              <a:latin typeface="Arial"/>
             </a:endParaRPr>
           </a:p>
         </p:txBody>
@@ -4862,7 +4727,7 @@
             <a:spLocks noGrp="1"/>
           </p:cNvSpPr>
           <p:nvPr>
-            <p:ph type="ftr" idx="2"/>
+            <p:ph type="ftr" idx="1"/>
           </p:nvPr>
         </p:nvSpPr>
         <p:spPr/>
@@ -4882,14 +4747,14 @@
             <a:spLocks noGrp="1"/>
           </p:cNvSpPr>
           <p:nvPr>
-            <p:ph type="sldNum" idx="3"/>
+            <p:ph type="sldNum" idx="2"/>
           </p:nvPr>
         </p:nvSpPr>
         <p:spPr/>
         <p:txBody>
           <a:bodyPr/>
           <a:p>
-            <a:fld id="{7E98F939-B49F-466B-8DB3-2D68870EC75C}" type="slidenum">
+            <a:fld id="{036A63A1-8E7F-4F31-9685-1EE5F0DFA1F9}" type="slidenum">
               <a:t>&lt;#&gt;</a:t>
             </a:fld>
           </a:p>
@@ -4902,7 +4767,7 @@
             <a:spLocks noGrp="1"/>
           </p:cNvSpPr>
           <p:nvPr>
-            <p:ph type="dt" idx="1"/>
+            <p:ph type="dt" idx="3"/>
           </p:nvPr>
         </p:nvSpPr>
         <p:spPr/>
@@ -4950,8 +4815,8 @@
         </p:nvSpPr>
         <p:spPr>
           <a:xfrm>
-            <a:off x="838080" y="365040"/>
-            <a:ext cx="10515240" cy="1325160"/>
+            <a:off x="609480" y="273600"/>
+            <a:ext cx="10972440" cy="1144800"/>
           </a:xfrm>
           <a:prstGeom prst="rect">
             <a:avLst/>
@@ -4966,14 +4831,14 @@
             <a:noAutofit/>
           </a:bodyPr>
           <a:p>
-            <a:pPr indent="0">
+            <a:pPr indent="0" algn="ctr">
               <a:buNone/>
             </a:pPr>
-            <a:endParaRPr b="0" lang="en-US" sz="1800" spc="-1" strike="noStrike">
-              <a:solidFill>
-                <a:srgbClr val="000000"/>
-              </a:solidFill>
-              <a:latin typeface="Calibri"/>
+            <a:endParaRPr b="0" lang="en-IN" sz="4400" spc="-1" strike="noStrike">
+              <a:solidFill>
+                <a:srgbClr val="000000"/>
+              </a:solidFill>
+              <a:latin typeface="Arial"/>
             </a:endParaRPr>
           </a:p>
         </p:txBody>
@@ -4990,8 +4855,8 @@
         </p:nvSpPr>
         <p:spPr>
           <a:xfrm>
-            <a:off x="838080" y="1825560"/>
-            <a:ext cx="5131080" cy="2075040"/>
+            <a:off x="609480" y="1604520"/>
+            <a:ext cx="5354280" cy="1896840"/>
           </a:xfrm>
           <a:prstGeom prst="rect">
             <a:avLst/>
@@ -5007,19 +4872,16 @@
           </a:bodyPr>
           <a:p>
             <a:pPr indent="0">
-              <a:lnSpc>
-                <a:spcPct val="90000"/>
-              </a:lnSpc>
               <a:spcBef>
                 <a:spcPts val="1417"/>
               </a:spcBef>
               <a:buNone/>
             </a:pPr>
-            <a:endParaRPr b="0" lang="en-US" sz="2800" spc="-1" strike="noStrike">
-              <a:solidFill>
-                <a:srgbClr val="000000"/>
-              </a:solidFill>
-              <a:latin typeface="Calibri"/>
+            <a:endParaRPr b="0" lang="en-IN" sz="3200" spc="-1" strike="noStrike">
+              <a:solidFill>
+                <a:srgbClr val="000000"/>
+              </a:solidFill>
+              <a:latin typeface="Arial"/>
             </a:endParaRPr>
           </a:p>
         </p:txBody>
@@ -5036,8 +4898,8 @@
         </p:nvSpPr>
         <p:spPr>
           <a:xfrm>
-            <a:off x="6226200" y="1825560"/>
-            <a:ext cx="5131080" cy="2075040"/>
+            <a:off x="6231960" y="1604520"/>
+            <a:ext cx="5354280" cy="1896840"/>
           </a:xfrm>
           <a:prstGeom prst="rect">
             <a:avLst/>
@@ -5053,19 +4915,16 @@
           </a:bodyPr>
           <a:p>
             <a:pPr indent="0">
-              <a:lnSpc>
-                <a:spcPct val="90000"/>
-              </a:lnSpc>
               <a:spcBef>
                 <a:spcPts val="1417"/>
               </a:spcBef>
               <a:buNone/>
             </a:pPr>
-            <a:endParaRPr b="0" lang="en-US" sz="2800" spc="-1" strike="noStrike">
-              <a:solidFill>
-                <a:srgbClr val="000000"/>
-              </a:solidFill>
-              <a:latin typeface="Calibri"/>
+            <a:endParaRPr b="0" lang="en-IN" sz="3200" spc="-1" strike="noStrike">
+              <a:solidFill>
+                <a:srgbClr val="000000"/>
+              </a:solidFill>
+              <a:latin typeface="Arial"/>
             </a:endParaRPr>
           </a:p>
         </p:txBody>
@@ -5082,8 +4941,8 @@
         </p:nvSpPr>
         <p:spPr>
           <a:xfrm>
-            <a:off x="838080" y="4098240"/>
-            <a:ext cx="10515240" cy="2075040"/>
+            <a:off x="609480" y="3682080"/>
+            <a:ext cx="10972440" cy="1896840"/>
           </a:xfrm>
           <a:prstGeom prst="rect">
             <a:avLst/>
@@ -5099,19 +4958,16 @@
           </a:bodyPr>
           <a:p>
             <a:pPr indent="0">
-              <a:lnSpc>
-                <a:spcPct val="90000"/>
-              </a:lnSpc>
               <a:spcBef>
                 <a:spcPts val="1417"/>
               </a:spcBef>
               <a:buNone/>
             </a:pPr>
-            <a:endParaRPr b="0" lang="en-US" sz="2800" spc="-1" strike="noStrike">
-              <a:solidFill>
-                <a:srgbClr val="000000"/>
-              </a:solidFill>
-              <a:latin typeface="Calibri"/>
+            <a:endParaRPr b="0" lang="en-IN" sz="3200" spc="-1" strike="noStrike">
+              <a:solidFill>
+                <a:srgbClr val="000000"/>
+              </a:solidFill>
+              <a:latin typeface="Arial"/>
             </a:endParaRPr>
           </a:p>
         </p:txBody>
@@ -5123,7 +4979,7 @@
             <a:spLocks noGrp="1"/>
           </p:cNvSpPr>
           <p:nvPr>
-            <p:ph type="ftr" idx="2"/>
+            <p:ph type="ftr" idx="1"/>
           </p:nvPr>
         </p:nvSpPr>
         <p:spPr/>
@@ -5143,14 +4999,14 @@
             <a:spLocks noGrp="1"/>
           </p:cNvSpPr>
           <p:nvPr>
-            <p:ph type="sldNum" idx="3"/>
+            <p:ph type="sldNum" idx="2"/>
           </p:nvPr>
         </p:nvSpPr>
         <p:spPr/>
         <p:txBody>
           <a:bodyPr/>
           <a:p>
-            <a:fld id="{6079DFC8-8038-4396-9A84-338775BD9E9D}" type="slidenum">
+            <a:fld id="{BC3EC04C-5F69-46BC-B121-1D16F1CFDC0C}" type="slidenum">
               <a:t>&lt;#&gt;</a:t>
             </a:fld>
           </a:p>
@@ -5163,7 +5019,7 @@
             <a:spLocks noGrp="1"/>
           </p:cNvSpPr>
           <p:nvPr>
-            <p:ph type="dt" idx="1"/>
+            <p:ph type="dt" idx="3"/>
           </p:nvPr>
         </p:nvSpPr>
         <p:spPr/>
@@ -5218,8 +5074,8 @@
         </p:nvSpPr>
         <p:spPr>
           <a:xfrm>
-            <a:off x="1523880" y="1122480"/>
-            <a:ext cx="9143640" cy="2387160"/>
+            <a:off x="838080" y="365040"/>
+            <a:ext cx="10514880" cy="1324800"/>
           </a:xfrm>
           <a:prstGeom prst="rect">
             <a:avLst/>
@@ -5230,30 +5086,27 @@
           </a:ln>
         </p:spPr>
         <p:txBody>
-          <a:bodyPr anchor="b">
+          <a:bodyPr lIns="0" rIns="0" tIns="0" bIns="0" anchor="ctr">
             <a:noAutofit/>
           </a:bodyPr>
           <a:p>
-            <a:pPr indent="0" algn="ctr">
-              <a:lnSpc>
-                <a:spcPct val="90000"/>
-              </a:lnSpc>
+            <a:pPr indent="0">
               <a:buNone/>
             </a:pPr>
             <a:r>
-              <a:rPr b="0" lang="en-US" sz="6000" spc="-1" strike="noStrike">
+              <a:rPr b="0" lang="en-IN" sz="1800" spc="-1" strike="noStrike">
                 <a:solidFill>
                   <a:srgbClr val="000000"/>
                 </a:solidFill>
-                <a:latin typeface="Calibri Light"/>
+                <a:latin typeface="Arial"/>
               </a:rPr>
-              <a:t>Click to edit Master title style</a:t>
-            </a:r>
-            <a:endParaRPr b="0" lang="en-US" sz="6000" spc="-1" strike="noStrike">
-              <a:solidFill>
-                <a:srgbClr val="000000"/>
-              </a:solidFill>
-              <a:latin typeface="Calibri"/>
+              <a:t>Click to edit the title text format</a:t>
+            </a:r>
+            <a:endParaRPr b="0" lang="en-IN" sz="1800" spc="-1" strike="noStrike">
+              <a:solidFill>
+                <a:srgbClr val="000000"/>
+              </a:solidFill>
+              <a:latin typeface="Arial"/>
             </a:endParaRPr>
           </a:p>
         </p:txBody>
@@ -5265,13 +5118,13 @@
             <a:spLocks noGrp="1"/>
           </p:cNvSpPr>
           <p:nvPr>
-            <p:ph type="dt" idx="1"/>
-          </p:nvPr>
-        </p:nvSpPr>
-        <p:spPr>
-          <a:xfrm>
-            <a:off x="838080" y="6356520"/>
-            <a:ext cx="2742840" cy="364680"/>
+            <p:ph type="ftr" idx="1"/>
+          </p:nvPr>
+        </p:nvSpPr>
+        <p:spPr>
+          <a:xfrm>
+            <a:off x="4038480" y="6356520"/>
+            <a:ext cx="4114080" cy="364320"/>
           </a:xfrm>
           <a:prstGeom prst="rect">
             <a:avLst/>
@@ -5282,15 +5135,90 @@
           </a:ln>
         </p:spPr>
         <p:txBody>
-          <a:bodyPr anchor="ctr">
+          <a:bodyPr lIns="90000" rIns="90000" tIns="45000" bIns="45000" anchor="ctr">
             <a:noAutofit/>
           </a:bodyPr>
           <a:lstStyle>
-            <a:lvl1pPr indent="0">
+            <a:lvl1pPr indent="0" algn="ctr">
               <a:lnSpc>
                 <a:spcPct val="100000"/>
               </a:lnSpc>
               <a:buNone/>
+              <a:tabLst>
+                <a:tab algn="l" pos="0"/>
+              </a:tabLst>
+              <a:defRPr b="0" lang="en-IN" sz="1400" spc="-1" strike="noStrike">
+                <a:solidFill>
+                  <a:srgbClr val="000000"/>
+                </a:solidFill>
+                <a:latin typeface="Times New Roman"/>
+              </a:defRPr>
+            </a:lvl1pPr>
+          </a:lstStyle>
+          <a:p>
+            <a:pPr indent="0" algn="ctr">
+              <a:lnSpc>
+                <a:spcPct val="100000"/>
+              </a:lnSpc>
+              <a:buNone/>
+              <a:tabLst>
+                <a:tab algn="l" pos="0"/>
+              </a:tabLst>
+            </a:pPr>
+            <a:r>
+              <a:rPr b="0" lang="en-IN" sz="1400" spc="-1" strike="noStrike">
+                <a:solidFill>
+                  <a:srgbClr val="000000"/>
+                </a:solidFill>
+                <a:latin typeface="Times New Roman"/>
+              </a:rPr>
+              <a:t>&lt;footer&gt;</a:t>
+            </a:r>
+            <a:endParaRPr b="0" lang="en-IN" sz="1400" spc="-1" strike="noStrike">
+              <a:solidFill>
+                <a:srgbClr val="000000"/>
+              </a:solidFill>
+              <a:latin typeface="Times New Roman"/>
+            </a:endParaRPr>
+          </a:p>
+        </p:txBody>
+      </p:sp>
+      <p:sp>
+        <p:nvSpPr>
+          <p:cNvPr id="2" name="PlaceHolder 3"/>
+          <p:cNvSpPr>
+            <a:spLocks noGrp="1"/>
+          </p:cNvSpPr>
+          <p:nvPr>
+            <p:ph type="sldNum" idx="2"/>
+          </p:nvPr>
+        </p:nvSpPr>
+        <p:spPr>
+          <a:xfrm>
+            <a:off x="8610480" y="6356520"/>
+            <a:ext cx="2742480" cy="364320"/>
+          </a:xfrm>
+          <a:prstGeom prst="rect">
+            <a:avLst/>
+          </a:prstGeom>
+          <a:noFill/>
+          <a:ln w="0">
+            <a:noFill/>
+          </a:ln>
+        </p:spPr>
+        <p:txBody>
+          <a:bodyPr lIns="90000" rIns="90000" tIns="45000" bIns="45000" anchor="ctr">
+            <a:noAutofit/>
+          </a:bodyPr>
+          <a:lstStyle>
+            <a:lvl1pPr indent="0" algn="r">
+              <a:lnSpc>
+                <a:spcPct val="100000"/>
+              </a:lnSpc>
+              <a:buNone/>
+              <a:tabLst>
+                <a:tab algn="l" pos="0"/>
+              </a:tabLst>
               <a:defRPr b="0" lang="en-IN" sz="1200" spc="-1" strike="noStrike">
                 <a:solidFill>
                   <a:srgbClr val="8b8b8b"/>
@@ -5300,21 +5228,24 @@
             </a:lvl1pPr>
           </a:lstStyle>
           <a:p>
-            <a:pPr indent="0">
+            <a:pPr indent="0" algn="r">
               <a:lnSpc>
                 <a:spcPct val="100000"/>
               </a:lnSpc>
               <a:buNone/>
-            </a:pPr>
-            <a:r>
+              <a:tabLst>
+                <a:tab algn="l" pos="0"/>
+              </a:tabLst>
+            </a:pPr>
+            <a:fld id="{830B1BFF-A442-45F5-BFC7-AAD901DA1776}" type="slidenum">
               <a:rPr b="0" lang="en-IN" sz="1200" spc="-1" strike="noStrike">
                 <a:solidFill>
                   <a:srgbClr val="8b8b8b"/>
                 </a:solidFill>
                 <a:latin typeface="Calibri"/>
               </a:rPr>
-              <a:t>&lt;date/time&gt;</a:t>
-            </a:r>
+              <a:t>&lt;number&gt;</a:t>
+            </a:fld>
             <a:endParaRPr b="0" lang="en-IN" sz="1200" spc="-1" strike="noStrike">
               <a:solidFill>
                 <a:srgbClr val="000000"/>
@@ -5326,18 +5257,18 @@
       </p:sp>
       <p:sp>
         <p:nvSpPr>
-          <p:cNvPr id="2" name="PlaceHolder 3"/>
-          <p:cNvSpPr>
-            <a:spLocks noGrp="1"/>
-          </p:cNvSpPr>
-          <p:nvPr>
-            <p:ph type="ftr" idx="2"/>
-          </p:nvPr>
-        </p:nvSpPr>
-        <p:spPr>
-          <a:xfrm>
-            <a:off x="4038480" y="6356520"/>
-            <a:ext cx="4114440" cy="364680"/>
+          <p:cNvPr id="3" name="PlaceHolder 4"/>
+          <p:cNvSpPr>
+            <a:spLocks noGrp="1"/>
+          </p:cNvSpPr>
+          <p:nvPr>
+            <p:ph type="dt" idx="3"/>
+          </p:nvPr>
+        </p:nvSpPr>
+        <p:spPr>
+          <a:xfrm>
+            <a:off x="838080" y="6356520"/>
+            <a:ext cx="2742480" cy="364320"/>
           </a:xfrm>
           <a:prstGeom prst="rect">
             <a:avLst/>
@@ -5348,11 +5279,11 @@
           </a:ln>
         </p:spPr>
         <p:txBody>
-          <a:bodyPr anchor="ctr">
+          <a:bodyPr lIns="90000" rIns="90000" tIns="45000" bIns="45000" anchor="ctr">
             <a:noAutofit/>
           </a:bodyPr>
           <a:lstStyle>
-            <a:lvl1pPr indent="0" algn="ctr">
+            <a:lvl1pPr indent="0">
               <a:buNone/>
               <a:defRPr b="0" lang="en-IN" sz="1400" spc="-1" strike="noStrike">
                 <a:solidFill>
@@ -5363,7 +5294,7 @@
             </a:lvl1pPr>
           </a:lstStyle>
           <a:p>
-            <a:pPr indent="0" algn="ctr">
+            <a:pPr indent="0">
               <a:buNone/>
             </a:pPr>
             <a:r>
@@ -5373,75 +5304,9 @@
                 </a:solidFill>
                 <a:latin typeface="Times New Roman"/>
               </a:rPr>
-              <a:t>&lt;footer&gt;</a:t>
+              <a:t>&lt;date/time&gt;</a:t>
             </a:r>
             <a:endParaRPr b="0" lang="en-IN" sz="1400" spc="-1" strike="noStrike">
-              <a:solidFill>
-                <a:srgbClr val="000000"/>
-              </a:solidFill>
-              <a:latin typeface="Times New Roman"/>
-            </a:endParaRPr>
-          </a:p>
-        </p:txBody>
-      </p:sp>
-      <p:sp>
-        <p:nvSpPr>
-          <p:cNvPr id="3" name="PlaceHolder 4"/>
-          <p:cNvSpPr>
-            <a:spLocks noGrp="1"/>
-          </p:cNvSpPr>
-          <p:nvPr>
-            <p:ph type="sldNum" idx="3"/>
-          </p:nvPr>
-        </p:nvSpPr>
-        <p:spPr>
-          <a:xfrm>
-            <a:off x="8610480" y="6356520"/>
-            <a:ext cx="2742840" cy="364680"/>
-          </a:xfrm>
-          <a:prstGeom prst="rect">
-            <a:avLst/>
-          </a:prstGeom>
-          <a:noFill/>
-          <a:ln w="0">
-            <a:noFill/>
-          </a:ln>
-        </p:spPr>
-        <p:txBody>
-          <a:bodyPr anchor="ctr">
-            <a:noAutofit/>
-          </a:bodyPr>
-          <a:lstStyle>
-            <a:lvl1pPr indent="0" algn="r">
-              <a:lnSpc>
-                <a:spcPct val="100000"/>
-              </a:lnSpc>
-              <a:buNone/>
-              <a:defRPr b="0" lang="en-IN" sz="1200" spc="-1" strike="noStrike">
-                <a:solidFill>
-                  <a:srgbClr val="8b8b8b"/>
-                </a:solidFill>
-                <a:latin typeface="Calibri"/>
-              </a:defRPr>
-            </a:lvl1pPr>
-          </a:lstStyle>
-          <a:p>
-            <a:pPr indent="0" algn="r">
-              <a:lnSpc>
-                <a:spcPct val="100000"/>
-              </a:lnSpc>
-              <a:buNone/>
-            </a:pPr>
-            <a:fld id="{30614991-5D83-4ADD-AA81-35B4847759E1}" type="slidenum">
-              <a:rPr b="0" lang="en-IN" sz="1200" spc="-1" strike="noStrike">
-                <a:solidFill>
-                  <a:srgbClr val="8b8b8b"/>
-                </a:solidFill>
-                <a:latin typeface="Calibri"/>
-              </a:rPr>
-              <a:t>&lt;number&gt;</a:t>
-            </a:fld>
-            <a:endParaRPr b="0" lang="en-IN" sz="1200" spc="-1" strike="noStrike">
               <a:solidFill>
                 <a:srgbClr val="000000"/>
               </a:solidFill>
@@ -5479,9 +5344,6 @@
           </a:bodyPr>
           <a:p>
             <a:pPr marL="432000" indent="-324000">
-              <a:lnSpc>
-                <a:spcPct val="90000"/>
-              </a:lnSpc>
               <a:spcBef>
                 <a:spcPts val="1417"/>
               </a:spcBef>
@@ -5493,26 +5355,23 @@
               <a:buChar char=""/>
             </a:pPr>
             <a:r>
-              <a:rPr b="0" lang="en-US" sz="2800" spc="-1" strike="noStrike">
+              <a:rPr b="0" lang="en-IN" sz="3200" spc="-1" strike="noStrike">
                 <a:solidFill>
                   <a:srgbClr val="000000"/>
                 </a:solidFill>
-                <a:latin typeface="Calibri"/>
+                <a:latin typeface="Arial"/>
               </a:rPr>
               <a:t>Click to edit the outline text format</a:t>
             </a:r>
-            <a:endParaRPr b="0" lang="en-US" sz="2800" spc="-1" strike="noStrike">
-              <a:solidFill>
-                <a:srgbClr val="000000"/>
-              </a:solidFill>
-              <a:latin typeface="Calibri"/>
+            <a:endParaRPr b="0" lang="en-IN" sz="3200" spc="-1" strike="noStrike">
+              <a:solidFill>
+                <a:srgbClr val="000000"/>
+              </a:solidFill>
+              <a:latin typeface="Arial"/>
             </a:endParaRPr>
           </a:p>
           <a:p>
             <a:pPr lvl="1" marL="864000" indent="-324000">
-              <a:lnSpc>
-                <a:spcPct val="90000"/>
-              </a:lnSpc>
               <a:spcBef>
                 <a:spcPts val="1134"/>
               </a:spcBef>
@@ -5524,26 +5383,23 @@
               <a:buChar char=""/>
             </a:pPr>
             <a:r>
-              <a:rPr b="0" lang="en-US" sz="2000" spc="-1" strike="noStrike">
+              <a:rPr b="0" lang="en-IN" sz="2800" spc="-1" strike="noStrike">
                 <a:solidFill>
                   <a:srgbClr val="000000"/>
                 </a:solidFill>
-                <a:latin typeface="Calibri"/>
+                <a:latin typeface="Arial"/>
               </a:rPr>
               <a:t>Second Outline Level</a:t>
             </a:r>
-            <a:endParaRPr b="0" lang="en-US" sz="2000" spc="-1" strike="noStrike">
-              <a:solidFill>
-                <a:srgbClr val="000000"/>
-              </a:solidFill>
-              <a:latin typeface="Calibri"/>
+            <a:endParaRPr b="0" lang="en-IN" sz="2800" spc="-1" strike="noStrike">
+              <a:solidFill>
+                <a:srgbClr val="000000"/>
+              </a:solidFill>
+              <a:latin typeface="Arial"/>
             </a:endParaRPr>
           </a:p>
           <a:p>
             <a:pPr lvl="2" marL="1296000" indent="-288000">
-              <a:lnSpc>
-                <a:spcPct val="90000"/>
-              </a:lnSpc>
               <a:spcBef>
                 <a:spcPts val="850"/>
               </a:spcBef>
@@ -5555,26 +5411,23 @@
               <a:buChar char=""/>
             </a:pPr>
             <a:r>
-              <a:rPr b="0" lang="en-US" sz="1800" spc="-1" strike="noStrike">
+              <a:rPr b="0" lang="en-IN" sz="2400" spc="-1" strike="noStrike">
                 <a:solidFill>
                   <a:srgbClr val="000000"/>
                 </a:solidFill>
-                <a:latin typeface="Calibri"/>
+                <a:latin typeface="Arial"/>
               </a:rPr>
               <a:t>Third Outline Level</a:t>
             </a:r>
-            <a:endParaRPr b="0" lang="en-US" sz="1800" spc="-1" strike="noStrike">
-              <a:solidFill>
-                <a:srgbClr val="000000"/>
-              </a:solidFill>
-              <a:latin typeface="Calibri"/>
+            <a:endParaRPr b="0" lang="en-IN" sz="2400" spc="-1" strike="noStrike">
+              <a:solidFill>
+                <a:srgbClr val="000000"/>
+              </a:solidFill>
+              <a:latin typeface="Arial"/>
             </a:endParaRPr>
           </a:p>
           <a:p>
             <a:pPr lvl="3" marL="1728000" indent="-216000">
-              <a:lnSpc>
-                <a:spcPct val="90000"/>
-              </a:lnSpc>
               <a:spcBef>
                 <a:spcPts val="567"/>
               </a:spcBef>
@@ -5586,26 +5439,23 @@
               <a:buChar char=""/>
             </a:pPr>
             <a:r>
-              <a:rPr b="0" lang="en-US" sz="1800" spc="-1" strike="noStrike">
+              <a:rPr b="0" lang="en-IN" sz="2000" spc="-1" strike="noStrike">
                 <a:solidFill>
                   <a:srgbClr val="000000"/>
                 </a:solidFill>
-                <a:latin typeface="Calibri"/>
+                <a:latin typeface="Arial"/>
               </a:rPr>
               <a:t>Fourth Outline Level</a:t>
             </a:r>
-            <a:endParaRPr b="0" lang="en-US" sz="1800" spc="-1" strike="noStrike">
-              <a:solidFill>
-                <a:srgbClr val="000000"/>
-              </a:solidFill>
-              <a:latin typeface="Calibri"/>
+            <a:endParaRPr b="0" lang="en-IN" sz="2000" spc="-1" strike="noStrike">
+              <a:solidFill>
+                <a:srgbClr val="000000"/>
+              </a:solidFill>
+              <a:latin typeface="Arial"/>
             </a:endParaRPr>
           </a:p>
           <a:p>
             <a:pPr lvl="4" marL="2160000" indent="-216000">
-              <a:lnSpc>
-                <a:spcPct val="90000"/>
-              </a:lnSpc>
               <a:spcBef>
                 <a:spcPts val="283"/>
               </a:spcBef>
@@ -5617,26 +5467,23 @@
               <a:buChar char=""/>
             </a:pPr>
             <a:r>
-              <a:rPr b="0" lang="en-US" sz="2000" spc="-1" strike="noStrike">
+              <a:rPr b="0" lang="en-IN" sz="2000" spc="-1" strike="noStrike">
                 <a:solidFill>
                   <a:srgbClr val="000000"/>
                 </a:solidFill>
-                <a:latin typeface="Calibri"/>
+                <a:latin typeface="Arial"/>
               </a:rPr>
               <a:t>Fifth Outline Level</a:t>
             </a:r>
-            <a:endParaRPr b="0" lang="en-US" sz="2000" spc="-1" strike="noStrike">
-              <a:solidFill>
-                <a:srgbClr val="000000"/>
-              </a:solidFill>
-              <a:latin typeface="Calibri"/>
+            <a:endParaRPr b="0" lang="en-IN" sz="2000" spc="-1" strike="noStrike">
+              <a:solidFill>
+                <a:srgbClr val="000000"/>
+              </a:solidFill>
+              <a:latin typeface="Arial"/>
             </a:endParaRPr>
           </a:p>
           <a:p>
             <a:pPr lvl="5" marL="2592000" indent="-216000">
-              <a:lnSpc>
-                <a:spcPct val="90000"/>
-              </a:lnSpc>
               <a:spcBef>
                 <a:spcPts val="283"/>
               </a:spcBef>
@@ -5648,26 +5495,23 @@
               <a:buChar char=""/>
             </a:pPr>
             <a:r>
-              <a:rPr b="0" lang="en-US" sz="2000" spc="-1" strike="noStrike">
+              <a:rPr b="0" lang="en-IN" sz="2000" spc="-1" strike="noStrike">
                 <a:solidFill>
                   <a:srgbClr val="000000"/>
                 </a:solidFill>
-                <a:latin typeface="Calibri"/>
+                <a:latin typeface="Arial"/>
               </a:rPr>
               <a:t>Sixth Outline Level</a:t>
             </a:r>
-            <a:endParaRPr b="0" lang="en-US" sz="2000" spc="-1" strike="noStrike">
-              <a:solidFill>
-                <a:srgbClr val="000000"/>
-              </a:solidFill>
-              <a:latin typeface="Calibri"/>
+            <a:endParaRPr b="0" lang="en-IN" sz="2000" spc="-1" strike="noStrike">
+              <a:solidFill>
+                <a:srgbClr val="000000"/>
+              </a:solidFill>
+              <a:latin typeface="Arial"/>
             </a:endParaRPr>
           </a:p>
           <a:p>
             <a:pPr lvl="6" marL="3024000" indent="-216000">
-              <a:lnSpc>
-                <a:spcPct val="90000"/>
-              </a:lnSpc>
               <a:spcBef>
                 <a:spcPts val="283"/>
               </a:spcBef>
@@ -5679,19 +5523,19 @@
               <a:buChar char=""/>
             </a:pPr>
             <a:r>
-              <a:rPr b="0" lang="en-US" sz="2000" spc="-1" strike="noStrike">
+              <a:rPr b="0" lang="en-IN" sz="2000" spc="-1" strike="noStrike">
                 <a:solidFill>
                   <a:srgbClr val="000000"/>
                 </a:solidFill>
-                <a:latin typeface="Calibri"/>
+                <a:latin typeface="Arial"/>
               </a:rPr>
               <a:t>Seventh Outline Level</a:t>
             </a:r>
-            <a:endParaRPr b="0" lang="en-US" sz="2000" spc="-1" strike="noStrike">
-              <a:solidFill>
-                <a:srgbClr val="000000"/>
-              </a:solidFill>
-              <a:latin typeface="Calibri"/>
+            <a:endParaRPr b="0" lang="en-IN" sz="2000" spc="-1" strike="noStrike">
+              <a:solidFill>
+                <a:srgbClr val="000000"/>
+              </a:solidFill>
+              <a:latin typeface="Arial"/>
             </a:endParaRPr>
           </a:p>
         </p:txBody>
@@ -5747,13 +5591,13 @@
             <a:spLocks noGrp="1"/>
           </p:cNvSpPr>
           <p:nvPr>
-            <p:ph type="title"/>
-          </p:nvPr>
-        </p:nvSpPr>
-        <p:spPr>
-          <a:xfrm>
-            <a:off x="838080" y="365040"/>
-            <a:ext cx="10515240" cy="1325160"/>
+            <p:ph type="ftr" idx="4"/>
+          </p:nvPr>
+        </p:nvSpPr>
+        <p:spPr>
+          <a:xfrm>
+            <a:off x="4038480" y="6356520"/>
+            <a:ext cx="4114080" cy="364320"/>
           </a:xfrm>
           <a:prstGeom prst="rect">
             <a:avLst/>
@@ -5764,246 +5608,90 @@
           </a:ln>
         </p:spPr>
         <p:txBody>
-          <a:bodyPr anchor="ctr">
+          <a:bodyPr lIns="90000" rIns="90000" tIns="45000" bIns="45000" anchor="ctr">
             <a:noAutofit/>
           </a:bodyPr>
-          <a:p>
-            <a:pPr indent="0">
-              <a:lnSpc>
-                <a:spcPct val="90000"/>
-              </a:lnSpc>
-              <a:buNone/>
-            </a:pPr>
-            <a:r>
-              <a:rPr b="0" lang="en-US" sz="4400" spc="-1" strike="noStrike">
-                <a:solidFill>
-                  <a:srgbClr val="000000"/>
-                </a:solidFill>
-                <a:latin typeface="Calibri Light"/>
-              </a:rPr>
-              <a:t>Click to edit Master title style</a:t>
-            </a:r>
-            <a:endParaRPr b="0" lang="en-US" sz="4400" spc="-1" strike="noStrike">
-              <a:solidFill>
-                <a:srgbClr val="000000"/>
-              </a:solidFill>
-              <a:latin typeface="Calibri"/>
-            </a:endParaRPr>
-          </a:p>
-        </p:txBody>
-      </p:sp>
-      <p:sp>
-        <p:nvSpPr>
-          <p:cNvPr id="42" name="PlaceHolder 2"/>
-          <p:cNvSpPr>
-            <a:spLocks noGrp="1"/>
-          </p:cNvSpPr>
-          <p:nvPr>
-            <p:ph type="body"/>
-          </p:nvPr>
-        </p:nvSpPr>
-        <p:spPr>
-          <a:xfrm>
-            <a:off x="838080" y="1825560"/>
-            <a:ext cx="10515240" cy="4350960"/>
-          </a:xfrm>
-          <a:prstGeom prst="rect">
-            <a:avLst/>
-          </a:prstGeom>
-          <a:noFill/>
-          <a:ln w="0">
-            <a:noFill/>
-          </a:ln>
-        </p:spPr>
-        <p:txBody>
-          <a:bodyPr anchor="t">
-            <a:noAutofit/>
-          </a:bodyPr>
-          <a:p>
-            <a:pPr marL="228600" indent="-228600">
-              <a:lnSpc>
-                <a:spcPct val="90000"/>
-              </a:lnSpc>
-              <a:spcBef>
-                <a:spcPts val="1001"/>
-              </a:spcBef>
-              <a:buClr>
-                <a:srgbClr val="000000"/>
-              </a:buClr>
-              <a:buFont typeface="Arial"/>
-              <a:buChar char="•"/>
-            </a:pPr>
-            <a:r>
-              <a:rPr b="0" lang="en-US" sz="2800" spc="-1" strike="noStrike">
-                <a:solidFill>
-                  <a:srgbClr val="000000"/>
-                </a:solidFill>
-                <a:latin typeface="Calibri"/>
-              </a:rPr>
-              <a:t>Click to edit Master text styles</a:t>
-            </a:r>
-            <a:endParaRPr b="0" lang="en-US" sz="2800" spc="-1" strike="noStrike">
-              <a:solidFill>
-                <a:srgbClr val="000000"/>
-              </a:solidFill>
-              <a:latin typeface="Calibri"/>
-            </a:endParaRPr>
-          </a:p>
-          <a:p>
-            <a:pPr lvl="1" marL="685800" indent="-228600">
-              <a:lnSpc>
-                <a:spcPct val="90000"/>
-              </a:lnSpc>
-              <a:spcBef>
-                <a:spcPts val="499"/>
-              </a:spcBef>
-              <a:buClr>
-                <a:srgbClr val="000000"/>
-              </a:buClr>
-              <a:buFont typeface="Arial"/>
-              <a:buChar char="•"/>
-            </a:pPr>
-            <a:r>
-              <a:rPr b="0" lang="en-US" sz="2400" spc="-1" strike="noStrike">
-                <a:solidFill>
-                  <a:srgbClr val="000000"/>
-                </a:solidFill>
-                <a:latin typeface="Calibri"/>
-              </a:rPr>
-              <a:t>Second level</a:t>
-            </a:r>
-            <a:endParaRPr b="0" lang="en-US" sz="2400" spc="-1" strike="noStrike">
-              <a:solidFill>
-                <a:srgbClr val="000000"/>
-              </a:solidFill>
-              <a:latin typeface="Calibri"/>
-            </a:endParaRPr>
-          </a:p>
-          <a:p>
-            <a:pPr lvl="2" marL="1143000" indent="-228600">
-              <a:lnSpc>
-                <a:spcPct val="90000"/>
-              </a:lnSpc>
-              <a:spcBef>
-                <a:spcPts val="499"/>
-              </a:spcBef>
-              <a:buClr>
-                <a:srgbClr val="000000"/>
-              </a:buClr>
-              <a:buFont typeface="Arial"/>
-              <a:buChar char="•"/>
-            </a:pPr>
-            <a:r>
-              <a:rPr b="0" lang="en-US" sz="2000" spc="-1" strike="noStrike">
-                <a:solidFill>
-                  <a:srgbClr val="000000"/>
-                </a:solidFill>
-                <a:latin typeface="Calibri"/>
-              </a:rPr>
-              <a:t>Third level</a:t>
-            </a:r>
-            <a:endParaRPr b="0" lang="en-US" sz="2000" spc="-1" strike="noStrike">
-              <a:solidFill>
-                <a:srgbClr val="000000"/>
-              </a:solidFill>
-              <a:latin typeface="Calibri"/>
-            </a:endParaRPr>
-          </a:p>
-          <a:p>
-            <a:pPr lvl="3" marL="1600200" indent="-228600">
-              <a:lnSpc>
-                <a:spcPct val="90000"/>
-              </a:lnSpc>
-              <a:spcBef>
-                <a:spcPts val="499"/>
-              </a:spcBef>
-              <a:buClr>
-                <a:srgbClr val="000000"/>
-              </a:buClr>
-              <a:buFont typeface="Arial"/>
-              <a:buChar char="•"/>
-            </a:pPr>
-            <a:r>
-              <a:rPr b="0" lang="en-US" sz="1800" spc="-1" strike="noStrike">
-                <a:solidFill>
-                  <a:srgbClr val="000000"/>
-                </a:solidFill>
-                <a:latin typeface="Calibri"/>
-              </a:rPr>
-              <a:t>Fourth level</a:t>
-            </a:r>
-            <a:endParaRPr b="0" lang="en-US" sz="1800" spc="-1" strike="noStrike">
-              <a:solidFill>
-                <a:srgbClr val="000000"/>
-              </a:solidFill>
-              <a:latin typeface="Calibri"/>
-            </a:endParaRPr>
-          </a:p>
-          <a:p>
-            <a:pPr lvl="4" marL="2057400" indent="-228600">
-              <a:lnSpc>
-                <a:spcPct val="90000"/>
-              </a:lnSpc>
-              <a:spcBef>
-                <a:spcPts val="499"/>
-              </a:spcBef>
-              <a:buClr>
-                <a:srgbClr val="000000"/>
-              </a:buClr>
-              <a:buFont typeface="Arial"/>
-              <a:buChar char="•"/>
-            </a:pPr>
-            <a:r>
-              <a:rPr b="0" lang="en-US" sz="1800" spc="-1" strike="noStrike">
-                <a:solidFill>
-                  <a:srgbClr val="000000"/>
-                </a:solidFill>
-                <a:latin typeface="Calibri"/>
-              </a:rPr>
-              <a:t>Fifth level</a:t>
-            </a:r>
-            <a:endParaRPr b="0" lang="en-US" sz="1800" spc="-1" strike="noStrike">
-              <a:solidFill>
-                <a:srgbClr val="000000"/>
-              </a:solidFill>
-              <a:latin typeface="Calibri"/>
-            </a:endParaRPr>
-          </a:p>
-        </p:txBody>
-      </p:sp>
-      <p:sp>
-        <p:nvSpPr>
-          <p:cNvPr id="43" name="PlaceHolder 3"/>
-          <p:cNvSpPr>
-            <a:spLocks noGrp="1"/>
-          </p:cNvSpPr>
-          <p:nvPr>
-            <p:ph type="dt" idx="4"/>
-          </p:nvPr>
-        </p:nvSpPr>
-        <p:spPr>
-          <a:xfrm>
-            <a:off x="838080" y="6356520"/>
-            <a:ext cx="2742840" cy="364680"/>
-          </a:xfrm>
-          <a:prstGeom prst="rect">
-            <a:avLst/>
-          </a:prstGeom>
-          <a:noFill/>
-          <a:ln w="0">
-            <a:noFill/>
-          </a:ln>
-        </p:spPr>
-        <p:txBody>
-          <a:bodyPr anchor="ctr">
-            <a:noAutofit/>
-          </a:bodyPr>
           <a:lstStyle>
-            <a:lvl1pPr indent="0">
+            <a:lvl1pPr indent="0" algn="ctr">
               <a:lnSpc>
                 <a:spcPct val="100000"/>
               </a:lnSpc>
               <a:buNone/>
+              <a:tabLst>
+                <a:tab algn="l" pos="0"/>
+              </a:tabLst>
+              <a:defRPr b="0" lang="en-IN" sz="1400" spc="-1" strike="noStrike">
+                <a:solidFill>
+                  <a:srgbClr val="000000"/>
+                </a:solidFill>
+                <a:latin typeface="Times New Roman"/>
+              </a:defRPr>
+            </a:lvl1pPr>
+          </a:lstStyle>
+          <a:p>
+            <a:pPr indent="0" algn="ctr">
+              <a:lnSpc>
+                <a:spcPct val="100000"/>
+              </a:lnSpc>
+              <a:buNone/>
+              <a:tabLst>
+                <a:tab algn="l" pos="0"/>
+              </a:tabLst>
+            </a:pPr>
+            <a:r>
+              <a:rPr b="0" lang="en-IN" sz="1400" spc="-1" strike="noStrike">
+                <a:solidFill>
+                  <a:srgbClr val="000000"/>
+                </a:solidFill>
+                <a:latin typeface="Times New Roman"/>
+              </a:rPr>
+              <a:t>&lt;footer&gt;</a:t>
+            </a:r>
+            <a:endParaRPr b="0" lang="en-IN" sz="1400" spc="-1" strike="noStrike">
+              <a:solidFill>
+                <a:srgbClr val="000000"/>
+              </a:solidFill>
+              <a:latin typeface="Times New Roman"/>
+            </a:endParaRPr>
+          </a:p>
+        </p:txBody>
+      </p:sp>
+      <p:sp>
+        <p:nvSpPr>
+          <p:cNvPr id="42" name="PlaceHolder 2"/>
+          <p:cNvSpPr>
+            <a:spLocks noGrp="1"/>
+          </p:cNvSpPr>
+          <p:nvPr>
+            <p:ph type="sldNum" idx="5"/>
+          </p:nvPr>
+        </p:nvSpPr>
+        <p:spPr>
+          <a:xfrm>
+            <a:off x="8610480" y="6356520"/>
+            <a:ext cx="2742480" cy="364320"/>
+          </a:xfrm>
+          <a:prstGeom prst="rect">
+            <a:avLst/>
+          </a:prstGeom>
+          <a:noFill/>
+          <a:ln w="0">
+            <a:noFill/>
+          </a:ln>
+        </p:spPr>
+        <p:txBody>
+          <a:bodyPr lIns="90000" rIns="90000" tIns="45000" bIns="45000" anchor="ctr">
+            <a:noAutofit/>
+          </a:bodyPr>
+          <a:lstStyle>
+            <a:lvl1pPr indent="0" algn="r">
+              <a:lnSpc>
+                <a:spcPct val="100000"/>
+              </a:lnSpc>
+              <a:buNone/>
+              <a:tabLst>
+                <a:tab algn="l" pos="0"/>
+              </a:tabLst>
               <a:defRPr b="0" lang="en-IN" sz="1200" spc="-1" strike="noStrike">
                 <a:solidFill>
                   <a:srgbClr val="8b8b8b"/>
@@ -6013,21 +5701,24 @@
             </a:lvl1pPr>
           </a:lstStyle>
           <a:p>
-            <a:pPr indent="0">
+            <a:pPr indent="0" algn="r">
               <a:lnSpc>
                 <a:spcPct val="100000"/>
               </a:lnSpc>
               <a:buNone/>
-            </a:pPr>
-            <a:r>
+              <a:tabLst>
+                <a:tab algn="l" pos="0"/>
+              </a:tabLst>
+            </a:pPr>
+            <a:fld id="{4E7B10E2-A913-4BFD-A1D1-810696F3DC23}" type="slidenum">
               <a:rPr b="0" lang="en-IN" sz="1200" spc="-1" strike="noStrike">
                 <a:solidFill>
                   <a:srgbClr val="8b8b8b"/>
                 </a:solidFill>
                 <a:latin typeface="Calibri"/>
               </a:rPr>
-              <a:t>&lt;date/time&gt;</a:t>
-            </a:r>
+              <a:t>&lt;number&gt;</a:t>
+            </a:fld>
             <a:endParaRPr b="0" lang="en-IN" sz="1200" spc="-1" strike="noStrike">
               <a:solidFill>
                 <a:srgbClr val="000000"/>
@@ -6039,18 +5730,18 @@
       </p:sp>
       <p:sp>
         <p:nvSpPr>
-          <p:cNvPr id="44" name="PlaceHolder 4"/>
-          <p:cNvSpPr>
-            <a:spLocks noGrp="1"/>
-          </p:cNvSpPr>
-          <p:nvPr>
-            <p:ph type="ftr" idx="5"/>
-          </p:nvPr>
-        </p:nvSpPr>
-        <p:spPr>
-          <a:xfrm>
-            <a:off x="4038480" y="6356520"/>
-            <a:ext cx="4114440" cy="364680"/>
+          <p:cNvPr id="43" name="PlaceHolder 3"/>
+          <p:cNvSpPr>
+            <a:spLocks noGrp="1"/>
+          </p:cNvSpPr>
+          <p:nvPr>
+            <p:ph type="dt" idx="6"/>
+          </p:nvPr>
+        </p:nvSpPr>
+        <p:spPr>
+          <a:xfrm>
+            <a:off x="838080" y="6356520"/>
+            <a:ext cx="2742480" cy="364320"/>
           </a:xfrm>
           <a:prstGeom prst="rect">
             <a:avLst/>
@@ -6061,11 +5752,11 @@
           </a:ln>
         </p:spPr>
         <p:txBody>
-          <a:bodyPr anchor="ctr">
+          <a:bodyPr lIns="90000" rIns="90000" tIns="45000" bIns="45000" anchor="ctr">
             <a:noAutofit/>
           </a:bodyPr>
           <a:lstStyle>
-            <a:lvl1pPr indent="0" algn="ctr">
+            <a:lvl1pPr indent="0">
               <a:buNone/>
               <a:defRPr b="0" lang="en-IN" sz="1400" spc="-1" strike="noStrike">
                 <a:solidFill>
@@ -6076,7 +5767,7 @@
             </a:lvl1pPr>
           </a:lstStyle>
           <a:p>
-            <a:pPr indent="0" algn="ctr">
+            <a:pPr indent="0">
               <a:buNone/>
             </a:pPr>
             <a:r>
@@ -6086,7 +5777,7 @@
                 </a:solidFill>
                 <a:latin typeface="Times New Roman"/>
               </a:rPr>
-              <a:t>&lt;footer&gt;</a:t>
+              <a:t>&lt;date/time&gt;</a:t>
             </a:r>
             <a:endParaRPr b="0" lang="en-IN" sz="1400" spc="-1" strike="noStrike">
               <a:solidFill>
@@ -6099,18 +5790,67 @@
       </p:sp>
       <p:sp>
         <p:nvSpPr>
+          <p:cNvPr id="44" name="PlaceHolder 4"/>
+          <p:cNvSpPr>
+            <a:spLocks noGrp="1"/>
+          </p:cNvSpPr>
+          <p:nvPr>
+            <p:ph type="title"/>
+          </p:nvPr>
+        </p:nvSpPr>
+        <p:spPr>
+          <a:xfrm>
+            <a:off x="609480" y="273600"/>
+            <a:ext cx="10972440" cy="1144800"/>
+          </a:xfrm>
+          <a:prstGeom prst="rect">
+            <a:avLst/>
+          </a:prstGeom>
+          <a:noFill/>
+          <a:ln w="0">
+            <a:noFill/>
+          </a:ln>
+        </p:spPr>
+        <p:txBody>
+          <a:bodyPr lIns="0" rIns="0" tIns="0" bIns="0" anchor="ctr">
+            <a:noAutofit/>
+          </a:bodyPr>
+          <a:p>
+            <a:pPr indent="0" algn="ctr">
+              <a:buNone/>
+            </a:pPr>
+            <a:r>
+              <a:rPr b="0" lang="en-IN" sz="4400" spc="-1" strike="noStrike">
+                <a:solidFill>
+                  <a:srgbClr val="000000"/>
+                </a:solidFill>
+                <a:latin typeface="Arial"/>
+              </a:rPr>
+              <a:t>Click to edit the title text format</a:t>
+            </a:r>
+            <a:endParaRPr b="0" lang="en-IN" sz="4400" spc="-1" strike="noStrike">
+              <a:solidFill>
+                <a:srgbClr val="000000"/>
+              </a:solidFill>
+              <a:latin typeface="Arial"/>
+            </a:endParaRPr>
+          </a:p>
+        </p:txBody>
+      </p:sp>
+      <p:sp>
+        <p:nvSpPr>
           <p:cNvPr id="45" name="PlaceHolder 5"/>
           <p:cNvSpPr>
             <a:spLocks noGrp="1"/>
           </p:cNvSpPr>
           <p:nvPr>
-            <p:ph type="sldNum" idx="6"/>
-          </p:nvPr>
-        </p:nvSpPr>
-        <p:spPr>
-          <a:xfrm>
-            <a:off x="8610480" y="6356520"/>
-            <a:ext cx="2742840" cy="364680"/>
+            <p:ph type="body"/>
+          </p:nvPr>
+        </p:nvSpPr>
+        <p:spPr>
+          <a:xfrm>
+            <a:off x="609480" y="1604520"/>
+            <a:ext cx="10972440" cy="3977280"/>
           </a:xfrm>
           <a:prstGeom prst="rect">
             <a:avLst/>
@@ -6121,44 +5861,203 @@
           </a:ln>
         </p:spPr>
         <p:txBody>
-          <a:bodyPr anchor="ctr">
-            <a:noAutofit/>
-          </a:bodyPr>
-          <a:lstStyle>
-            <a:lvl1pPr indent="0" algn="r">
-              <a:lnSpc>
-                <a:spcPct val="100000"/>
-              </a:lnSpc>
-              <a:buNone/>
-              <a:defRPr b="0" lang="en-IN" sz="1200" spc="-1" strike="noStrike">
+          <a:bodyPr lIns="0" rIns="0" tIns="0" bIns="0" anchor="t">
+            <a:normAutofit/>
+          </a:bodyPr>
+          <a:p>
+            <a:pPr marL="432000" indent="-324000">
+              <a:spcBef>
+                <a:spcPts val="1417"/>
+              </a:spcBef>
+              <a:buClr>
+                <a:srgbClr val="000000"/>
+              </a:buClr>
+              <a:buSzPct val="45000"/>
+              <a:buFont typeface="Wingdings" charset="2"/>
+              <a:buChar char=""/>
+            </a:pPr>
+            <a:r>
+              <a:rPr b="0" lang="en-IN" sz="3200" spc="-1" strike="noStrike">
                 <a:solidFill>
-                  <a:srgbClr val="8b8b8b"/>
+                  <a:srgbClr val="000000"/>
                 </a:solidFill>
-                <a:latin typeface="Calibri"/>
-              </a:defRPr>
-            </a:lvl1pPr>
-          </a:lstStyle>
-          <a:p>
-            <a:pPr indent="0" algn="r">
-              <a:lnSpc>
-                <a:spcPct val="100000"/>
-              </a:lnSpc>
-              <a:buNone/>
-            </a:pPr>
-            <a:fld id="{65321CB7-D2BB-4D19-887E-2A93EDACBE8B}" type="slidenum">
-              <a:rPr b="0" lang="en-IN" sz="1200" spc="-1" strike="noStrike">
+                <a:latin typeface="Arial"/>
+              </a:rPr>
+              <a:t>Click to edit the outline text format</a:t>
+            </a:r>
+            <a:endParaRPr b="0" lang="en-IN" sz="3200" spc="-1" strike="noStrike">
+              <a:solidFill>
+                <a:srgbClr val="000000"/>
+              </a:solidFill>
+              <a:latin typeface="Arial"/>
+            </a:endParaRPr>
+          </a:p>
+          <a:p>
+            <a:pPr lvl="1" marL="864000" indent="-324000">
+              <a:spcBef>
+                <a:spcPts val="1134"/>
+              </a:spcBef>
+              <a:buClr>
+                <a:srgbClr val="000000"/>
+              </a:buClr>
+              <a:buSzPct val="75000"/>
+              <a:buFont typeface="Symbol" charset="2"/>
+              <a:buChar char=""/>
+            </a:pPr>
+            <a:r>
+              <a:rPr b="0" lang="en-IN" sz="2800" spc="-1" strike="noStrike">
                 <a:solidFill>
-                  <a:srgbClr val="8b8b8b"/>
+                  <a:srgbClr val="000000"/>
                 </a:solidFill>
-                <a:latin typeface="Calibri"/>
+                <a:latin typeface="Arial"/>
               </a:rPr>
-              <a:t>&lt;number&gt;</a:t>
-            </a:fld>
-            <a:endParaRPr b="0" lang="en-IN" sz="1200" spc="-1" strike="noStrike">
-              <a:solidFill>
-                <a:srgbClr val="000000"/>
-              </a:solidFill>
-              <a:latin typeface="Times New Roman"/>
+              <a:t>Second Outline Level</a:t>
+            </a:r>
+            <a:endParaRPr b="0" lang="en-IN" sz="2800" spc="-1" strike="noStrike">
+              <a:solidFill>
+                <a:srgbClr val="000000"/>
+              </a:solidFill>
+              <a:latin typeface="Arial"/>
+            </a:endParaRPr>
+          </a:p>
+          <a:p>
+            <a:pPr lvl="2" marL="1296000" indent="-288000">
+              <a:spcBef>
+                <a:spcPts val="850"/>
+              </a:spcBef>
+              <a:buClr>
+                <a:srgbClr val="000000"/>
+              </a:buClr>
+              <a:buSzPct val="45000"/>
+              <a:buFont typeface="Wingdings" charset="2"/>
+              <a:buChar char=""/>
+            </a:pPr>
+            <a:r>
+              <a:rPr b="0" lang="en-IN" sz="2400" spc="-1" strike="noStrike">
+                <a:solidFill>
+                  <a:srgbClr val="000000"/>
+                </a:solidFill>
+                <a:latin typeface="Arial"/>
+              </a:rPr>
+              <a:t>Third Outline Level</a:t>
+            </a:r>
+            <a:endParaRPr b="0" lang="en-IN" sz="2400" spc="-1" strike="noStrike">
+              <a:solidFill>
+                <a:srgbClr val="000000"/>
+              </a:solidFill>
+              <a:latin typeface="Arial"/>
+            </a:endParaRPr>
+          </a:p>
+          <a:p>
+            <a:pPr lvl="3" marL="1728000" indent="-216000">
+              <a:spcBef>
+                <a:spcPts val="567"/>
+              </a:spcBef>
+              <a:buClr>
+                <a:srgbClr val="000000"/>
+              </a:buClr>
+              <a:buSzPct val="75000"/>
+              <a:buFont typeface="Symbol" charset="2"/>
+              <a:buChar char=""/>
+            </a:pPr>
+            <a:r>
+              <a:rPr b="0" lang="en-IN" sz="2000" spc="-1" strike="noStrike">
+                <a:solidFill>
+                  <a:srgbClr val="000000"/>
+                </a:solidFill>
+                <a:latin typeface="Arial"/>
+              </a:rPr>
+              <a:t>Fourth Outline Level</a:t>
+            </a:r>
+            <a:endParaRPr b="0" lang="en-IN" sz="2000" spc="-1" strike="noStrike">
+              <a:solidFill>
+                <a:srgbClr val="000000"/>
+              </a:solidFill>
+              <a:latin typeface="Arial"/>
+            </a:endParaRPr>
+          </a:p>
+          <a:p>
+            <a:pPr lvl="4" marL="2160000" indent="-216000">
+              <a:spcBef>
+                <a:spcPts val="283"/>
+              </a:spcBef>
+              <a:buClr>
+                <a:srgbClr val="000000"/>
+              </a:buClr>
+              <a:buSzPct val="45000"/>
+              <a:buFont typeface="Wingdings" charset="2"/>
+              <a:buChar char=""/>
+            </a:pPr>
+            <a:r>
+              <a:rPr b="0" lang="en-IN" sz="2000" spc="-1" strike="noStrike">
+                <a:solidFill>
+                  <a:srgbClr val="000000"/>
+                </a:solidFill>
+                <a:latin typeface="Arial"/>
+              </a:rPr>
+              <a:t>Fifth Outline Level</a:t>
+            </a:r>
+            <a:endParaRPr b="0" lang="en-IN" sz="2000" spc="-1" strike="noStrike">
+              <a:solidFill>
+                <a:srgbClr val="000000"/>
+              </a:solidFill>
+              <a:latin typeface="Arial"/>
+            </a:endParaRPr>
+          </a:p>
+          <a:p>
+            <a:pPr lvl="5" marL="2592000" indent="-216000">
+              <a:spcBef>
+                <a:spcPts val="283"/>
+              </a:spcBef>
+              <a:buClr>
+                <a:srgbClr val="000000"/>
+              </a:buClr>
+              <a:buSzPct val="45000"/>
+              <a:buFont typeface="Wingdings" charset="2"/>
+              <a:buChar char=""/>
+            </a:pPr>
+            <a:r>
+              <a:rPr b="0" lang="en-IN" sz="2000" spc="-1" strike="noStrike">
+                <a:solidFill>
+                  <a:srgbClr val="000000"/>
+                </a:solidFill>
+                <a:latin typeface="Arial"/>
+              </a:rPr>
+              <a:t>Sixth Outline Level</a:t>
+            </a:r>
+            <a:endParaRPr b="0" lang="en-IN" sz="2000" spc="-1" strike="noStrike">
+              <a:solidFill>
+                <a:srgbClr val="000000"/>
+              </a:solidFill>
+              <a:latin typeface="Arial"/>
+            </a:endParaRPr>
+          </a:p>
+          <a:p>
+            <a:pPr lvl="6" marL="3024000" indent="-216000">
+              <a:spcBef>
+                <a:spcPts val="283"/>
+              </a:spcBef>
+              <a:buClr>
+                <a:srgbClr val="000000"/>
+              </a:buClr>
+              <a:buSzPct val="45000"/>
+              <a:buFont typeface="Wingdings" charset="2"/>
+              <a:buChar char=""/>
+            </a:pPr>
+            <a:r>
+              <a:rPr b="0" lang="en-IN" sz="2000" spc="-1" strike="noStrike">
+                <a:solidFill>
+                  <a:srgbClr val="000000"/>
+                </a:solidFill>
+                <a:latin typeface="Arial"/>
+              </a:rPr>
+              <a:t>Seventh Outline Level</a:t>
+            </a:r>
+            <a:endParaRPr b="0" lang="en-IN" sz="2000" spc="-1" strike="noStrike">
+              <a:solidFill>
+                <a:srgbClr val="000000"/>
+              </a:solidFill>
+              <a:latin typeface="Arial"/>
             </a:endParaRPr>
           </a:p>
         </p:txBody>
@@ -6212,8 +6111,8 @@
         </p:blipFill>
         <p:spPr>
           <a:xfrm flipH="1">
-            <a:off x="360" y="-16200"/>
-            <a:ext cx="12191760" cy="6857640"/>
+            <a:off x="720" y="-16200"/>
+            <a:ext cx="12191400" cy="6857280"/>
           </a:xfrm>
           <a:prstGeom prst="rect">
             <a:avLst/>
@@ -6236,7 +6135,7 @@
         <p:spPr>
           <a:xfrm>
             <a:off x="4340520" y="861840"/>
-            <a:ext cx="3510720" cy="930240"/>
+            <a:ext cx="3510360" cy="929880"/>
           </a:xfrm>
           <a:prstGeom prst="rect">
             <a:avLst/>
@@ -6255,7 +6154,7 @@
         <p:spPr>
           <a:xfrm>
             <a:off x="2397600" y="2382840"/>
-            <a:ext cx="7396200" cy="579960"/>
+            <a:ext cx="7395840" cy="579960"/>
           </a:xfrm>
           <a:prstGeom prst="rect">
             <a:avLst/>
@@ -6329,7 +6228,7 @@
         <p:spPr>
           <a:xfrm>
             <a:off x="833040" y="4111200"/>
-            <a:ext cx="6197400" cy="2297160"/>
+            <a:ext cx="6197040" cy="2297160"/>
           </a:xfrm>
           <a:prstGeom prst="rect">
             <a:avLst/>
@@ -6554,7 +6453,7 @@
       </p:grpSpPr>
       <p:pic>
         <p:nvPicPr>
-          <p:cNvPr id="149" name="Picture 1" descr=""/>
+          <p:cNvPr id="150" name="Picture 1" descr=""/>
           <p:cNvPicPr/>
           <p:nvPr/>
         </p:nvPicPr>
@@ -6564,8 +6463,8 @@
         </p:blipFill>
         <p:spPr>
           <a:xfrm flipH="1">
-            <a:off x="360" y="0"/>
-            <a:ext cx="12191760" cy="6857640"/>
+            <a:off x="720" y="0"/>
+            <a:ext cx="12191400" cy="6857280"/>
           </a:xfrm>
           <a:prstGeom prst="rect">
             <a:avLst/>
@@ -6577,14 +6476,14 @@
       </p:pic>
       <p:cxnSp>
         <p:nvCxnSpPr>
-          <p:cNvPr id="150" name="Straight Connector 1"/>
+          <p:cNvPr id="151" name="Straight Connector 1"/>
           <p:cNvCxnSpPr/>
           <p:nvPr/>
         </p:nvCxnSpPr>
         <p:spPr>
           <a:xfrm>
             <a:off x="2404080" y="383760"/>
-            <a:ext cx="360" cy="430200"/>
+            <a:ext cx="720" cy="430560"/>
           </a:xfrm>
           <a:prstGeom prst="straightConnector1">
             <a:avLst/>
@@ -6593,12 +6492,13 @@
             <a:solidFill>
               <a:srgbClr val="dd4f22"/>
             </a:solidFill>
+            <a:round/>
           </a:ln>
         </p:spPr>
       </p:cxnSp>
       <p:pic>
         <p:nvPicPr>
-          <p:cNvPr id="151" name="Picture 9" descr=""/>
+          <p:cNvPr id="152" name="Picture 9" descr=""/>
           <p:cNvPicPr/>
           <p:nvPr/>
         </p:nvPicPr>
@@ -6609,7 +6509,7 @@
         <p:spPr>
           <a:xfrm>
             <a:off x="217440" y="338040"/>
-            <a:ext cx="1963080" cy="521280"/>
+            <a:ext cx="1962720" cy="520920"/>
           </a:xfrm>
           <a:prstGeom prst="rect">
             <a:avLst/>
@@ -6621,14 +6521,14 @@
       </p:pic>
       <p:sp>
         <p:nvSpPr>
-          <p:cNvPr id="152" name="TextBox 1"/>
+          <p:cNvPr id="153" name="TextBox 1"/>
           <p:cNvSpPr/>
           <p:nvPr/>
         </p:nvSpPr>
         <p:spPr>
           <a:xfrm>
             <a:off x="2499480" y="383760"/>
-            <a:ext cx="8818560" cy="510120"/>
+            <a:ext cx="8818200" cy="510120"/>
           </a:xfrm>
           <a:prstGeom prst="rect">
             <a:avLst/>
@@ -6687,14 +6587,14 @@
       </p:sp>
       <p:sp>
         <p:nvSpPr>
-          <p:cNvPr id="153" name="TextBox 10"/>
+          <p:cNvPr id="154" name="TextBox 10"/>
           <p:cNvSpPr/>
           <p:nvPr/>
         </p:nvSpPr>
         <p:spPr>
           <a:xfrm>
             <a:off x="490320" y="1349640"/>
-            <a:ext cx="5026320" cy="405720"/>
+            <a:ext cx="5025960" cy="405360"/>
           </a:xfrm>
           <a:prstGeom prst="rect">
             <a:avLst/>
@@ -6715,30 +6615,36 @@
             <a:spAutoFit/>
           </a:bodyPr>
           <a:p>
+            <a:pPr>
+              <a:lnSpc>
+                <a:spcPct val="100000"/>
+              </a:lnSpc>
+            </a:pPr>
             <a:endParaRPr b="0" lang="en-IN" sz="1800" spc="-1" strike="noStrike">
               <a:solidFill>
                 <a:srgbClr val="000000"/>
               </a:solidFill>
               <a:latin typeface="Arial"/>
+              <a:ea typeface="DejaVu Sans"/>
             </a:endParaRPr>
           </a:p>
         </p:txBody>
       </p:sp>
       <p:pic>
         <p:nvPicPr>
-          <p:cNvPr id="154" name="" descr=""/>
+          <p:cNvPr id="155" name="" descr=""/>
           <p:cNvPicPr/>
           <p:nvPr/>
         </p:nvPicPr>
         <p:blipFill>
           <a:blip r:embed="rId3"/>
-          <a:srcRect l="19024" t="31248" r="14535" b="26754"/>
+          <a:srcRect l="19022" t="31244" r="14533" b="26751"/>
           <a:stretch/>
         </p:blipFill>
         <p:spPr>
           <a:xfrm>
             <a:off x="360000" y="1456200"/>
-            <a:ext cx="11599560" cy="4123800"/>
+            <a:ext cx="11599200" cy="4123440"/>
           </a:xfrm>
           <a:prstGeom prst="rect">
             <a:avLst/>
@@ -6787,7 +6693,7 @@
       </p:grpSpPr>
       <p:pic>
         <p:nvPicPr>
-          <p:cNvPr id="155" name="Picture 10" descr=""/>
+          <p:cNvPr id="156" name="Picture 10" descr=""/>
           <p:cNvPicPr/>
           <p:nvPr/>
         </p:nvPicPr>
@@ -6797,8 +6703,8 @@
         </p:blipFill>
         <p:spPr>
           <a:xfrm flipH="1">
-            <a:off x="360" y="36000"/>
-            <a:ext cx="12191760" cy="6857640"/>
+            <a:off x="720" y="36000"/>
+            <a:ext cx="12191400" cy="6857280"/>
           </a:xfrm>
           <a:prstGeom prst="rect">
             <a:avLst/>
@@ -6810,14 +6716,14 @@
       </p:pic>
       <p:cxnSp>
         <p:nvCxnSpPr>
-          <p:cNvPr id="156" name="Straight Connector 5"/>
+          <p:cNvPr id="157" name="Straight Connector 5"/>
           <p:cNvCxnSpPr/>
           <p:nvPr/>
         </p:nvCxnSpPr>
         <p:spPr>
           <a:xfrm>
             <a:off x="2404080" y="383760"/>
-            <a:ext cx="360" cy="430200"/>
+            <a:ext cx="720" cy="430560"/>
           </a:xfrm>
           <a:prstGeom prst="straightConnector1">
             <a:avLst/>
@@ -6826,12 +6732,13 @@
             <a:solidFill>
               <a:srgbClr val="dd4f22"/>
             </a:solidFill>
+            <a:round/>
           </a:ln>
         </p:spPr>
       </p:cxnSp>
       <p:pic>
         <p:nvPicPr>
-          <p:cNvPr id="157" name="Picture 15" descr=""/>
+          <p:cNvPr id="158" name="Picture 15" descr=""/>
           <p:cNvPicPr/>
           <p:nvPr/>
         </p:nvPicPr>
@@ -6842,7 +6749,7 @@
         <p:spPr>
           <a:xfrm>
             <a:off x="217440" y="338040"/>
-            <a:ext cx="1963080" cy="521280"/>
+            <a:ext cx="1962720" cy="520920"/>
           </a:xfrm>
           <a:prstGeom prst="rect">
             <a:avLst/>
@@ -6854,14 +6761,14 @@
       </p:pic>
       <p:sp>
         <p:nvSpPr>
-          <p:cNvPr id="158" name="TextBox 11"/>
+          <p:cNvPr id="159" name="TextBox 11"/>
           <p:cNvSpPr/>
           <p:nvPr/>
         </p:nvSpPr>
         <p:spPr>
           <a:xfrm>
             <a:off x="2499480" y="383760"/>
-            <a:ext cx="8818560" cy="510120"/>
+            <a:ext cx="8818200" cy="510120"/>
           </a:xfrm>
           <a:prstGeom prst="rect">
             <a:avLst/>
@@ -6895,6 +6802,7 @@
                   <a:srgbClr val="ffffff"/>
                 </a:solidFill>
                 <a:latin typeface="Times New Roman"/>
+                <a:ea typeface="DejaVu Sans"/>
               </a:rPr>
               <a:t>Deployment</a:t>
             </a:r>
@@ -6909,19 +6817,19 @@
       </p:sp>
       <p:pic>
         <p:nvPicPr>
-          <p:cNvPr id="159" name="" descr=""/>
+          <p:cNvPr id="160" name="" descr=""/>
           <p:cNvPicPr/>
           <p:nvPr/>
         </p:nvPicPr>
         <p:blipFill>
           <a:blip r:embed="rId3"/>
-          <a:srcRect l="13280" t="18121" r="0" b="0"/>
+          <a:srcRect l="13278" t="18117" r="0" b="0"/>
           <a:stretch/>
         </p:blipFill>
         <p:spPr>
           <a:xfrm>
             <a:off x="206640" y="1243440"/>
-            <a:ext cx="11832120" cy="5614560"/>
+            <a:ext cx="11831760" cy="5614200"/>
           </a:xfrm>
           <a:prstGeom prst="rect">
             <a:avLst/>
@@ -6963,7 +6871,7 @@
       </p:grpSpPr>
       <p:pic>
         <p:nvPicPr>
-          <p:cNvPr id="160" name="Picture 11" descr=""/>
+          <p:cNvPr id="161" name="Picture 11" descr=""/>
           <p:cNvPicPr/>
           <p:nvPr/>
         </p:nvPicPr>
@@ -6973,8 +6881,8 @@
         </p:blipFill>
         <p:spPr>
           <a:xfrm flipH="1">
-            <a:off x="360" y="0"/>
-            <a:ext cx="12191760" cy="6857640"/>
+            <a:off x="720" y="720"/>
+            <a:ext cx="12191400" cy="6857280"/>
           </a:xfrm>
           <a:prstGeom prst="rect">
             <a:avLst/>
@@ -6986,14 +6894,14 @@
       </p:pic>
       <p:cxnSp>
         <p:nvCxnSpPr>
-          <p:cNvPr id="161" name="Straight Connector 6"/>
+          <p:cNvPr id="162" name="Straight Connector 6"/>
           <p:cNvCxnSpPr/>
           <p:nvPr/>
         </p:nvCxnSpPr>
         <p:spPr>
           <a:xfrm>
             <a:off x="2404080" y="383760"/>
-            <a:ext cx="360" cy="430200"/>
+            <a:ext cx="720" cy="430560"/>
           </a:xfrm>
           <a:prstGeom prst="straightConnector1">
             <a:avLst/>
@@ -7002,12 +6910,13 @@
             <a:solidFill>
               <a:srgbClr val="dd4f22"/>
             </a:solidFill>
+            <a:round/>
           </a:ln>
         </p:spPr>
       </p:cxnSp>
       <p:pic>
         <p:nvPicPr>
-          <p:cNvPr id="162" name="Picture 12" descr=""/>
+          <p:cNvPr id="163" name="Picture 12" descr=""/>
           <p:cNvPicPr/>
           <p:nvPr/>
         </p:nvPicPr>
@@ -7018,7 +6927,7 @@
         <p:spPr>
           <a:xfrm>
             <a:off x="217440" y="338040"/>
-            <a:ext cx="1963080" cy="521280"/>
+            <a:ext cx="1962720" cy="520920"/>
           </a:xfrm>
           <a:prstGeom prst="rect">
             <a:avLst/>
@@ -7030,14 +6939,14 @@
       </p:pic>
       <p:sp>
         <p:nvSpPr>
-          <p:cNvPr id="163" name="TextBox 12"/>
+          <p:cNvPr id="164" name="TextBox 12"/>
           <p:cNvSpPr/>
           <p:nvPr/>
         </p:nvSpPr>
         <p:spPr>
           <a:xfrm>
             <a:off x="2499480" y="383760"/>
-            <a:ext cx="8818560" cy="510120"/>
+            <a:ext cx="8818200" cy="510120"/>
           </a:xfrm>
           <a:prstGeom prst="rect">
             <a:avLst/>
@@ -7096,14 +7005,14 @@
       </p:sp>
       <p:sp>
         <p:nvSpPr>
-          <p:cNvPr id="164" name="TextBox 13"/>
+          <p:cNvPr id="165" name="TextBox 13"/>
           <p:cNvSpPr/>
           <p:nvPr/>
         </p:nvSpPr>
         <p:spPr>
           <a:xfrm>
             <a:off x="490320" y="1349640"/>
-            <a:ext cx="5026320" cy="405720"/>
+            <a:ext cx="5025960" cy="405360"/>
           </a:xfrm>
           <a:prstGeom prst="rect">
             <a:avLst/>
@@ -7124,30 +7033,60 @@
             <a:spAutoFit/>
           </a:bodyPr>
           <a:p>
+            <a:pPr>
+              <a:lnSpc>
+                <a:spcPct val="100000"/>
+              </a:lnSpc>
+            </a:pPr>
             <a:endParaRPr b="0" lang="en-IN" sz="1800" spc="-1" strike="noStrike">
               <a:solidFill>
                 <a:srgbClr val="000000"/>
               </a:solidFill>
               <a:latin typeface="Arial"/>
+              <a:ea typeface="DejaVu Sans"/>
             </a:endParaRPr>
           </a:p>
         </p:txBody>
       </p:sp>
       <p:pic>
         <p:nvPicPr>
-          <p:cNvPr id="165" name="" descr=""/>
+          <p:cNvPr id="166" name="" descr=""/>
           <p:cNvPicPr/>
           <p:nvPr/>
         </p:nvPicPr>
         <p:blipFill>
           <a:blip r:embed="rId3"/>
-          <a:srcRect l="30835" t="36493" r="41110" b="11006"/>
+          <a:srcRect l="30831" t="36486" r="41104" b="11006"/>
           <a:stretch/>
         </p:blipFill>
         <p:spPr>
           <a:xfrm>
-            <a:off x="540000" y="1350000"/>
-            <a:ext cx="4531680" cy="4770000"/>
+            <a:off x="868680" y="1350360"/>
+            <a:ext cx="4531320" cy="4769640"/>
+          </a:xfrm>
+          <a:prstGeom prst="rect">
+            <a:avLst/>
+          </a:prstGeom>
+          <a:ln w="0">
+            <a:noFill/>
+          </a:ln>
+        </p:spPr>
+      </p:pic>
+      <p:pic>
+        <p:nvPicPr>
+          <p:cNvPr id="167" name="" descr=""/>
+          <p:cNvPicPr/>
+          <p:nvPr/>
+        </p:nvPicPr>
+        <p:blipFill>
+          <a:blip r:embed="rId4"/>
+          <a:srcRect l="30831" t="36805" r="42587" b="5445"/>
+          <a:stretch/>
+        </p:blipFill>
+        <p:spPr>
+          <a:xfrm>
+            <a:off x="6300000" y="1440000"/>
+            <a:ext cx="4500000" cy="4619520"/>
           </a:xfrm>
           <a:prstGeom prst="rect">
             <a:avLst/>
@@ -7189,7 +7128,7 @@
       </p:grpSpPr>
       <p:pic>
         <p:nvPicPr>
-          <p:cNvPr id="166" name="Picture 3" descr=""/>
+          <p:cNvPr id="168" name="Picture 3" descr=""/>
           <p:cNvPicPr/>
           <p:nvPr/>
         </p:nvPicPr>
@@ -7199,8 +7138,8 @@
         </p:blipFill>
         <p:spPr>
           <a:xfrm flipH="1">
-            <a:off x="0" y="360"/>
-            <a:ext cx="12191760" cy="6857640"/>
+            <a:off x="360" y="360"/>
+            <a:ext cx="12191400" cy="6857280"/>
           </a:xfrm>
           <a:prstGeom prst="rect">
             <a:avLst/>
@@ -7212,14 +7151,14 @@
       </p:pic>
       <p:cxnSp>
         <p:nvCxnSpPr>
-          <p:cNvPr id="167" name="Straight Connector 4"/>
+          <p:cNvPr id="169" name="Straight Connector 4"/>
           <p:cNvCxnSpPr/>
           <p:nvPr/>
         </p:nvCxnSpPr>
         <p:spPr>
           <a:xfrm>
             <a:off x="2404080" y="383760"/>
-            <a:ext cx="360" cy="430200"/>
+            <a:ext cx="720" cy="430560"/>
           </a:xfrm>
           <a:prstGeom prst="straightConnector1">
             <a:avLst/>
@@ -7228,12 +7167,13 @@
             <a:solidFill>
               <a:srgbClr val="dd4f22"/>
             </a:solidFill>
+            <a:round/>
           </a:ln>
         </p:spPr>
       </p:cxnSp>
       <p:pic>
         <p:nvPicPr>
-          <p:cNvPr id="168" name="Picture 5" descr=""/>
+          <p:cNvPr id="170" name="Picture 5" descr=""/>
           <p:cNvPicPr/>
           <p:nvPr/>
         </p:nvPicPr>
@@ -7244,7 +7184,7 @@
         <p:spPr>
           <a:xfrm>
             <a:off x="217440" y="338040"/>
-            <a:ext cx="1963080" cy="521280"/>
+            <a:ext cx="1962720" cy="520920"/>
           </a:xfrm>
           <a:prstGeom prst="rect">
             <a:avLst/>
@@ -7256,14 +7196,14 @@
       </p:pic>
       <p:sp>
         <p:nvSpPr>
-          <p:cNvPr id="169" name="TextBox 7"/>
+          <p:cNvPr id="171" name="TextBox 7"/>
           <p:cNvSpPr/>
           <p:nvPr/>
         </p:nvSpPr>
         <p:spPr>
           <a:xfrm>
             <a:off x="2499480" y="383760"/>
-            <a:ext cx="8818560" cy="510120"/>
+            <a:ext cx="8818200" cy="510120"/>
           </a:xfrm>
           <a:prstGeom prst="rect">
             <a:avLst/>
@@ -7297,6 +7237,7 @@
                   <a:srgbClr val="ffffff"/>
                 </a:solidFill>
                 <a:latin typeface="Times New Roman"/>
+                <a:ea typeface="DejaVu Sans"/>
               </a:rPr>
               <a:t>Remarks</a:t>
             </a:r>
@@ -7311,14 +7252,14 @@
       </p:sp>
       <p:sp>
         <p:nvSpPr>
-          <p:cNvPr id="170" name="TextBox 6"/>
+          <p:cNvPr id="172" name="TextBox 6"/>
           <p:cNvSpPr/>
           <p:nvPr/>
         </p:nvSpPr>
         <p:spPr>
           <a:xfrm>
             <a:off x="490320" y="1349640"/>
-            <a:ext cx="5026320" cy="1666440"/>
+            <a:ext cx="5025960" cy="1666080"/>
           </a:xfrm>
           <a:prstGeom prst="rect">
             <a:avLst/>
@@ -7349,20 +7290,21 @@
                 <a:srgbClr val="000000"/>
               </a:solidFill>
               <a:latin typeface="Arial"/>
-            </a:endParaRPr>
-          </a:p>
-        </p:txBody>
-      </p:sp>
-      <p:sp>
-        <p:nvSpPr>
-          <p:cNvPr id="171" name=""/>
-          <p:cNvSpPr txBox="1"/>
+              <a:ea typeface="DejaVu Sans"/>
+            </a:endParaRPr>
+          </a:p>
+        </p:txBody>
+      </p:sp>
+      <p:sp>
+        <p:nvSpPr>
+          <p:cNvPr id="173" name=""/>
+          <p:cNvSpPr/>
           <p:nvPr/>
         </p:nvSpPr>
         <p:spPr>
           <a:xfrm>
             <a:off x="1260000" y="1620000"/>
-            <a:ext cx="4140000" cy="1980000"/>
+            <a:ext cx="4139640" cy="1979640"/>
           </a:xfrm>
           <a:prstGeom prst="rect">
             <a:avLst/>
@@ -7372,12 +7314,21 @@
             <a:noFill/>
           </a:ln>
         </p:spPr>
+        <p:style>
+          <a:lnRef idx="0"/>
+          <a:fillRef idx="0"/>
+          <a:effectRef idx="0"/>
+          <a:fontRef idx="minor"/>
+        </p:style>
         <p:txBody>
           <a:bodyPr lIns="90000" rIns="90000" tIns="45000" bIns="45000" anchor="t">
             <a:noAutofit/>
           </a:bodyPr>
           <a:p>
             <a:pPr marL="216000" indent="-216000">
+              <a:lnSpc>
+                <a:spcPct val="100000"/>
+              </a:lnSpc>
               <a:buClr>
                 <a:srgbClr val="000000"/>
               </a:buClr>
@@ -7403,6 +7354,9 @@
           </a:p>
           <a:p>
             <a:pPr marL="216000" indent="-216000">
+              <a:lnSpc>
+                <a:spcPct val="100000"/>
+              </a:lnSpc>
               <a:buClr>
                 <a:srgbClr val="000000"/>
               </a:buClr>
@@ -7428,6 +7382,9 @@
           </a:p>
           <a:p>
             <a:pPr marL="216000" indent="-216000">
+              <a:lnSpc>
+                <a:spcPct val="100000"/>
+              </a:lnSpc>
               <a:buClr>
                 <a:srgbClr val="000000"/>
               </a:buClr>
@@ -7453,6 +7410,9 @@
           </a:p>
           <a:p>
             <a:pPr marL="216000" indent="-216000">
+              <a:lnSpc>
+                <a:spcPct val="100000"/>
+              </a:lnSpc>
               <a:buClr>
                 <a:srgbClr val="000000"/>
               </a:buClr>
@@ -7480,7 +7440,7 @@
       </p:sp>
       <p:pic>
         <p:nvPicPr>
-          <p:cNvPr id="172" name="" descr=""/>
+          <p:cNvPr id="174" name="" descr=""/>
           <p:cNvPicPr/>
           <p:nvPr/>
         </p:nvPicPr>
@@ -7491,7 +7451,7 @@
         <p:spPr>
           <a:xfrm>
             <a:off x="8117280" y="1620000"/>
-            <a:ext cx="2142720" cy="2142720"/>
+            <a:ext cx="2142360" cy="2142360"/>
           </a:xfrm>
           <a:prstGeom prst="rect">
             <a:avLst/>
@@ -7533,7 +7493,7 @@
       </p:grpSpPr>
       <p:pic>
         <p:nvPicPr>
-          <p:cNvPr id="173" name="Picture 3" descr=""/>
+          <p:cNvPr id="175" name="Picture 3" descr=""/>
           <p:cNvPicPr/>
           <p:nvPr/>
         </p:nvPicPr>
@@ -7543,8 +7503,8 @@
         </p:blipFill>
         <p:spPr>
           <a:xfrm flipH="1">
-            <a:off x="360" y="-72000"/>
-            <a:ext cx="12191760" cy="6857640"/>
+            <a:off x="720" y="-72000"/>
+            <a:ext cx="12191400" cy="6857280"/>
           </a:xfrm>
           <a:prstGeom prst="rect">
             <a:avLst/>
@@ -7556,14 +7516,14 @@
       </p:pic>
       <p:cxnSp>
         <p:nvCxnSpPr>
-          <p:cNvPr id="174" name="Straight Connector 4"/>
+          <p:cNvPr id="176" name="Straight Connector 4"/>
           <p:cNvCxnSpPr/>
           <p:nvPr/>
         </p:nvCxnSpPr>
         <p:spPr>
           <a:xfrm>
             <a:off x="2404080" y="383760"/>
-            <a:ext cx="360" cy="430200"/>
+            <a:ext cx="720" cy="430560"/>
           </a:xfrm>
           <a:prstGeom prst="straightConnector1">
             <a:avLst/>
@@ -7572,12 +7532,13 @@
             <a:solidFill>
               <a:srgbClr val="dd4f22"/>
             </a:solidFill>
+            <a:round/>
           </a:ln>
         </p:spPr>
       </p:cxnSp>
       <p:pic>
         <p:nvPicPr>
-          <p:cNvPr id="175" name="Picture 5" descr=""/>
+          <p:cNvPr id="177" name="Picture 5" descr=""/>
           <p:cNvPicPr/>
           <p:nvPr/>
         </p:nvPicPr>
@@ -7588,7 +7549,7 @@
         <p:spPr>
           <a:xfrm>
             <a:off x="217440" y="338040"/>
-            <a:ext cx="1963080" cy="521280"/>
+            <a:ext cx="1962720" cy="520920"/>
           </a:xfrm>
           <a:prstGeom prst="rect">
             <a:avLst/>
@@ -7600,14 +7561,14 @@
       </p:pic>
       <p:sp>
         <p:nvSpPr>
-          <p:cNvPr id="176" name="TextBox 7"/>
+          <p:cNvPr id="178" name="TextBox 7"/>
           <p:cNvSpPr/>
           <p:nvPr/>
         </p:nvSpPr>
         <p:spPr>
           <a:xfrm>
             <a:off x="2499480" y="383760"/>
-            <a:ext cx="8818560" cy="510120"/>
+            <a:ext cx="8818200" cy="510120"/>
           </a:xfrm>
           <a:prstGeom prst="rect">
             <a:avLst/>
@@ -7641,6 +7602,7 @@
                   <a:srgbClr val="ffffff"/>
                 </a:solidFill>
                 <a:latin typeface="Times New Roman"/>
+                <a:ea typeface="DejaVu Sans"/>
               </a:rPr>
               <a:t>References</a:t>
             </a:r>
@@ -7655,14 +7617,14 @@
       </p:sp>
       <p:sp>
         <p:nvSpPr>
-          <p:cNvPr id="177" name="TextBox 9"/>
+          <p:cNvPr id="179" name="TextBox 9"/>
           <p:cNvSpPr/>
           <p:nvPr/>
         </p:nvSpPr>
         <p:spPr>
           <a:xfrm>
             <a:off x="540000" y="1844280"/>
-            <a:ext cx="10849680" cy="1035720"/>
+            <a:ext cx="10849320" cy="1035720"/>
           </a:xfrm>
           <a:prstGeom prst="rect">
             <a:avLst/>
@@ -7704,10 +7666,11 @@
               <a:t>Custom Rest Template for ssl validation: </a:t>
             </a:r>
             <a:r>
-              <a:rPr b="0" lang="en-IN" sz="1800" spc="-1" strike="noStrike">
+              <a:rPr b="0" lang="en-IN" sz="1800" spc="-1" strike="noStrike" u="sng">
                 <a:solidFill>
-                  <a:srgbClr val="000000"/>
+                  <a:srgbClr val="0563c1"/>
                 </a:solidFill>
+                <a:uFillTx/>
                 <a:latin typeface="Times New Roman"/>
                 <a:ea typeface="Arial"/>
                 <a:hlinkClick r:id="rId3"/>
@@ -7743,10 +7706,11 @@
               <a:t>AES-256 :</a:t>
             </a:r>
             <a:r>
-              <a:rPr b="0" lang="en-IN" sz="1800" spc="-1" strike="noStrike">
+              <a:rPr b="0" lang="en-IN" sz="1800" spc="-1" strike="noStrike" u="sng">
                 <a:solidFill>
-                  <a:srgbClr val="000000"/>
+                  <a:srgbClr val="0563c1"/>
                 </a:solidFill>
+                <a:uFillTx/>
                 <a:latin typeface="Times New Roman"/>
                 <a:ea typeface="Arial"/>
                 <a:hlinkClick r:id="rId4"/>
@@ -7792,7 +7756,7 @@
       </p:sp>
       <p:pic>
         <p:nvPicPr>
-          <p:cNvPr id="178" name="" descr=""/>
+          <p:cNvPr id="180" name="" descr=""/>
           <p:cNvPicPr/>
           <p:nvPr/>
         </p:nvPicPr>
@@ -7803,7 +7767,7 @@
         <p:spPr>
           <a:xfrm>
             <a:off x="3780000" y="3960000"/>
-            <a:ext cx="3937320" cy="2204640"/>
+            <a:ext cx="3936960" cy="2204280"/>
           </a:xfrm>
           <a:prstGeom prst="rect">
             <a:avLst/>
@@ -7855,8 +7819,8 @@
         </p:blipFill>
         <p:spPr>
           <a:xfrm flipH="1">
-            <a:off x="-5400" y="-6480"/>
-            <a:ext cx="12191760" cy="6857640"/>
+            <a:off x="-5040" y="-6480"/>
+            <a:ext cx="12191400" cy="6857280"/>
           </a:xfrm>
           <a:prstGeom prst="rect">
             <a:avLst/>
@@ -7875,7 +7839,7 @@
         <p:spPr>
           <a:xfrm>
             <a:off x="2404080" y="383760"/>
-            <a:ext cx="360" cy="430200"/>
+            <a:ext cx="720" cy="430560"/>
           </a:xfrm>
           <a:prstGeom prst="straightConnector1">
             <a:avLst/>
@@ -7884,6 +7848,7 @@
             <a:solidFill>
               <a:srgbClr val="dd4f22"/>
             </a:solidFill>
+            <a:round/>
           </a:ln>
         </p:spPr>
       </p:cxnSp>
@@ -7900,7 +7865,7 @@
         <p:spPr>
           <a:xfrm>
             <a:off x="217440" y="338040"/>
-            <a:ext cx="1963080" cy="521280"/>
+            <a:ext cx="1962720" cy="520920"/>
           </a:xfrm>
           <a:prstGeom prst="rect">
             <a:avLst/>
@@ -7919,7 +7884,7 @@
         <p:spPr>
           <a:xfrm>
             <a:off x="698040" y="1503720"/>
-            <a:ext cx="10061280" cy="3948840"/>
+            <a:ext cx="10060920" cy="3948120"/>
           </a:xfrm>
           <a:prstGeom prst="rect">
             <a:avLst/>
@@ -8337,8 +8302,8 @@
         </p:blipFill>
         <p:spPr>
           <a:xfrm flipH="1">
-            <a:off x="360" y="0"/>
-            <a:ext cx="12191760" cy="6857640"/>
+            <a:off x="720" y="0"/>
+            <a:ext cx="12191400" cy="6857280"/>
           </a:xfrm>
           <a:prstGeom prst="rect">
             <a:avLst/>
@@ -8357,7 +8322,7 @@
         <p:spPr>
           <a:xfrm>
             <a:off x="2404080" y="383760"/>
-            <a:ext cx="360" cy="430200"/>
+            <a:ext cx="720" cy="430560"/>
           </a:xfrm>
           <a:prstGeom prst="straightConnector1">
             <a:avLst/>
@@ -8366,6 +8331,7 @@
             <a:solidFill>
               <a:srgbClr val="dd4f22"/>
             </a:solidFill>
+            <a:round/>
           </a:ln>
         </p:spPr>
       </p:cxnSp>
@@ -8382,7 +8348,7 @@
         <p:spPr>
           <a:xfrm>
             <a:off x="217440" y="338040"/>
-            <a:ext cx="1963080" cy="521280"/>
+            <a:ext cx="1962720" cy="520920"/>
           </a:xfrm>
           <a:prstGeom prst="rect">
             <a:avLst/>
@@ -8401,7 +8367,7 @@
         <p:spPr>
           <a:xfrm>
             <a:off x="490320" y="1349640"/>
-            <a:ext cx="8869680" cy="3732840"/>
+            <a:ext cx="8869320" cy="3732840"/>
           </a:xfrm>
           <a:prstGeom prst="rect">
             <a:avLst/>
@@ -8600,7 +8566,7 @@
         <p:spPr>
           <a:xfrm>
             <a:off x="2499480" y="383760"/>
-            <a:ext cx="8818560" cy="455400"/>
+            <a:ext cx="8818200" cy="455400"/>
           </a:xfrm>
           <a:prstGeom prst="rect">
             <a:avLst/>
@@ -8660,7 +8626,7 @@
         <p:spPr>
           <a:xfrm>
             <a:off x="8297280" y="4500000"/>
-            <a:ext cx="2142720" cy="2142720"/>
+            <a:ext cx="2142360" cy="2142360"/>
           </a:xfrm>
           <a:prstGeom prst="rect">
             <a:avLst/>
@@ -8712,8 +8678,8 @@
         </p:blipFill>
         <p:spPr>
           <a:xfrm flipH="1">
-            <a:off x="360" y="0"/>
-            <a:ext cx="12191760" cy="6857640"/>
+            <a:off x="720" y="0"/>
+            <a:ext cx="12191400" cy="6857280"/>
           </a:xfrm>
           <a:prstGeom prst="rect">
             <a:avLst/>
@@ -8732,7 +8698,7 @@
         <p:spPr>
           <a:xfrm>
             <a:off x="2404080" y="383760"/>
-            <a:ext cx="360" cy="430200"/>
+            <a:ext cx="720" cy="430560"/>
           </a:xfrm>
           <a:prstGeom prst="straightConnector1">
             <a:avLst/>
@@ -8741,6 +8707,7 @@
             <a:solidFill>
               <a:srgbClr val="dd4f22"/>
             </a:solidFill>
+            <a:round/>
           </a:ln>
         </p:spPr>
       </p:cxnSp>
@@ -8757,7 +8724,7 @@
         <p:spPr>
           <a:xfrm>
             <a:off x="217440" y="338040"/>
-            <a:ext cx="1963080" cy="521280"/>
+            <a:ext cx="1962720" cy="520920"/>
           </a:xfrm>
           <a:prstGeom prst="rect">
             <a:avLst/>
@@ -8776,7 +8743,7 @@
         <p:spPr>
           <a:xfrm>
             <a:off x="900000" y="1349640"/>
-            <a:ext cx="8460000" cy="4643640"/>
+            <a:ext cx="8459640" cy="4643640"/>
           </a:xfrm>
           <a:prstGeom prst="rect">
             <a:avLst/>
@@ -9091,7 +9058,7 @@
         <p:spPr>
           <a:xfrm>
             <a:off x="2499480" y="383760"/>
-            <a:ext cx="8818560" cy="455400"/>
+            <a:ext cx="8818200" cy="455400"/>
           </a:xfrm>
           <a:prstGeom prst="rect">
             <a:avLst/>
@@ -9138,6 +9105,29 @@
           </a:p>
         </p:txBody>
       </p:sp>
+      <p:pic>
+        <p:nvPicPr>
+          <p:cNvPr id="101" name="" descr=""/>
+          <p:cNvPicPr/>
+          <p:nvPr/>
+        </p:nvPicPr>
+        <p:blipFill>
+          <a:blip r:embed="rId3"/>
+          <a:stretch/>
+        </p:blipFill>
+        <p:spPr>
+          <a:xfrm>
+            <a:off x="6660000" y="1646640"/>
+            <a:ext cx="3753360" cy="3753360"/>
+          </a:xfrm>
+          <a:prstGeom prst="rect">
+            <a:avLst/>
+          </a:prstGeom>
+          <a:ln w="0">
+            <a:noFill/>
+          </a:ln>
+        </p:spPr>
+      </p:pic>
     </p:spTree>
   </p:cSld>
   <mc:AlternateContent>
@@ -9170,7 +9160,7 @@
       </p:grpSpPr>
       <p:pic>
         <p:nvPicPr>
-          <p:cNvPr id="101" name="Picture 3" descr=""/>
+          <p:cNvPr id="102" name="Picture 3" descr=""/>
           <p:cNvPicPr/>
           <p:nvPr/>
         </p:nvPicPr>
@@ -9180,8 +9170,8 @@
         </p:blipFill>
         <p:spPr>
           <a:xfrm flipH="1">
-            <a:off x="360" y="0"/>
-            <a:ext cx="12191760" cy="6857640"/>
+            <a:off x="720" y="0"/>
+            <a:ext cx="12191400" cy="6857280"/>
           </a:xfrm>
           <a:prstGeom prst="rect">
             <a:avLst/>
@@ -9193,14 +9183,14 @@
       </p:pic>
       <p:cxnSp>
         <p:nvCxnSpPr>
-          <p:cNvPr id="102" name="Straight Connector 4"/>
+          <p:cNvPr id="103" name="Straight Connector 4"/>
           <p:cNvCxnSpPr/>
           <p:nvPr/>
         </p:nvCxnSpPr>
         <p:spPr>
           <a:xfrm>
             <a:off x="2404080" y="383760"/>
-            <a:ext cx="360" cy="430200"/>
+            <a:ext cx="720" cy="430560"/>
           </a:xfrm>
           <a:prstGeom prst="straightConnector1">
             <a:avLst/>
@@ -9209,12 +9199,13 @@
             <a:solidFill>
               <a:srgbClr val="dd4f22"/>
             </a:solidFill>
+            <a:round/>
           </a:ln>
         </p:spPr>
       </p:cxnSp>
       <p:pic>
         <p:nvPicPr>
-          <p:cNvPr id="103" name="Picture 5" descr=""/>
+          <p:cNvPr id="104" name="Picture 5" descr=""/>
           <p:cNvPicPr/>
           <p:nvPr/>
         </p:nvPicPr>
@@ -9225,7 +9216,7 @@
         <p:spPr>
           <a:xfrm>
             <a:off x="217440" y="338040"/>
-            <a:ext cx="1963080" cy="521280"/>
+            <a:ext cx="1962720" cy="520920"/>
           </a:xfrm>
           <a:prstGeom prst="rect">
             <a:avLst/>
@@ -9237,14 +9228,14 @@
       </p:pic>
       <p:sp>
         <p:nvSpPr>
-          <p:cNvPr id="104" name="TextBox 7"/>
+          <p:cNvPr id="105" name="TextBox 7"/>
           <p:cNvSpPr/>
           <p:nvPr/>
         </p:nvSpPr>
         <p:spPr>
           <a:xfrm>
             <a:off x="2499480" y="383760"/>
-            <a:ext cx="8818560" cy="455400"/>
+            <a:ext cx="8818200" cy="455400"/>
           </a:xfrm>
           <a:prstGeom prst="rect">
             <a:avLst/>
@@ -9293,14 +9284,14 @@
       </p:sp>
       <p:sp>
         <p:nvSpPr>
-          <p:cNvPr id="105" name="TextBox 8"/>
+          <p:cNvPr id="106" name="TextBox 8"/>
           <p:cNvSpPr/>
           <p:nvPr/>
         </p:nvSpPr>
         <p:spPr>
           <a:xfrm>
             <a:off x="540000" y="1304280"/>
-            <a:ext cx="5026320" cy="1035720"/>
+            <a:ext cx="5025960" cy="1035360"/>
           </a:xfrm>
           <a:prstGeom prst="rect">
             <a:avLst/>
@@ -9331,13 +9322,14 @@
                 <a:srgbClr val="000000"/>
               </a:solidFill>
               <a:latin typeface="Arial"/>
+              <a:ea typeface="DejaVu Sans"/>
             </a:endParaRPr>
           </a:p>
         </p:txBody>
       </p:sp>
       <p:pic>
         <p:nvPicPr>
-          <p:cNvPr id="106" name="" descr=""/>
+          <p:cNvPr id="107" name="" descr=""/>
           <p:cNvPicPr/>
           <p:nvPr/>
         </p:nvPicPr>
@@ -9348,7 +9340,7 @@
         <p:spPr>
           <a:xfrm>
             <a:off x="1440000" y="1080000"/>
-            <a:ext cx="10080000" cy="5624640"/>
+            <a:ext cx="10079640" cy="5624280"/>
           </a:xfrm>
           <a:prstGeom prst="rect">
             <a:avLst/>
@@ -9390,7 +9382,7 @@
       </p:grpSpPr>
       <p:pic>
         <p:nvPicPr>
-          <p:cNvPr id="107" name="Picture 3" descr=""/>
+          <p:cNvPr id="108" name="Picture 3" descr=""/>
           <p:cNvPicPr/>
           <p:nvPr/>
         </p:nvPicPr>
@@ -9400,8 +9392,8 @@
         </p:blipFill>
         <p:spPr>
           <a:xfrm flipH="1">
-            <a:off x="360" y="0"/>
-            <a:ext cx="12191760" cy="6857640"/>
+            <a:off x="720" y="0"/>
+            <a:ext cx="12191400" cy="6857280"/>
           </a:xfrm>
           <a:prstGeom prst="rect">
             <a:avLst/>
@@ -9413,14 +9405,14 @@
       </p:pic>
       <p:cxnSp>
         <p:nvCxnSpPr>
-          <p:cNvPr id="108" name="Straight Connector 4"/>
+          <p:cNvPr id="109" name="Straight Connector 4"/>
           <p:cNvCxnSpPr/>
           <p:nvPr/>
         </p:nvCxnSpPr>
         <p:spPr>
           <a:xfrm>
             <a:off x="2404080" y="383760"/>
-            <a:ext cx="360" cy="430200"/>
+            <a:ext cx="720" cy="430560"/>
           </a:xfrm>
           <a:prstGeom prst="straightConnector1">
             <a:avLst/>
@@ -9429,12 +9421,13 @@
             <a:solidFill>
               <a:srgbClr val="dd4f22"/>
             </a:solidFill>
+            <a:round/>
           </a:ln>
         </p:spPr>
       </p:cxnSp>
       <p:pic>
         <p:nvPicPr>
-          <p:cNvPr id="109" name="Picture 5" descr=""/>
+          <p:cNvPr id="110" name="Picture 5" descr=""/>
           <p:cNvPicPr/>
           <p:nvPr/>
         </p:nvPicPr>
@@ -9445,7 +9438,7 @@
         <p:spPr>
           <a:xfrm>
             <a:off x="217440" y="338040"/>
-            <a:ext cx="1963080" cy="521280"/>
+            <a:ext cx="1962720" cy="520920"/>
           </a:xfrm>
           <a:prstGeom prst="rect">
             <a:avLst/>
@@ -9457,14 +9450,14 @@
       </p:pic>
       <p:sp>
         <p:nvSpPr>
-          <p:cNvPr id="110" name="TextBox 7"/>
+          <p:cNvPr id="111" name="TextBox 7"/>
           <p:cNvSpPr/>
           <p:nvPr/>
         </p:nvSpPr>
         <p:spPr>
           <a:xfrm>
             <a:off x="2499480" y="383760"/>
-            <a:ext cx="8818560" cy="455400"/>
+            <a:ext cx="8818200" cy="455400"/>
           </a:xfrm>
           <a:prstGeom prst="rect">
             <a:avLst/>
@@ -9513,14 +9506,14 @@
       </p:sp>
       <p:sp>
         <p:nvSpPr>
-          <p:cNvPr id="111" name=""/>
+          <p:cNvPr id="112" name=""/>
           <p:cNvSpPr/>
           <p:nvPr/>
         </p:nvSpPr>
         <p:spPr>
           <a:xfrm>
             <a:off x="1620000" y="2207880"/>
-            <a:ext cx="1435680" cy="1140120"/>
+            <a:ext cx="1435320" cy="1139760"/>
           </a:xfrm>
           <a:prstGeom prst="rect">
             <a:avLst/>
@@ -9545,13 +9538,18 @@
             <a:noAutofit/>
           </a:bodyPr>
           <a:p>
-            <a:pPr algn="ctr"/>
+            <a:pPr algn="ctr">
+              <a:lnSpc>
+                <a:spcPct val="100000"/>
+              </a:lnSpc>
+            </a:pPr>
             <a:r>
               <a:rPr b="0" lang="en-IN" sz="1800" spc="-1" strike="noStrike">
                 <a:solidFill>
                   <a:srgbClr val="000000"/>
                 </a:solidFill>
                 <a:latin typeface="Arial"/>
+                <a:ea typeface="DejaVu Sans"/>
               </a:rPr>
               <a:t>DTO</a:t>
             </a:r>
@@ -9566,14 +9564,14 @@
       </p:sp>
       <p:sp>
         <p:nvSpPr>
-          <p:cNvPr id="112" name=""/>
+          <p:cNvPr id="113" name=""/>
           <p:cNvSpPr/>
           <p:nvPr/>
         </p:nvSpPr>
         <p:spPr>
           <a:xfrm>
             <a:off x="8388720" y="2207880"/>
-            <a:ext cx="1640880" cy="1140120"/>
+            <a:ext cx="1640520" cy="1139760"/>
           </a:xfrm>
           <a:prstGeom prst="rect">
             <a:avLst/>
@@ -9598,13 +9596,18 @@
             <a:noAutofit/>
           </a:bodyPr>
           <a:p>
-            <a:pPr algn="ctr"/>
+            <a:pPr algn="ctr">
+              <a:lnSpc>
+                <a:spcPct val="100000"/>
+              </a:lnSpc>
+            </a:pPr>
             <a:r>
               <a:rPr b="0" lang="en-IN" sz="1800" spc="-1" strike="noStrike">
                 <a:solidFill>
                   <a:srgbClr val="000000"/>
                 </a:solidFill>
                 <a:latin typeface="Arial"/>
+                <a:ea typeface="DejaVu Sans"/>
               </a:rPr>
               <a:t>Repository</a:t>
             </a:r>
@@ -9619,14 +9622,14 @@
       </p:sp>
       <p:sp>
         <p:nvSpPr>
-          <p:cNvPr id="113" name=""/>
+          <p:cNvPr id="114" name=""/>
           <p:cNvSpPr/>
           <p:nvPr/>
         </p:nvSpPr>
         <p:spPr>
           <a:xfrm>
             <a:off x="5927400" y="2207880"/>
-            <a:ext cx="1435680" cy="1140120"/>
+            <a:ext cx="1435320" cy="1139760"/>
           </a:xfrm>
           <a:prstGeom prst="rect">
             <a:avLst/>
@@ -9651,13 +9654,18 @@
             <a:noAutofit/>
           </a:bodyPr>
           <a:p>
-            <a:pPr algn="ctr"/>
+            <a:pPr algn="ctr">
+              <a:lnSpc>
+                <a:spcPct val="100000"/>
+              </a:lnSpc>
+            </a:pPr>
             <a:r>
               <a:rPr b="0" lang="en-IN" sz="1800" spc="-1" strike="noStrike">
                 <a:solidFill>
                   <a:srgbClr val="000000"/>
                 </a:solidFill>
                 <a:latin typeface="Arial"/>
+                <a:ea typeface="DejaVu Sans"/>
               </a:rPr>
               <a:t>Service</a:t>
             </a:r>
@@ -9672,14 +9680,14 @@
       </p:sp>
       <p:sp>
         <p:nvSpPr>
-          <p:cNvPr id="114" name=""/>
+          <p:cNvPr id="115" name=""/>
           <p:cNvSpPr/>
           <p:nvPr/>
         </p:nvSpPr>
         <p:spPr>
           <a:xfrm>
             <a:off x="3671280" y="2207880"/>
-            <a:ext cx="1435680" cy="1140120"/>
+            <a:ext cx="1435320" cy="1139760"/>
           </a:xfrm>
           <a:prstGeom prst="rect">
             <a:avLst/>
@@ -9704,13 +9712,18 @@
             <a:noAutofit/>
           </a:bodyPr>
           <a:p>
-            <a:pPr algn="ctr"/>
+            <a:pPr algn="ctr">
+              <a:lnSpc>
+                <a:spcPct val="100000"/>
+              </a:lnSpc>
+            </a:pPr>
             <a:r>
               <a:rPr b="0" lang="en-IN" sz="1800" spc="-1" strike="noStrike">
                 <a:solidFill>
                   <a:srgbClr val="000000"/>
                 </a:solidFill>
                 <a:latin typeface="Arial"/>
+                <a:ea typeface="DejaVu Sans"/>
               </a:rPr>
               <a:t>Controller</a:t>
             </a:r>
@@ -9725,14 +9738,14 @@
       </p:sp>
       <p:sp>
         <p:nvSpPr>
-          <p:cNvPr id="115" name=""/>
+          <p:cNvPr id="116" name=""/>
           <p:cNvSpPr/>
           <p:nvPr/>
         </p:nvSpPr>
         <p:spPr>
           <a:xfrm>
             <a:off x="3055680" y="2664000"/>
-            <a:ext cx="615240" cy="0"/>
+            <a:ext cx="615240" cy="360"/>
           </a:xfrm>
           <a:prstGeom prst="line">
             <a:avLst/>
@@ -9751,17 +9764,22 @@
           <a:fontRef idx="minor"/>
         </p:style>
         <p:txBody>
-          <a:bodyPr lIns="90000" rIns="90000" tIns="-45000" bIns="-45000" anchor="t">
+          <a:bodyPr lIns="90000" rIns="90000" tIns="-45000" bIns="-45000" anchor="t" anchorCtr="1">
             <a:noAutofit/>
           </a:bodyPr>
           <a:p>
-            <a:pPr algn="ctr"/>
+            <a:pPr algn="ctr">
+              <a:lnSpc>
+                <a:spcPct val="100000"/>
+              </a:lnSpc>
+            </a:pPr>
             <a:r>
               <a:rPr b="0" lang="en-IN" sz="1800" spc="-1" strike="noStrike">
                 <a:solidFill>
                   <a:srgbClr val="000000"/>
                 </a:solidFill>
                 <a:latin typeface="Arial"/>
+                <a:ea typeface="DejaVu Sans"/>
               </a:rPr>
               <a:t>2</a:t>
             </a:r>
@@ -9776,14 +9794,14 @@
       </p:sp>
       <p:sp>
         <p:nvSpPr>
-          <p:cNvPr id="116" name=""/>
+          <p:cNvPr id="117" name=""/>
           <p:cNvSpPr/>
           <p:nvPr/>
         </p:nvSpPr>
         <p:spPr>
           <a:xfrm>
             <a:off x="5106960" y="2435760"/>
-            <a:ext cx="820440" cy="0"/>
+            <a:ext cx="820440" cy="360"/>
           </a:xfrm>
           <a:prstGeom prst="line">
             <a:avLst/>
@@ -9802,17 +9820,22 @@
           <a:fontRef idx="minor"/>
         </p:style>
         <p:txBody>
-          <a:bodyPr lIns="90000" rIns="90000" tIns="-45000" bIns="-45000" anchor="t">
+          <a:bodyPr lIns="90000" rIns="90000" tIns="-45000" bIns="-45000" anchor="t" anchorCtr="1">
             <a:noAutofit/>
           </a:bodyPr>
           <a:p>
-            <a:pPr algn="ctr"/>
+            <a:pPr algn="ctr">
+              <a:lnSpc>
+                <a:spcPct val="100000"/>
+              </a:lnSpc>
+            </a:pPr>
             <a:r>
               <a:rPr b="0" lang="en-IN" sz="1800" spc="-1" strike="noStrike">
                 <a:solidFill>
                   <a:srgbClr val="000000"/>
                 </a:solidFill>
                 <a:latin typeface="Arial"/>
+                <a:ea typeface="DejaVu Sans"/>
               </a:rPr>
               <a:t>3</a:t>
             </a:r>
@@ -9827,14 +9850,14 @@
       </p:sp>
       <p:sp>
         <p:nvSpPr>
-          <p:cNvPr id="117" name=""/>
+          <p:cNvPr id="118" name=""/>
           <p:cNvSpPr/>
           <p:nvPr/>
         </p:nvSpPr>
         <p:spPr>
           <a:xfrm>
             <a:off x="7363080" y="2435760"/>
-            <a:ext cx="1025640" cy="0"/>
+            <a:ext cx="1025640" cy="360"/>
           </a:xfrm>
           <a:prstGeom prst="line">
             <a:avLst/>
@@ -9853,17 +9876,22 @@
           <a:fontRef idx="minor"/>
         </p:style>
         <p:txBody>
-          <a:bodyPr lIns="90000" rIns="90000" tIns="-45000" bIns="-45000" anchor="t">
+          <a:bodyPr lIns="90000" rIns="90000" tIns="-45000" bIns="-45000" anchor="t" anchorCtr="1">
             <a:noAutofit/>
           </a:bodyPr>
           <a:p>
-            <a:pPr algn="ctr"/>
+            <a:pPr algn="ctr">
+              <a:lnSpc>
+                <a:spcPct val="100000"/>
+              </a:lnSpc>
+            </a:pPr>
             <a:r>
               <a:rPr b="0" lang="en-IN" sz="1800" spc="-1" strike="noStrike">
                 <a:solidFill>
                   <a:srgbClr val="000000"/>
                 </a:solidFill>
                 <a:latin typeface="Arial"/>
+                <a:ea typeface="DejaVu Sans"/>
               </a:rPr>
               <a:t>4</a:t>
             </a:r>
@@ -9878,14 +9906,14 @@
       </p:sp>
       <p:sp>
         <p:nvSpPr>
-          <p:cNvPr id="118" name=""/>
+          <p:cNvPr id="119" name=""/>
           <p:cNvSpPr/>
           <p:nvPr/>
         </p:nvSpPr>
         <p:spPr>
           <a:xfrm>
             <a:off x="8619120" y="4187880"/>
-            <a:ext cx="1640880" cy="1140120"/>
+            <a:ext cx="1640520" cy="1139760"/>
           </a:xfrm>
           <a:prstGeom prst="rect">
             <a:avLst/>
@@ -9910,13 +9938,18 @@
             <a:noAutofit/>
           </a:bodyPr>
           <a:p>
-            <a:pPr algn="ctr"/>
+            <a:pPr algn="ctr">
+              <a:lnSpc>
+                <a:spcPct val="100000"/>
+              </a:lnSpc>
+            </a:pPr>
             <a:r>
               <a:rPr b="0" lang="en-IN" sz="1800" spc="-1" strike="noStrike">
                 <a:solidFill>
                   <a:srgbClr val="000000"/>
                 </a:solidFill>
                 <a:latin typeface="Arial"/>
+                <a:ea typeface="DejaVu Sans"/>
               </a:rPr>
               <a:t>Database</a:t>
             </a:r>
@@ -9931,14 +9964,14 @@
       </p:sp>
       <p:sp>
         <p:nvSpPr>
-          <p:cNvPr id="119" name=""/>
+          <p:cNvPr id="120" name=""/>
           <p:cNvSpPr/>
           <p:nvPr/>
         </p:nvSpPr>
         <p:spPr>
           <a:xfrm>
             <a:off x="9414360" y="3348000"/>
-            <a:ext cx="0" cy="839880"/>
+            <a:ext cx="360" cy="839880"/>
           </a:xfrm>
           <a:prstGeom prst="line">
             <a:avLst/>
@@ -9958,17 +9991,22 @@
           <a:fontRef idx="minor"/>
         </p:style>
         <p:txBody>
-          <a:bodyPr lIns="90000" rIns="90000" tIns="45000" bIns="45000" anchor="t">
+          <a:bodyPr lIns="90000" rIns="90000" tIns="45000" bIns="45000" anchor="t" anchorCtr="1">
             <a:noAutofit/>
           </a:bodyPr>
           <a:p>
-            <a:pPr algn="ctr"/>
+            <a:pPr algn="ctr">
+              <a:lnSpc>
+                <a:spcPct val="100000"/>
+              </a:lnSpc>
+            </a:pPr>
             <a:r>
               <a:rPr b="0" lang="en-IN" sz="1800" spc="-1" strike="noStrike">
                 <a:solidFill>
                   <a:srgbClr val="000000"/>
                 </a:solidFill>
                 <a:latin typeface="Arial"/>
+                <a:ea typeface="DejaVu Sans"/>
               </a:rPr>
               <a:t>5</a:t>
             </a:r>
@@ -9983,14 +10021,14 @@
       </p:sp>
       <p:sp>
         <p:nvSpPr>
-          <p:cNvPr id="120" name=""/>
+          <p:cNvPr id="121" name=""/>
           <p:cNvSpPr/>
           <p:nvPr/>
         </p:nvSpPr>
         <p:spPr>
           <a:xfrm flipH="1">
             <a:off x="7363080" y="3119760"/>
-            <a:ext cx="1025640" cy="0"/>
+            <a:ext cx="1025640" cy="360"/>
           </a:xfrm>
           <a:prstGeom prst="line">
             <a:avLst/>
@@ -10009,11 +10047,341 @@
           <a:fontRef idx="minor"/>
         </p:style>
         <p:txBody>
-          <a:bodyPr lIns="90000" rIns="90000" tIns="-45000" bIns="-45000" anchor="t">
+          <a:bodyPr lIns="90000" rIns="90000" tIns="-45000" bIns="-45000" anchor="t" anchorCtr="1">
             <a:noAutofit/>
           </a:bodyPr>
           <a:p>
-            <a:pPr algn="ctr"/>
+            <a:pPr algn="ctr">
+              <a:lnSpc>
+                <a:spcPct val="100000"/>
+              </a:lnSpc>
+            </a:pPr>
+            <a:r>
+              <a:rPr b="0" lang="en-IN" sz="1800" spc="-1" strike="noStrike">
+                <a:solidFill>
+                  <a:srgbClr val="000000"/>
+                </a:solidFill>
+                <a:latin typeface="Arial"/>
+                <a:ea typeface="DejaVu Sans"/>
+              </a:rPr>
+              <a:t>9</a:t>
+            </a:r>
+            <a:endParaRPr b="0" lang="en-IN" sz="1800" spc="-1" strike="noStrike">
+              <a:solidFill>
+                <a:srgbClr val="000000"/>
+              </a:solidFill>
+              <a:latin typeface="Arial"/>
+            </a:endParaRPr>
+          </a:p>
+        </p:txBody>
+      </p:sp>
+      <p:sp>
+        <p:nvSpPr>
+          <p:cNvPr id="122" name=""/>
+          <p:cNvSpPr/>
+          <p:nvPr/>
+        </p:nvSpPr>
+        <p:spPr>
+          <a:xfrm>
+            <a:off x="3671280" y="4032000"/>
+            <a:ext cx="1435320" cy="1367640"/>
+          </a:xfrm>
+          <a:prstGeom prst="rect">
+            <a:avLst/>
+          </a:prstGeom>
+          <a:solidFill>
+            <a:srgbClr val="729fcf"/>
+          </a:solidFill>
+          <a:ln w="0">
+            <a:solidFill>
+              <a:srgbClr val="3465a4"/>
+            </a:solidFill>
+          </a:ln>
+        </p:spPr>
+        <p:style>
+          <a:lnRef idx="0"/>
+          <a:fillRef idx="0"/>
+          <a:effectRef idx="0"/>
+          <a:fontRef idx="minor"/>
+        </p:style>
+        <p:txBody>
+          <a:bodyPr lIns="90000" rIns="90000" tIns="45000" bIns="45000" anchor="ctr">
+            <a:noAutofit/>
+          </a:bodyPr>
+          <a:p>
+            <a:pPr algn="ctr">
+              <a:lnSpc>
+                <a:spcPct val="100000"/>
+              </a:lnSpc>
+            </a:pPr>
+            <a:r>
+              <a:rPr b="0" lang="en-IN" sz="1800" spc="-1" strike="noStrike">
+                <a:solidFill>
+                  <a:srgbClr val="000000"/>
+                </a:solidFill>
+                <a:latin typeface="Arial"/>
+                <a:ea typeface="DejaVu Sans"/>
+              </a:rPr>
+              <a:t>VO</a:t>
+            </a:r>
+            <a:endParaRPr b="0" lang="en-IN" sz="1800" spc="-1" strike="noStrike">
+              <a:solidFill>
+                <a:srgbClr val="000000"/>
+              </a:solidFill>
+              <a:latin typeface="Arial"/>
+            </a:endParaRPr>
+          </a:p>
+        </p:txBody>
+      </p:sp>
+      <p:sp>
+        <p:nvSpPr>
+          <p:cNvPr id="123" name=""/>
+          <p:cNvSpPr/>
+          <p:nvPr/>
+        </p:nvSpPr>
+        <p:spPr>
+          <a:xfrm>
+            <a:off x="4491720" y="3348000"/>
+            <a:ext cx="360" cy="684000"/>
+          </a:xfrm>
+          <a:prstGeom prst="line">
+            <a:avLst/>
+          </a:prstGeom>
+          <a:ln w="0">
+            <a:solidFill>
+              <a:srgbClr val="3465a4"/>
+            </a:solidFill>
+            <a:tailEnd len="med" type="triangle" w="med"/>
+          </a:ln>
+        </p:spPr>
+        <p:style>
+          <a:lnRef idx="0"/>
+          <a:fillRef idx="0"/>
+          <a:effectRef idx="0"/>
+          <a:fontRef idx="minor"/>
+        </p:style>
+        <p:txBody>
+          <a:bodyPr lIns="90000" rIns="90000" tIns="45000" bIns="45000" anchor="t" anchorCtr="1">
+            <a:noAutofit/>
+          </a:bodyPr>
+          <a:p>
+            <a:endParaRPr b="0" lang="en-IN" sz="1800" spc="-1" strike="noStrike">
+              <a:solidFill>
+                <a:srgbClr val="000000"/>
+              </a:solidFill>
+              <a:latin typeface="Arial"/>
+              <a:ea typeface="DejaVu Sans"/>
+            </a:endParaRPr>
+          </a:p>
+        </p:txBody>
+      </p:sp>
+      <p:sp>
+        <p:nvSpPr>
+          <p:cNvPr id="124" name=""/>
+          <p:cNvSpPr/>
+          <p:nvPr/>
+        </p:nvSpPr>
+        <p:spPr>
+          <a:xfrm>
+            <a:off x="1620000" y="4032000"/>
+            <a:ext cx="1640520" cy="1367640"/>
+          </a:xfrm>
+          <a:prstGeom prst="rect">
+            <a:avLst/>
+          </a:prstGeom>
+          <a:solidFill>
+            <a:srgbClr val="729fcf"/>
+          </a:solidFill>
+          <a:ln w="0">
+            <a:solidFill>
+              <a:srgbClr val="3465a4"/>
+            </a:solidFill>
+          </a:ln>
+        </p:spPr>
+        <p:style>
+          <a:lnRef idx="0"/>
+          <a:fillRef idx="0"/>
+          <a:effectRef idx="0"/>
+          <a:fontRef idx="minor"/>
+        </p:style>
+        <p:txBody>
+          <a:bodyPr lIns="90000" rIns="90000" tIns="45000" bIns="45000" anchor="ctr">
+            <a:noAutofit/>
+          </a:bodyPr>
+          <a:p>
+            <a:pPr algn="ctr">
+              <a:lnSpc>
+                <a:spcPct val="100000"/>
+              </a:lnSpc>
+            </a:pPr>
+            <a:r>
+              <a:rPr b="0" lang="en-IN" sz="1800" spc="-1" strike="noStrike">
+                <a:solidFill>
+                  <a:srgbClr val="000000"/>
+                </a:solidFill>
+                <a:latin typeface="Arial"/>
+                <a:ea typeface="DejaVu Sans"/>
+              </a:rPr>
+              <a:t>POSTMAN</a:t>
+            </a:r>
+            <a:endParaRPr b="0" lang="en-IN" sz="1800" spc="-1" strike="noStrike">
+              <a:solidFill>
+                <a:srgbClr val="000000"/>
+              </a:solidFill>
+              <a:latin typeface="Arial"/>
+            </a:endParaRPr>
+          </a:p>
+        </p:txBody>
+      </p:sp>
+      <p:sp>
+        <p:nvSpPr>
+          <p:cNvPr id="125" name=""/>
+          <p:cNvSpPr/>
+          <p:nvPr/>
+        </p:nvSpPr>
+        <p:spPr>
+          <a:xfrm flipV="1">
+            <a:off x="2235240" y="3348000"/>
+            <a:ext cx="360" cy="684000"/>
+          </a:xfrm>
+          <a:prstGeom prst="line">
+            <a:avLst/>
+          </a:prstGeom>
+          <a:ln w="0">
+            <a:solidFill>
+              <a:srgbClr val="3465a4"/>
+            </a:solidFill>
+            <a:tailEnd len="med" type="triangle" w="med"/>
+          </a:ln>
+        </p:spPr>
+        <p:style>
+          <a:lnRef idx="0"/>
+          <a:fillRef idx="0"/>
+          <a:effectRef idx="0"/>
+          <a:fontRef idx="minor"/>
+        </p:style>
+        <p:txBody>
+          <a:bodyPr lIns="90000" rIns="90000" tIns="45000" bIns="45000" anchor="t" anchorCtr="1">
+            <a:noAutofit/>
+          </a:bodyPr>
+          <a:p>
+            <a:pPr algn="ctr">
+              <a:lnSpc>
+                <a:spcPct val="100000"/>
+              </a:lnSpc>
+            </a:pPr>
+            <a:endParaRPr b="0" lang="en-IN" sz="1800" spc="-1" strike="noStrike">
+              <a:solidFill>
+                <a:srgbClr val="000000"/>
+              </a:solidFill>
+              <a:latin typeface="Arial"/>
+            </a:endParaRPr>
+          </a:p>
+          <a:p>
+            <a:pPr algn="ctr">
+              <a:lnSpc>
+                <a:spcPct val="100000"/>
+              </a:lnSpc>
+            </a:pPr>
+            <a:endParaRPr b="0" lang="en-IN" sz="1800" spc="-1" strike="noStrike">
+              <a:solidFill>
+                <a:srgbClr val="000000"/>
+              </a:solidFill>
+              <a:latin typeface="Arial"/>
+            </a:endParaRPr>
+          </a:p>
+          <a:p>
+            <a:pPr algn="ctr">
+              <a:lnSpc>
+                <a:spcPct val="100000"/>
+              </a:lnSpc>
+            </a:pPr>
+            <a:endParaRPr b="0" lang="en-IN" sz="1800" spc="-1" strike="noStrike">
+              <a:solidFill>
+                <a:srgbClr val="000000"/>
+              </a:solidFill>
+              <a:latin typeface="Arial"/>
+            </a:endParaRPr>
+          </a:p>
+        </p:txBody>
+      </p:sp>
+      <p:sp>
+        <p:nvSpPr>
+          <p:cNvPr id="126" name=""/>
+          <p:cNvSpPr/>
+          <p:nvPr/>
+        </p:nvSpPr>
+        <p:spPr>
+          <a:xfrm flipH="1">
+            <a:off x="3260880" y="4487760"/>
+            <a:ext cx="410400" cy="360"/>
+          </a:xfrm>
+          <a:prstGeom prst="line">
+            <a:avLst/>
+          </a:prstGeom>
+          <a:ln w="0">
+            <a:solidFill>
+              <a:srgbClr val="3465a4"/>
+            </a:solidFill>
+            <a:tailEnd len="med" type="triangle" w="med"/>
+          </a:ln>
+        </p:spPr>
+        <p:style>
+          <a:lnRef idx="0"/>
+          <a:fillRef idx="0"/>
+          <a:effectRef idx="0"/>
+          <a:fontRef idx="minor"/>
+        </p:style>
+        <p:txBody>
+          <a:bodyPr lIns="90000" rIns="90000" tIns="-45000" bIns="-45000" anchor="t" anchorCtr="1">
+            <a:noAutofit/>
+          </a:bodyPr>
+          <a:p>
+            <a:endParaRPr b="0" lang="en-IN" sz="1800" spc="-1" strike="noStrike">
+              <a:solidFill>
+                <a:srgbClr val="000000"/>
+              </a:solidFill>
+              <a:latin typeface="Arial"/>
+              <a:ea typeface="DejaVu Sans"/>
+            </a:endParaRPr>
+          </a:p>
+        </p:txBody>
+      </p:sp>
+      <p:sp>
+        <p:nvSpPr>
+          <p:cNvPr id="127" name=""/>
+          <p:cNvSpPr/>
+          <p:nvPr/>
+        </p:nvSpPr>
+        <p:spPr>
+          <a:xfrm>
+            <a:off x="3260880" y="4597200"/>
+            <a:ext cx="264960" cy="574200"/>
+          </a:xfrm>
+          <a:prstGeom prst="rect">
+            <a:avLst/>
+          </a:prstGeom>
+          <a:noFill/>
+          <a:ln w="0">
+            <a:noFill/>
+          </a:ln>
+        </p:spPr>
+        <p:style>
+          <a:lnRef idx="0"/>
+          <a:fillRef idx="0"/>
+          <a:effectRef idx="0"/>
+          <a:fontRef idx="minor"/>
+        </p:style>
+        <p:txBody>
+          <a:bodyPr lIns="90000" rIns="90000" tIns="45000" bIns="45000" anchor="t">
+            <a:noAutofit/>
+          </a:bodyPr>
+          <a:p>
+            <a:pPr>
+              <a:lnSpc>
+                <a:spcPct val="100000"/>
+              </a:lnSpc>
+            </a:pPr>
             <a:r>
               <a:rPr b="0" lang="en-IN" sz="1800" spc="-1" strike="noStrike">
                 <a:solidFill>
@@ -10034,25 +10402,21 @@
       </p:sp>
       <p:sp>
         <p:nvSpPr>
-          <p:cNvPr id="121" name=""/>
+          <p:cNvPr id="128" name=""/>
           <p:cNvSpPr/>
           <p:nvPr/>
         </p:nvSpPr>
         <p:spPr>
           <a:xfrm>
-            <a:off x="3671280" y="4032000"/>
-            <a:ext cx="1435680" cy="1368000"/>
-          </a:xfrm>
-          <a:prstGeom prst="rect">
-            <a:avLst/>
-          </a:prstGeom>
-          <a:solidFill>
-            <a:srgbClr val="729fcf"/>
-          </a:solidFill>
-          <a:ln w="0">
-            <a:solidFill>
-              <a:srgbClr val="3465a4"/>
-            </a:solidFill>
+            <a:off x="1770120" y="3294360"/>
+            <a:ext cx="264960" cy="574200"/>
+          </a:xfrm>
+          <a:prstGeom prst="rect">
+            <a:avLst/>
+          </a:prstGeom>
+          <a:noFill/>
+          <a:ln w="0">
+            <a:noFill/>
           </a:ln>
         </p:spPr>
         <p:style>
@@ -10062,290 +10426,15 @@
           <a:fontRef idx="minor"/>
         </p:style>
         <p:txBody>
-          <a:bodyPr lIns="90000" rIns="90000" tIns="45000" bIns="45000" anchor="ctr">
-            <a:noAutofit/>
-          </a:bodyPr>
-          <a:p>
-            <a:pPr algn="ctr"/>
-            <a:r>
-              <a:rPr b="0" lang="en-IN" sz="1800" spc="-1" strike="noStrike">
-                <a:solidFill>
-                  <a:srgbClr val="000000"/>
-                </a:solidFill>
-                <a:latin typeface="Arial"/>
-              </a:rPr>
-              <a:t>VO</a:t>
-            </a:r>
-            <a:endParaRPr b="0" lang="en-IN" sz="1800" spc="-1" strike="noStrike">
-              <a:solidFill>
-                <a:srgbClr val="000000"/>
-              </a:solidFill>
-              <a:latin typeface="Arial"/>
-            </a:endParaRPr>
-          </a:p>
-        </p:txBody>
-      </p:sp>
-      <p:sp>
-        <p:nvSpPr>
-          <p:cNvPr id="122" name=""/>
-          <p:cNvSpPr/>
-          <p:nvPr/>
-        </p:nvSpPr>
-        <p:spPr>
-          <a:xfrm>
-            <a:off x="4491720" y="3348000"/>
-            <a:ext cx="0" cy="684000"/>
-          </a:xfrm>
-          <a:prstGeom prst="line">
-            <a:avLst/>
-          </a:prstGeom>
-          <a:ln w="0">
-            <a:solidFill>
-              <a:srgbClr val="3465a4"/>
-            </a:solidFill>
-            <a:tailEnd len="med" type="triangle" w="med"/>
-          </a:ln>
-        </p:spPr>
-        <p:style>
-          <a:lnRef idx="0"/>
-          <a:fillRef idx="0"/>
-          <a:effectRef idx="0"/>
-          <a:fontRef idx="minor"/>
-        </p:style>
-        <p:txBody>
           <a:bodyPr lIns="90000" rIns="90000" tIns="45000" bIns="45000" anchor="t">
             <a:noAutofit/>
           </a:bodyPr>
           <a:p>
-            <a:endParaRPr b="0" lang="en-IN" sz="1800" spc="-1" strike="noStrike">
-              <a:solidFill>
-                <a:srgbClr val="000000"/>
-              </a:solidFill>
-              <a:latin typeface="Arial"/>
-            </a:endParaRPr>
-          </a:p>
-        </p:txBody>
-      </p:sp>
-      <p:sp>
-        <p:nvSpPr>
-          <p:cNvPr id="123" name=""/>
-          <p:cNvSpPr/>
-          <p:nvPr/>
-        </p:nvSpPr>
-        <p:spPr>
-          <a:xfrm>
-            <a:off x="1620000" y="4032000"/>
-            <a:ext cx="1640880" cy="1368000"/>
-          </a:xfrm>
-          <a:prstGeom prst="rect">
-            <a:avLst/>
-          </a:prstGeom>
-          <a:solidFill>
-            <a:srgbClr val="729fcf"/>
-          </a:solidFill>
-          <a:ln w="0">
-            <a:solidFill>
-              <a:srgbClr val="3465a4"/>
-            </a:solidFill>
-          </a:ln>
-        </p:spPr>
-        <p:style>
-          <a:lnRef idx="0"/>
-          <a:fillRef idx="0"/>
-          <a:effectRef idx="0"/>
-          <a:fontRef idx="minor"/>
-        </p:style>
-        <p:txBody>
-          <a:bodyPr lIns="90000" rIns="90000" tIns="45000" bIns="45000" anchor="ctr">
-            <a:noAutofit/>
-          </a:bodyPr>
-          <a:p>
-            <a:pPr algn="ctr"/>
-            <a:r>
-              <a:rPr b="0" lang="en-IN" sz="1800" spc="-1" strike="noStrike">
-                <a:solidFill>
-                  <a:srgbClr val="000000"/>
-                </a:solidFill>
-                <a:latin typeface="Arial"/>
-              </a:rPr>
-              <a:t>POSTMAN</a:t>
-            </a:r>
-            <a:endParaRPr b="0" lang="en-IN" sz="1800" spc="-1" strike="noStrike">
-              <a:solidFill>
-                <a:srgbClr val="000000"/>
-              </a:solidFill>
-              <a:latin typeface="Arial"/>
-            </a:endParaRPr>
-          </a:p>
-        </p:txBody>
-      </p:sp>
-      <p:sp>
-        <p:nvSpPr>
-          <p:cNvPr id="124" name=""/>
-          <p:cNvSpPr/>
-          <p:nvPr/>
-        </p:nvSpPr>
-        <p:spPr>
-          <a:xfrm flipV="1">
-            <a:off x="2235240" y="3348000"/>
-            <a:ext cx="0" cy="684000"/>
-          </a:xfrm>
-          <a:prstGeom prst="line">
-            <a:avLst/>
-          </a:prstGeom>
-          <a:ln w="0">
-            <a:solidFill>
-              <a:srgbClr val="3465a4"/>
-            </a:solidFill>
-            <a:tailEnd len="med" type="triangle" w="med"/>
-          </a:ln>
-        </p:spPr>
-        <p:style>
-          <a:lnRef idx="0"/>
-          <a:fillRef idx="0"/>
-          <a:effectRef idx="0"/>
-          <a:fontRef idx="minor"/>
-        </p:style>
-        <p:txBody>
-          <a:bodyPr lIns="90000" rIns="90000" tIns="45000" bIns="45000" anchor="t">
-            <a:noAutofit/>
-          </a:bodyPr>
-          <a:p>
-            <a:pPr algn="ctr"/>
-            <a:endParaRPr b="0" lang="en-IN" sz="1800" spc="-1" strike="noStrike">
-              <a:solidFill>
-                <a:srgbClr val="000000"/>
-              </a:solidFill>
-              <a:latin typeface="Arial"/>
-            </a:endParaRPr>
-          </a:p>
-          <a:p>
-            <a:pPr algn="ctr"/>
-            <a:endParaRPr b="0" lang="en-IN" sz="1800" spc="-1" strike="noStrike">
-              <a:solidFill>
-                <a:srgbClr val="000000"/>
-              </a:solidFill>
-              <a:latin typeface="Arial"/>
-            </a:endParaRPr>
-          </a:p>
-          <a:p>
-            <a:pPr algn="ctr"/>
-            <a:endParaRPr b="0" lang="en-IN" sz="1800" spc="-1" strike="noStrike">
-              <a:solidFill>
-                <a:srgbClr val="000000"/>
-              </a:solidFill>
-              <a:latin typeface="Arial"/>
-            </a:endParaRPr>
-          </a:p>
-        </p:txBody>
-      </p:sp>
-      <p:sp>
-        <p:nvSpPr>
-          <p:cNvPr id="125" name=""/>
-          <p:cNvSpPr/>
-          <p:nvPr/>
-        </p:nvSpPr>
-        <p:spPr>
-          <a:xfrm flipH="1">
-            <a:off x="3260880" y="4487760"/>
-            <a:ext cx="410400" cy="0"/>
-          </a:xfrm>
-          <a:prstGeom prst="line">
-            <a:avLst/>
-          </a:prstGeom>
-          <a:ln w="0">
-            <a:solidFill>
-              <a:srgbClr val="3465a4"/>
-            </a:solidFill>
-            <a:tailEnd len="med" type="triangle" w="med"/>
-          </a:ln>
-        </p:spPr>
-        <p:style>
-          <a:lnRef idx="0"/>
-          <a:fillRef idx="0"/>
-          <a:effectRef idx="0"/>
-          <a:fontRef idx="minor"/>
-        </p:style>
-        <p:txBody>
-          <a:bodyPr lIns="90000" rIns="90000" tIns="-45000" bIns="-45000" anchor="t">
-            <a:noAutofit/>
-          </a:bodyPr>
-          <a:p>
-            <a:endParaRPr b="0" lang="en-IN" sz="1800" spc="-1" strike="noStrike">
-              <a:solidFill>
-                <a:srgbClr val="000000"/>
-              </a:solidFill>
-              <a:latin typeface="Arial"/>
-            </a:endParaRPr>
-          </a:p>
-        </p:txBody>
-      </p:sp>
-      <p:sp>
-        <p:nvSpPr>
-          <p:cNvPr id="126" name=""/>
-          <p:cNvSpPr txBox="1"/>
-          <p:nvPr/>
-        </p:nvSpPr>
-        <p:spPr>
-          <a:xfrm>
-            <a:off x="3260880" y="4597200"/>
-            <a:ext cx="265320" cy="574560"/>
-          </a:xfrm>
-          <a:prstGeom prst="rect">
-            <a:avLst/>
-          </a:prstGeom>
-          <a:noFill/>
-          <a:ln w="0">
-            <a:noFill/>
-          </a:ln>
-        </p:spPr>
-        <p:txBody>
-          <a:bodyPr lIns="90000" rIns="90000" tIns="45000" bIns="45000" anchor="t">
-            <a:noAutofit/>
-          </a:bodyPr>
-          <a:p>
-            <a:r>
-              <a:rPr b="0" lang="en-IN" sz="1800" spc="-1" strike="noStrike">
-                <a:solidFill>
-                  <a:srgbClr val="000000"/>
-                </a:solidFill>
-                <a:latin typeface="Arial"/>
-              </a:rPr>
-              <a:t>9</a:t>
-            </a:r>
-            <a:endParaRPr b="0" lang="en-IN" sz="1800" spc="-1" strike="noStrike">
-              <a:solidFill>
-                <a:srgbClr val="000000"/>
-              </a:solidFill>
-              <a:latin typeface="Arial"/>
-            </a:endParaRPr>
-          </a:p>
-        </p:txBody>
-      </p:sp>
-      <p:sp>
-        <p:nvSpPr>
-          <p:cNvPr id="127" name=""/>
-          <p:cNvSpPr txBox="1"/>
-          <p:nvPr/>
-        </p:nvSpPr>
-        <p:spPr>
-          <a:xfrm>
-            <a:off x="1770120" y="3294360"/>
-            <a:ext cx="265320" cy="574560"/>
-          </a:xfrm>
-          <a:prstGeom prst="rect">
-            <a:avLst/>
-          </a:prstGeom>
-          <a:noFill/>
-          <a:ln w="0">
-            <a:noFill/>
-          </a:ln>
-        </p:spPr>
-        <p:txBody>
-          <a:bodyPr lIns="90000" rIns="90000" tIns="45000" bIns="45000" anchor="t">
-            <a:noAutofit/>
-          </a:bodyPr>
-          <a:p>
+            <a:pPr>
+              <a:lnSpc>
+                <a:spcPct val="100000"/>
+              </a:lnSpc>
+            </a:pPr>
             <a:r>
               <a:rPr b="0" lang="en-IN" sz="1800" spc="-1" strike="noStrike">
                 <a:solidFill>
@@ -10366,14 +10455,14 @@
       </p:sp>
       <p:sp>
         <p:nvSpPr>
-          <p:cNvPr id="128" name=""/>
+          <p:cNvPr id="129" name=""/>
           <p:cNvSpPr/>
           <p:nvPr/>
         </p:nvSpPr>
         <p:spPr>
           <a:xfrm flipH="1">
             <a:off x="5106960" y="3119760"/>
-            <a:ext cx="820440" cy="0"/>
+            <a:ext cx="820440" cy="360"/>
           </a:xfrm>
           <a:prstGeom prst="line">
             <a:avLst/>
@@ -10392,7 +10481,7 @@
           <a:fontRef idx="minor"/>
         </p:style>
         <p:txBody>
-          <a:bodyPr lIns="90000" rIns="90000" tIns="-45000" bIns="-45000" anchor="t">
+          <a:bodyPr lIns="90000" rIns="90000" tIns="-45000" bIns="-45000" anchor="t" anchorCtr="1">
             <a:noAutofit/>
           </a:bodyPr>
           <a:p>
@@ -10401,20 +10490,21 @@
                 <a:srgbClr val="000000"/>
               </a:solidFill>
               <a:latin typeface="Arial"/>
-            </a:endParaRPr>
-          </a:p>
-        </p:txBody>
-      </p:sp>
-      <p:sp>
-        <p:nvSpPr>
-          <p:cNvPr id="129" name=""/>
-          <p:cNvSpPr txBox="1"/>
+              <a:ea typeface="DejaVu Sans"/>
+            </a:endParaRPr>
+          </a:p>
+        </p:txBody>
+      </p:sp>
+      <p:sp>
+        <p:nvSpPr>
+          <p:cNvPr id="130" name=""/>
+          <p:cNvSpPr/>
           <p:nvPr/>
         </p:nvSpPr>
         <p:spPr>
           <a:xfrm>
             <a:off x="5517360" y="2886120"/>
-            <a:ext cx="265320" cy="574560"/>
+            <a:ext cx="264960" cy="574200"/>
           </a:xfrm>
           <a:prstGeom prst="rect">
             <a:avLst/>
@@ -10424,11 +10514,22 @@
             <a:noFill/>
           </a:ln>
         </p:spPr>
+        <p:style>
+          <a:lnRef idx="0"/>
+          <a:fillRef idx="0"/>
+          <a:effectRef idx="0"/>
+          <a:fontRef idx="minor"/>
+        </p:style>
         <p:txBody>
           <a:bodyPr lIns="90000" rIns="90000" tIns="45000" bIns="45000" anchor="t">
             <a:noAutofit/>
           </a:bodyPr>
           <a:p>
+            <a:pPr>
+              <a:lnSpc>
+                <a:spcPct val="100000"/>
+              </a:lnSpc>
+            </a:pPr>
             <a:r>
               <a:rPr b="0" lang="en-IN" sz="1800" spc="-1" strike="noStrike">
                 <a:solidFill>
@@ -10449,14 +10550,14 @@
       </p:sp>
       <p:sp>
         <p:nvSpPr>
-          <p:cNvPr id="130" name=""/>
-          <p:cNvSpPr txBox="1"/>
+          <p:cNvPr id="131" name=""/>
+          <p:cNvSpPr/>
           <p:nvPr/>
         </p:nvSpPr>
         <p:spPr>
           <a:xfrm>
             <a:off x="4021200" y="3348000"/>
-            <a:ext cx="265320" cy="574560"/>
+            <a:ext cx="264960" cy="574200"/>
           </a:xfrm>
           <a:prstGeom prst="rect">
             <a:avLst/>
@@ -10466,11 +10567,22 @@
             <a:noFill/>
           </a:ln>
         </p:spPr>
+        <p:style>
+          <a:lnRef idx="0"/>
+          <a:fillRef idx="0"/>
+          <a:effectRef idx="0"/>
+          <a:fontRef idx="minor"/>
+        </p:style>
         <p:txBody>
           <a:bodyPr lIns="90000" rIns="90000" tIns="45000" bIns="45000" anchor="t">
             <a:noAutofit/>
           </a:bodyPr>
           <a:p>
+            <a:pPr>
+              <a:lnSpc>
+                <a:spcPct val="100000"/>
+              </a:lnSpc>
+            </a:pPr>
             <a:r>
               <a:rPr b="0" lang="en-IN" sz="1800" spc="-1" strike="noStrike">
                 <a:solidFill>
@@ -10521,7 +10633,7 @@
       </p:grpSpPr>
       <p:pic>
         <p:nvPicPr>
-          <p:cNvPr id="131" name="Picture 2" descr=""/>
+          <p:cNvPr id="132" name="Picture 2" descr=""/>
           <p:cNvPicPr/>
           <p:nvPr/>
         </p:nvPicPr>
@@ -10531,8 +10643,8 @@
         </p:blipFill>
         <p:spPr>
           <a:xfrm flipH="1">
-            <a:off x="360" y="0"/>
-            <a:ext cx="12191760" cy="6857640"/>
+            <a:off x="720" y="0"/>
+            <a:ext cx="12191400" cy="6857280"/>
           </a:xfrm>
           <a:prstGeom prst="rect">
             <a:avLst/>
@@ -10544,14 +10656,14 @@
       </p:pic>
       <p:cxnSp>
         <p:nvCxnSpPr>
-          <p:cNvPr id="132" name="Straight Connector 2"/>
+          <p:cNvPr id="133" name="Straight Connector 2"/>
           <p:cNvCxnSpPr/>
           <p:nvPr/>
         </p:nvCxnSpPr>
         <p:spPr>
           <a:xfrm>
             <a:off x="2404080" y="383760"/>
-            <a:ext cx="360" cy="430200"/>
+            <a:ext cx="720" cy="430560"/>
           </a:xfrm>
           <a:prstGeom prst="straightConnector1">
             <a:avLst/>
@@ -10560,12 +10672,13 @@
             <a:solidFill>
               <a:srgbClr val="dd4f22"/>
             </a:solidFill>
+            <a:round/>
           </a:ln>
         </p:spPr>
       </p:cxnSp>
       <p:pic>
         <p:nvPicPr>
-          <p:cNvPr id="133" name="Picture 6" descr=""/>
+          <p:cNvPr id="134" name="Picture 6" descr=""/>
           <p:cNvPicPr/>
           <p:nvPr/>
         </p:nvPicPr>
@@ -10576,7 +10689,7 @@
         <p:spPr>
           <a:xfrm>
             <a:off x="217440" y="338040"/>
-            <a:ext cx="1963080" cy="521280"/>
+            <a:ext cx="1962720" cy="520920"/>
           </a:xfrm>
           <a:prstGeom prst="rect">
             <a:avLst/>
@@ -10588,14 +10701,14 @@
       </p:pic>
       <p:sp>
         <p:nvSpPr>
-          <p:cNvPr id="134" name="TextBox 3"/>
+          <p:cNvPr id="135" name="TextBox 3"/>
           <p:cNvSpPr/>
           <p:nvPr/>
         </p:nvSpPr>
         <p:spPr>
           <a:xfrm>
             <a:off x="2499480" y="383760"/>
-            <a:ext cx="8818560" cy="510120"/>
+            <a:ext cx="8818200" cy="510120"/>
           </a:xfrm>
           <a:prstGeom prst="rect">
             <a:avLst/>
@@ -10644,19 +10757,19 @@
       </p:sp>
       <p:pic>
         <p:nvPicPr>
-          <p:cNvPr id="135" name="" descr=""/>
+          <p:cNvPr id="136" name="" descr=""/>
           <p:cNvPicPr/>
           <p:nvPr/>
         </p:nvPicPr>
         <p:blipFill>
           <a:blip r:embed="rId3"/>
-          <a:srcRect l="0" t="15500" r="75067" b="18880"/>
+          <a:srcRect l="0" t="15500" r="75059" b="18877"/>
           <a:stretch/>
         </p:blipFill>
         <p:spPr>
           <a:xfrm>
             <a:off x="900000" y="1260000"/>
-            <a:ext cx="3039120" cy="4499640"/>
+            <a:ext cx="3038760" cy="4499280"/>
           </a:xfrm>
           <a:prstGeom prst="rect">
             <a:avLst/>
@@ -10668,19 +10781,19 @@
       </p:pic>
       <p:pic>
         <p:nvPicPr>
-          <p:cNvPr id="136" name="" descr=""/>
+          <p:cNvPr id="137" name="" descr=""/>
           <p:cNvPicPr/>
           <p:nvPr/>
         </p:nvPicPr>
         <p:blipFill>
           <a:blip r:embed="rId4"/>
-          <a:srcRect l="26406" t="15500" r="35205" b="34628"/>
+          <a:srcRect l="26404" t="15500" r="35201" b="34625"/>
           <a:stretch/>
         </p:blipFill>
         <p:spPr>
           <a:xfrm>
             <a:off x="5040000" y="1419480"/>
-            <a:ext cx="5940000" cy="4340520"/>
+            <a:ext cx="5939640" cy="4340160"/>
           </a:xfrm>
           <a:prstGeom prst="rect">
             <a:avLst/>
@@ -10722,7 +10835,7 @@
       </p:grpSpPr>
       <p:pic>
         <p:nvPicPr>
-          <p:cNvPr id="137" name="Picture 14" descr=""/>
+          <p:cNvPr id="138" name="Picture 14" descr=""/>
           <p:cNvPicPr/>
           <p:nvPr/>
         </p:nvPicPr>
@@ -10732,8 +10845,8 @@
         </p:blipFill>
         <p:spPr>
           <a:xfrm flipH="1">
-            <a:off x="360" y="-20160"/>
-            <a:ext cx="12191760" cy="6857640"/>
+            <a:off x="720" y="-20160"/>
+            <a:ext cx="12191400" cy="6857280"/>
           </a:xfrm>
           <a:prstGeom prst="rect">
             <a:avLst/>
@@ -10745,14 +10858,14 @@
       </p:pic>
       <p:cxnSp>
         <p:nvCxnSpPr>
-          <p:cNvPr id="138" name="Straight Connector 7"/>
+          <p:cNvPr id="139" name="Straight Connector 7"/>
           <p:cNvCxnSpPr/>
           <p:nvPr/>
         </p:nvCxnSpPr>
         <p:spPr>
           <a:xfrm>
             <a:off x="2404080" y="383760"/>
-            <a:ext cx="360" cy="430200"/>
+            <a:ext cx="720" cy="430560"/>
           </a:xfrm>
           <a:prstGeom prst="straightConnector1">
             <a:avLst/>
@@ -10761,12 +10874,13 @@
             <a:solidFill>
               <a:srgbClr val="dd4f22"/>
             </a:solidFill>
+            <a:round/>
           </a:ln>
         </p:spPr>
       </p:cxnSp>
       <p:pic>
         <p:nvPicPr>
-          <p:cNvPr id="139" name="Picture 13" descr=""/>
+          <p:cNvPr id="140" name="Picture 13" descr=""/>
           <p:cNvPicPr/>
           <p:nvPr/>
         </p:nvPicPr>
@@ -10777,7 +10891,7 @@
         <p:spPr>
           <a:xfrm>
             <a:off x="217440" y="338040"/>
-            <a:ext cx="1963080" cy="521280"/>
+            <a:ext cx="1962720" cy="520920"/>
           </a:xfrm>
           <a:prstGeom prst="rect">
             <a:avLst/>
@@ -10789,14 +10903,14 @@
       </p:pic>
       <p:sp>
         <p:nvSpPr>
-          <p:cNvPr id="140" name="TextBox 14"/>
+          <p:cNvPr id="141" name="TextBox 14"/>
           <p:cNvSpPr/>
           <p:nvPr/>
         </p:nvSpPr>
         <p:spPr>
           <a:xfrm>
             <a:off x="2499480" y="383760"/>
-            <a:ext cx="8818560" cy="510120"/>
+            <a:ext cx="8818200" cy="510120"/>
           </a:xfrm>
           <a:prstGeom prst="rect">
             <a:avLst/>
@@ -10830,6 +10944,7 @@
                   <a:srgbClr val="ffffff"/>
                 </a:solidFill>
                 <a:latin typeface="Times New Roman"/>
+                <a:ea typeface="DejaVu Sans"/>
               </a:rPr>
               <a:t>Unit-Testing</a:t>
             </a:r>
@@ -10842,30 +10957,6 @@
           </a:p>
         </p:txBody>
       </p:sp>
-      <p:pic>
-        <p:nvPicPr>
-          <p:cNvPr id="141" name="" descr=""/>
-          <p:cNvPicPr/>
-          <p:nvPr/>
-        </p:nvPicPr>
-        <p:blipFill>
-          <a:blip r:embed="rId3"/>
-          <a:srcRect l="1614" t="12871" r="33728" b="37253"/>
-          <a:stretch/>
-        </p:blipFill>
-        <p:spPr>
-          <a:xfrm>
-            <a:off x="1602000" y="1260000"/>
-            <a:ext cx="8298000" cy="3600000"/>
-          </a:xfrm>
-          <a:prstGeom prst="rect">
-            <a:avLst/>
-          </a:prstGeom>
-          <a:ln w="0">
-            <a:noFill/>
-          </a:ln>
-        </p:spPr>
-      </p:pic>
       <p:pic>
         <p:nvPicPr>
           <p:cNvPr id="142" name="" descr=""/>
@@ -10873,14 +10964,38 @@
           <p:nvPr/>
         </p:nvPicPr>
         <p:blipFill>
-          <a:blip r:embed="rId4"/>
-          <a:srcRect l="27882" t="17071" r="32252" b="76619"/>
+          <a:blip r:embed="rId3"/>
+          <a:srcRect l="1614" t="12868" r="33724" b="37249"/>
           <a:stretch/>
         </p:blipFill>
         <p:spPr>
           <a:xfrm>
+            <a:off x="1602000" y="1260000"/>
+            <a:ext cx="8297640" cy="3599640"/>
+          </a:xfrm>
+          <a:prstGeom prst="rect">
+            <a:avLst/>
+          </a:prstGeom>
+          <a:ln w="0">
+            <a:noFill/>
+          </a:ln>
+        </p:spPr>
+      </p:pic>
+      <p:pic>
+        <p:nvPicPr>
+          <p:cNvPr id="143" name="" descr=""/>
+          <p:cNvPicPr/>
+          <p:nvPr/>
+        </p:nvPicPr>
+        <p:blipFill>
+          <a:blip r:embed="rId4"/>
+          <a:srcRect l="27878" t="17067" r="32248" b="76609"/>
+          <a:stretch/>
+        </p:blipFill>
+        <p:spPr>
+          <a:xfrm>
             <a:off x="1798560" y="5580000"/>
-            <a:ext cx="8101440" cy="720000"/>
+            <a:ext cx="8101080" cy="719640"/>
           </a:xfrm>
           <a:prstGeom prst="rect">
             <a:avLst/>
@@ -10922,7 +11037,7 @@
       </p:grpSpPr>
       <p:pic>
         <p:nvPicPr>
-          <p:cNvPr id="143" name="Picture 3" descr=""/>
+          <p:cNvPr id="144" name="Picture 3" descr=""/>
           <p:cNvPicPr/>
           <p:nvPr/>
         </p:nvPicPr>
@@ -10932,8 +11047,8 @@
         </p:blipFill>
         <p:spPr>
           <a:xfrm flipH="1">
-            <a:off x="360" y="18000"/>
-            <a:ext cx="12191760" cy="6857640"/>
+            <a:off x="720" y="18000"/>
+            <a:ext cx="12191400" cy="6857280"/>
           </a:xfrm>
           <a:prstGeom prst="rect">
             <a:avLst/>
@@ -10945,14 +11060,14 @@
       </p:pic>
       <p:cxnSp>
         <p:nvCxnSpPr>
-          <p:cNvPr id="144" name="Straight Connector 4"/>
+          <p:cNvPr id="145" name="Straight Connector 4"/>
           <p:cNvCxnSpPr/>
           <p:nvPr/>
         </p:nvCxnSpPr>
         <p:spPr>
           <a:xfrm>
             <a:off x="2404080" y="383760"/>
-            <a:ext cx="360" cy="430200"/>
+            <a:ext cx="720" cy="430560"/>
           </a:xfrm>
           <a:prstGeom prst="straightConnector1">
             <a:avLst/>
@@ -10961,12 +11076,13 @@
             <a:solidFill>
               <a:srgbClr val="dd4f22"/>
             </a:solidFill>
+            <a:round/>
           </a:ln>
         </p:spPr>
       </p:cxnSp>
       <p:pic>
         <p:nvPicPr>
-          <p:cNvPr id="145" name="Picture 5" descr=""/>
+          <p:cNvPr id="146" name="Picture 5" descr=""/>
           <p:cNvPicPr/>
           <p:nvPr/>
         </p:nvPicPr>
@@ -10977,7 +11093,7 @@
         <p:spPr>
           <a:xfrm>
             <a:off x="217440" y="338040"/>
-            <a:ext cx="1963080" cy="521280"/>
+            <a:ext cx="1962720" cy="520920"/>
           </a:xfrm>
           <a:prstGeom prst="rect">
             <a:avLst/>
@@ -10989,14 +11105,14 @@
       </p:pic>
       <p:sp>
         <p:nvSpPr>
-          <p:cNvPr id="146" name="TextBox 7"/>
+          <p:cNvPr id="147" name="TextBox 7"/>
           <p:cNvSpPr/>
           <p:nvPr/>
         </p:nvSpPr>
         <p:spPr>
           <a:xfrm>
             <a:off x="2499480" y="383760"/>
-            <a:ext cx="8818560" cy="510120"/>
+            <a:ext cx="8818200" cy="510120"/>
           </a:xfrm>
           <a:prstGeom prst="rect">
             <a:avLst/>
@@ -11045,19 +11161,19 @@
       </p:sp>
       <p:pic>
         <p:nvPicPr>
-          <p:cNvPr id="147" name="" descr=""/>
+          <p:cNvPr id="148" name="" descr=""/>
           <p:cNvPicPr/>
           <p:nvPr/>
         </p:nvPicPr>
         <p:blipFill>
           <a:blip r:embed="rId3"/>
-          <a:srcRect l="27882" t="15500" r="35205" b="39878"/>
+          <a:srcRect l="27878" t="15500" r="35201" b="39874"/>
           <a:stretch/>
         </p:blipFill>
         <p:spPr>
           <a:xfrm>
             <a:off x="180360" y="1620000"/>
-            <a:ext cx="5559120" cy="3780000"/>
+            <a:ext cx="5558760" cy="3779640"/>
           </a:xfrm>
           <a:prstGeom prst="rect">
             <a:avLst/>
@@ -11069,19 +11185,19 @@
       </p:pic>
       <p:pic>
         <p:nvPicPr>
-          <p:cNvPr id="148" name="" descr=""/>
+          <p:cNvPr id="149" name="" descr=""/>
           <p:cNvPicPr/>
           <p:nvPr/>
         </p:nvPicPr>
         <p:blipFill>
           <a:blip r:embed="rId4"/>
-          <a:srcRect l="27882" t="15500" r="27823" b="50373"/>
+          <a:srcRect l="27878" t="15500" r="27819" b="50366"/>
           <a:stretch/>
         </p:blipFill>
         <p:spPr>
           <a:xfrm>
             <a:off x="6120000" y="1620000"/>
-            <a:ext cx="5760000" cy="3780000"/>
+            <a:ext cx="5759640" cy="3779640"/>
           </a:xfrm>
           <a:prstGeom prst="rect">
             <a:avLst/>

--- a/Capstone_Project.pptx
+++ b/Capstone_Project.pptx
@@ -77,7 +77,7 @@
         <p:txBody>
           <a:bodyPr/>
           <a:p>
-            <a:fld id="{7D2F7E04-A1AA-4177-9AA6-1D4CE1B8507B}" type="slidenum">
+            <a:fld id="{5506973C-59D0-404C-B322-E8A9ED448490}" type="slidenum">
               <a:t>&lt;#&gt;</a:t>
             </a:fld>
           </a:p>
@@ -286,7 +286,7 @@
         <p:txBody>
           <a:bodyPr/>
           <a:p>
-            <a:fld id="{848F2B85-FCDA-4421-993A-9603EDF7118A}" type="slidenum">
+            <a:fld id="{C84AA8D4-AE5B-4B14-8AAC-7F5772689B71}" type="slidenum">
               <a:t>&lt;#&gt;</a:t>
             </a:fld>
           </a:p>
@@ -581,7 +581,7 @@
         <p:txBody>
           <a:bodyPr/>
           <a:p>
-            <a:fld id="{83B5A64D-1F15-4012-8D34-3CD05336294D}" type="slidenum">
+            <a:fld id="{A6AD99F5-B014-4729-BE72-7632CA36FFF0}" type="slidenum">
               <a:t>&lt;#&gt;</a:t>
             </a:fld>
           </a:p>
@@ -962,7 +962,7 @@
         <p:txBody>
           <a:bodyPr/>
           <a:p>
-            <a:fld id="{1A4550F2-F935-4421-8C7F-CF1F467E9986}" type="slidenum">
+            <a:fld id="{328F26DF-0CE8-47B3-808D-1DBAFD5001CC}" type="slidenum">
               <a:t>&lt;#&gt;</a:t>
             </a:fld>
           </a:p>
@@ -1045,7 +1045,7 @@
         <p:txBody>
           <a:bodyPr/>
           <a:p>
-            <a:fld id="{303FC112-B9F6-4E80-B7B4-9DF965F8073B}" type="slidenum">
+            <a:fld id="{3D6B9681-CA4D-4184-806B-AA97A8A0CA73}" type="slidenum">
               <a:t>&lt;#&gt;</a:t>
             </a:fld>
           </a:p>
@@ -1208,7 +1208,7 @@
         <p:txBody>
           <a:bodyPr/>
           <a:p>
-            <a:fld id="{F3FF2499-A920-44A6-9A61-1B9A4EDC3304}" type="slidenum">
+            <a:fld id="{4E29FDEB-35DF-483C-8574-3B48DB1142CF}" type="slidenum">
               <a:t>&lt;#&gt;</a:t>
             </a:fld>
           </a:p>
@@ -1374,7 +1374,7 @@
         <p:txBody>
           <a:bodyPr/>
           <a:p>
-            <a:fld id="{AD6C5DE1-B3BF-43C7-9903-B6286ED373E2}" type="slidenum">
+            <a:fld id="{D0F6B154-78D6-4891-B6FB-C00546D763AA}" type="slidenum">
               <a:t>&lt;#&gt;</a:t>
             </a:fld>
           </a:p>
@@ -1583,7 +1583,7 @@
         <p:txBody>
           <a:bodyPr/>
           <a:p>
-            <a:fld id="{9D87A200-0399-4344-9596-EB8355BF6385}" type="slidenum">
+            <a:fld id="{22925C1C-472F-4F93-8F28-4FF954C607D8}" type="slidenum">
               <a:t>&lt;#&gt;</a:t>
             </a:fld>
           </a:p>
@@ -1706,7 +1706,7 @@
         <p:txBody>
           <a:bodyPr/>
           <a:p>
-            <a:fld id="{6E6DCB25-9F3A-411A-895B-728B6467A625}" type="slidenum">
+            <a:fld id="{814984EB-0E86-4026-A05D-A6552AFD6AFB}" type="slidenum">
               <a:t>&lt;#&gt;</a:t>
             </a:fld>
           </a:p>
@@ -1827,7 +1827,7 @@
         <p:txBody>
           <a:bodyPr/>
           <a:p>
-            <a:fld id="{B0699682-3D1C-439D-B508-C854DF8E2434}" type="slidenum">
+            <a:fld id="{1F455ADF-975A-49FD-BC31-A4B440CF0072}" type="slidenum">
               <a:t>&lt;#&gt;</a:t>
             </a:fld>
           </a:p>
@@ -2079,7 +2079,7 @@
         <p:txBody>
           <a:bodyPr/>
           <a:p>
-            <a:fld id="{490926FA-5CE0-4A3F-8BBE-E037A253F488}" type="slidenum">
+            <a:fld id="{867E5723-3FD9-4AAB-B40F-0AE406E6353D}" type="slidenum">
               <a:t>&lt;#&gt;</a:t>
             </a:fld>
           </a:p>
@@ -2242,7 +2242,7 @@
         <p:txBody>
           <a:bodyPr/>
           <a:p>
-            <a:fld id="{F51CB729-BAE3-4BF7-8A12-5615A2AF24B7}" type="slidenum">
+            <a:fld id="{12B37DB0-D3ED-4676-AF77-0B01E1C974E4}" type="slidenum">
               <a:t>&lt;#&gt;</a:t>
             </a:fld>
           </a:p>
@@ -2494,7 +2494,7 @@
         <p:txBody>
           <a:bodyPr/>
           <a:p>
-            <a:fld id="{33188F74-1B17-49F6-9500-B373A77FACA0}" type="slidenum">
+            <a:fld id="{38B1ECFB-95B3-4FB0-928E-1B96687DAF20}" type="slidenum">
               <a:t>&lt;#&gt;</a:t>
             </a:fld>
           </a:p>
@@ -2746,7 +2746,7 @@
         <p:txBody>
           <a:bodyPr/>
           <a:p>
-            <a:fld id="{8AAA9AA5-87E9-4964-96B8-4132F2B9D6A8}" type="slidenum">
+            <a:fld id="{7CD3353E-6FC4-4DDF-8C2E-285A355FA689}" type="slidenum">
               <a:t>&lt;#&gt;</a:t>
             </a:fld>
           </a:p>
@@ -2955,7 +2955,7 @@
         <p:txBody>
           <a:bodyPr/>
           <a:p>
-            <a:fld id="{347B350D-50F8-49A8-90DA-1BC94B0C0A1D}" type="slidenum">
+            <a:fld id="{0956744E-5B6B-4B36-9234-CBDD13888246}" type="slidenum">
               <a:t>&lt;#&gt;</a:t>
             </a:fld>
           </a:p>
@@ -3250,7 +3250,7 @@
         <p:txBody>
           <a:bodyPr/>
           <a:p>
-            <a:fld id="{B2C92147-3E39-4437-B907-C1FE2B0DA49F}" type="slidenum">
+            <a:fld id="{B1AB1450-1ED4-4681-8E5A-097501BB3C51}" type="slidenum">
               <a:t>&lt;#&gt;</a:t>
             </a:fld>
           </a:p>
@@ -3631,7 +3631,7 @@
         <p:txBody>
           <a:bodyPr/>
           <a:p>
-            <a:fld id="{D0D401F8-48B6-4653-8276-EB60E0D0854F}" type="slidenum">
+            <a:fld id="{853EDDC5-7725-4E59-A742-41C194FD7DD1}" type="slidenum">
               <a:t>&lt;#&gt;</a:t>
             </a:fld>
           </a:p>
@@ -3797,7 +3797,7 @@
         <p:txBody>
           <a:bodyPr/>
           <a:p>
-            <a:fld id="{1CB53F39-A119-426D-8CB6-A47590BF573A}" type="slidenum">
+            <a:fld id="{6A932670-8806-4525-8CB4-00D5174A03F2}" type="slidenum">
               <a:t>&lt;#&gt;</a:t>
             </a:fld>
           </a:p>
@@ -4006,7 +4006,7 @@
         <p:txBody>
           <a:bodyPr/>
           <a:p>
-            <a:fld id="{5BD91C36-6654-4551-BBCF-6C700AE143EA}" type="slidenum">
+            <a:fld id="{7FE38233-18C3-4BC2-9473-915E338A1CFB}" type="slidenum">
               <a:t>&lt;#&gt;</a:t>
             </a:fld>
           </a:p>
@@ -4129,7 +4129,7 @@
         <p:txBody>
           <a:bodyPr/>
           <a:p>
-            <a:fld id="{39E66206-4CD9-4172-A8CA-E6B3C4DDEFFF}" type="slidenum">
+            <a:fld id="{E4617B3A-9578-40F4-93FE-47C012F0F5A5}" type="slidenum">
               <a:t>&lt;#&gt;</a:t>
             </a:fld>
           </a:p>
@@ -4250,7 +4250,7 @@
         <p:txBody>
           <a:bodyPr/>
           <a:p>
-            <a:fld id="{081FFB73-E59B-4182-85DA-0683BBF79C65}" type="slidenum">
+            <a:fld id="{652BAA0F-4A61-4371-8474-73B0F1CB9E5C}" type="slidenum">
               <a:t>&lt;#&gt;</a:t>
             </a:fld>
           </a:p>
@@ -4502,7 +4502,7 @@
         <p:txBody>
           <a:bodyPr/>
           <a:p>
-            <a:fld id="{F0CDBA7C-B270-45AF-B4D8-A338C671BA8B}" type="slidenum">
+            <a:fld id="{1ABF08D6-6F63-4F76-B9B4-1E5FE3A0162D}" type="slidenum">
               <a:t>&lt;#&gt;</a:t>
             </a:fld>
           </a:p>
@@ -4754,7 +4754,7 @@
         <p:txBody>
           <a:bodyPr/>
           <a:p>
-            <a:fld id="{036A63A1-8E7F-4F31-9685-1EE5F0DFA1F9}" type="slidenum">
+            <a:fld id="{98DAB7B6-F0E0-4F9A-A5FB-DD0D759B534A}" type="slidenum">
               <a:t>&lt;#&gt;</a:t>
             </a:fld>
           </a:p>
@@ -5006,7 +5006,7 @@
         <p:txBody>
           <a:bodyPr/>
           <a:p>
-            <a:fld id="{BC3EC04C-5F69-46BC-B121-1D16F1CFDC0C}" type="slidenum">
+            <a:fld id="{5EDE1303-8E66-44CB-9A59-E7BE3B7338CF}" type="slidenum">
               <a:t>&lt;#&gt;</a:t>
             </a:fld>
           </a:p>
@@ -5069,62 +5069,13 @@
             <a:spLocks noGrp="1"/>
           </p:cNvSpPr>
           <p:nvPr>
-            <p:ph type="title"/>
-          </p:nvPr>
-        </p:nvSpPr>
-        <p:spPr>
-          <a:xfrm>
-            <a:off x="838080" y="365040"/>
-            <a:ext cx="10514880" cy="1324800"/>
-          </a:xfrm>
-          <a:prstGeom prst="rect">
-            <a:avLst/>
-          </a:prstGeom>
-          <a:noFill/>
-          <a:ln w="0">
-            <a:noFill/>
-          </a:ln>
-        </p:spPr>
-        <p:txBody>
-          <a:bodyPr lIns="0" rIns="0" tIns="0" bIns="0" anchor="ctr">
-            <a:noAutofit/>
-          </a:bodyPr>
-          <a:p>
-            <a:pPr indent="0">
-              <a:buNone/>
-            </a:pPr>
-            <a:r>
-              <a:rPr b="0" lang="en-IN" sz="1800" spc="-1" strike="noStrike">
-                <a:solidFill>
-                  <a:srgbClr val="000000"/>
-                </a:solidFill>
-                <a:latin typeface="Arial"/>
-              </a:rPr>
-              <a:t>Click to edit the title text format</a:t>
-            </a:r>
-            <a:endParaRPr b="0" lang="en-IN" sz="1800" spc="-1" strike="noStrike">
-              <a:solidFill>
-                <a:srgbClr val="000000"/>
-              </a:solidFill>
-              <a:latin typeface="Arial"/>
-            </a:endParaRPr>
-          </a:p>
-        </p:txBody>
-      </p:sp>
-      <p:sp>
-        <p:nvSpPr>
-          <p:cNvPr id="1" name="PlaceHolder 2"/>
-          <p:cNvSpPr>
-            <a:spLocks noGrp="1"/>
-          </p:cNvSpPr>
-          <p:nvPr>
             <p:ph type="ftr" idx="1"/>
           </p:nvPr>
         </p:nvSpPr>
         <p:spPr>
           <a:xfrm>
             <a:off x="4038480" y="6356520"/>
-            <a:ext cx="4114080" cy="364320"/>
+            <a:ext cx="4113360" cy="363600"/>
           </a:xfrm>
           <a:prstGeom prst="rect">
             <a:avLst/>
@@ -5185,7 +5136,7 @@
       </p:sp>
       <p:sp>
         <p:nvSpPr>
-          <p:cNvPr id="2" name="PlaceHolder 3"/>
+          <p:cNvPr id="1" name="PlaceHolder 2"/>
           <p:cNvSpPr>
             <a:spLocks noGrp="1"/>
           </p:cNvSpPr>
@@ -5196,7 +5147,7 @@
         <p:spPr>
           <a:xfrm>
             <a:off x="8610480" y="6356520"/>
-            <a:ext cx="2742480" cy="364320"/>
+            <a:ext cx="2741760" cy="363600"/>
           </a:xfrm>
           <a:prstGeom prst="rect">
             <a:avLst/>
@@ -5237,7 +5188,7 @@
                 <a:tab algn="l" pos="0"/>
               </a:tabLst>
             </a:pPr>
-            <a:fld id="{830B1BFF-A442-45F5-BFC7-AAD901DA1776}" type="slidenum">
+            <a:fld id="{8B4F39BB-B570-4595-AC77-3BCFEA0E6DE2}" type="slidenum">
               <a:rPr b="0" lang="en-IN" sz="1200" spc="-1" strike="noStrike">
                 <a:solidFill>
                   <a:srgbClr val="8b8b8b"/>
@@ -5257,7 +5208,7 @@
       </p:sp>
       <p:sp>
         <p:nvSpPr>
-          <p:cNvPr id="3" name="PlaceHolder 4"/>
+          <p:cNvPr id="2" name="PlaceHolder 3"/>
           <p:cNvSpPr>
             <a:spLocks noGrp="1"/>
           </p:cNvSpPr>
@@ -5268,7 +5219,7 @@
         <p:spPr>
           <a:xfrm>
             <a:off x="838080" y="6356520"/>
-            <a:ext cx="2742480" cy="364320"/>
+            <a:ext cx="2741760" cy="363600"/>
           </a:xfrm>
           <a:prstGeom prst="rect">
             <a:avLst/>
@@ -5311,6 +5262,55 @@
                 <a:srgbClr val="000000"/>
               </a:solidFill>
               <a:latin typeface="Times New Roman"/>
+            </a:endParaRPr>
+          </a:p>
+        </p:txBody>
+      </p:sp>
+      <p:sp>
+        <p:nvSpPr>
+          <p:cNvPr id="3" name="PlaceHolder 4"/>
+          <p:cNvSpPr>
+            <a:spLocks noGrp="1"/>
+          </p:cNvSpPr>
+          <p:nvPr>
+            <p:ph type="title"/>
+          </p:nvPr>
+        </p:nvSpPr>
+        <p:spPr>
+          <a:xfrm>
+            <a:off x="609480" y="273600"/>
+            <a:ext cx="10972440" cy="1144800"/>
+          </a:xfrm>
+          <a:prstGeom prst="rect">
+            <a:avLst/>
+          </a:prstGeom>
+          <a:noFill/>
+          <a:ln w="0">
+            <a:noFill/>
+          </a:ln>
+        </p:spPr>
+        <p:txBody>
+          <a:bodyPr lIns="0" rIns="0" tIns="0" bIns="0" anchor="ctr">
+            <a:noAutofit/>
+          </a:bodyPr>
+          <a:p>
+            <a:pPr indent="0" algn="ctr">
+              <a:buNone/>
+            </a:pPr>
+            <a:r>
+              <a:rPr b="0" lang="en-IN" sz="4400" spc="-1" strike="noStrike">
+                <a:solidFill>
+                  <a:srgbClr val="000000"/>
+                </a:solidFill>
+                <a:latin typeface="Arial"/>
+              </a:rPr>
+              <a:t>Click to edit the title text format</a:t>
+            </a:r>
+            <a:endParaRPr b="0" lang="en-IN" sz="4400" spc="-1" strike="noStrike">
+              <a:solidFill>
+                <a:srgbClr val="000000"/>
+              </a:solidFill>
+              <a:latin typeface="Arial"/>
             </a:endParaRPr>
           </a:p>
         </p:txBody>
@@ -5597,7 +5597,7 @@
         <p:spPr>
           <a:xfrm>
             <a:off x="4038480" y="6356520"/>
-            <a:ext cx="4114080" cy="364320"/>
+            <a:ext cx="4113360" cy="363600"/>
           </a:xfrm>
           <a:prstGeom prst="rect">
             <a:avLst/>
@@ -5669,7 +5669,7 @@
         <p:spPr>
           <a:xfrm>
             <a:off x="8610480" y="6356520"/>
-            <a:ext cx="2742480" cy="364320"/>
+            <a:ext cx="2741760" cy="363600"/>
           </a:xfrm>
           <a:prstGeom prst="rect">
             <a:avLst/>
@@ -5710,7 +5710,7 @@
                 <a:tab algn="l" pos="0"/>
               </a:tabLst>
             </a:pPr>
-            <a:fld id="{4E7B10E2-A913-4BFD-A1D1-810696F3DC23}" type="slidenum">
+            <a:fld id="{9E53BA0B-39D6-4CC6-B31D-1E1DDBAB5520}" type="slidenum">
               <a:rPr b="0" lang="en-IN" sz="1200" spc="-1" strike="noStrike">
                 <a:solidFill>
                   <a:srgbClr val="8b8b8b"/>
@@ -5741,7 +5741,7 @@
         <p:spPr>
           <a:xfrm>
             <a:off x="838080" y="6356520"/>
-            <a:ext cx="2742480" cy="364320"/>
+            <a:ext cx="2741760" cy="363600"/>
           </a:xfrm>
           <a:prstGeom prst="rect">
             <a:avLst/>
@@ -6111,8 +6111,8 @@
         </p:blipFill>
         <p:spPr>
           <a:xfrm flipH="1">
-            <a:off x="720" y="-16200"/>
-            <a:ext cx="12191400" cy="6857280"/>
+            <a:off x="1440" y="-16200"/>
+            <a:ext cx="12190680" cy="6856560"/>
           </a:xfrm>
           <a:prstGeom prst="rect">
             <a:avLst/>
@@ -6135,7 +6135,7 @@
         <p:spPr>
           <a:xfrm>
             <a:off x="4340520" y="861840"/>
-            <a:ext cx="3510360" cy="929880"/>
+            <a:ext cx="3509640" cy="929160"/>
           </a:xfrm>
           <a:prstGeom prst="rect">
             <a:avLst/>
@@ -6154,7 +6154,7 @@
         <p:spPr>
           <a:xfrm>
             <a:off x="2397600" y="2382840"/>
-            <a:ext cx="7395840" cy="579960"/>
+            <a:ext cx="7395120" cy="579960"/>
           </a:xfrm>
           <a:prstGeom prst="rect">
             <a:avLst/>
@@ -6228,7 +6228,7 @@
         <p:spPr>
           <a:xfrm>
             <a:off x="833040" y="4111200"/>
-            <a:ext cx="6197040" cy="2297160"/>
+            <a:ext cx="6196320" cy="2297160"/>
           </a:xfrm>
           <a:prstGeom prst="rect">
             <a:avLst/>
@@ -6308,7 +6308,7 @@
                 <a:latin typeface="Times New Roman"/>
                 <a:ea typeface="Arial"/>
               </a:rPr>
-              <a:t>Name:</a:t>
+              <a:t>Name: Shashwat Kunar</a:t>
             </a:r>
             <a:r>
               <a:rPr b="1" lang="en-IN" sz="1800" spc="-1" strike="noStrike">
@@ -6364,7 +6364,7 @@
                 <a:latin typeface="Times New Roman"/>
                 <a:ea typeface="Arial"/>
               </a:rPr>
-              <a:t>LMS Id : </a:t>
+              <a:t>LMS Id : shashwatkumarsk1998@gmail.com</a:t>
             </a:r>
             <a:endParaRPr b="0" lang="en-IN" sz="1800" spc="-1" strike="noStrike">
               <a:solidFill>
@@ -6463,8 +6463,8 @@
         </p:blipFill>
         <p:spPr>
           <a:xfrm flipH="1">
-            <a:off x="720" y="0"/>
-            <a:ext cx="12191400" cy="6857280"/>
+            <a:off x="1440" y="0"/>
+            <a:ext cx="12190680" cy="6856560"/>
           </a:xfrm>
           <a:prstGeom prst="rect">
             <a:avLst/>
@@ -6483,7 +6483,7 @@
         <p:spPr>
           <a:xfrm>
             <a:off x="2404080" y="383760"/>
-            <a:ext cx="720" cy="430560"/>
+            <a:ext cx="1440" cy="431280"/>
           </a:xfrm>
           <a:prstGeom prst="straightConnector1">
             <a:avLst/>
@@ -6509,7 +6509,7 @@
         <p:spPr>
           <a:xfrm>
             <a:off x="217440" y="338040"/>
-            <a:ext cx="1962720" cy="520920"/>
+            <a:ext cx="1962000" cy="520200"/>
           </a:xfrm>
           <a:prstGeom prst="rect">
             <a:avLst/>
@@ -6528,7 +6528,7 @@
         <p:spPr>
           <a:xfrm>
             <a:off x="2499480" y="383760"/>
-            <a:ext cx="8818200" cy="510120"/>
+            <a:ext cx="8817480" cy="510120"/>
           </a:xfrm>
           <a:prstGeom prst="rect">
             <a:avLst/>
@@ -6594,7 +6594,7 @@
         <p:spPr>
           <a:xfrm>
             <a:off x="490320" y="1349640"/>
-            <a:ext cx="5025960" cy="405360"/>
+            <a:ext cx="5025240" cy="404640"/>
           </a:xfrm>
           <a:prstGeom prst="rect">
             <a:avLst/>
@@ -6638,13 +6638,13 @@
         </p:nvPicPr>
         <p:blipFill>
           <a:blip r:embed="rId3"/>
-          <a:srcRect l="19022" t="31244" r="14533" b="26751"/>
+          <a:srcRect l="19018" t="31237" r="14530" b="26744"/>
           <a:stretch/>
         </p:blipFill>
         <p:spPr>
           <a:xfrm>
             <a:off x="360000" y="1456200"/>
-            <a:ext cx="11599200" cy="4123440"/>
+            <a:ext cx="11598480" cy="4122720"/>
           </a:xfrm>
           <a:prstGeom prst="rect">
             <a:avLst/>
@@ -6703,8 +6703,8 @@
         </p:blipFill>
         <p:spPr>
           <a:xfrm flipH="1">
-            <a:off x="720" y="36000"/>
-            <a:ext cx="12191400" cy="6857280"/>
+            <a:off x="1440" y="36000"/>
+            <a:ext cx="12190680" cy="6856560"/>
           </a:xfrm>
           <a:prstGeom prst="rect">
             <a:avLst/>
@@ -6723,7 +6723,7 @@
         <p:spPr>
           <a:xfrm>
             <a:off x="2404080" y="383760"/>
-            <a:ext cx="720" cy="430560"/>
+            <a:ext cx="1440" cy="431280"/>
           </a:xfrm>
           <a:prstGeom prst="straightConnector1">
             <a:avLst/>
@@ -6749,7 +6749,7 @@
         <p:spPr>
           <a:xfrm>
             <a:off x="217440" y="338040"/>
-            <a:ext cx="1962720" cy="520920"/>
+            <a:ext cx="1962000" cy="520200"/>
           </a:xfrm>
           <a:prstGeom prst="rect">
             <a:avLst/>
@@ -6768,7 +6768,7 @@
         <p:spPr>
           <a:xfrm>
             <a:off x="2499480" y="383760"/>
-            <a:ext cx="8818200" cy="510120"/>
+            <a:ext cx="8817480" cy="510120"/>
           </a:xfrm>
           <a:prstGeom prst="rect">
             <a:avLst/>
@@ -6823,13 +6823,13 @@
         </p:nvPicPr>
         <p:blipFill>
           <a:blip r:embed="rId3"/>
-          <a:srcRect l="13278" t="18117" r="0" b="0"/>
+          <a:srcRect l="13274" t="18110" r="0" b="0"/>
           <a:stretch/>
         </p:blipFill>
         <p:spPr>
           <a:xfrm>
             <a:off x="206640" y="1243440"/>
-            <a:ext cx="11831760" cy="5614200"/>
+            <a:ext cx="11831040" cy="5613480"/>
           </a:xfrm>
           <a:prstGeom prst="rect">
             <a:avLst/>
@@ -6881,8 +6881,8 @@
         </p:blipFill>
         <p:spPr>
           <a:xfrm flipH="1">
-            <a:off x="720" y="720"/>
-            <a:ext cx="12191400" cy="6857280"/>
+            <a:off x="1440" y="720"/>
+            <a:ext cx="12190680" cy="6856560"/>
           </a:xfrm>
           <a:prstGeom prst="rect">
             <a:avLst/>
@@ -6901,7 +6901,7 @@
         <p:spPr>
           <a:xfrm>
             <a:off x="2404080" y="383760"/>
-            <a:ext cx="720" cy="430560"/>
+            <a:ext cx="1440" cy="431280"/>
           </a:xfrm>
           <a:prstGeom prst="straightConnector1">
             <a:avLst/>
@@ -6927,7 +6927,7 @@
         <p:spPr>
           <a:xfrm>
             <a:off x="217440" y="338040"/>
-            <a:ext cx="1962720" cy="520920"/>
+            <a:ext cx="1962000" cy="520200"/>
           </a:xfrm>
           <a:prstGeom prst="rect">
             <a:avLst/>
@@ -6946,7 +6946,7 @@
         <p:spPr>
           <a:xfrm>
             <a:off x="2499480" y="383760"/>
-            <a:ext cx="8818200" cy="510120"/>
+            <a:ext cx="8817480" cy="510120"/>
           </a:xfrm>
           <a:prstGeom prst="rect">
             <a:avLst/>
@@ -7012,7 +7012,7 @@
         <p:spPr>
           <a:xfrm>
             <a:off x="490320" y="1349640"/>
-            <a:ext cx="5025960" cy="405360"/>
+            <a:ext cx="5025240" cy="404640"/>
           </a:xfrm>
           <a:prstGeom prst="rect">
             <a:avLst/>
@@ -7056,13 +7056,13 @@
         </p:nvPicPr>
         <p:blipFill>
           <a:blip r:embed="rId3"/>
-          <a:srcRect l="30831" t="36486" r="41104" b="11006"/>
+          <a:srcRect l="30823" t="36472" r="41093" b="11006"/>
           <a:stretch/>
         </p:blipFill>
         <p:spPr>
           <a:xfrm>
             <a:off x="868680" y="1350360"/>
-            <a:ext cx="4531320" cy="4769640"/>
+            <a:ext cx="4530600" cy="4768920"/>
           </a:xfrm>
           <a:prstGeom prst="rect">
             <a:avLst/>
@@ -7080,13 +7080,13 @@
         </p:nvPicPr>
         <p:blipFill>
           <a:blip r:embed="rId4"/>
-          <a:srcRect l="30831" t="36805" r="42587" b="5445"/>
+          <a:srcRect l="30823" t="36794" r="42579" b="5445"/>
           <a:stretch/>
         </p:blipFill>
         <p:spPr>
           <a:xfrm>
             <a:off x="6300000" y="1440000"/>
-            <a:ext cx="4500000" cy="4619520"/>
+            <a:ext cx="4499280" cy="4618800"/>
           </a:xfrm>
           <a:prstGeom prst="rect">
             <a:avLst/>
@@ -7138,8 +7138,8 @@
         </p:blipFill>
         <p:spPr>
           <a:xfrm flipH="1">
-            <a:off x="360" y="360"/>
-            <a:ext cx="12191400" cy="6857280"/>
+            <a:off x="1080" y="360"/>
+            <a:ext cx="12190680" cy="6856560"/>
           </a:xfrm>
           <a:prstGeom prst="rect">
             <a:avLst/>
@@ -7158,7 +7158,7 @@
         <p:spPr>
           <a:xfrm>
             <a:off x="2404080" y="383760"/>
-            <a:ext cx="720" cy="430560"/>
+            <a:ext cx="1440" cy="431280"/>
           </a:xfrm>
           <a:prstGeom prst="straightConnector1">
             <a:avLst/>
@@ -7184,7 +7184,7 @@
         <p:spPr>
           <a:xfrm>
             <a:off x="217440" y="338040"/>
-            <a:ext cx="1962720" cy="520920"/>
+            <a:ext cx="1962000" cy="520200"/>
           </a:xfrm>
           <a:prstGeom prst="rect">
             <a:avLst/>
@@ -7203,7 +7203,7 @@
         <p:spPr>
           <a:xfrm>
             <a:off x="2499480" y="383760"/>
-            <a:ext cx="8818200" cy="510120"/>
+            <a:ext cx="8817480" cy="510120"/>
           </a:xfrm>
           <a:prstGeom prst="rect">
             <a:avLst/>
@@ -7259,7 +7259,7 @@
         <p:spPr>
           <a:xfrm>
             <a:off x="490320" y="1349640"/>
-            <a:ext cx="5025960" cy="1666080"/>
+            <a:ext cx="5025240" cy="1665360"/>
           </a:xfrm>
           <a:prstGeom prst="rect">
             <a:avLst/>
@@ -7304,7 +7304,7 @@
         <p:spPr>
           <a:xfrm>
             <a:off x="1260000" y="1620000"/>
-            <a:ext cx="4139640" cy="1979640"/>
+            <a:ext cx="4138920" cy="1978920"/>
           </a:xfrm>
           <a:prstGeom prst="rect">
             <a:avLst/>
@@ -7342,6 +7342,7 @@
                   <a:srgbClr val="000000"/>
                 </a:solidFill>
                 <a:latin typeface="Arial"/>
+                <a:ea typeface="DejaVu Sans"/>
               </a:rPr>
               <a:t>SSL Validation</a:t>
             </a:r>
@@ -7370,6 +7371,7 @@
                   <a:srgbClr val="000000"/>
                 </a:solidFill>
                 <a:latin typeface="Arial"/>
+                <a:ea typeface="DejaVu Sans"/>
               </a:rPr>
               <a:t>AES-256</a:t>
             </a:r>
@@ -7398,6 +7400,7 @@
                   <a:srgbClr val="000000"/>
                 </a:solidFill>
                 <a:latin typeface="Arial"/>
+                <a:ea typeface="DejaVu Sans"/>
               </a:rPr>
               <a:t>K8 Deployment</a:t>
             </a:r>
@@ -7426,6 +7429,7 @@
                   <a:srgbClr val="000000"/>
                 </a:solidFill>
                 <a:latin typeface="Arial"/>
+                <a:ea typeface="DejaVu Sans"/>
               </a:rPr>
               <a:t>Journey of developing</a:t>
             </a:r>
@@ -7451,7 +7455,7 @@
         <p:spPr>
           <a:xfrm>
             <a:off x="8117280" y="1620000"/>
-            <a:ext cx="2142360" cy="2142360"/>
+            <a:ext cx="2141640" cy="2141640"/>
           </a:xfrm>
           <a:prstGeom prst="rect">
             <a:avLst/>
@@ -7503,8 +7507,8 @@
         </p:blipFill>
         <p:spPr>
           <a:xfrm flipH="1">
-            <a:off x="720" y="-72000"/>
-            <a:ext cx="12191400" cy="6857280"/>
+            <a:off x="0" y="-144000"/>
+            <a:ext cx="12190680" cy="6856560"/>
           </a:xfrm>
           <a:prstGeom prst="rect">
             <a:avLst/>
@@ -7523,7 +7527,7 @@
         <p:spPr>
           <a:xfrm>
             <a:off x="2404080" y="383760"/>
-            <a:ext cx="720" cy="430560"/>
+            <a:ext cx="1440" cy="431280"/>
           </a:xfrm>
           <a:prstGeom prst="straightConnector1">
             <a:avLst/>
@@ -7549,7 +7553,7 @@
         <p:spPr>
           <a:xfrm>
             <a:off x="217440" y="338040"/>
-            <a:ext cx="1962720" cy="520920"/>
+            <a:ext cx="1962000" cy="520200"/>
           </a:xfrm>
           <a:prstGeom prst="rect">
             <a:avLst/>
@@ -7568,7 +7572,7 @@
         <p:spPr>
           <a:xfrm>
             <a:off x="2499480" y="383760"/>
-            <a:ext cx="8818200" cy="510120"/>
+            <a:ext cx="8817480" cy="510120"/>
           </a:xfrm>
           <a:prstGeom prst="rect">
             <a:avLst/>
@@ -7624,7 +7628,7 @@
         <p:spPr>
           <a:xfrm>
             <a:off x="540000" y="1844280"/>
-            <a:ext cx="10849320" cy="1035720"/>
+            <a:ext cx="10848600" cy="1035720"/>
           </a:xfrm>
           <a:prstGeom prst="rect">
             <a:avLst/>
@@ -7767,7 +7771,7 @@
         <p:spPr>
           <a:xfrm>
             <a:off x="3780000" y="3960000"/>
-            <a:ext cx="3936960" cy="2204280"/>
+            <a:ext cx="3936240" cy="2203560"/>
           </a:xfrm>
           <a:prstGeom prst="rect">
             <a:avLst/>
@@ -7819,8 +7823,8 @@
         </p:blipFill>
         <p:spPr>
           <a:xfrm flipH="1">
-            <a:off x="-5040" y="-6480"/>
-            <a:ext cx="12191400" cy="6857280"/>
+            <a:off x="-4320" y="-6480"/>
+            <a:ext cx="12190680" cy="6856560"/>
           </a:xfrm>
           <a:prstGeom prst="rect">
             <a:avLst/>
@@ -7839,7 +7843,7 @@
         <p:spPr>
           <a:xfrm>
             <a:off x="2404080" y="383760"/>
-            <a:ext cx="720" cy="430560"/>
+            <a:ext cx="1440" cy="431280"/>
           </a:xfrm>
           <a:prstGeom prst="straightConnector1">
             <a:avLst/>
@@ -7865,7 +7869,7 @@
         <p:spPr>
           <a:xfrm>
             <a:off x="217440" y="338040"/>
-            <a:ext cx="1962720" cy="520920"/>
+            <a:ext cx="1962000" cy="520200"/>
           </a:xfrm>
           <a:prstGeom prst="rect">
             <a:avLst/>
@@ -7884,7 +7888,7 @@
         <p:spPr>
           <a:xfrm>
             <a:off x="698040" y="1503720"/>
-            <a:ext cx="10060920" cy="3948120"/>
+            <a:ext cx="10060200" cy="3948120"/>
           </a:xfrm>
           <a:prstGeom prst="rect">
             <a:avLst/>
@@ -8137,7 +8141,7 @@
                 <a:latin typeface="Times New Roman"/>
                 <a:ea typeface="Arial"/>
               </a:rPr>
-              <a:t>AES-256 Encryption and Decryption</a:t>
+              <a:t>Service Class</a:t>
             </a:r>
             <a:endParaRPr b="0" lang="en-IN" sz="1800" spc="-1" strike="noStrike">
               <a:solidFill>
@@ -8302,8 +8306,8 @@
         </p:blipFill>
         <p:spPr>
           <a:xfrm flipH="1">
-            <a:off x="720" y="0"/>
-            <a:ext cx="12191400" cy="6857280"/>
+            <a:off x="1440" y="36000"/>
+            <a:ext cx="12190680" cy="6856560"/>
           </a:xfrm>
           <a:prstGeom prst="rect">
             <a:avLst/>
@@ -8322,7 +8326,7 @@
         <p:spPr>
           <a:xfrm>
             <a:off x="2404080" y="383760"/>
-            <a:ext cx="720" cy="430560"/>
+            <a:ext cx="1440" cy="431280"/>
           </a:xfrm>
           <a:prstGeom prst="straightConnector1">
             <a:avLst/>
@@ -8348,7 +8352,7 @@
         <p:spPr>
           <a:xfrm>
             <a:off x="217440" y="338040"/>
-            <a:ext cx="1962720" cy="520920"/>
+            <a:ext cx="1962000" cy="520200"/>
           </a:xfrm>
           <a:prstGeom prst="rect">
             <a:avLst/>
@@ -8367,7 +8371,7 @@
         <p:spPr>
           <a:xfrm>
             <a:off x="490320" y="1349640"/>
-            <a:ext cx="8869320" cy="3732840"/>
+            <a:ext cx="8868600" cy="3732840"/>
           </a:xfrm>
           <a:prstGeom prst="rect">
             <a:avLst/>
@@ -8434,6 +8438,34 @@
                 <a:latin typeface="Times New Roman"/>
                 <a:ea typeface="Arial"/>
               </a:rPr>
+              <a:t>Encryption and Decryption of data.</a:t>
+            </a:r>
+            <a:endParaRPr b="0" lang="en-IN" sz="2600" spc="-1" strike="noStrike">
+              <a:solidFill>
+                <a:srgbClr val="000000"/>
+              </a:solidFill>
+              <a:latin typeface="Arial"/>
+            </a:endParaRPr>
+          </a:p>
+          <a:p>
+            <a:pPr marL="216000" indent="-216000" algn="just">
+              <a:lnSpc>
+                <a:spcPct val="115000"/>
+              </a:lnSpc>
+              <a:buClr>
+                <a:srgbClr val="000000"/>
+              </a:buClr>
+              <a:buFont typeface="Wingdings" charset="2"/>
+              <a:buChar char=""/>
+            </a:pPr>
+            <a:r>
+              <a:rPr b="0" lang="en-IN" sz="2600" spc="-1" strike="noStrike">
+                <a:solidFill>
+                  <a:srgbClr val="000000"/>
+                </a:solidFill>
+                <a:latin typeface="Times New Roman"/>
+                <a:ea typeface="Arial"/>
+              </a:rPr>
               <a:t>Linking the project to git and using jenkins for CICD</a:t>
             </a:r>
             <a:endParaRPr b="0" lang="en-IN" sz="2600" spc="-1" strike="noStrike">
@@ -8490,7 +8522,7 @@
                 <a:latin typeface="Times New Roman"/>
                 <a:ea typeface="Arial"/>
               </a:rPr>
-              <a:t>Deploying docker image on kubernetes</a:t>
+              <a:t>Deploying docker image on kubernetes.</a:t>
             </a:r>
             <a:endParaRPr b="0" lang="en-IN" sz="2600" spc="-1" strike="noStrike">
               <a:solidFill>
@@ -8518,35 +8550,7 @@
                 <a:latin typeface="Times New Roman"/>
                 <a:ea typeface="Arial"/>
               </a:rPr>
-              <a:t>Using Client API created on springboot to access get data from employee service API</a:t>
-            </a:r>
-            <a:endParaRPr b="0" lang="en-IN" sz="2600" spc="-1" strike="noStrike">
-              <a:solidFill>
-                <a:srgbClr val="000000"/>
-              </a:solidFill>
-              <a:latin typeface="Arial"/>
-            </a:endParaRPr>
-          </a:p>
-          <a:p>
-            <a:pPr marL="216000" indent="-216000" algn="just">
-              <a:lnSpc>
-                <a:spcPct val="115000"/>
-              </a:lnSpc>
-              <a:buClr>
-                <a:srgbClr val="000000"/>
-              </a:buClr>
-              <a:buFont typeface="Wingdings" charset="2"/>
-              <a:buChar char=""/>
-            </a:pPr>
-            <a:r>
-              <a:rPr b="0" lang="en-IN" sz="2600" spc="-1" strike="noStrike">
-                <a:solidFill>
-                  <a:srgbClr val="000000"/>
-                </a:solidFill>
-                <a:latin typeface="Times New Roman"/>
-                <a:ea typeface="Arial"/>
-              </a:rPr>
-              <a:t>Encryption and decryption of data.</a:t>
+              <a:t>Using Client API created on springboot to access get data from employee service API.</a:t>
             </a:r>
             <a:endParaRPr b="0" lang="en-IN" sz="2600" spc="-1" strike="noStrike">
               <a:solidFill>
@@ -8566,7 +8570,7 @@
         <p:spPr>
           <a:xfrm>
             <a:off x="2499480" y="383760"/>
-            <a:ext cx="8818200" cy="455400"/>
+            <a:ext cx="8817480" cy="455400"/>
           </a:xfrm>
           <a:prstGeom prst="rect">
             <a:avLst/>
@@ -8626,7 +8630,7 @@
         <p:spPr>
           <a:xfrm>
             <a:off x="8297280" y="4500000"/>
-            <a:ext cx="2142360" cy="2142360"/>
+            <a:ext cx="2141640" cy="2141640"/>
           </a:xfrm>
           <a:prstGeom prst="rect">
             <a:avLst/>
@@ -8678,8 +8682,8 @@
         </p:blipFill>
         <p:spPr>
           <a:xfrm flipH="1">
-            <a:off x="720" y="0"/>
-            <a:ext cx="12191400" cy="6857280"/>
+            <a:off x="1440" y="0"/>
+            <a:ext cx="12190680" cy="6856560"/>
           </a:xfrm>
           <a:prstGeom prst="rect">
             <a:avLst/>
@@ -8698,7 +8702,7 @@
         <p:spPr>
           <a:xfrm>
             <a:off x="2404080" y="383760"/>
-            <a:ext cx="720" cy="430560"/>
+            <a:ext cx="1440" cy="431280"/>
           </a:xfrm>
           <a:prstGeom prst="straightConnector1">
             <a:avLst/>
@@ -8724,7 +8728,7 @@
         <p:spPr>
           <a:xfrm>
             <a:off x="217440" y="338040"/>
-            <a:ext cx="1962720" cy="520920"/>
+            <a:ext cx="1962000" cy="520200"/>
           </a:xfrm>
           <a:prstGeom prst="rect">
             <a:avLst/>
@@ -8743,7 +8747,7 @@
         <p:spPr>
           <a:xfrm>
             <a:off x="900000" y="1349640"/>
-            <a:ext cx="8459640" cy="4643640"/>
+            <a:ext cx="8458920" cy="4643640"/>
           </a:xfrm>
           <a:prstGeom prst="rect">
             <a:avLst/>
@@ -9058,7 +9062,7 @@
         <p:spPr>
           <a:xfrm>
             <a:off x="2499480" y="383760"/>
-            <a:ext cx="8818200" cy="455400"/>
+            <a:ext cx="8817480" cy="455400"/>
           </a:xfrm>
           <a:prstGeom prst="rect">
             <a:avLst/>
@@ -9118,7 +9122,7 @@
         <p:spPr>
           <a:xfrm>
             <a:off x="6660000" y="1646640"/>
-            <a:ext cx="3753360" cy="3753360"/>
+            <a:ext cx="3752640" cy="3752640"/>
           </a:xfrm>
           <a:prstGeom prst="rect">
             <a:avLst/>
@@ -9170,8 +9174,8 @@
         </p:blipFill>
         <p:spPr>
           <a:xfrm flipH="1">
-            <a:off x="720" y="0"/>
-            <a:ext cx="12191400" cy="6857280"/>
+            <a:off x="1440" y="0"/>
+            <a:ext cx="12190680" cy="6856560"/>
           </a:xfrm>
           <a:prstGeom prst="rect">
             <a:avLst/>
@@ -9190,7 +9194,7 @@
         <p:spPr>
           <a:xfrm>
             <a:off x="2404080" y="383760"/>
-            <a:ext cx="720" cy="430560"/>
+            <a:ext cx="1440" cy="431280"/>
           </a:xfrm>
           <a:prstGeom prst="straightConnector1">
             <a:avLst/>
@@ -9216,7 +9220,7 @@
         <p:spPr>
           <a:xfrm>
             <a:off x="217440" y="338040"/>
-            <a:ext cx="1962720" cy="520920"/>
+            <a:ext cx="1962000" cy="520200"/>
           </a:xfrm>
           <a:prstGeom prst="rect">
             <a:avLst/>
@@ -9235,7 +9239,7 @@
         <p:spPr>
           <a:xfrm>
             <a:off x="2499480" y="383760"/>
-            <a:ext cx="8818200" cy="455400"/>
+            <a:ext cx="8817480" cy="455400"/>
           </a:xfrm>
           <a:prstGeom prst="rect">
             <a:avLst/>
@@ -9291,7 +9295,7 @@
         <p:spPr>
           <a:xfrm>
             <a:off x="540000" y="1304280"/>
-            <a:ext cx="5025960" cy="1035360"/>
+            <a:ext cx="5025240" cy="1034640"/>
           </a:xfrm>
           <a:prstGeom prst="rect">
             <a:avLst/>
@@ -9340,7 +9344,7 @@
         <p:spPr>
           <a:xfrm>
             <a:off x="1440000" y="1080000"/>
-            <a:ext cx="10079640" cy="5624280"/>
+            <a:ext cx="10078920" cy="5623560"/>
           </a:xfrm>
           <a:prstGeom prst="rect">
             <a:avLst/>
@@ -9392,8 +9396,8 @@
         </p:blipFill>
         <p:spPr>
           <a:xfrm flipH="1">
-            <a:off x="720" y="0"/>
-            <a:ext cx="12191400" cy="6857280"/>
+            <a:off x="1440" y="0"/>
+            <a:ext cx="12190680" cy="6856560"/>
           </a:xfrm>
           <a:prstGeom prst="rect">
             <a:avLst/>
@@ -9412,7 +9416,7 @@
         <p:spPr>
           <a:xfrm>
             <a:off x="2404080" y="383760"/>
-            <a:ext cx="720" cy="430560"/>
+            <a:ext cx="1440" cy="431280"/>
           </a:xfrm>
           <a:prstGeom prst="straightConnector1">
             <a:avLst/>
@@ -9438,7 +9442,7 @@
         <p:spPr>
           <a:xfrm>
             <a:off x="217440" y="338040"/>
-            <a:ext cx="1962720" cy="520920"/>
+            <a:ext cx="1962000" cy="520200"/>
           </a:xfrm>
           <a:prstGeom prst="rect">
             <a:avLst/>
@@ -9457,7 +9461,7 @@
         <p:spPr>
           <a:xfrm>
             <a:off x="2499480" y="383760"/>
-            <a:ext cx="8818200" cy="455400"/>
+            <a:ext cx="8817480" cy="455400"/>
           </a:xfrm>
           <a:prstGeom prst="rect">
             <a:avLst/>
@@ -9513,7 +9517,7 @@
         <p:spPr>
           <a:xfrm>
             <a:off x="1620000" y="2207880"/>
-            <a:ext cx="1435320" cy="1139760"/>
+            <a:ext cx="1434600" cy="1139040"/>
           </a:xfrm>
           <a:prstGeom prst="rect">
             <a:avLst/>
@@ -9571,7 +9575,7 @@
         <p:spPr>
           <a:xfrm>
             <a:off x="8388720" y="2207880"/>
-            <a:ext cx="1640520" cy="1139760"/>
+            <a:ext cx="1639800" cy="1139040"/>
           </a:xfrm>
           <a:prstGeom prst="rect">
             <a:avLst/>
@@ -9629,7 +9633,7 @@
         <p:spPr>
           <a:xfrm>
             <a:off x="5927400" y="2207880"/>
-            <a:ext cx="1435320" cy="1139760"/>
+            <a:ext cx="1434600" cy="1139040"/>
           </a:xfrm>
           <a:prstGeom prst="rect">
             <a:avLst/>
@@ -9687,7 +9691,7 @@
         <p:spPr>
           <a:xfrm>
             <a:off x="3671280" y="2207880"/>
-            <a:ext cx="1435320" cy="1139760"/>
+            <a:ext cx="1434600" cy="1139040"/>
           </a:xfrm>
           <a:prstGeom prst="rect">
             <a:avLst/>
@@ -9913,7 +9917,7 @@
         <p:spPr>
           <a:xfrm>
             <a:off x="8619120" y="4187880"/>
-            <a:ext cx="1640520" cy="1139760"/>
+            <a:ext cx="1639800" cy="1139040"/>
           </a:xfrm>
           <a:prstGeom prst="rect">
             <a:avLst/>
@@ -10084,7 +10088,7 @@
         <p:spPr>
           <a:xfrm>
             <a:off x="3671280" y="4032000"/>
-            <a:ext cx="1435320" cy="1367640"/>
+            <a:ext cx="1434600" cy="1366920"/>
           </a:xfrm>
           <a:prstGeom prst="rect">
             <a:avLst/>
@@ -10184,7 +10188,7 @@
         <p:spPr>
           <a:xfrm>
             <a:off x="1620000" y="4032000"/>
-            <a:ext cx="1640520" cy="1367640"/>
+            <a:ext cx="1639800" cy="1366920"/>
           </a:xfrm>
           <a:prstGeom prst="rect">
             <a:avLst/>
@@ -10356,7 +10360,7 @@
         <p:spPr>
           <a:xfrm>
             <a:off x="3260880" y="4597200"/>
-            <a:ext cx="264960" cy="574200"/>
+            <a:ext cx="264240" cy="573480"/>
           </a:xfrm>
           <a:prstGeom prst="rect">
             <a:avLst/>
@@ -10388,6 +10392,7 @@
                   <a:srgbClr val="000000"/>
                 </a:solidFill>
                 <a:latin typeface="Arial"/>
+                <a:ea typeface="DejaVu Sans"/>
               </a:rPr>
               <a:t>9</a:t>
             </a:r>
@@ -10409,7 +10414,7 @@
         <p:spPr>
           <a:xfrm>
             <a:off x="1770120" y="3294360"/>
-            <a:ext cx="264960" cy="574200"/>
+            <a:ext cx="264240" cy="573480"/>
           </a:xfrm>
           <a:prstGeom prst="rect">
             <a:avLst/>
@@ -10441,6 +10446,7 @@
                   <a:srgbClr val="000000"/>
                 </a:solidFill>
                 <a:latin typeface="Arial"/>
+                <a:ea typeface="DejaVu Sans"/>
               </a:rPr>
               <a:t>1</a:t>
             </a:r>
@@ -10504,7 +10510,7 @@
         <p:spPr>
           <a:xfrm>
             <a:off x="5517360" y="2886120"/>
-            <a:ext cx="264960" cy="574200"/>
+            <a:ext cx="264240" cy="573480"/>
           </a:xfrm>
           <a:prstGeom prst="rect">
             <a:avLst/>
@@ -10536,6 +10542,7 @@
                   <a:srgbClr val="000000"/>
                 </a:solidFill>
                 <a:latin typeface="Arial"/>
+                <a:ea typeface="DejaVu Sans"/>
               </a:rPr>
               <a:t>7</a:t>
             </a:r>
@@ -10557,7 +10564,7 @@
         <p:spPr>
           <a:xfrm>
             <a:off x="4021200" y="3348000"/>
-            <a:ext cx="264960" cy="574200"/>
+            <a:ext cx="264240" cy="573480"/>
           </a:xfrm>
           <a:prstGeom prst="rect">
             <a:avLst/>
@@ -10589,6 +10596,7 @@
                   <a:srgbClr val="000000"/>
                 </a:solidFill>
                 <a:latin typeface="Arial"/>
+                <a:ea typeface="DejaVu Sans"/>
               </a:rPr>
               <a:t>8</a:t>
             </a:r>
@@ -10643,8 +10651,8 @@
         </p:blipFill>
         <p:spPr>
           <a:xfrm flipH="1">
-            <a:off x="720" y="0"/>
-            <a:ext cx="12191400" cy="6857280"/>
+            <a:off x="1440" y="0"/>
+            <a:ext cx="12190680" cy="6856560"/>
           </a:xfrm>
           <a:prstGeom prst="rect">
             <a:avLst/>
@@ -10663,7 +10671,7 @@
         <p:spPr>
           <a:xfrm>
             <a:off x="2404080" y="383760"/>
-            <a:ext cx="720" cy="430560"/>
+            <a:ext cx="1440" cy="431280"/>
           </a:xfrm>
           <a:prstGeom prst="straightConnector1">
             <a:avLst/>
@@ -10689,7 +10697,7 @@
         <p:spPr>
           <a:xfrm>
             <a:off x="217440" y="338040"/>
-            <a:ext cx="1962720" cy="520920"/>
+            <a:ext cx="1962000" cy="520200"/>
           </a:xfrm>
           <a:prstGeom prst="rect">
             <a:avLst/>
@@ -10708,7 +10716,7 @@
         <p:spPr>
           <a:xfrm>
             <a:off x="2499480" y="383760"/>
-            <a:ext cx="8818200" cy="510120"/>
+            <a:ext cx="8817480" cy="510120"/>
           </a:xfrm>
           <a:prstGeom prst="rect">
             <a:avLst/>
@@ -10763,13 +10771,13 @@
         </p:nvPicPr>
         <p:blipFill>
           <a:blip r:embed="rId3"/>
-          <a:srcRect l="0" t="15500" r="75059" b="18877"/>
+          <a:srcRect l="0" t="15500" r="75039" b="18870"/>
           <a:stretch/>
         </p:blipFill>
         <p:spPr>
           <a:xfrm>
             <a:off x="900000" y="1260000"/>
-            <a:ext cx="3038760" cy="4499280"/>
+            <a:ext cx="3038040" cy="4498560"/>
           </a:xfrm>
           <a:prstGeom prst="rect">
             <a:avLst/>
@@ -10787,13 +10795,13 @@
         </p:nvPicPr>
         <p:blipFill>
           <a:blip r:embed="rId4"/>
-          <a:srcRect l="26404" t="15500" r="35201" b="34625"/>
+          <a:srcRect l="26400" t="15500" r="35193" b="34618"/>
           <a:stretch/>
         </p:blipFill>
         <p:spPr>
           <a:xfrm>
             <a:off x="5040000" y="1419480"/>
-            <a:ext cx="5939640" cy="4340160"/>
+            <a:ext cx="5938920" cy="4339440"/>
           </a:xfrm>
           <a:prstGeom prst="rect">
             <a:avLst/>
@@ -10835,7 +10843,7 @@
       </p:grpSpPr>
       <p:pic>
         <p:nvPicPr>
-          <p:cNvPr id="138" name="Picture 14" descr=""/>
+          <p:cNvPr id="138" name="Picture 16" descr=""/>
           <p:cNvPicPr/>
           <p:nvPr/>
         </p:nvPicPr>
@@ -10845,8 +10853,8 @@
         </p:blipFill>
         <p:spPr>
           <a:xfrm flipH="1">
-            <a:off x="720" y="-20160"/>
-            <a:ext cx="12191400" cy="6857280"/>
+            <a:off x="1440" y="18000"/>
+            <a:ext cx="12190680" cy="6856560"/>
           </a:xfrm>
           <a:prstGeom prst="rect">
             <a:avLst/>
@@ -10858,14 +10866,14 @@
       </p:pic>
       <p:cxnSp>
         <p:nvCxnSpPr>
-          <p:cNvPr id="139" name="Straight Connector 7"/>
+          <p:cNvPr id="139" name="Straight Connector 8"/>
           <p:cNvCxnSpPr/>
           <p:nvPr/>
         </p:nvCxnSpPr>
         <p:spPr>
           <a:xfrm>
             <a:off x="2404080" y="383760"/>
-            <a:ext cx="720" cy="430560"/>
+            <a:ext cx="1440" cy="431280"/>
           </a:xfrm>
           <a:prstGeom prst="straightConnector1">
             <a:avLst/>
@@ -10880,7 +10888,7 @@
       </p:cxnSp>
       <p:pic>
         <p:nvPicPr>
-          <p:cNvPr id="140" name="Picture 13" descr=""/>
+          <p:cNvPr id="140" name="Picture 17" descr=""/>
           <p:cNvPicPr/>
           <p:nvPr/>
         </p:nvPicPr>
@@ -10891,7 +10899,7 @@
         <p:spPr>
           <a:xfrm>
             <a:off x="217440" y="338040"/>
-            <a:ext cx="1962720" cy="520920"/>
+            <a:ext cx="1962000" cy="520200"/>
           </a:xfrm>
           <a:prstGeom prst="rect">
             <a:avLst/>
@@ -10903,14 +10911,14 @@
       </p:pic>
       <p:sp>
         <p:nvSpPr>
-          <p:cNvPr id="141" name="TextBox 14"/>
+          <p:cNvPr id="141" name="TextBox 15"/>
           <p:cNvSpPr/>
           <p:nvPr/>
         </p:nvSpPr>
         <p:spPr>
           <a:xfrm>
             <a:off x="2499480" y="383760"/>
-            <a:ext cx="8818200" cy="510120"/>
+            <a:ext cx="8817480" cy="510840"/>
           </a:xfrm>
           <a:prstGeom prst="rect">
             <a:avLst/>
@@ -10944,9 +10952,9 @@
                   <a:srgbClr val="ffffff"/>
                 </a:solidFill>
                 <a:latin typeface="Times New Roman"/>
-                <a:ea typeface="DejaVu Sans"/>
+                <a:ea typeface="Arial"/>
               </a:rPr>
-              <a:t>Unit-Testing</a:t>
+              <a:t>Service Class</a:t>
             </a:r>
             <a:endParaRPr b="0" lang="en-IN" sz="2400" spc="-1" strike="noStrike">
               <a:solidFill>
@@ -10965,13 +10973,13 @@
         </p:nvPicPr>
         <p:blipFill>
           <a:blip r:embed="rId3"/>
-          <a:srcRect l="1614" t="12868" r="33724" b="37249"/>
+          <a:srcRect l="27870" t="15500" r="35193" b="39860"/>
           <a:stretch/>
         </p:blipFill>
         <p:spPr>
           <a:xfrm>
-            <a:off x="1602000" y="1260000"/>
-            <a:ext cx="8297640" cy="3599640"/>
+            <a:off x="180360" y="1620000"/>
+            <a:ext cx="5558040" cy="3778920"/>
           </a:xfrm>
           <a:prstGeom prst="rect">
             <a:avLst/>
@@ -10989,13 +10997,13 @@
         </p:nvPicPr>
         <p:blipFill>
           <a:blip r:embed="rId4"/>
-          <a:srcRect l="27878" t="17067" r="32248" b="76609"/>
+          <a:srcRect l="27870" t="15500" r="27811" b="50352"/>
           <a:stretch/>
         </p:blipFill>
         <p:spPr>
           <a:xfrm>
-            <a:off x="1798560" y="5580000"/>
-            <a:ext cx="8101080" cy="719640"/>
+            <a:off x="6120000" y="1620000"/>
+            <a:ext cx="5758920" cy="3778920"/>
           </a:xfrm>
           <a:prstGeom prst="rect">
             <a:avLst/>
@@ -11037,7 +11045,7 @@
       </p:grpSpPr>
       <p:pic>
         <p:nvPicPr>
-          <p:cNvPr id="144" name="Picture 3" descr=""/>
+          <p:cNvPr id="144" name="Picture 14" descr=""/>
           <p:cNvPicPr/>
           <p:nvPr/>
         </p:nvPicPr>
@@ -11047,8 +11055,8 @@
         </p:blipFill>
         <p:spPr>
           <a:xfrm flipH="1">
-            <a:off x="720" y="18000"/>
-            <a:ext cx="12191400" cy="6857280"/>
+            <a:off x="1440" y="-20160"/>
+            <a:ext cx="12190680" cy="6856560"/>
           </a:xfrm>
           <a:prstGeom prst="rect">
             <a:avLst/>
@@ -11060,14 +11068,14 @@
       </p:pic>
       <p:cxnSp>
         <p:nvCxnSpPr>
-          <p:cNvPr id="145" name="Straight Connector 4"/>
+          <p:cNvPr id="145" name="Straight Connector 7"/>
           <p:cNvCxnSpPr/>
           <p:nvPr/>
         </p:nvCxnSpPr>
         <p:spPr>
           <a:xfrm>
             <a:off x="2404080" y="383760"/>
-            <a:ext cx="720" cy="430560"/>
+            <a:ext cx="1440" cy="431280"/>
           </a:xfrm>
           <a:prstGeom prst="straightConnector1">
             <a:avLst/>
@@ -11082,7 +11090,7 @@
       </p:cxnSp>
       <p:pic>
         <p:nvPicPr>
-          <p:cNvPr id="146" name="Picture 5" descr=""/>
+          <p:cNvPr id="146" name="Picture 13" descr=""/>
           <p:cNvPicPr/>
           <p:nvPr/>
         </p:nvPicPr>
@@ -11093,7 +11101,7 @@
         <p:spPr>
           <a:xfrm>
             <a:off x="217440" y="338040"/>
-            <a:ext cx="1962720" cy="520920"/>
+            <a:ext cx="1962000" cy="520200"/>
           </a:xfrm>
           <a:prstGeom prst="rect">
             <a:avLst/>
@@ -11105,14 +11113,14 @@
       </p:pic>
       <p:sp>
         <p:nvSpPr>
-          <p:cNvPr id="147" name="TextBox 7"/>
+          <p:cNvPr id="147" name="TextBox 14"/>
           <p:cNvSpPr/>
           <p:nvPr/>
         </p:nvSpPr>
         <p:spPr>
           <a:xfrm>
             <a:off x="2499480" y="383760"/>
-            <a:ext cx="8818200" cy="510120"/>
+            <a:ext cx="8817480" cy="510120"/>
           </a:xfrm>
           <a:prstGeom prst="rect">
             <a:avLst/>
@@ -11146,9 +11154,9 @@
                   <a:srgbClr val="ffffff"/>
                 </a:solidFill>
                 <a:latin typeface="Times New Roman"/>
-                <a:ea typeface="Arial"/>
+                <a:ea typeface="DejaVu Sans"/>
               </a:rPr>
-              <a:t>AES-256 Encryption &amp; Decryption</a:t>
+              <a:t>Unit-Testing</a:t>
             </a:r>
             <a:endParaRPr b="0" lang="en-IN" sz="2400" spc="-1" strike="noStrike">
               <a:solidFill>
@@ -11167,13 +11175,13 @@
         </p:nvPicPr>
         <p:blipFill>
           <a:blip r:embed="rId3"/>
-          <a:srcRect l="27878" t="15500" r="35201" b="39874"/>
+          <a:srcRect l="1614" t="12868" r="33717" b="37235"/>
           <a:stretch/>
         </p:blipFill>
         <p:spPr>
           <a:xfrm>
-            <a:off x="180360" y="1620000"/>
-            <a:ext cx="5558760" cy="3779640"/>
+            <a:off x="1602000" y="1260000"/>
+            <a:ext cx="8296920" cy="3598920"/>
           </a:xfrm>
           <a:prstGeom prst="rect">
             <a:avLst/>
@@ -11191,13 +11199,13 @@
         </p:nvPicPr>
         <p:blipFill>
           <a:blip r:embed="rId4"/>
-          <a:srcRect l="27878" t="15500" r="27819" b="50366"/>
+          <a:srcRect l="27870" t="17060" r="32240" b="76588"/>
           <a:stretch/>
         </p:blipFill>
         <p:spPr>
           <a:xfrm>
-            <a:off x="6120000" y="1620000"/>
-            <a:ext cx="5759640" cy="3779640"/>
+            <a:off x="1798560" y="5580000"/>
+            <a:ext cx="8100360" cy="718920"/>
           </a:xfrm>
           <a:prstGeom prst="rect">
             <a:avLst/>

--- a/Capstone_Project.pptx
+++ b/Capstone_Project.pptx
@@ -77,7 +77,7 @@
         <p:txBody>
           <a:bodyPr/>
           <a:p>
-            <a:fld id="{5506973C-59D0-404C-B322-E8A9ED448490}" type="slidenum">
+            <a:fld id="{709196EF-4FC7-489D-9A20-1C43EEEC040C}" type="slidenum">
               <a:t>&lt;#&gt;</a:t>
             </a:fld>
           </a:p>
@@ -286,7 +286,7 @@
         <p:txBody>
           <a:bodyPr/>
           <a:p>
-            <a:fld id="{C84AA8D4-AE5B-4B14-8AAC-7F5772689B71}" type="slidenum">
+            <a:fld id="{4F43BE85-25B2-4623-B03D-58EF46436714}" type="slidenum">
               <a:t>&lt;#&gt;</a:t>
             </a:fld>
           </a:p>
@@ -581,7 +581,7 @@
         <p:txBody>
           <a:bodyPr/>
           <a:p>
-            <a:fld id="{A6AD99F5-B014-4729-BE72-7632CA36FFF0}" type="slidenum">
+            <a:fld id="{1E192727-CC74-4A5B-857D-B83E3D5FE176}" type="slidenum">
               <a:t>&lt;#&gt;</a:t>
             </a:fld>
           </a:p>
@@ -962,7 +962,7 @@
         <p:txBody>
           <a:bodyPr/>
           <a:p>
-            <a:fld id="{328F26DF-0CE8-47B3-808D-1DBAFD5001CC}" type="slidenum">
+            <a:fld id="{A0B7E411-3BCB-4E3D-9045-AAB57D4561E5}" type="slidenum">
               <a:t>&lt;#&gt;</a:t>
             </a:fld>
           </a:p>
@@ -1045,7 +1045,7 @@
         <p:txBody>
           <a:bodyPr/>
           <a:p>
-            <a:fld id="{3D6B9681-CA4D-4184-806B-AA97A8A0CA73}" type="slidenum">
+            <a:fld id="{27A8142E-2E42-4231-A501-CB565B45BB99}" type="slidenum">
               <a:t>&lt;#&gt;</a:t>
             </a:fld>
           </a:p>
@@ -1208,7 +1208,7 @@
         <p:txBody>
           <a:bodyPr/>
           <a:p>
-            <a:fld id="{4E29FDEB-35DF-483C-8574-3B48DB1142CF}" type="slidenum">
+            <a:fld id="{686F2988-3435-4458-86BE-A44280B2725D}" type="slidenum">
               <a:t>&lt;#&gt;</a:t>
             </a:fld>
           </a:p>
@@ -1374,7 +1374,7 @@
         <p:txBody>
           <a:bodyPr/>
           <a:p>
-            <a:fld id="{D0F6B154-78D6-4891-B6FB-C00546D763AA}" type="slidenum">
+            <a:fld id="{F6FB13A9-54F7-4EC5-8905-2363470FFFD3}" type="slidenum">
               <a:t>&lt;#&gt;</a:t>
             </a:fld>
           </a:p>
@@ -1583,7 +1583,7 @@
         <p:txBody>
           <a:bodyPr/>
           <a:p>
-            <a:fld id="{22925C1C-472F-4F93-8F28-4FF954C607D8}" type="slidenum">
+            <a:fld id="{1B1FF458-2AFB-4BB3-AA11-87280B7959A6}" type="slidenum">
               <a:t>&lt;#&gt;</a:t>
             </a:fld>
           </a:p>
@@ -1706,7 +1706,7 @@
         <p:txBody>
           <a:bodyPr/>
           <a:p>
-            <a:fld id="{814984EB-0E86-4026-A05D-A6552AFD6AFB}" type="slidenum">
+            <a:fld id="{C4614570-B43E-4BCE-8CC3-B77DBE9D1CF7}" type="slidenum">
               <a:t>&lt;#&gt;</a:t>
             </a:fld>
           </a:p>
@@ -1827,7 +1827,7 @@
         <p:txBody>
           <a:bodyPr/>
           <a:p>
-            <a:fld id="{1F455ADF-975A-49FD-BC31-A4B440CF0072}" type="slidenum">
+            <a:fld id="{83B1DDEC-E576-492A-9424-D6690F0A195E}" type="slidenum">
               <a:t>&lt;#&gt;</a:t>
             </a:fld>
           </a:p>
@@ -2079,7 +2079,7 @@
         <p:txBody>
           <a:bodyPr/>
           <a:p>
-            <a:fld id="{867E5723-3FD9-4AAB-B40F-0AE406E6353D}" type="slidenum">
+            <a:fld id="{6E9B23E9-BF47-4B64-B814-DF42E3A5E21D}" type="slidenum">
               <a:t>&lt;#&gt;</a:t>
             </a:fld>
           </a:p>
@@ -2242,7 +2242,7 @@
         <p:txBody>
           <a:bodyPr/>
           <a:p>
-            <a:fld id="{12B37DB0-D3ED-4676-AF77-0B01E1C974E4}" type="slidenum">
+            <a:fld id="{A89C6DE7-F20C-4BB4-9B88-56D439A31205}" type="slidenum">
               <a:t>&lt;#&gt;</a:t>
             </a:fld>
           </a:p>
@@ -2494,7 +2494,7 @@
         <p:txBody>
           <a:bodyPr/>
           <a:p>
-            <a:fld id="{38B1ECFB-95B3-4FB0-928E-1B96687DAF20}" type="slidenum">
+            <a:fld id="{DA9038CA-F158-4705-B953-854160E55B50}" type="slidenum">
               <a:t>&lt;#&gt;</a:t>
             </a:fld>
           </a:p>
@@ -2746,7 +2746,7 @@
         <p:txBody>
           <a:bodyPr/>
           <a:p>
-            <a:fld id="{7CD3353E-6FC4-4DDF-8C2E-285A355FA689}" type="slidenum">
+            <a:fld id="{4E94CF84-A433-4447-B4FD-289C587EEA89}" type="slidenum">
               <a:t>&lt;#&gt;</a:t>
             </a:fld>
           </a:p>
@@ -2955,7 +2955,7 @@
         <p:txBody>
           <a:bodyPr/>
           <a:p>
-            <a:fld id="{0956744E-5B6B-4B36-9234-CBDD13888246}" type="slidenum">
+            <a:fld id="{051C82F3-F458-49B2-ACCA-E99B5CAE1F45}" type="slidenum">
               <a:t>&lt;#&gt;</a:t>
             </a:fld>
           </a:p>
@@ -3250,7 +3250,7 @@
         <p:txBody>
           <a:bodyPr/>
           <a:p>
-            <a:fld id="{B1AB1450-1ED4-4681-8E5A-097501BB3C51}" type="slidenum">
+            <a:fld id="{067855DD-CEC8-49E4-9508-1E88BAC80773}" type="slidenum">
               <a:t>&lt;#&gt;</a:t>
             </a:fld>
           </a:p>
@@ -3631,7 +3631,7 @@
         <p:txBody>
           <a:bodyPr/>
           <a:p>
-            <a:fld id="{853EDDC5-7725-4E59-A742-41C194FD7DD1}" type="slidenum">
+            <a:fld id="{1B6D358C-6A1C-4283-A2BB-0D8DC55C4A8A}" type="slidenum">
               <a:t>&lt;#&gt;</a:t>
             </a:fld>
           </a:p>
@@ -3797,7 +3797,7 @@
         <p:txBody>
           <a:bodyPr/>
           <a:p>
-            <a:fld id="{6A932670-8806-4525-8CB4-00D5174A03F2}" type="slidenum">
+            <a:fld id="{71E8427A-FB89-473C-AD10-0882D1E8B5DC}" type="slidenum">
               <a:t>&lt;#&gt;</a:t>
             </a:fld>
           </a:p>
@@ -4006,7 +4006,7 @@
         <p:txBody>
           <a:bodyPr/>
           <a:p>
-            <a:fld id="{7FE38233-18C3-4BC2-9473-915E338A1CFB}" type="slidenum">
+            <a:fld id="{66A85F3F-EE06-4A44-BDB8-AC0B026C789A}" type="slidenum">
               <a:t>&lt;#&gt;</a:t>
             </a:fld>
           </a:p>
@@ -4129,7 +4129,7 @@
         <p:txBody>
           <a:bodyPr/>
           <a:p>
-            <a:fld id="{E4617B3A-9578-40F4-93FE-47C012F0F5A5}" type="slidenum">
+            <a:fld id="{1A372D5E-A5B1-4CE1-B79E-E12F697856C9}" type="slidenum">
               <a:t>&lt;#&gt;</a:t>
             </a:fld>
           </a:p>
@@ -4250,7 +4250,7 @@
         <p:txBody>
           <a:bodyPr/>
           <a:p>
-            <a:fld id="{652BAA0F-4A61-4371-8474-73B0F1CB9E5C}" type="slidenum">
+            <a:fld id="{B8B73C68-E5AD-4B31-916D-5D8036A43CE8}" type="slidenum">
               <a:t>&lt;#&gt;</a:t>
             </a:fld>
           </a:p>
@@ -4502,7 +4502,7 @@
         <p:txBody>
           <a:bodyPr/>
           <a:p>
-            <a:fld id="{1ABF08D6-6F63-4F76-B9B4-1E5FE3A0162D}" type="slidenum">
+            <a:fld id="{4A7E3DE3-2948-4EF6-9591-4D7B20F4E770}" type="slidenum">
               <a:t>&lt;#&gt;</a:t>
             </a:fld>
           </a:p>
@@ -4754,7 +4754,7 @@
         <p:txBody>
           <a:bodyPr/>
           <a:p>
-            <a:fld id="{98DAB7B6-F0E0-4F9A-A5FB-DD0D759B534A}" type="slidenum">
+            <a:fld id="{E078D023-27D7-4271-836F-0A505BBC9E2F}" type="slidenum">
               <a:t>&lt;#&gt;</a:t>
             </a:fld>
           </a:p>
@@ -5006,7 +5006,7 @@
         <p:txBody>
           <a:bodyPr/>
           <a:p>
-            <a:fld id="{5EDE1303-8E66-44CB-9A59-E7BE3B7338CF}" type="slidenum">
+            <a:fld id="{FDCA2BB4-86FA-4144-9D60-D3E2436C3D03}" type="slidenum">
               <a:t>&lt;#&gt;</a:t>
             </a:fld>
           </a:p>
@@ -5075,7 +5075,7 @@
         <p:spPr>
           <a:xfrm>
             <a:off x="4038480" y="6356520"/>
-            <a:ext cx="4113360" cy="363600"/>
+            <a:ext cx="4112640" cy="362880"/>
           </a:xfrm>
           <a:prstGeom prst="rect">
             <a:avLst/>
@@ -5147,7 +5147,7 @@
         <p:spPr>
           <a:xfrm>
             <a:off x="8610480" y="6356520"/>
-            <a:ext cx="2741760" cy="363600"/>
+            <a:ext cx="2741040" cy="362880"/>
           </a:xfrm>
           <a:prstGeom prst="rect">
             <a:avLst/>
@@ -5188,7 +5188,7 @@
                 <a:tab algn="l" pos="0"/>
               </a:tabLst>
             </a:pPr>
-            <a:fld id="{8B4F39BB-B570-4595-AC77-3BCFEA0E6DE2}" type="slidenum">
+            <a:fld id="{DF690F0C-B16E-492C-B139-CA7B1E5E18C9}" type="slidenum">
               <a:rPr b="0" lang="en-IN" sz="1200" spc="-1" strike="noStrike">
                 <a:solidFill>
                   <a:srgbClr val="8b8b8b"/>
@@ -5219,7 +5219,7 @@
         <p:spPr>
           <a:xfrm>
             <a:off x="838080" y="6356520"/>
-            <a:ext cx="2741760" cy="363600"/>
+            <a:ext cx="2741040" cy="362880"/>
           </a:xfrm>
           <a:prstGeom prst="rect">
             <a:avLst/>
@@ -5597,7 +5597,7 @@
         <p:spPr>
           <a:xfrm>
             <a:off x="4038480" y="6356520"/>
-            <a:ext cx="4113360" cy="363600"/>
+            <a:ext cx="4112640" cy="362880"/>
           </a:xfrm>
           <a:prstGeom prst="rect">
             <a:avLst/>
@@ -5669,7 +5669,7 @@
         <p:spPr>
           <a:xfrm>
             <a:off x="8610480" y="6356520"/>
-            <a:ext cx="2741760" cy="363600"/>
+            <a:ext cx="2741040" cy="362880"/>
           </a:xfrm>
           <a:prstGeom prst="rect">
             <a:avLst/>
@@ -5710,7 +5710,7 @@
                 <a:tab algn="l" pos="0"/>
               </a:tabLst>
             </a:pPr>
-            <a:fld id="{9E53BA0B-39D6-4CC6-B31D-1E1DDBAB5520}" type="slidenum">
+            <a:fld id="{40CBD862-B8FC-489E-A10D-D0D13D45B832}" type="slidenum">
               <a:rPr b="0" lang="en-IN" sz="1200" spc="-1" strike="noStrike">
                 <a:solidFill>
                   <a:srgbClr val="8b8b8b"/>
@@ -5741,7 +5741,7 @@
         <p:spPr>
           <a:xfrm>
             <a:off x="838080" y="6356520"/>
-            <a:ext cx="2741760" cy="363600"/>
+            <a:ext cx="2741040" cy="362880"/>
           </a:xfrm>
           <a:prstGeom prst="rect">
             <a:avLst/>
@@ -6111,8 +6111,8 @@
         </p:blipFill>
         <p:spPr>
           <a:xfrm flipH="1">
-            <a:off x="1440" y="-16200"/>
-            <a:ext cx="12190680" cy="6856560"/>
+            <a:off x="2160" y="-16200"/>
+            <a:ext cx="12189960" cy="6855840"/>
           </a:xfrm>
           <a:prstGeom prst="rect">
             <a:avLst/>
@@ -6135,7 +6135,7 @@
         <p:spPr>
           <a:xfrm>
             <a:off x="4340520" y="861840"/>
-            <a:ext cx="3509640" cy="929160"/>
+            <a:ext cx="3508920" cy="928440"/>
           </a:xfrm>
           <a:prstGeom prst="rect">
             <a:avLst/>
@@ -6154,7 +6154,7 @@
         <p:spPr>
           <a:xfrm>
             <a:off x="2397600" y="2382840"/>
-            <a:ext cx="7395120" cy="579960"/>
+            <a:ext cx="7394400" cy="579960"/>
           </a:xfrm>
           <a:prstGeom prst="rect">
             <a:avLst/>
@@ -6228,7 +6228,7 @@
         <p:spPr>
           <a:xfrm>
             <a:off x="833040" y="4111200"/>
-            <a:ext cx="6196320" cy="2297160"/>
+            <a:ext cx="6195600" cy="2297160"/>
           </a:xfrm>
           <a:prstGeom prst="rect">
             <a:avLst/>
@@ -6308,7 +6308,7 @@
                 <a:latin typeface="Times New Roman"/>
                 <a:ea typeface="Arial"/>
               </a:rPr>
-              <a:t>Name: Shashwat Kunar</a:t>
+              <a:t>Name: Shashwat Kumar</a:t>
             </a:r>
             <a:r>
               <a:rPr b="1" lang="en-IN" sz="1800" spc="-1" strike="noStrike">
@@ -6463,8 +6463,8 @@
         </p:blipFill>
         <p:spPr>
           <a:xfrm flipH="1">
-            <a:off x="1440" y="0"/>
-            <a:ext cx="12190680" cy="6856560"/>
+            <a:off x="360" y="0"/>
+            <a:ext cx="12189960" cy="6855840"/>
           </a:xfrm>
           <a:prstGeom prst="rect">
             <a:avLst/>
@@ -6483,7 +6483,7 @@
         <p:spPr>
           <a:xfrm>
             <a:off x="2404080" y="383760"/>
-            <a:ext cx="1440" cy="431280"/>
+            <a:ext cx="2160" cy="432000"/>
           </a:xfrm>
           <a:prstGeom prst="straightConnector1">
             <a:avLst/>
@@ -6509,7 +6509,7 @@
         <p:spPr>
           <a:xfrm>
             <a:off x="217440" y="338040"/>
-            <a:ext cx="1962000" cy="520200"/>
+            <a:ext cx="1961280" cy="519480"/>
           </a:xfrm>
           <a:prstGeom prst="rect">
             <a:avLst/>
@@ -6528,7 +6528,7 @@
         <p:spPr>
           <a:xfrm>
             <a:off x="2499480" y="383760"/>
-            <a:ext cx="8817480" cy="510120"/>
+            <a:ext cx="8816760" cy="510120"/>
           </a:xfrm>
           <a:prstGeom prst="rect">
             <a:avLst/>
@@ -6594,7 +6594,7 @@
         <p:spPr>
           <a:xfrm>
             <a:off x="490320" y="1349640"/>
-            <a:ext cx="5025240" cy="404640"/>
+            <a:ext cx="5024520" cy="403920"/>
           </a:xfrm>
           <a:prstGeom prst="rect">
             <a:avLst/>
@@ -6638,13 +6638,13 @@
         </p:nvPicPr>
         <p:blipFill>
           <a:blip r:embed="rId3"/>
-          <a:srcRect l="19018" t="31237" r="14530" b="26744"/>
+          <a:srcRect l="19022" t="28616" r="33728" b="11006"/>
           <a:stretch/>
         </p:blipFill>
         <p:spPr>
           <a:xfrm>
-            <a:off x="360000" y="1456200"/>
-            <a:ext cx="11598480" cy="4122720"/>
+            <a:off x="720000" y="1255320"/>
+            <a:ext cx="10440000" cy="4864320"/>
           </a:xfrm>
           <a:prstGeom prst="rect">
             <a:avLst/>
@@ -6703,8 +6703,8 @@
         </p:blipFill>
         <p:spPr>
           <a:xfrm flipH="1">
-            <a:off x="1440" y="36000"/>
-            <a:ext cx="12190680" cy="6856560"/>
+            <a:off x="2160" y="36000"/>
+            <a:ext cx="12189960" cy="6855840"/>
           </a:xfrm>
           <a:prstGeom prst="rect">
             <a:avLst/>
@@ -6723,7 +6723,7 @@
         <p:spPr>
           <a:xfrm>
             <a:off x="2404080" y="383760"/>
-            <a:ext cx="1440" cy="431280"/>
+            <a:ext cx="2160" cy="432000"/>
           </a:xfrm>
           <a:prstGeom prst="straightConnector1">
             <a:avLst/>
@@ -6749,7 +6749,7 @@
         <p:spPr>
           <a:xfrm>
             <a:off x="217440" y="338040"/>
-            <a:ext cx="1962000" cy="520200"/>
+            <a:ext cx="1961280" cy="519480"/>
           </a:xfrm>
           <a:prstGeom prst="rect">
             <a:avLst/>
@@ -6768,7 +6768,7 @@
         <p:spPr>
           <a:xfrm>
             <a:off x="2499480" y="383760"/>
-            <a:ext cx="8817480" cy="510120"/>
+            <a:ext cx="8816760" cy="510120"/>
           </a:xfrm>
           <a:prstGeom prst="rect">
             <a:avLst/>
@@ -6823,13 +6823,13 @@
         </p:nvPicPr>
         <p:blipFill>
           <a:blip r:embed="rId3"/>
-          <a:srcRect l="13274" t="18110" r="0" b="0"/>
+          <a:srcRect l="13270" t="18103" r="0" b="0"/>
           <a:stretch/>
         </p:blipFill>
         <p:spPr>
           <a:xfrm>
             <a:off x="206640" y="1243440"/>
-            <a:ext cx="11831040" cy="5613480"/>
+            <a:ext cx="11830320" cy="5612760"/>
           </a:xfrm>
           <a:prstGeom prst="rect">
             <a:avLst/>
@@ -6881,8 +6881,8 @@
         </p:blipFill>
         <p:spPr>
           <a:xfrm flipH="1">
-            <a:off x="1440" y="720"/>
-            <a:ext cx="12190680" cy="6856560"/>
+            <a:off x="2160" y="720"/>
+            <a:ext cx="12189960" cy="6855840"/>
           </a:xfrm>
           <a:prstGeom prst="rect">
             <a:avLst/>
@@ -6901,7 +6901,7 @@
         <p:spPr>
           <a:xfrm>
             <a:off x="2404080" y="383760"/>
-            <a:ext cx="1440" cy="431280"/>
+            <a:ext cx="2160" cy="432000"/>
           </a:xfrm>
           <a:prstGeom prst="straightConnector1">
             <a:avLst/>
@@ -6927,7 +6927,7 @@
         <p:spPr>
           <a:xfrm>
             <a:off x="217440" y="338040"/>
-            <a:ext cx="1962000" cy="520200"/>
+            <a:ext cx="1961280" cy="519480"/>
           </a:xfrm>
           <a:prstGeom prst="rect">
             <a:avLst/>
@@ -6946,7 +6946,7 @@
         <p:spPr>
           <a:xfrm>
             <a:off x="2499480" y="383760"/>
-            <a:ext cx="8817480" cy="510120"/>
+            <a:ext cx="8816760" cy="510120"/>
           </a:xfrm>
           <a:prstGeom prst="rect">
             <a:avLst/>
@@ -7012,7 +7012,7 @@
         <p:spPr>
           <a:xfrm>
             <a:off x="490320" y="1349640"/>
-            <a:ext cx="5025240" cy="404640"/>
+            <a:ext cx="5024520" cy="403920"/>
           </a:xfrm>
           <a:prstGeom prst="rect">
             <a:avLst/>
@@ -7056,13 +7056,13 @@
         </p:nvPicPr>
         <p:blipFill>
           <a:blip r:embed="rId3"/>
-          <a:srcRect l="30823" t="36472" r="41093" b="11006"/>
+          <a:srcRect l="30815" t="36458" r="41085" b="11006"/>
           <a:stretch/>
         </p:blipFill>
         <p:spPr>
           <a:xfrm>
             <a:off x="868680" y="1350360"/>
-            <a:ext cx="4530600" cy="4768920"/>
+            <a:ext cx="4529880" cy="4768200"/>
           </a:xfrm>
           <a:prstGeom prst="rect">
             <a:avLst/>
@@ -7080,13 +7080,13 @@
         </p:nvPicPr>
         <p:blipFill>
           <a:blip r:embed="rId4"/>
-          <a:srcRect l="30823" t="36794" r="42579" b="5445"/>
+          <a:srcRect l="30815" t="36780" r="42571" b="5445"/>
           <a:stretch/>
         </p:blipFill>
         <p:spPr>
           <a:xfrm>
             <a:off x="6300000" y="1440000"/>
-            <a:ext cx="4499280" cy="4618800"/>
+            <a:ext cx="4498560" cy="4618080"/>
           </a:xfrm>
           <a:prstGeom prst="rect">
             <a:avLst/>
@@ -7138,8 +7138,8 @@
         </p:blipFill>
         <p:spPr>
           <a:xfrm flipH="1">
-            <a:off x="1080" y="360"/>
-            <a:ext cx="12190680" cy="6856560"/>
+            <a:off x="1800" y="360"/>
+            <a:ext cx="12189960" cy="6855840"/>
           </a:xfrm>
           <a:prstGeom prst="rect">
             <a:avLst/>
@@ -7158,7 +7158,7 @@
         <p:spPr>
           <a:xfrm>
             <a:off x="2404080" y="383760"/>
-            <a:ext cx="1440" cy="431280"/>
+            <a:ext cx="2160" cy="432000"/>
           </a:xfrm>
           <a:prstGeom prst="straightConnector1">
             <a:avLst/>
@@ -7184,7 +7184,7 @@
         <p:spPr>
           <a:xfrm>
             <a:off x="217440" y="338040"/>
-            <a:ext cx="1962000" cy="520200"/>
+            <a:ext cx="1961280" cy="519480"/>
           </a:xfrm>
           <a:prstGeom prst="rect">
             <a:avLst/>
@@ -7203,7 +7203,7 @@
         <p:spPr>
           <a:xfrm>
             <a:off x="2499480" y="383760"/>
-            <a:ext cx="8817480" cy="510120"/>
+            <a:ext cx="8816760" cy="510120"/>
           </a:xfrm>
           <a:prstGeom prst="rect">
             <a:avLst/>
@@ -7259,7 +7259,7 @@
         <p:spPr>
           <a:xfrm>
             <a:off x="490320" y="1349640"/>
-            <a:ext cx="5025240" cy="1665360"/>
+            <a:ext cx="5024520" cy="1664640"/>
           </a:xfrm>
           <a:prstGeom prst="rect">
             <a:avLst/>
@@ -7304,7 +7304,7 @@
         <p:spPr>
           <a:xfrm>
             <a:off x="1260000" y="1620000"/>
-            <a:ext cx="4138920" cy="1978920"/>
+            <a:ext cx="4138200" cy="1978200"/>
           </a:xfrm>
           <a:prstGeom prst="rect">
             <a:avLst/>
@@ -7455,7 +7455,7 @@
         <p:spPr>
           <a:xfrm>
             <a:off x="8117280" y="1620000"/>
-            <a:ext cx="2141640" cy="2141640"/>
+            <a:ext cx="2140920" cy="2140920"/>
           </a:xfrm>
           <a:prstGeom prst="rect">
             <a:avLst/>
@@ -7507,8 +7507,8 @@
         </p:blipFill>
         <p:spPr>
           <a:xfrm flipH="1">
-            <a:off x="0" y="-144000"/>
-            <a:ext cx="12190680" cy="6856560"/>
+            <a:off x="720" y="-144000"/>
+            <a:ext cx="12189960" cy="6855840"/>
           </a:xfrm>
           <a:prstGeom prst="rect">
             <a:avLst/>
@@ -7527,7 +7527,7 @@
         <p:spPr>
           <a:xfrm>
             <a:off x="2404080" y="383760"/>
-            <a:ext cx="1440" cy="431280"/>
+            <a:ext cx="2160" cy="432000"/>
           </a:xfrm>
           <a:prstGeom prst="straightConnector1">
             <a:avLst/>
@@ -7553,7 +7553,7 @@
         <p:spPr>
           <a:xfrm>
             <a:off x="217440" y="338040"/>
-            <a:ext cx="1962000" cy="520200"/>
+            <a:ext cx="1961280" cy="519480"/>
           </a:xfrm>
           <a:prstGeom prst="rect">
             <a:avLst/>
@@ -7572,7 +7572,7 @@
         <p:spPr>
           <a:xfrm>
             <a:off x="2499480" y="383760"/>
-            <a:ext cx="8817480" cy="510120"/>
+            <a:ext cx="8816760" cy="510120"/>
           </a:xfrm>
           <a:prstGeom prst="rect">
             <a:avLst/>
@@ -7628,7 +7628,7 @@
         <p:spPr>
           <a:xfrm>
             <a:off x="540000" y="1844280"/>
-            <a:ext cx="10848600" cy="1035720"/>
+            <a:ext cx="10847880" cy="1035720"/>
           </a:xfrm>
           <a:prstGeom prst="rect">
             <a:avLst/>
@@ -7771,7 +7771,7 @@
         <p:spPr>
           <a:xfrm>
             <a:off x="3780000" y="3960000"/>
-            <a:ext cx="3936240" cy="2203560"/>
+            <a:ext cx="3935520" cy="2202840"/>
           </a:xfrm>
           <a:prstGeom prst="rect">
             <a:avLst/>
@@ -7823,8 +7823,8 @@
         </p:blipFill>
         <p:spPr>
           <a:xfrm flipH="1">
-            <a:off x="-4320" y="-6480"/>
-            <a:ext cx="12190680" cy="6856560"/>
+            <a:off x="-3600" y="-6480"/>
+            <a:ext cx="12189960" cy="6855840"/>
           </a:xfrm>
           <a:prstGeom prst="rect">
             <a:avLst/>
@@ -7843,7 +7843,7 @@
         <p:spPr>
           <a:xfrm>
             <a:off x="2404080" y="383760"/>
-            <a:ext cx="1440" cy="431280"/>
+            <a:ext cx="2160" cy="432000"/>
           </a:xfrm>
           <a:prstGeom prst="straightConnector1">
             <a:avLst/>
@@ -7869,7 +7869,7 @@
         <p:spPr>
           <a:xfrm>
             <a:off x="217440" y="338040"/>
-            <a:ext cx="1962000" cy="520200"/>
+            <a:ext cx="1961280" cy="519480"/>
           </a:xfrm>
           <a:prstGeom prst="rect">
             <a:avLst/>
@@ -7888,7 +7888,7 @@
         <p:spPr>
           <a:xfrm>
             <a:off x="698040" y="1503720"/>
-            <a:ext cx="10060200" cy="3948120"/>
+            <a:ext cx="10059480" cy="3948120"/>
           </a:xfrm>
           <a:prstGeom prst="rect">
             <a:avLst/>
@@ -8306,8 +8306,8 @@
         </p:blipFill>
         <p:spPr>
           <a:xfrm flipH="1">
-            <a:off x="1440" y="36000"/>
-            <a:ext cx="12190680" cy="6856560"/>
+            <a:off x="2160" y="36000"/>
+            <a:ext cx="12189960" cy="6855840"/>
           </a:xfrm>
           <a:prstGeom prst="rect">
             <a:avLst/>
@@ -8326,7 +8326,7 @@
         <p:spPr>
           <a:xfrm>
             <a:off x="2404080" y="383760"/>
-            <a:ext cx="1440" cy="431280"/>
+            <a:ext cx="2160" cy="432000"/>
           </a:xfrm>
           <a:prstGeom prst="straightConnector1">
             <a:avLst/>
@@ -8352,7 +8352,7 @@
         <p:spPr>
           <a:xfrm>
             <a:off x="217440" y="338040"/>
-            <a:ext cx="1962000" cy="520200"/>
+            <a:ext cx="1961280" cy="519480"/>
           </a:xfrm>
           <a:prstGeom prst="rect">
             <a:avLst/>
@@ -8371,7 +8371,7 @@
         <p:spPr>
           <a:xfrm>
             <a:off x="490320" y="1349640"/>
-            <a:ext cx="8868600" cy="3732840"/>
+            <a:ext cx="8867880" cy="3732840"/>
           </a:xfrm>
           <a:prstGeom prst="rect">
             <a:avLst/>
@@ -8570,7 +8570,7 @@
         <p:spPr>
           <a:xfrm>
             <a:off x="2499480" y="383760"/>
-            <a:ext cx="8817480" cy="455400"/>
+            <a:ext cx="8816760" cy="455400"/>
           </a:xfrm>
           <a:prstGeom prst="rect">
             <a:avLst/>
@@ -8630,7 +8630,7 @@
         <p:spPr>
           <a:xfrm>
             <a:off x="8297280" y="4500000"/>
-            <a:ext cx="2141640" cy="2141640"/>
+            <a:ext cx="2140920" cy="2140920"/>
           </a:xfrm>
           <a:prstGeom prst="rect">
             <a:avLst/>
@@ -8682,8 +8682,8 @@
         </p:blipFill>
         <p:spPr>
           <a:xfrm flipH="1">
-            <a:off x="1440" y="0"/>
-            <a:ext cx="12190680" cy="6856560"/>
+            <a:off x="2160" y="0"/>
+            <a:ext cx="12189960" cy="6855840"/>
           </a:xfrm>
           <a:prstGeom prst="rect">
             <a:avLst/>
@@ -8702,7 +8702,7 @@
         <p:spPr>
           <a:xfrm>
             <a:off x="2404080" y="383760"/>
-            <a:ext cx="1440" cy="431280"/>
+            <a:ext cx="2160" cy="432000"/>
           </a:xfrm>
           <a:prstGeom prst="straightConnector1">
             <a:avLst/>
@@ -8728,7 +8728,7 @@
         <p:spPr>
           <a:xfrm>
             <a:off x="217440" y="338040"/>
-            <a:ext cx="1962000" cy="520200"/>
+            <a:ext cx="1961280" cy="519480"/>
           </a:xfrm>
           <a:prstGeom prst="rect">
             <a:avLst/>
@@ -8747,7 +8747,7 @@
         <p:spPr>
           <a:xfrm>
             <a:off x="900000" y="1349640"/>
-            <a:ext cx="8458920" cy="4643640"/>
+            <a:ext cx="8458200" cy="4643640"/>
           </a:xfrm>
           <a:prstGeom prst="rect">
             <a:avLst/>
@@ -9062,7 +9062,7 @@
         <p:spPr>
           <a:xfrm>
             <a:off x="2499480" y="383760"/>
-            <a:ext cx="8817480" cy="455400"/>
+            <a:ext cx="8816760" cy="455400"/>
           </a:xfrm>
           <a:prstGeom prst="rect">
             <a:avLst/>
@@ -9122,7 +9122,7 @@
         <p:spPr>
           <a:xfrm>
             <a:off x="6660000" y="1646640"/>
-            <a:ext cx="3752640" cy="3752640"/>
+            <a:ext cx="3751920" cy="3751920"/>
           </a:xfrm>
           <a:prstGeom prst="rect">
             <a:avLst/>
@@ -9174,8 +9174,8 @@
         </p:blipFill>
         <p:spPr>
           <a:xfrm flipH="1">
-            <a:off x="1440" y="0"/>
-            <a:ext cx="12190680" cy="6856560"/>
+            <a:off x="2160" y="0"/>
+            <a:ext cx="12189960" cy="6855840"/>
           </a:xfrm>
           <a:prstGeom prst="rect">
             <a:avLst/>
@@ -9194,7 +9194,7 @@
         <p:spPr>
           <a:xfrm>
             <a:off x="2404080" y="383760"/>
-            <a:ext cx="1440" cy="431280"/>
+            <a:ext cx="2160" cy="432000"/>
           </a:xfrm>
           <a:prstGeom prst="straightConnector1">
             <a:avLst/>
@@ -9220,7 +9220,7 @@
         <p:spPr>
           <a:xfrm>
             <a:off x="217440" y="338040"/>
-            <a:ext cx="1962000" cy="520200"/>
+            <a:ext cx="1961280" cy="519480"/>
           </a:xfrm>
           <a:prstGeom prst="rect">
             <a:avLst/>
@@ -9239,7 +9239,7 @@
         <p:spPr>
           <a:xfrm>
             <a:off x="2499480" y="383760"/>
-            <a:ext cx="8817480" cy="455400"/>
+            <a:ext cx="8816760" cy="455400"/>
           </a:xfrm>
           <a:prstGeom prst="rect">
             <a:avLst/>
@@ -9295,7 +9295,7 @@
         <p:spPr>
           <a:xfrm>
             <a:off x="540000" y="1304280"/>
-            <a:ext cx="5025240" cy="1034640"/>
+            <a:ext cx="5024520" cy="1033920"/>
           </a:xfrm>
           <a:prstGeom prst="rect">
             <a:avLst/>
@@ -9344,7 +9344,7 @@
         <p:spPr>
           <a:xfrm>
             <a:off x="1440000" y="1080000"/>
-            <a:ext cx="10078920" cy="5623560"/>
+            <a:ext cx="10078200" cy="5622840"/>
           </a:xfrm>
           <a:prstGeom prst="rect">
             <a:avLst/>
@@ -9396,8 +9396,8 @@
         </p:blipFill>
         <p:spPr>
           <a:xfrm flipH="1">
-            <a:off x="1440" y="0"/>
-            <a:ext cx="12190680" cy="6856560"/>
+            <a:off x="2160" y="0"/>
+            <a:ext cx="12189960" cy="6855840"/>
           </a:xfrm>
           <a:prstGeom prst="rect">
             <a:avLst/>
@@ -9416,7 +9416,7 @@
         <p:spPr>
           <a:xfrm>
             <a:off x="2404080" y="383760"/>
-            <a:ext cx="1440" cy="431280"/>
+            <a:ext cx="2160" cy="432000"/>
           </a:xfrm>
           <a:prstGeom prst="straightConnector1">
             <a:avLst/>
@@ -9442,7 +9442,7 @@
         <p:spPr>
           <a:xfrm>
             <a:off x="217440" y="338040"/>
-            <a:ext cx="1962000" cy="520200"/>
+            <a:ext cx="1961280" cy="519480"/>
           </a:xfrm>
           <a:prstGeom prst="rect">
             <a:avLst/>
@@ -9461,7 +9461,7 @@
         <p:spPr>
           <a:xfrm>
             <a:off x="2499480" y="383760"/>
-            <a:ext cx="8817480" cy="455400"/>
+            <a:ext cx="8816760" cy="455400"/>
           </a:xfrm>
           <a:prstGeom prst="rect">
             <a:avLst/>
@@ -9517,7 +9517,7 @@
         <p:spPr>
           <a:xfrm>
             <a:off x="1620000" y="2207880"/>
-            <a:ext cx="1434600" cy="1139040"/>
+            <a:ext cx="1433880" cy="1138320"/>
           </a:xfrm>
           <a:prstGeom prst="rect">
             <a:avLst/>
@@ -9575,7 +9575,7 @@
         <p:spPr>
           <a:xfrm>
             <a:off x="8388720" y="2207880"/>
-            <a:ext cx="1639800" cy="1139040"/>
+            <a:ext cx="1639080" cy="1138320"/>
           </a:xfrm>
           <a:prstGeom prst="rect">
             <a:avLst/>
@@ -9633,7 +9633,7 @@
         <p:spPr>
           <a:xfrm>
             <a:off x="5927400" y="2207880"/>
-            <a:ext cx="1434600" cy="1139040"/>
+            <a:ext cx="1433880" cy="1138320"/>
           </a:xfrm>
           <a:prstGeom prst="rect">
             <a:avLst/>
@@ -9691,7 +9691,7 @@
         <p:spPr>
           <a:xfrm>
             <a:off x="3671280" y="2207880"/>
-            <a:ext cx="1434600" cy="1139040"/>
+            <a:ext cx="1433880" cy="1138320"/>
           </a:xfrm>
           <a:prstGeom prst="rect">
             <a:avLst/>
@@ -9917,7 +9917,7 @@
         <p:spPr>
           <a:xfrm>
             <a:off x="8619120" y="4187880"/>
-            <a:ext cx="1639800" cy="1139040"/>
+            <a:ext cx="1639080" cy="1138320"/>
           </a:xfrm>
           <a:prstGeom prst="rect">
             <a:avLst/>
@@ -10088,7 +10088,7 @@
         <p:spPr>
           <a:xfrm>
             <a:off x="3671280" y="4032000"/>
-            <a:ext cx="1434600" cy="1366920"/>
+            <a:ext cx="1433880" cy="1366200"/>
           </a:xfrm>
           <a:prstGeom prst="rect">
             <a:avLst/>
@@ -10188,7 +10188,7 @@
         <p:spPr>
           <a:xfrm>
             <a:off x="1620000" y="4032000"/>
-            <a:ext cx="1639800" cy="1366920"/>
+            <a:ext cx="1639080" cy="1366200"/>
           </a:xfrm>
           <a:prstGeom prst="rect">
             <a:avLst/>
@@ -10360,7 +10360,7 @@
         <p:spPr>
           <a:xfrm>
             <a:off x="3260880" y="4597200"/>
-            <a:ext cx="264240" cy="573480"/>
+            <a:ext cx="263520" cy="572760"/>
           </a:xfrm>
           <a:prstGeom prst="rect">
             <a:avLst/>
@@ -10414,7 +10414,7 @@
         <p:spPr>
           <a:xfrm>
             <a:off x="1770120" y="3294360"/>
-            <a:ext cx="264240" cy="573480"/>
+            <a:ext cx="263520" cy="572760"/>
           </a:xfrm>
           <a:prstGeom prst="rect">
             <a:avLst/>
@@ -10510,7 +10510,7 @@
         <p:spPr>
           <a:xfrm>
             <a:off x="5517360" y="2886120"/>
-            <a:ext cx="264240" cy="573480"/>
+            <a:ext cx="263520" cy="572760"/>
           </a:xfrm>
           <a:prstGeom prst="rect">
             <a:avLst/>
@@ -10564,7 +10564,7 @@
         <p:spPr>
           <a:xfrm>
             <a:off x="4021200" y="3348000"/>
-            <a:ext cx="264240" cy="573480"/>
+            <a:ext cx="263520" cy="572760"/>
           </a:xfrm>
           <a:prstGeom prst="rect">
             <a:avLst/>
@@ -10651,8 +10651,8 @@
         </p:blipFill>
         <p:spPr>
           <a:xfrm flipH="1">
-            <a:off x="1440" y="0"/>
-            <a:ext cx="12190680" cy="6856560"/>
+            <a:off x="2160" y="0"/>
+            <a:ext cx="12189960" cy="6855840"/>
           </a:xfrm>
           <a:prstGeom prst="rect">
             <a:avLst/>
@@ -10671,7 +10671,7 @@
         <p:spPr>
           <a:xfrm>
             <a:off x="2404080" y="383760"/>
-            <a:ext cx="1440" cy="431280"/>
+            <a:ext cx="2160" cy="432000"/>
           </a:xfrm>
           <a:prstGeom prst="straightConnector1">
             <a:avLst/>
@@ -10697,7 +10697,7 @@
         <p:spPr>
           <a:xfrm>
             <a:off x="217440" y="338040"/>
-            <a:ext cx="1962000" cy="520200"/>
+            <a:ext cx="1961280" cy="519480"/>
           </a:xfrm>
           <a:prstGeom prst="rect">
             <a:avLst/>
@@ -10716,7 +10716,7 @@
         <p:spPr>
           <a:xfrm>
             <a:off x="2499480" y="383760"/>
-            <a:ext cx="8817480" cy="510120"/>
+            <a:ext cx="8816760" cy="510120"/>
           </a:xfrm>
           <a:prstGeom prst="rect">
             <a:avLst/>
@@ -10771,13 +10771,13 @@
         </p:nvPicPr>
         <p:blipFill>
           <a:blip r:embed="rId3"/>
-          <a:srcRect l="0" t="15500" r="75039" b="18870"/>
+          <a:srcRect l="0" t="15500" r="75022" b="18863"/>
           <a:stretch/>
         </p:blipFill>
         <p:spPr>
           <a:xfrm>
             <a:off x="900000" y="1260000"/>
-            <a:ext cx="3038040" cy="4498560"/>
+            <a:ext cx="3037320" cy="4497840"/>
           </a:xfrm>
           <a:prstGeom prst="rect">
             <a:avLst/>
@@ -10795,13 +10795,13 @@
         </p:nvPicPr>
         <p:blipFill>
           <a:blip r:embed="rId4"/>
-          <a:srcRect l="26400" t="15500" r="35193" b="34618"/>
+          <a:srcRect l="26396" t="15500" r="35185" b="34611"/>
           <a:stretch/>
         </p:blipFill>
         <p:spPr>
           <a:xfrm>
             <a:off x="5040000" y="1419480"/>
-            <a:ext cx="5938920" cy="4339440"/>
+            <a:ext cx="5938200" cy="4338720"/>
           </a:xfrm>
           <a:prstGeom prst="rect">
             <a:avLst/>
@@ -10853,8 +10853,8 @@
         </p:blipFill>
         <p:spPr>
           <a:xfrm flipH="1">
-            <a:off x="1440" y="18000"/>
-            <a:ext cx="12190680" cy="6856560"/>
+            <a:off x="2160" y="18000"/>
+            <a:ext cx="12189960" cy="6855840"/>
           </a:xfrm>
           <a:prstGeom prst="rect">
             <a:avLst/>
@@ -10873,7 +10873,7 @@
         <p:spPr>
           <a:xfrm>
             <a:off x="2404080" y="383760"/>
-            <a:ext cx="1440" cy="431280"/>
+            <a:ext cx="2160" cy="432000"/>
           </a:xfrm>
           <a:prstGeom prst="straightConnector1">
             <a:avLst/>
@@ -10899,7 +10899,7 @@
         <p:spPr>
           <a:xfrm>
             <a:off x="217440" y="338040"/>
-            <a:ext cx="1962000" cy="520200"/>
+            <a:ext cx="1961280" cy="519480"/>
           </a:xfrm>
           <a:prstGeom prst="rect">
             <a:avLst/>
@@ -10918,7 +10918,7 @@
         <p:spPr>
           <a:xfrm>
             <a:off x="2499480" y="383760"/>
-            <a:ext cx="8817480" cy="510840"/>
+            <a:ext cx="8816760" cy="510120"/>
           </a:xfrm>
           <a:prstGeom prst="rect">
             <a:avLst/>
@@ -10973,13 +10973,13 @@
         </p:nvPicPr>
         <p:blipFill>
           <a:blip r:embed="rId3"/>
-          <a:srcRect l="27870" t="15500" r="35193" b="39860"/>
+          <a:srcRect l="27862" t="15500" r="35185" b="39846"/>
           <a:stretch/>
         </p:blipFill>
         <p:spPr>
           <a:xfrm>
             <a:off x="180360" y="1620000"/>
-            <a:ext cx="5558040" cy="3778920"/>
+            <a:ext cx="5557320" cy="3778200"/>
           </a:xfrm>
           <a:prstGeom prst="rect">
             <a:avLst/>
@@ -10997,13 +10997,13 @@
         </p:nvPicPr>
         <p:blipFill>
           <a:blip r:embed="rId4"/>
-          <a:srcRect l="27870" t="15500" r="27811" b="50352"/>
+          <a:srcRect l="27862" t="15500" r="27803" b="50338"/>
           <a:stretch/>
         </p:blipFill>
         <p:spPr>
           <a:xfrm>
             <a:off x="6120000" y="1620000"/>
-            <a:ext cx="5758920" cy="3778920"/>
+            <a:ext cx="5758200" cy="3778200"/>
           </a:xfrm>
           <a:prstGeom prst="rect">
             <a:avLst/>
@@ -11055,8 +11055,8 @@
         </p:blipFill>
         <p:spPr>
           <a:xfrm flipH="1">
-            <a:off x="1440" y="-20160"/>
-            <a:ext cx="12190680" cy="6856560"/>
+            <a:off x="2160" y="-20160"/>
+            <a:ext cx="12189960" cy="6855840"/>
           </a:xfrm>
           <a:prstGeom prst="rect">
             <a:avLst/>
@@ -11075,7 +11075,7 @@
         <p:spPr>
           <a:xfrm>
             <a:off x="2404080" y="383760"/>
-            <a:ext cx="1440" cy="431280"/>
+            <a:ext cx="2160" cy="432000"/>
           </a:xfrm>
           <a:prstGeom prst="straightConnector1">
             <a:avLst/>
@@ -11101,7 +11101,7 @@
         <p:spPr>
           <a:xfrm>
             <a:off x="217440" y="338040"/>
-            <a:ext cx="1962000" cy="520200"/>
+            <a:ext cx="1961280" cy="519480"/>
           </a:xfrm>
           <a:prstGeom prst="rect">
             <a:avLst/>
@@ -11120,7 +11120,7 @@
         <p:spPr>
           <a:xfrm>
             <a:off x="2499480" y="383760"/>
-            <a:ext cx="8817480" cy="510120"/>
+            <a:ext cx="8816760" cy="510120"/>
           </a:xfrm>
           <a:prstGeom prst="rect">
             <a:avLst/>
@@ -11175,13 +11175,13 @@
         </p:nvPicPr>
         <p:blipFill>
           <a:blip r:embed="rId3"/>
-          <a:srcRect l="1614" t="12868" r="33717" b="37235"/>
+          <a:srcRect l="1614" t="12868" r="33709" b="37221"/>
           <a:stretch/>
         </p:blipFill>
         <p:spPr>
           <a:xfrm>
             <a:off x="1602000" y="1260000"/>
-            <a:ext cx="8296920" cy="3598920"/>
+            <a:ext cx="8296200" cy="3598200"/>
           </a:xfrm>
           <a:prstGeom prst="rect">
             <a:avLst/>
@@ -11199,13 +11199,13 @@
         </p:nvPicPr>
         <p:blipFill>
           <a:blip r:embed="rId4"/>
-          <a:srcRect l="27870" t="17060" r="32240" b="76588"/>
+          <a:srcRect l="27862" t="17053" r="32232" b="76567"/>
           <a:stretch/>
         </p:blipFill>
         <p:spPr>
           <a:xfrm>
             <a:off x="1798560" y="5580000"/>
-            <a:ext cx="8100360" cy="718920"/>
+            <a:ext cx="8099640" cy="718200"/>
           </a:xfrm>
           <a:prstGeom prst="rect">
             <a:avLst/>

--- a/Capstone_Project.pptx
+++ b/Capstone_Project.pptx
@@ -77,7 +77,7 @@
         <p:txBody>
           <a:bodyPr/>
           <a:p>
-            <a:fld id="{709196EF-4FC7-489D-9A20-1C43EEEC040C}" type="slidenum">
+            <a:fld id="{957C09CA-6776-48C9-826F-300430D19A4E}" type="slidenum">
               <a:t>&lt;#&gt;</a:t>
             </a:fld>
           </a:p>
@@ -286,7 +286,7 @@
         <p:txBody>
           <a:bodyPr/>
           <a:p>
-            <a:fld id="{4F43BE85-25B2-4623-B03D-58EF46436714}" type="slidenum">
+            <a:fld id="{6C53C8CA-C0AC-49D5-9784-13CAE72D2443}" type="slidenum">
               <a:t>&lt;#&gt;</a:t>
             </a:fld>
           </a:p>
@@ -581,7 +581,7 @@
         <p:txBody>
           <a:bodyPr/>
           <a:p>
-            <a:fld id="{1E192727-CC74-4A5B-857D-B83E3D5FE176}" type="slidenum">
+            <a:fld id="{1DFA508A-A545-4A2E-9E38-358780F024D4}" type="slidenum">
               <a:t>&lt;#&gt;</a:t>
             </a:fld>
           </a:p>
@@ -962,7 +962,7 @@
         <p:txBody>
           <a:bodyPr/>
           <a:p>
-            <a:fld id="{A0B7E411-3BCB-4E3D-9045-AAB57D4561E5}" type="slidenum">
+            <a:fld id="{0640DA2F-0C49-47B9-9663-ED4FC9CB3E4E}" type="slidenum">
               <a:t>&lt;#&gt;</a:t>
             </a:fld>
           </a:p>
@@ -1045,7 +1045,7 @@
         <p:txBody>
           <a:bodyPr/>
           <a:p>
-            <a:fld id="{27A8142E-2E42-4231-A501-CB565B45BB99}" type="slidenum">
+            <a:fld id="{0FD4370A-75FD-4D06-8EFB-D734D7DD4ADB}" type="slidenum">
               <a:t>&lt;#&gt;</a:t>
             </a:fld>
           </a:p>
@@ -1208,7 +1208,7 @@
         <p:txBody>
           <a:bodyPr/>
           <a:p>
-            <a:fld id="{686F2988-3435-4458-86BE-A44280B2725D}" type="slidenum">
+            <a:fld id="{DA658D82-B042-4354-A8EF-278F442335F1}" type="slidenum">
               <a:t>&lt;#&gt;</a:t>
             </a:fld>
           </a:p>
@@ -1374,7 +1374,7 @@
         <p:txBody>
           <a:bodyPr/>
           <a:p>
-            <a:fld id="{F6FB13A9-54F7-4EC5-8905-2363470FFFD3}" type="slidenum">
+            <a:fld id="{78EAA1FA-D709-4AF3-A234-742A6A99C244}" type="slidenum">
               <a:t>&lt;#&gt;</a:t>
             </a:fld>
           </a:p>
@@ -1583,7 +1583,7 @@
         <p:txBody>
           <a:bodyPr/>
           <a:p>
-            <a:fld id="{1B1FF458-2AFB-4BB3-AA11-87280B7959A6}" type="slidenum">
+            <a:fld id="{DEB1945C-F87A-4307-8D47-A97F62827554}" type="slidenum">
               <a:t>&lt;#&gt;</a:t>
             </a:fld>
           </a:p>
@@ -1706,7 +1706,7 @@
         <p:txBody>
           <a:bodyPr/>
           <a:p>
-            <a:fld id="{C4614570-B43E-4BCE-8CC3-B77DBE9D1CF7}" type="slidenum">
+            <a:fld id="{DFC7E19B-0E41-4704-A2A2-2F6142E06A21}" type="slidenum">
               <a:t>&lt;#&gt;</a:t>
             </a:fld>
           </a:p>
@@ -1827,7 +1827,7 @@
         <p:txBody>
           <a:bodyPr/>
           <a:p>
-            <a:fld id="{83B1DDEC-E576-492A-9424-D6690F0A195E}" type="slidenum">
+            <a:fld id="{D70A1F7D-CC15-4E46-AC3A-8546DF9E8F16}" type="slidenum">
               <a:t>&lt;#&gt;</a:t>
             </a:fld>
           </a:p>
@@ -2079,7 +2079,7 @@
         <p:txBody>
           <a:bodyPr/>
           <a:p>
-            <a:fld id="{6E9B23E9-BF47-4B64-B814-DF42E3A5E21D}" type="slidenum">
+            <a:fld id="{AB50CCEC-4BC1-4C8B-9D3E-5C32BBD41903}" type="slidenum">
               <a:t>&lt;#&gt;</a:t>
             </a:fld>
           </a:p>
@@ -2242,7 +2242,7 @@
         <p:txBody>
           <a:bodyPr/>
           <a:p>
-            <a:fld id="{A89C6DE7-F20C-4BB4-9B88-56D439A31205}" type="slidenum">
+            <a:fld id="{6ACF94F8-BA21-4546-8F17-94A7563A7B85}" type="slidenum">
               <a:t>&lt;#&gt;</a:t>
             </a:fld>
           </a:p>
@@ -2494,7 +2494,7 @@
         <p:txBody>
           <a:bodyPr/>
           <a:p>
-            <a:fld id="{DA9038CA-F158-4705-B953-854160E55B50}" type="slidenum">
+            <a:fld id="{6155A9B5-3648-40B3-AFCA-0D3FC3304FCA}" type="slidenum">
               <a:t>&lt;#&gt;</a:t>
             </a:fld>
           </a:p>
@@ -2746,7 +2746,7 @@
         <p:txBody>
           <a:bodyPr/>
           <a:p>
-            <a:fld id="{4E94CF84-A433-4447-B4FD-289C587EEA89}" type="slidenum">
+            <a:fld id="{77E3AED6-CEF9-4B0A-B4FD-808C24DC67F1}" type="slidenum">
               <a:t>&lt;#&gt;</a:t>
             </a:fld>
           </a:p>
@@ -2955,7 +2955,7 @@
         <p:txBody>
           <a:bodyPr/>
           <a:p>
-            <a:fld id="{051C82F3-F458-49B2-ACCA-E99B5CAE1F45}" type="slidenum">
+            <a:fld id="{C6F5A68B-9C4A-415D-903F-F1416BACE59E}" type="slidenum">
               <a:t>&lt;#&gt;</a:t>
             </a:fld>
           </a:p>
@@ -3250,7 +3250,7 @@
         <p:txBody>
           <a:bodyPr/>
           <a:p>
-            <a:fld id="{067855DD-CEC8-49E4-9508-1E88BAC80773}" type="slidenum">
+            <a:fld id="{D44A3BBE-664E-47A1-B9B7-840A83863302}" type="slidenum">
               <a:t>&lt;#&gt;</a:t>
             </a:fld>
           </a:p>
@@ -3631,7 +3631,7 @@
         <p:txBody>
           <a:bodyPr/>
           <a:p>
-            <a:fld id="{1B6D358C-6A1C-4283-A2BB-0D8DC55C4A8A}" type="slidenum">
+            <a:fld id="{C0AEA04C-0F3D-4D13-95AE-27589F2F4B84}" type="slidenum">
               <a:t>&lt;#&gt;</a:t>
             </a:fld>
           </a:p>
@@ -3797,7 +3797,7 @@
         <p:txBody>
           <a:bodyPr/>
           <a:p>
-            <a:fld id="{71E8427A-FB89-473C-AD10-0882D1E8B5DC}" type="slidenum">
+            <a:fld id="{87555C95-3C23-4D9F-9396-9F359FDE12F7}" type="slidenum">
               <a:t>&lt;#&gt;</a:t>
             </a:fld>
           </a:p>
@@ -4006,7 +4006,7 @@
         <p:txBody>
           <a:bodyPr/>
           <a:p>
-            <a:fld id="{66A85F3F-EE06-4A44-BDB8-AC0B026C789A}" type="slidenum">
+            <a:fld id="{F6FC321D-70A4-426B-A88F-A88FF93BD99C}" type="slidenum">
               <a:t>&lt;#&gt;</a:t>
             </a:fld>
           </a:p>
@@ -4129,7 +4129,7 @@
         <p:txBody>
           <a:bodyPr/>
           <a:p>
-            <a:fld id="{1A372D5E-A5B1-4CE1-B79E-E12F697856C9}" type="slidenum">
+            <a:fld id="{B4D0368F-E57E-4C2D-B32C-4C79E83BF485}" type="slidenum">
               <a:t>&lt;#&gt;</a:t>
             </a:fld>
           </a:p>
@@ -4250,7 +4250,7 @@
         <p:txBody>
           <a:bodyPr/>
           <a:p>
-            <a:fld id="{B8B73C68-E5AD-4B31-916D-5D8036A43CE8}" type="slidenum">
+            <a:fld id="{26B1DFBA-530C-45DF-B262-B4C01052C331}" type="slidenum">
               <a:t>&lt;#&gt;</a:t>
             </a:fld>
           </a:p>
@@ -4502,7 +4502,7 @@
         <p:txBody>
           <a:bodyPr/>
           <a:p>
-            <a:fld id="{4A7E3DE3-2948-4EF6-9591-4D7B20F4E770}" type="slidenum">
+            <a:fld id="{293340AC-3BC7-44A9-9090-9D601DEB9253}" type="slidenum">
               <a:t>&lt;#&gt;</a:t>
             </a:fld>
           </a:p>
@@ -4754,7 +4754,7 @@
         <p:txBody>
           <a:bodyPr/>
           <a:p>
-            <a:fld id="{E078D023-27D7-4271-836F-0A505BBC9E2F}" type="slidenum">
+            <a:fld id="{C2D47665-2706-4496-9845-0160B9591C16}" type="slidenum">
               <a:t>&lt;#&gt;</a:t>
             </a:fld>
           </a:p>
@@ -5006,7 +5006,7 @@
         <p:txBody>
           <a:bodyPr/>
           <a:p>
-            <a:fld id="{FDCA2BB4-86FA-4144-9D60-D3E2436C3D03}" type="slidenum">
+            <a:fld id="{EE78EEB6-B386-4E36-868E-D3C6F14FF6C6}" type="slidenum">
               <a:t>&lt;#&gt;</a:t>
             </a:fld>
           </a:p>
@@ -5075,7 +5075,7 @@
         <p:spPr>
           <a:xfrm>
             <a:off x="4038480" y="6356520"/>
-            <a:ext cx="4112640" cy="362880"/>
+            <a:ext cx="4112280" cy="362520"/>
           </a:xfrm>
           <a:prstGeom prst="rect">
             <a:avLst/>
@@ -5123,7 +5123,7 @@
                 </a:solidFill>
                 <a:latin typeface="Times New Roman"/>
               </a:rPr>
-              <a:t>&lt;footer&gt;</a:t>
+              <a:t> </a:t>
             </a:r>
             <a:endParaRPr b="0" lang="en-IN" sz="1400" spc="-1" strike="noStrike">
               <a:solidFill>
@@ -5147,7 +5147,7 @@
         <p:spPr>
           <a:xfrm>
             <a:off x="8610480" y="6356520"/>
-            <a:ext cx="2741040" cy="362880"/>
+            <a:ext cx="2740680" cy="362520"/>
           </a:xfrm>
           <a:prstGeom prst="rect">
             <a:avLst/>
@@ -5188,14 +5188,14 @@
                 <a:tab algn="l" pos="0"/>
               </a:tabLst>
             </a:pPr>
-            <a:fld id="{DF690F0C-B16E-492C-B139-CA7B1E5E18C9}" type="slidenum">
+            <a:fld id="{90EB9B77-D690-40C6-8350-93D63949ECC3}" type="slidenum">
               <a:rPr b="0" lang="en-IN" sz="1200" spc="-1" strike="noStrike">
                 <a:solidFill>
                   <a:srgbClr val="8b8b8b"/>
                 </a:solidFill>
                 <a:latin typeface="Calibri"/>
               </a:rPr>
-              <a:t>&lt;number&gt;</a:t>
+              <a:t>13</a:t>
             </a:fld>
             <a:endParaRPr b="0" lang="en-IN" sz="1200" spc="-1" strike="noStrike">
               <a:solidFill>
@@ -5219,7 +5219,7 @@
         <p:spPr>
           <a:xfrm>
             <a:off x="838080" y="6356520"/>
-            <a:ext cx="2741040" cy="362880"/>
+            <a:ext cx="2740680" cy="362520"/>
           </a:xfrm>
           <a:prstGeom prst="rect">
             <a:avLst/>
@@ -5255,7 +5255,7 @@
                 </a:solidFill>
                 <a:latin typeface="Times New Roman"/>
               </a:rPr>
-              <a:t>&lt;date/time&gt;</a:t>
+              <a:t> </a:t>
             </a:r>
             <a:endParaRPr b="0" lang="en-IN" sz="1400" spc="-1" strike="noStrike">
               <a:solidFill>
@@ -5597,7 +5597,7 @@
         <p:spPr>
           <a:xfrm>
             <a:off x="4038480" y="6356520"/>
-            <a:ext cx="4112640" cy="362880"/>
+            <a:ext cx="4112280" cy="362520"/>
           </a:xfrm>
           <a:prstGeom prst="rect">
             <a:avLst/>
@@ -5669,7 +5669,7 @@
         <p:spPr>
           <a:xfrm>
             <a:off x="8610480" y="6356520"/>
-            <a:ext cx="2741040" cy="362880"/>
+            <a:ext cx="2740680" cy="362520"/>
           </a:xfrm>
           <a:prstGeom prst="rect">
             <a:avLst/>
@@ -5710,7 +5710,7 @@
                 <a:tab algn="l" pos="0"/>
               </a:tabLst>
             </a:pPr>
-            <a:fld id="{40CBD862-B8FC-489E-A10D-D0D13D45B832}" type="slidenum">
+            <a:fld id="{0168C154-EEC1-4D59-B6F7-4F26E2F274B2}" type="slidenum">
               <a:rPr b="0" lang="en-IN" sz="1200" spc="-1" strike="noStrike">
                 <a:solidFill>
                   <a:srgbClr val="8b8b8b"/>
@@ -5741,7 +5741,7 @@
         <p:spPr>
           <a:xfrm>
             <a:off x="838080" y="6356520"/>
-            <a:ext cx="2741040" cy="362880"/>
+            <a:ext cx="2740680" cy="362520"/>
           </a:xfrm>
           <a:prstGeom prst="rect">
             <a:avLst/>
@@ -6111,8 +6111,8 @@
         </p:blipFill>
         <p:spPr>
           <a:xfrm flipH="1">
-            <a:off x="2160" y="-16200"/>
-            <a:ext cx="12189960" cy="6855840"/>
+            <a:off x="2520" y="-16200"/>
+            <a:ext cx="12189600" cy="6855480"/>
           </a:xfrm>
           <a:prstGeom prst="rect">
             <a:avLst/>
@@ -6135,7 +6135,7 @@
         <p:spPr>
           <a:xfrm>
             <a:off x="4340520" y="861840"/>
-            <a:ext cx="3508920" cy="928440"/>
+            <a:ext cx="3508560" cy="928080"/>
           </a:xfrm>
           <a:prstGeom prst="rect">
             <a:avLst/>
@@ -6154,7 +6154,7 @@
         <p:spPr>
           <a:xfrm>
             <a:off x="2397600" y="2382840"/>
-            <a:ext cx="7394400" cy="579960"/>
+            <a:ext cx="7394040" cy="579960"/>
           </a:xfrm>
           <a:prstGeom prst="rect">
             <a:avLst/>
@@ -6228,7 +6228,7 @@
         <p:spPr>
           <a:xfrm>
             <a:off x="833040" y="4111200"/>
-            <a:ext cx="6195600" cy="2297160"/>
+            <a:ext cx="6195240" cy="2297160"/>
           </a:xfrm>
           <a:prstGeom prst="rect">
             <a:avLst/>
@@ -6463,8 +6463,8 @@
         </p:blipFill>
         <p:spPr>
           <a:xfrm flipH="1">
-            <a:off x="360" y="0"/>
-            <a:ext cx="12189960" cy="6855840"/>
+            <a:off x="720" y="0"/>
+            <a:ext cx="12189600" cy="6855480"/>
           </a:xfrm>
           <a:prstGeom prst="rect">
             <a:avLst/>
@@ -6483,7 +6483,7 @@
         <p:spPr>
           <a:xfrm>
             <a:off x="2404080" y="383760"/>
-            <a:ext cx="2160" cy="432000"/>
+            <a:ext cx="2520" cy="432360"/>
           </a:xfrm>
           <a:prstGeom prst="straightConnector1">
             <a:avLst/>
@@ -6509,7 +6509,7 @@
         <p:spPr>
           <a:xfrm>
             <a:off x="217440" y="338040"/>
-            <a:ext cx="1961280" cy="519480"/>
+            <a:ext cx="1960920" cy="519120"/>
           </a:xfrm>
           <a:prstGeom prst="rect">
             <a:avLst/>
@@ -6528,7 +6528,7 @@
         <p:spPr>
           <a:xfrm>
             <a:off x="2499480" y="383760"/>
-            <a:ext cx="8816760" cy="510120"/>
+            <a:ext cx="8816400" cy="510120"/>
           </a:xfrm>
           <a:prstGeom prst="rect">
             <a:avLst/>
@@ -6594,7 +6594,7 @@
         <p:spPr>
           <a:xfrm>
             <a:off x="490320" y="1349640"/>
-            <a:ext cx="5024520" cy="403920"/>
+            <a:ext cx="5024160" cy="403560"/>
           </a:xfrm>
           <a:prstGeom prst="rect">
             <a:avLst/>
@@ -6638,13 +6638,13 @@
         </p:nvPicPr>
         <p:blipFill>
           <a:blip r:embed="rId3"/>
-          <a:srcRect l="19022" t="28616" r="33728" b="11006"/>
+          <a:srcRect l="19020" t="28612" r="33724" b="11006"/>
           <a:stretch/>
         </p:blipFill>
         <p:spPr>
           <a:xfrm>
             <a:off x="720000" y="1255320"/>
-            <a:ext cx="10440000" cy="4864320"/>
+            <a:ext cx="10439640" cy="4863960"/>
           </a:xfrm>
           <a:prstGeom prst="rect">
             <a:avLst/>
@@ -6703,8 +6703,8 @@
         </p:blipFill>
         <p:spPr>
           <a:xfrm flipH="1">
-            <a:off x="2160" y="36000"/>
-            <a:ext cx="12189960" cy="6855840"/>
+            <a:off x="2520" y="36000"/>
+            <a:ext cx="12189600" cy="6855480"/>
           </a:xfrm>
           <a:prstGeom prst="rect">
             <a:avLst/>
@@ -6723,7 +6723,7 @@
         <p:spPr>
           <a:xfrm>
             <a:off x="2404080" y="383760"/>
-            <a:ext cx="2160" cy="432000"/>
+            <a:ext cx="2520" cy="432360"/>
           </a:xfrm>
           <a:prstGeom prst="straightConnector1">
             <a:avLst/>
@@ -6749,7 +6749,7 @@
         <p:spPr>
           <a:xfrm>
             <a:off x="217440" y="338040"/>
-            <a:ext cx="1961280" cy="519480"/>
+            <a:ext cx="1960920" cy="519120"/>
           </a:xfrm>
           <a:prstGeom prst="rect">
             <a:avLst/>
@@ -6768,7 +6768,7 @@
         <p:spPr>
           <a:xfrm>
             <a:off x="2499480" y="383760"/>
-            <a:ext cx="8816760" cy="510120"/>
+            <a:ext cx="8816400" cy="510120"/>
           </a:xfrm>
           <a:prstGeom prst="rect">
             <a:avLst/>
@@ -6823,13 +6823,13 @@
         </p:nvPicPr>
         <p:blipFill>
           <a:blip r:embed="rId3"/>
-          <a:srcRect l="13270" t="18103" r="0" b="0"/>
+          <a:srcRect l="13268" t="18100" r="0" b="0"/>
           <a:stretch/>
         </p:blipFill>
         <p:spPr>
           <a:xfrm>
             <a:off x="206640" y="1243440"/>
-            <a:ext cx="11830320" cy="5612760"/>
+            <a:ext cx="11829960" cy="5612400"/>
           </a:xfrm>
           <a:prstGeom prst="rect">
             <a:avLst/>
@@ -6881,8 +6881,8 @@
         </p:blipFill>
         <p:spPr>
           <a:xfrm flipH="1">
-            <a:off x="2160" y="720"/>
-            <a:ext cx="12189960" cy="6855840"/>
+            <a:off x="2520" y="720"/>
+            <a:ext cx="12189600" cy="6855480"/>
           </a:xfrm>
           <a:prstGeom prst="rect">
             <a:avLst/>
@@ -6901,7 +6901,7 @@
         <p:spPr>
           <a:xfrm>
             <a:off x="2404080" y="383760"/>
-            <a:ext cx="2160" cy="432000"/>
+            <a:ext cx="2520" cy="432360"/>
           </a:xfrm>
           <a:prstGeom prst="straightConnector1">
             <a:avLst/>
@@ -6927,7 +6927,7 @@
         <p:spPr>
           <a:xfrm>
             <a:off x="217440" y="338040"/>
-            <a:ext cx="1961280" cy="519480"/>
+            <a:ext cx="1960920" cy="519120"/>
           </a:xfrm>
           <a:prstGeom prst="rect">
             <a:avLst/>
@@ -6946,7 +6946,7 @@
         <p:spPr>
           <a:xfrm>
             <a:off x="2499480" y="383760"/>
-            <a:ext cx="8816760" cy="510120"/>
+            <a:ext cx="8816400" cy="510120"/>
           </a:xfrm>
           <a:prstGeom prst="rect">
             <a:avLst/>
@@ -7012,7 +7012,7 @@
         <p:spPr>
           <a:xfrm>
             <a:off x="490320" y="1349640"/>
-            <a:ext cx="5024520" cy="403920"/>
+            <a:ext cx="5024160" cy="403560"/>
           </a:xfrm>
           <a:prstGeom prst="rect">
             <a:avLst/>
@@ -7056,13 +7056,13 @@
         </p:nvPicPr>
         <p:blipFill>
           <a:blip r:embed="rId3"/>
-          <a:srcRect l="30815" t="36458" r="41085" b="11006"/>
+          <a:srcRect l="30811" t="36451" r="41081" b="11006"/>
           <a:stretch/>
         </p:blipFill>
         <p:spPr>
           <a:xfrm>
             <a:off x="868680" y="1350360"/>
-            <a:ext cx="4529880" cy="4768200"/>
+            <a:ext cx="4529520" cy="4767840"/>
           </a:xfrm>
           <a:prstGeom prst="rect">
             <a:avLst/>
@@ -7080,13 +7080,13 @@
         </p:nvPicPr>
         <p:blipFill>
           <a:blip r:embed="rId4"/>
-          <a:srcRect l="30815" t="36780" r="42571" b="5445"/>
+          <a:srcRect l="30811" t="36773" r="42567" b="5445"/>
           <a:stretch/>
         </p:blipFill>
         <p:spPr>
           <a:xfrm>
             <a:off x="6300000" y="1440000"/>
-            <a:ext cx="4498560" cy="4618080"/>
+            <a:ext cx="4498200" cy="4617720"/>
           </a:xfrm>
           <a:prstGeom prst="rect">
             <a:avLst/>
@@ -7138,8 +7138,8 @@
         </p:blipFill>
         <p:spPr>
           <a:xfrm flipH="1">
-            <a:off x="1800" y="360"/>
-            <a:ext cx="12189960" cy="6855840"/>
+            <a:off x="2160" y="360"/>
+            <a:ext cx="12189600" cy="6855480"/>
           </a:xfrm>
           <a:prstGeom prst="rect">
             <a:avLst/>
@@ -7158,7 +7158,7 @@
         <p:spPr>
           <a:xfrm>
             <a:off x="2404080" y="383760"/>
-            <a:ext cx="2160" cy="432000"/>
+            <a:ext cx="2520" cy="432360"/>
           </a:xfrm>
           <a:prstGeom prst="straightConnector1">
             <a:avLst/>
@@ -7184,7 +7184,7 @@
         <p:spPr>
           <a:xfrm>
             <a:off x="217440" y="338040"/>
-            <a:ext cx="1961280" cy="519480"/>
+            <a:ext cx="1960920" cy="519120"/>
           </a:xfrm>
           <a:prstGeom prst="rect">
             <a:avLst/>
@@ -7203,7 +7203,7 @@
         <p:spPr>
           <a:xfrm>
             <a:off x="2499480" y="383760"/>
-            <a:ext cx="8816760" cy="510120"/>
+            <a:ext cx="8816400" cy="510120"/>
           </a:xfrm>
           <a:prstGeom prst="rect">
             <a:avLst/>
@@ -7259,7 +7259,7 @@
         <p:spPr>
           <a:xfrm>
             <a:off x="490320" y="1349640"/>
-            <a:ext cx="5024520" cy="1664640"/>
+            <a:ext cx="5024160" cy="1664280"/>
           </a:xfrm>
           <a:prstGeom prst="rect">
             <a:avLst/>
@@ -7304,7 +7304,7 @@
         <p:spPr>
           <a:xfrm>
             <a:off x="1260000" y="1620000"/>
-            <a:ext cx="4138200" cy="1978200"/>
+            <a:ext cx="4137840" cy="1977840"/>
           </a:xfrm>
           <a:prstGeom prst="rect">
             <a:avLst/>
@@ -7455,7 +7455,7 @@
         <p:spPr>
           <a:xfrm>
             <a:off x="8117280" y="1620000"/>
-            <a:ext cx="2140920" cy="2140920"/>
+            <a:ext cx="2140560" cy="2140560"/>
           </a:xfrm>
           <a:prstGeom prst="rect">
             <a:avLst/>
@@ -7507,8 +7507,8 @@
         </p:blipFill>
         <p:spPr>
           <a:xfrm flipH="1">
-            <a:off x="720" y="-144000"/>
-            <a:ext cx="12189960" cy="6855840"/>
+            <a:off x="1080" y="-144000"/>
+            <a:ext cx="12189600" cy="6855480"/>
           </a:xfrm>
           <a:prstGeom prst="rect">
             <a:avLst/>
@@ -7527,7 +7527,7 @@
         <p:spPr>
           <a:xfrm>
             <a:off x="2404080" y="383760"/>
-            <a:ext cx="2160" cy="432000"/>
+            <a:ext cx="2520" cy="432360"/>
           </a:xfrm>
           <a:prstGeom prst="straightConnector1">
             <a:avLst/>
@@ -7553,7 +7553,7 @@
         <p:spPr>
           <a:xfrm>
             <a:off x="217440" y="338040"/>
-            <a:ext cx="1961280" cy="519480"/>
+            <a:ext cx="1960920" cy="519120"/>
           </a:xfrm>
           <a:prstGeom prst="rect">
             <a:avLst/>
@@ -7572,7 +7572,7 @@
         <p:spPr>
           <a:xfrm>
             <a:off x="2499480" y="383760"/>
-            <a:ext cx="8816760" cy="510120"/>
+            <a:ext cx="8816400" cy="510120"/>
           </a:xfrm>
           <a:prstGeom prst="rect">
             <a:avLst/>
@@ -7628,7 +7628,7 @@
         <p:spPr>
           <a:xfrm>
             <a:off x="540000" y="1844280"/>
-            <a:ext cx="10847880" cy="1035720"/>
+            <a:ext cx="10847520" cy="1035720"/>
           </a:xfrm>
           <a:prstGeom prst="rect">
             <a:avLst/>
@@ -7771,7 +7771,7 @@
         <p:spPr>
           <a:xfrm>
             <a:off x="3780000" y="3960000"/>
-            <a:ext cx="3935520" cy="2202840"/>
+            <a:ext cx="3935160" cy="2202480"/>
           </a:xfrm>
           <a:prstGeom prst="rect">
             <a:avLst/>
@@ -7823,8 +7823,8 @@
         </p:blipFill>
         <p:spPr>
           <a:xfrm flipH="1">
-            <a:off x="-3600" y="-6480"/>
-            <a:ext cx="12189960" cy="6855840"/>
+            <a:off x="-3240" y="29520"/>
+            <a:ext cx="12189600" cy="6855480"/>
           </a:xfrm>
           <a:prstGeom prst="rect">
             <a:avLst/>
@@ -7843,7 +7843,7 @@
         <p:spPr>
           <a:xfrm>
             <a:off x="2404080" y="383760"/>
-            <a:ext cx="2160" cy="432000"/>
+            <a:ext cx="2520" cy="432360"/>
           </a:xfrm>
           <a:prstGeom prst="straightConnector1">
             <a:avLst/>
@@ -7869,7 +7869,7 @@
         <p:spPr>
           <a:xfrm>
             <a:off x="217440" y="338040"/>
-            <a:ext cx="1961280" cy="519480"/>
+            <a:ext cx="1960920" cy="519120"/>
           </a:xfrm>
           <a:prstGeom prst="rect">
             <a:avLst/>
@@ -7888,7 +7888,7 @@
         <p:spPr>
           <a:xfrm>
             <a:off x="698040" y="1503720"/>
-            <a:ext cx="10059480" cy="3948120"/>
+            <a:ext cx="10059120" cy="3948120"/>
           </a:xfrm>
           <a:prstGeom prst="rect">
             <a:avLst/>
@@ -8113,7 +8113,7 @@
                 <a:latin typeface="Times New Roman"/>
                 <a:ea typeface="Arial"/>
               </a:rPr>
-              <a:t>Unit Testing</a:t>
+              <a:t>Service Class</a:t>
             </a:r>
             <a:endParaRPr b="0" lang="en-IN" sz="1800" spc="-1" strike="noStrike">
               <a:solidFill>
@@ -8141,7 +8141,7 @@
                 <a:latin typeface="Times New Roman"/>
                 <a:ea typeface="Arial"/>
               </a:rPr>
-              <a:t>Service Class</a:t>
+              <a:t>Unit Testing</a:t>
             </a:r>
             <a:endParaRPr b="0" lang="en-IN" sz="1800" spc="-1" strike="noStrike">
               <a:solidFill>
@@ -8306,8 +8306,8 @@
         </p:blipFill>
         <p:spPr>
           <a:xfrm flipH="1">
-            <a:off x="2160" y="36000"/>
-            <a:ext cx="12189960" cy="6855840"/>
+            <a:off x="2520" y="36000"/>
+            <a:ext cx="12189600" cy="6855480"/>
           </a:xfrm>
           <a:prstGeom prst="rect">
             <a:avLst/>
@@ -8326,7 +8326,7 @@
         <p:spPr>
           <a:xfrm>
             <a:off x="2404080" y="383760"/>
-            <a:ext cx="2160" cy="432000"/>
+            <a:ext cx="2520" cy="432360"/>
           </a:xfrm>
           <a:prstGeom prst="straightConnector1">
             <a:avLst/>
@@ -8352,7 +8352,7 @@
         <p:spPr>
           <a:xfrm>
             <a:off x="217440" y="338040"/>
-            <a:ext cx="1961280" cy="519480"/>
+            <a:ext cx="1960920" cy="519120"/>
           </a:xfrm>
           <a:prstGeom prst="rect">
             <a:avLst/>
@@ -8371,7 +8371,7 @@
         <p:spPr>
           <a:xfrm>
             <a:off x="490320" y="1349640"/>
-            <a:ext cx="8867880" cy="3732840"/>
+            <a:ext cx="8867520" cy="3732840"/>
           </a:xfrm>
           <a:prstGeom prst="rect">
             <a:avLst/>
@@ -8570,7 +8570,7 @@
         <p:spPr>
           <a:xfrm>
             <a:off x="2499480" y="383760"/>
-            <a:ext cx="8816760" cy="455400"/>
+            <a:ext cx="8816400" cy="455400"/>
           </a:xfrm>
           <a:prstGeom prst="rect">
             <a:avLst/>
@@ -8630,7 +8630,7 @@
         <p:spPr>
           <a:xfrm>
             <a:off x="8297280" y="4500000"/>
-            <a:ext cx="2140920" cy="2140920"/>
+            <a:ext cx="2140560" cy="2140560"/>
           </a:xfrm>
           <a:prstGeom prst="rect">
             <a:avLst/>
@@ -8682,8 +8682,8 @@
         </p:blipFill>
         <p:spPr>
           <a:xfrm flipH="1">
-            <a:off x="2160" y="0"/>
-            <a:ext cx="12189960" cy="6855840"/>
+            <a:off x="2520" y="0"/>
+            <a:ext cx="12189600" cy="6855480"/>
           </a:xfrm>
           <a:prstGeom prst="rect">
             <a:avLst/>
@@ -8702,7 +8702,7 @@
         <p:spPr>
           <a:xfrm>
             <a:off x="2404080" y="383760"/>
-            <a:ext cx="2160" cy="432000"/>
+            <a:ext cx="2520" cy="432360"/>
           </a:xfrm>
           <a:prstGeom prst="straightConnector1">
             <a:avLst/>
@@ -8728,7 +8728,7 @@
         <p:spPr>
           <a:xfrm>
             <a:off x="217440" y="338040"/>
-            <a:ext cx="1961280" cy="519480"/>
+            <a:ext cx="1960920" cy="519120"/>
           </a:xfrm>
           <a:prstGeom prst="rect">
             <a:avLst/>
@@ -8747,7 +8747,7 @@
         <p:spPr>
           <a:xfrm>
             <a:off x="900000" y="1349640"/>
-            <a:ext cx="8458200" cy="4643640"/>
+            <a:ext cx="8457840" cy="4643640"/>
           </a:xfrm>
           <a:prstGeom prst="rect">
             <a:avLst/>
@@ -9062,7 +9062,7 @@
         <p:spPr>
           <a:xfrm>
             <a:off x="2499480" y="383760"/>
-            <a:ext cx="8816760" cy="455400"/>
+            <a:ext cx="8816400" cy="455400"/>
           </a:xfrm>
           <a:prstGeom prst="rect">
             <a:avLst/>
@@ -9122,7 +9122,7 @@
         <p:spPr>
           <a:xfrm>
             <a:off x="6660000" y="1646640"/>
-            <a:ext cx="3751920" cy="3751920"/>
+            <a:ext cx="3751560" cy="3751560"/>
           </a:xfrm>
           <a:prstGeom prst="rect">
             <a:avLst/>
@@ -9174,8 +9174,8 @@
         </p:blipFill>
         <p:spPr>
           <a:xfrm flipH="1">
-            <a:off x="2160" y="0"/>
-            <a:ext cx="12189960" cy="6855840"/>
+            <a:off x="2520" y="0"/>
+            <a:ext cx="12189600" cy="6855480"/>
           </a:xfrm>
           <a:prstGeom prst="rect">
             <a:avLst/>
@@ -9194,7 +9194,7 @@
         <p:spPr>
           <a:xfrm>
             <a:off x="2404080" y="383760"/>
-            <a:ext cx="2160" cy="432000"/>
+            <a:ext cx="2520" cy="432360"/>
           </a:xfrm>
           <a:prstGeom prst="straightConnector1">
             <a:avLst/>
@@ -9220,7 +9220,7 @@
         <p:spPr>
           <a:xfrm>
             <a:off x="217440" y="338040"/>
-            <a:ext cx="1961280" cy="519480"/>
+            <a:ext cx="1960920" cy="519120"/>
           </a:xfrm>
           <a:prstGeom prst="rect">
             <a:avLst/>
@@ -9239,7 +9239,7 @@
         <p:spPr>
           <a:xfrm>
             <a:off x="2499480" y="383760"/>
-            <a:ext cx="8816760" cy="455400"/>
+            <a:ext cx="8816400" cy="455400"/>
           </a:xfrm>
           <a:prstGeom prst="rect">
             <a:avLst/>
@@ -9295,7 +9295,7 @@
         <p:spPr>
           <a:xfrm>
             <a:off x="540000" y="1304280"/>
-            <a:ext cx="5024520" cy="1033920"/>
+            <a:ext cx="5024160" cy="1033560"/>
           </a:xfrm>
           <a:prstGeom prst="rect">
             <a:avLst/>
@@ -9344,7 +9344,7 @@
         <p:spPr>
           <a:xfrm>
             <a:off x="1440000" y="1080000"/>
-            <a:ext cx="10078200" cy="5622840"/>
+            <a:ext cx="10077840" cy="5622480"/>
           </a:xfrm>
           <a:prstGeom prst="rect">
             <a:avLst/>
@@ -9396,8 +9396,8 @@
         </p:blipFill>
         <p:spPr>
           <a:xfrm flipH="1">
-            <a:off x="2160" y="0"/>
-            <a:ext cx="12189960" cy="6855840"/>
+            <a:off x="2520" y="0"/>
+            <a:ext cx="12189600" cy="6855480"/>
           </a:xfrm>
           <a:prstGeom prst="rect">
             <a:avLst/>
@@ -9416,7 +9416,7 @@
         <p:spPr>
           <a:xfrm>
             <a:off x="2404080" y="383760"/>
-            <a:ext cx="2160" cy="432000"/>
+            <a:ext cx="2520" cy="432360"/>
           </a:xfrm>
           <a:prstGeom prst="straightConnector1">
             <a:avLst/>
@@ -9442,7 +9442,7 @@
         <p:spPr>
           <a:xfrm>
             <a:off x="217440" y="338040"/>
-            <a:ext cx="1961280" cy="519480"/>
+            <a:ext cx="1960920" cy="519120"/>
           </a:xfrm>
           <a:prstGeom prst="rect">
             <a:avLst/>
@@ -9461,7 +9461,7 @@
         <p:spPr>
           <a:xfrm>
             <a:off x="2499480" y="383760"/>
-            <a:ext cx="8816760" cy="455400"/>
+            <a:ext cx="8816400" cy="455400"/>
           </a:xfrm>
           <a:prstGeom prst="rect">
             <a:avLst/>
@@ -9517,7 +9517,7 @@
         <p:spPr>
           <a:xfrm>
             <a:off x="1620000" y="2207880"/>
-            <a:ext cx="1433880" cy="1138320"/>
+            <a:ext cx="1433520" cy="1137960"/>
           </a:xfrm>
           <a:prstGeom prst="rect">
             <a:avLst/>
@@ -9575,7 +9575,7 @@
         <p:spPr>
           <a:xfrm>
             <a:off x="8388720" y="2207880"/>
-            <a:ext cx="1639080" cy="1138320"/>
+            <a:ext cx="1638720" cy="1137960"/>
           </a:xfrm>
           <a:prstGeom prst="rect">
             <a:avLst/>
@@ -9633,7 +9633,7 @@
         <p:spPr>
           <a:xfrm>
             <a:off x="5927400" y="2207880"/>
-            <a:ext cx="1433880" cy="1138320"/>
+            <a:ext cx="1433520" cy="1137960"/>
           </a:xfrm>
           <a:prstGeom prst="rect">
             <a:avLst/>
@@ -9691,7 +9691,7 @@
         <p:spPr>
           <a:xfrm>
             <a:off x="3671280" y="2207880"/>
-            <a:ext cx="1433880" cy="1138320"/>
+            <a:ext cx="1433520" cy="1137960"/>
           </a:xfrm>
           <a:prstGeom prst="rect">
             <a:avLst/>
@@ -9917,7 +9917,7 @@
         <p:spPr>
           <a:xfrm>
             <a:off x="8619120" y="4187880"/>
-            <a:ext cx="1639080" cy="1138320"/>
+            <a:ext cx="1638720" cy="1137960"/>
           </a:xfrm>
           <a:prstGeom prst="rect">
             <a:avLst/>
@@ -10088,7 +10088,7 @@
         <p:spPr>
           <a:xfrm>
             <a:off x="3671280" y="4032000"/>
-            <a:ext cx="1433880" cy="1366200"/>
+            <a:ext cx="1433520" cy="1365840"/>
           </a:xfrm>
           <a:prstGeom prst="rect">
             <a:avLst/>
@@ -10188,7 +10188,7 @@
         <p:spPr>
           <a:xfrm>
             <a:off x="1620000" y="4032000"/>
-            <a:ext cx="1639080" cy="1366200"/>
+            <a:ext cx="1638720" cy="1365840"/>
           </a:xfrm>
           <a:prstGeom prst="rect">
             <a:avLst/>
@@ -10360,7 +10360,7 @@
         <p:spPr>
           <a:xfrm>
             <a:off x="3260880" y="4597200"/>
-            <a:ext cx="263520" cy="572760"/>
+            <a:ext cx="263160" cy="572400"/>
           </a:xfrm>
           <a:prstGeom prst="rect">
             <a:avLst/>
@@ -10414,7 +10414,7 @@
         <p:spPr>
           <a:xfrm>
             <a:off x="1770120" y="3294360"/>
-            <a:ext cx="263520" cy="572760"/>
+            <a:ext cx="263160" cy="572400"/>
           </a:xfrm>
           <a:prstGeom prst="rect">
             <a:avLst/>
@@ -10510,7 +10510,7 @@
         <p:spPr>
           <a:xfrm>
             <a:off x="5517360" y="2886120"/>
-            <a:ext cx="263520" cy="572760"/>
+            <a:ext cx="263160" cy="572400"/>
           </a:xfrm>
           <a:prstGeom prst="rect">
             <a:avLst/>
@@ -10564,7 +10564,7 @@
         <p:spPr>
           <a:xfrm>
             <a:off x="4021200" y="3348000"/>
-            <a:ext cx="263520" cy="572760"/>
+            <a:ext cx="263160" cy="572400"/>
           </a:xfrm>
           <a:prstGeom prst="rect">
             <a:avLst/>
@@ -10651,8 +10651,8 @@
         </p:blipFill>
         <p:spPr>
           <a:xfrm flipH="1">
-            <a:off x="2160" y="0"/>
-            <a:ext cx="12189960" cy="6855840"/>
+            <a:off x="2520" y="0"/>
+            <a:ext cx="12189600" cy="6855480"/>
           </a:xfrm>
           <a:prstGeom prst="rect">
             <a:avLst/>
@@ -10671,7 +10671,7 @@
         <p:spPr>
           <a:xfrm>
             <a:off x="2404080" y="383760"/>
-            <a:ext cx="2160" cy="432000"/>
+            <a:ext cx="2520" cy="432360"/>
           </a:xfrm>
           <a:prstGeom prst="straightConnector1">
             <a:avLst/>
@@ -10697,7 +10697,7 @@
         <p:spPr>
           <a:xfrm>
             <a:off x="217440" y="338040"/>
-            <a:ext cx="1961280" cy="519480"/>
+            <a:ext cx="1960920" cy="519120"/>
           </a:xfrm>
           <a:prstGeom prst="rect">
             <a:avLst/>
@@ -10716,7 +10716,7 @@
         <p:spPr>
           <a:xfrm>
             <a:off x="2499480" y="383760"/>
-            <a:ext cx="8816760" cy="510120"/>
+            <a:ext cx="8816400" cy="510120"/>
           </a:xfrm>
           <a:prstGeom prst="rect">
             <a:avLst/>
@@ -10771,13 +10771,13 @@
         </p:nvPicPr>
         <p:blipFill>
           <a:blip r:embed="rId3"/>
-          <a:srcRect l="0" t="15500" r="75022" b="18863"/>
+          <a:srcRect l="0" t="15500" r="75014" b="18859"/>
           <a:stretch/>
         </p:blipFill>
         <p:spPr>
           <a:xfrm>
             <a:off x="900000" y="1260000"/>
-            <a:ext cx="3037320" cy="4497840"/>
+            <a:ext cx="3036960" cy="4497480"/>
           </a:xfrm>
           <a:prstGeom prst="rect">
             <a:avLst/>
@@ -10795,13 +10795,13 @@
         </p:nvPicPr>
         <p:blipFill>
           <a:blip r:embed="rId4"/>
-          <a:srcRect l="26396" t="15500" r="35185" b="34611"/>
+          <a:srcRect l="26394" t="15500" r="35181" b="34607"/>
           <a:stretch/>
         </p:blipFill>
         <p:spPr>
           <a:xfrm>
             <a:off x="5040000" y="1419480"/>
-            <a:ext cx="5938200" cy="4338720"/>
+            <a:ext cx="5937840" cy="4338360"/>
           </a:xfrm>
           <a:prstGeom prst="rect">
             <a:avLst/>
@@ -10853,8 +10853,8 @@
         </p:blipFill>
         <p:spPr>
           <a:xfrm flipH="1">
-            <a:off x="2160" y="18000"/>
-            <a:ext cx="12189960" cy="6855840"/>
+            <a:off x="2520" y="18000"/>
+            <a:ext cx="12189600" cy="6855480"/>
           </a:xfrm>
           <a:prstGeom prst="rect">
             <a:avLst/>
@@ -10873,7 +10873,7 @@
         <p:spPr>
           <a:xfrm>
             <a:off x="2404080" y="383760"/>
-            <a:ext cx="2160" cy="432000"/>
+            <a:ext cx="2520" cy="432360"/>
           </a:xfrm>
           <a:prstGeom prst="straightConnector1">
             <a:avLst/>
@@ -10899,7 +10899,7 @@
         <p:spPr>
           <a:xfrm>
             <a:off x="217440" y="338040"/>
-            <a:ext cx="1961280" cy="519480"/>
+            <a:ext cx="1960920" cy="519120"/>
           </a:xfrm>
           <a:prstGeom prst="rect">
             <a:avLst/>
@@ -10918,7 +10918,7 @@
         <p:spPr>
           <a:xfrm>
             <a:off x="2499480" y="383760"/>
-            <a:ext cx="8816760" cy="510120"/>
+            <a:ext cx="8816400" cy="510120"/>
           </a:xfrm>
           <a:prstGeom prst="rect">
             <a:avLst/>
@@ -10973,13 +10973,13 @@
         </p:nvPicPr>
         <p:blipFill>
           <a:blip r:embed="rId3"/>
-          <a:srcRect l="27862" t="15500" r="35185" b="39846"/>
+          <a:srcRect l="27858" t="15500" r="35181" b="39839"/>
           <a:stretch/>
         </p:blipFill>
         <p:spPr>
           <a:xfrm>
             <a:off x="180360" y="1620000"/>
-            <a:ext cx="5557320" cy="3778200"/>
+            <a:ext cx="5556960" cy="3777840"/>
           </a:xfrm>
           <a:prstGeom prst="rect">
             <a:avLst/>
@@ -10997,13 +10997,13 @@
         </p:nvPicPr>
         <p:blipFill>
           <a:blip r:embed="rId4"/>
-          <a:srcRect l="27862" t="15500" r="27803" b="50338"/>
+          <a:srcRect l="27858" t="15500" r="27799" b="50331"/>
           <a:stretch/>
         </p:blipFill>
         <p:spPr>
           <a:xfrm>
             <a:off x="6120000" y="1620000"/>
-            <a:ext cx="5758200" cy="3778200"/>
+            <a:ext cx="5757840" cy="3777840"/>
           </a:xfrm>
           <a:prstGeom prst="rect">
             <a:avLst/>
@@ -11055,8 +11055,8 @@
         </p:blipFill>
         <p:spPr>
           <a:xfrm flipH="1">
-            <a:off x="2160" y="-20160"/>
-            <a:ext cx="12189960" cy="6855840"/>
+            <a:off x="2520" y="-20160"/>
+            <a:ext cx="12189600" cy="6855480"/>
           </a:xfrm>
           <a:prstGeom prst="rect">
             <a:avLst/>
@@ -11075,7 +11075,7 @@
         <p:spPr>
           <a:xfrm>
             <a:off x="2404080" y="383760"/>
-            <a:ext cx="2160" cy="432000"/>
+            <a:ext cx="2520" cy="432360"/>
           </a:xfrm>
           <a:prstGeom prst="straightConnector1">
             <a:avLst/>
@@ -11101,7 +11101,7 @@
         <p:spPr>
           <a:xfrm>
             <a:off x="217440" y="338040"/>
-            <a:ext cx="1961280" cy="519480"/>
+            <a:ext cx="1960920" cy="519120"/>
           </a:xfrm>
           <a:prstGeom prst="rect">
             <a:avLst/>
@@ -11120,7 +11120,7 @@
         <p:spPr>
           <a:xfrm>
             <a:off x="2499480" y="383760"/>
-            <a:ext cx="8816760" cy="510120"/>
+            <a:ext cx="8816400" cy="510120"/>
           </a:xfrm>
           <a:prstGeom prst="rect">
             <a:avLst/>
@@ -11175,13 +11175,13 @@
         </p:nvPicPr>
         <p:blipFill>
           <a:blip r:embed="rId3"/>
-          <a:srcRect l="1614" t="12868" r="33709" b="37221"/>
+          <a:srcRect l="1614" t="12868" r="33705" b="37214"/>
           <a:stretch/>
         </p:blipFill>
         <p:spPr>
           <a:xfrm>
             <a:off x="1602000" y="1260000"/>
-            <a:ext cx="8296200" cy="3598200"/>
+            <a:ext cx="8295840" cy="3597840"/>
           </a:xfrm>
           <a:prstGeom prst="rect">
             <a:avLst/>
@@ -11199,13 +11199,13 @@
         </p:nvPicPr>
         <p:blipFill>
           <a:blip r:embed="rId4"/>
-          <a:srcRect l="27862" t="17053" r="32232" b="76567"/>
+          <a:srcRect l="27858" t="17050" r="32228" b="76556"/>
           <a:stretch/>
         </p:blipFill>
         <p:spPr>
           <a:xfrm>
             <a:off x="1798560" y="5580000"/>
-            <a:ext cx="8099640" cy="718200"/>
+            <a:ext cx="8099280" cy="717840"/>
           </a:xfrm>
           <a:prstGeom prst="rect">
             <a:avLst/>
